--- a/Fundamenti zivota.pptx
+++ b/Fundamenti zivota.pptx
@@ -10,6 +10,7 @@
     <p:sldId id="258" r:id="rId4"/>
     <p:sldId id="259" r:id="rId5"/>
     <p:sldId id="260" r:id="rId6"/>
+    <p:sldId id="261" r:id="rId7"/>
   </p:sldIdLst>
   <p:sldSz cx="12192000" cy="6858000"/>
   <p:notesSz cx="6858000" cy="9144000"/>
@@ -108,6 +109,11 @@
       </a:defRPr>
     </a:lvl9pPr>
   </p:defaultTextStyle>
+  <p:extLst>
+    <p:ext uri="{EFAFB233-063F-42B5-8137-9DF3F51BA10A}">
+      <p15:sldGuideLst xmlns:p15="http://schemas.microsoft.com/office/powerpoint/2012/main"/>
+    </p:ext>
+  </p:extLst>
 </p:presentation>
 </file>
 
@@ -385,7 +391,7 @@
           <a:p>
             <a:fld id="{9D3D1270-51B6-4F0B-9F78-ABE7C7F67DC8}" type="datetimeFigureOut">
               <a:rPr lang="en-US" smtClean="0"/>
-              <a:t>5/16/2025</a:t>
+              <a:t>5/17/2025</a:t>
             </a:fld>
             <a:endParaRPr lang="en-US"/>
           </a:p>
@@ -799,7 +805,7 @@
           <a:p>
             <a:fld id="{9D3D1270-51B6-4F0B-9F78-ABE7C7F67DC8}" type="datetimeFigureOut">
               <a:rPr lang="en-US" smtClean="0"/>
-              <a:t>5/16/2025</a:t>
+              <a:t>5/17/2025</a:t>
             </a:fld>
             <a:endParaRPr lang="en-US"/>
           </a:p>
@@ -1135,7 +1141,7 @@
           <a:p>
             <a:fld id="{9D3D1270-51B6-4F0B-9F78-ABE7C7F67DC8}" type="datetimeFigureOut">
               <a:rPr lang="en-US" smtClean="0"/>
-              <a:t>5/16/2025</a:t>
+              <a:t>5/17/2025</a:t>
             </a:fld>
             <a:endParaRPr lang="en-US"/>
           </a:p>
@@ -1540,7 +1546,7 @@
           <a:p>
             <a:fld id="{9D3D1270-51B6-4F0B-9F78-ABE7C7F67DC8}" type="datetimeFigureOut">
               <a:rPr lang="en-US" smtClean="0"/>
-              <a:t>5/16/2025</a:t>
+              <a:t>5/17/2025</a:t>
             </a:fld>
             <a:endParaRPr lang="en-US"/>
           </a:p>
@@ -2108,7 +2114,7 @@
           <a:p>
             <a:fld id="{9D3D1270-51B6-4F0B-9F78-ABE7C7F67DC8}" type="datetimeFigureOut">
               <a:rPr lang="en-US" smtClean="0"/>
-              <a:t>5/16/2025</a:t>
+              <a:t>5/17/2025</a:t>
             </a:fld>
             <a:endParaRPr lang="en-US"/>
           </a:p>
@@ -2789,7 +2795,7 @@
           <a:p>
             <a:fld id="{9D3D1270-51B6-4F0B-9F78-ABE7C7F67DC8}" type="datetimeFigureOut">
               <a:rPr lang="en-US" smtClean="0"/>
-              <a:t>5/16/2025</a:t>
+              <a:t>5/17/2025</a:t>
             </a:fld>
             <a:endParaRPr lang="en-US"/>
           </a:p>
@@ -3702,7 +3708,7 @@
           <a:p>
             <a:fld id="{9D3D1270-51B6-4F0B-9F78-ABE7C7F67DC8}" type="datetimeFigureOut">
               <a:rPr lang="en-US" smtClean="0"/>
-              <a:t>5/16/2025</a:t>
+              <a:t>5/17/2025</a:t>
             </a:fld>
             <a:endParaRPr lang="en-US"/>
           </a:p>
@@ -4015,7 +4021,7 @@
           <a:p>
             <a:fld id="{9D3D1270-51B6-4F0B-9F78-ABE7C7F67DC8}" type="datetimeFigureOut">
               <a:rPr lang="en-US" smtClean="0"/>
-              <a:t>5/16/2025</a:t>
+              <a:t>5/17/2025</a:t>
             </a:fld>
             <a:endParaRPr lang="en-US"/>
           </a:p>
@@ -4279,7 +4285,7 @@
           <a:p>
             <a:fld id="{9D3D1270-51B6-4F0B-9F78-ABE7C7F67DC8}" type="datetimeFigureOut">
               <a:rPr lang="en-US" smtClean="0"/>
-              <a:t>5/16/2025</a:t>
+              <a:t>5/17/2025</a:t>
             </a:fld>
             <a:endParaRPr lang="en-US"/>
           </a:p>
@@ -4602,7 +4608,7 @@
           <a:p>
             <a:fld id="{9D3D1270-51B6-4F0B-9F78-ABE7C7F67DC8}" type="datetimeFigureOut">
               <a:rPr lang="en-US" smtClean="0"/>
-              <a:t>5/16/2025</a:t>
+              <a:t>5/17/2025</a:t>
             </a:fld>
             <a:endParaRPr lang="en-US"/>
           </a:p>
@@ -4991,7 +4997,7 @@
           <a:p>
             <a:fld id="{9D3D1270-51B6-4F0B-9F78-ABE7C7F67DC8}" type="datetimeFigureOut">
               <a:rPr lang="en-US" smtClean="0"/>
-              <a:t>5/16/2025</a:t>
+              <a:t>5/17/2025</a:t>
             </a:fld>
             <a:endParaRPr lang="en-US"/>
           </a:p>
@@ -5367,7 +5373,7 @@
           <a:p>
             <a:fld id="{9D3D1270-51B6-4F0B-9F78-ABE7C7F67DC8}" type="datetimeFigureOut">
               <a:rPr lang="en-US" smtClean="0"/>
-              <a:t>5/16/2025</a:t>
+              <a:t>5/17/2025</a:t>
             </a:fld>
             <a:endParaRPr lang="en-US"/>
           </a:p>
@@ -5873,7 +5879,7 @@
           <a:p>
             <a:fld id="{9D3D1270-51B6-4F0B-9F78-ABE7C7F67DC8}" type="datetimeFigureOut">
               <a:rPr lang="en-US" smtClean="0"/>
-              <a:t>5/16/2025</a:t>
+              <a:t>5/17/2025</a:t>
             </a:fld>
             <a:endParaRPr lang="en-US"/>
           </a:p>
@@ -6130,7 +6136,7 @@
           <a:p>
             <a:fld id="{9D3D1270-51B6-4F0B-9F78-ABE7C7F67DC8}" type="datetimeFigureOut">
               <a:rPr lang="en-US" smtClean="0"/>
-              <a:t>5/16/2025</a:t>
+              <a:t>5/17/2025</a:t>
             </a:fld>
             <a:endParaRPr lang="en-US"/>
           </a:p>
@@ -6293,7 +6299,7 @@
           <a:p>
             <a:fld id="{9D3D1270-51B6-4F0B-9F78-ABE7C7F67DC8}" type="datetimeFigureOut">
               <a:rPr lang="en-US" smtClean="0"/>
-              <a:t>5/16/2025</a:t>
+              <a:t>5/17/2025</a:t>
             </a:fld>
             <a:endParaRPr lang="en-US"/>
           </a:p>
@@ -6683,7 +6689,7 @@
           <a:p>
             <a:fld id="{9D3D1270-51B6-4F0B-9F78-ABE7C7F67DC8}" type="datetimeFigureOut">
               <a:rPr lang="en-US" smtClean="0"/>
-              <a:t>5/16/2025</a:t>
+              <a:t>5/17/2025</a:t>
             </a:fld>
             <a:endParaRPr lang="en-US"/>
           </a:p>
@@ -7092,7 +7098,7 @@
           <a:p>
             <a:fld id="{9D3D1270-51B6-4F0B-9F78-ABE7C7F67DC8}" type="datetimeFigureOut">
               <a:rPr lang="en-US" smtClean="0"/>
-              <a:t>5/16/2025</a:t>
+              <a:t>5/17/2025</a:t>
             </a:fld>
             <a:endParaRPr lang="en-US"/>
           </a:p>
@@ -7336,7 +7342,7 @@
           <a:p>
             <a:fld id="{9D3D1270-51B6-4F0B-9F78-ABE7C7F67DC8}" type="datetimeFigureOut">
               <a:rPr lang="en-US" smtClean="0"/>
-              <a:t>5/16/2025</a:t>
+              <a:t>5/17/2025</a:t>
             </a:fld>
             <a:endParaRPr lang="en-US"/>
           </a:p>
@@ -9804,6 +9810,432 @@
 </p:sld>
 </file>
 
+<file path=ppt/slides/slide6.xml><?xml version="1.0" encoding="utf-8"?>
+<p:sld xmlns:a="http://schemas.openxmlformats.org/drawingml/2006/main" xmlns:r="http://schemas.openxmlformats.org/officeDocument/2006/relationships" xmlns:p="http://schemas.openxmlformats.org/presentationml/2006/main">
+  <p:cSld>
+    <p:spTree>
+      <p:nvGrpSpPr>
+        <p:cNvPr id="1" name=""/>
+        <p:cNvGrpSpPr/>
+        <p:nvPr/>
+      </p:nvGrpSpPr>
+      <p:grpSpPr>
+        <a:xfrm>
+          <a:off x="0" y="0"/>
+          <a:ext cx="0" cy="0"/>
+          <a:chOff x="0" y="0"/>
+          <a:chExt cx="0" cy="0"/>
+        </a:xfrm>
+      </p:grpSpPr>
+      <p:sp>
+        <p:nvSpPr>
+          <p:cNvPr id="2" name="Title 1">
+            <a:extLst>
+              <a:ext uri="{FF2B5EF4-FFF2-40B4-BE49-F238E27FC236}">
+                <a16:creationId xmlns:a16="http://schemas.microsoft.com/office/drawing/2014/main" id="{68C9837D-1D98-4F98-B662-CF638F829A83}"/>
+              </a:ext>
+            </a:extLst>
+          </p:cNvPr>
+          <p:cNvSpPr>
+            <a:spLocks noGrp="1"/>
+          </p:cNvSpPr>
+          <p:nvPr>
+            <p:ph type="title"/>
+          </p:nvPr>
+        </p:nvSpPr>
+        <p:spPr/>
+        <p:txBody>
+          <a:bodyPr/>
+          <a:lstStyle/>
+          <a:p>
+            <a:r>
+              <a:rPr lang="en-US" dirty="0"/>
+              <a:t>Nisi </a:t>
+            </a:r>
+            <a:r>
+              <a:rPr lang="en-US" dirty="0" err="1"/>
+              <a:t>pozvan</a:t>
+            </a:r>
+            <a:r>
+              <a:rPr lang="en-US" dirty="0"/>
+              <a:t> da </a:t>
+            </a:r>
+            <a:r>
+              <a:rPr lang="en-US" dirty="0" err="1"/>
+              <a:t>znas</a:t>
+            </a:r>
+            <a:r>
+              <a:rPr lang="en-US" dirty="0"/>
+              <a:t> </a:t>
+            </a:r>
+            <a:r>
+              <a:rPr lang="en-US" dirty="0" err="1"/>
+              <a:t>sve</a:t>
+            </a:r>
+            <a:endParaRPr lang="en-US" dirty="0"/>
+          </a:p>
+        </p:txBody>
+      </p:sp>
+      <p:sp>
+        <p:nvSpPr>
+          <p:cNvPr id="3" name="Content Placeholder 2">
+            <a:extLst>
+              <a:ext uri="{FF2B5EF4-FFF2-40B4-BE49-F238E27FC236}">
+                <a16:creationId xmlns:a16="http://schemas.microsoft.com/office/drawing/2014/main" id="{3ABD5281-3A3A-4FFF-BDC8-85B9C3E9FC08}"/>
+              </a:ext>
+            </a:extLst>
+          </p:cNvPr>
+          <p:cNvSpPr>
+            <a:spLocks noGrp="1"/>
+          </p:cNvSpPr>
+          <p:nvPr>
+            <p:ph idx="1"/>
+          </p:nvPr>
+        </p:nvSpPr>
+        <p:spPr/>
+        <p:txBody>
+          <a:bodyPr/>
+          <a:lstStyle/>
+          <a:p>
+            <a:r>
+              <a:rPr lang="en-US" dirty="0" err="1"/>
+              <a:t>Jer</a:t>
+            </a:r>
+            <a:r>
+              <a:rPr lang="en-US" dirty="0"/>
+              <a:t> </a:t>
+            </a:r>
+            <a:r>
+              <a:rPr lang="en-US" dirty="0" err="1"/>
+              <a:t>ti</a:t>
+            </a:r>
+            <a:r>
+              <a:rPr lang="en-US" dirty="0"/>
+              <a:t> nisi </a:t>
+            </a:r>
+            <a:r>
+              <a:rPr lang="en-US" dirty="0" err="1"/>
+              <a:t>pozvan</a:t>
+            </a:r>
+            <a:r>
+              <a:rPr lang="en-US" dirty="0"/>
+              <a:t> da </a:t>
+            </a:r>
+            <a:r>
+              <a:rPr lang="en-US" dirty="0" err="1"/>
+              <a:t>sve</a:t>
+            </a:r>
+            <a:r>
+              <a:rPr lang="en-US" dirty="0"/>
+              <a:t> </a:t>
+            </a:r>
+            <a:r>
+              <a:rPr lang="en-US" dirty="0" err="1"/>
+              <a:t>razumes</a:t>
+            </a:r>
+            <a:r>
+              <a:rPr lang="en-US" dirty="0"/>
+              <a:t>, </a:t>
+            </a:r>
+            <a:r>
+              <a:rPr lang="en-US" dirty="0" err="1"/>
+              <a:t>nego</a:t>
+            </a:r>
+            <a:r>
+              <a:rPr lang="en-US" dirty="0"/>
+              <a:t> da </a:t>
+            </a:r>
+            <a:r>
+              <a:rPr lang="en-US" dirty="0" err="1"/>
+              <a:t>Gospoda</a:t>
+            </a:r>
+            <a:r>
+              <a:rPr lang="en-US" dirty="0"/>
+              <a:t> </a:t>
+            </a:r>
+            <a:r>
+              <a:rPr lang="en-US" dirty="0" err="1"/>
+              <a:t>poznas</a:t>
+            </a:r>
+            <a:r>
+              <a:rPr lang="en-US" dirty="0"/>
+              <a:t>. </a:t>
+            </a:r>
+            <a:r>
+              <a:rPr lang="en-US" dirty="0" err="1"/>
+              <a:t>Gospod</a:t>
+            </a:r>
+            <a:r>
+              <a:rPr lang="en-US" dirty="0"/>
+              <a:t> </a:t>
+            </a:r>
+            <a:r>
+              <a:rPr lang="en-US" dirty="0" err="1"/>
+              <a:t>nije</a:t>
+            </a:r>
+            <a:r>
+              <a:rPr lang="en-US" dirty="0"/>
+              <a:t> </a:t>
+            </a:r>
+            <a:r>
+              <a:rPr lang="en-US" dirty="0" err="1"/>
+              <a:t>trazio</a:t>
+            </a:r>
+            <a:r>
+              <a:rPr lang="en-US" dirty="0"/>
+              <a:t> </a:t>
+            </a:r>
+            <a:r>
+              <a:rPr lang="en-US" dirty="0" err="1"/>
+              <a:t>savrsene</a:t>
+            </a:r>
+            <a:r>
+              <a:rPr lang="en-US" dirty="0"/>
+              <a:t>, </a:t>
+            </a:r>
+            <a:r>
+              <a:rPr lang="en-US" dirty="0" err="1"/>
+              <a:t>vec</a:t>
+            </a:r>
+            <a:r>
+              <a:rPr lang="en-US" dirty="0"/>
+              <a:t> </a:t>
+            </a:r>
+            <a:r>
+              <a:rPr lang="en-US" dirty="0" err="1"/>
+              <a:t>oni</a:t>
+            </a:r>
+            <a:r>
+              <a:rPr lang="en-US" dirty="0"/>
+              <a:t> koji ga </a:t>
+            </a:r>
+            <a:r>
+              <a:rPr lang="en-US" dirty="0" err="1"/>
+              <a:t>zele</a:t>
+            </a:r>
+            <a:r>
+              <a:rPr lang="en-US" dirty="0"/>
+              <a:t> I </a:t>
+            </a:r>
+            <a:r>
+              <a:rPr lang="en-US" dirty="0" err="1"/>
+              <a:t>kada</a:t>
+            </a:r>
+            <a:r>
+              <a:rPr lang="en-US" dirty="0"/>
+              <a:t> </a:t>
+            </a:r>
+            <a:r>
+              <a:rPr lang="en-US" dirty="0" err="1"/>
+              <a:t>posrcu</a:t>
+            </a:r>
+            <a:r>
+              <a:rPr lang="en-US" dirty="0"/>
+              <a:t>.</a:t>
+            </a:r>
+          </a:p>
+          <a:p>
+            <a:endParaRPr lang="en-US" dirty="0"/>
+          </a:p>
+          <a:p>
+            <a:r>
+              <a:rPr lang="en-US" dirty="0" err="1"/>
+              <a:t>Gospod</a:t>
+            </a:r>
+            <a:r>
+              <a:rPr lang="en-US" dirty="0"/>
+              <a:t> ne </a:t>
+            </a:r>
+            <a:r>
+              <a:rPr lang="en-US" dirty="0" err="1"/>
+              <a:t>gleda</a:t>
+            </a:r>
+            <a:r>
+              <a:rPr lang="en-US" dirty="0"/>
+              <a:t> </a:t>
+            </a:r>
+            <a:r>
+              <a:rPr lang="en-US" dirty="0" err="1"/>
+              <a:t>tvoju</a:t>
+            </a:r>
+            <a:r>
+              <a:rPr lang="en-US" dirty="0"/>
+              <a:t> </a:t>
+            </a:r>
+            <a:r>
+              <a:rPr lang="en-US" dirty="0" err="1"/>
+              <a:t>savrsenost</a:t>
+            </a:r>
+            <a:r>
+              <a:rPr lang="en-US" dirty="0"/>
+              <a:t> </a:t>
+            </a:r>
+            <a:r>
+              <a:rPr lang="en-US" dirty="0" err="1"/>
+              <a:t>na</a:t>
+            </a:r>
+            <a:r>
+              <a:rPr lang="en-US" dirty="0"/>
+              <a:t> </a:t>
+            </a:r>
+            <a:r>
+              <a:rPr lang="en-US" dirty="0" err="1"/>
+              <a:t>poslu</a:t>
+            </a:r>
+            <a:r>
+              <a:rPr lang="en-US" dirty="0"/>
+              <a:t>, ne meri po </a:t>
+            </a:r>
+            <a:r>
+              <a:rPr lang="en-US" dirty="0" err="1"/>
+              <a:t>tvom</a:t>
+            </a:r>
+            <a:r>
+              <a:rPr lang="en-US" dirty="0"/>
+              <a:t> </a:t>
+            </a:r>
+            <a:r>
+              <a:rPr lang="en-US" dirty="0" err="1"/>
+              <a:t>znanju</a:t>
+            </a:r>
+            <a:r>
+              <a:rPr lang="en-US" dirty="0"/>
+              <a:t>. </a:t>
+            </a:r>
+            <a:r>
+              <a:rPr lang="en-US" dirty="0" err="1"/>
+              <a:t>Jer</a:t>
+            </a:r>
+            <a:r>
+              <a:rPr lang="en-US" dirty="0"/>
+              <a:t> </a:t>
+            </a:r>
+            <a:r>
+              <a:rPr lang="en-US" dirty="0" err="1"/>
+              <a:t>ti</a:t>
+            </a:r>
+            <a:r>
+              <a:rPr lang="en-US" dirty="0"/>
+              <a:t> </a:t>
+            </a:r>
+            <a:r>
+              <a:rPr lang="en-US" dirty="0" err="1"/>
+              <a:t>znanja</a:t>
+            </a:r>
+            <a:r>
+              <a:rPr lang="en-US" dirty="0"/>
+              <a:t> </a:t>
+            </a:r>
+            <a:r>
+              <a:rPr lang="en-US" dirty="0" err="1"/>
+              <a:t>ni</a:t>
+            </a:r>
+            <a:r>
+              <a:rPr lang="en-US" dirty="0"/>
+              <a:t> </a:t>
+            </a:r>
+            <a:r>
+              <a:rPr lang="en-US" dirty="0" err="1"/>
+              <a:t>nemas</a:t>
+            </a:r>
+            <a:endParaRPr lang="en-US" dirty="0"/>
+          </a:p>
+          <a:p>
+            <a:endParaRPr lang="en-US" dirty="0"/>
+          </a:p>
+          <a:p>
+            <a:r>
+              <a:rPr lang="en-US" dirty="0"/>
+              <a:t>“</a:t>
+            </a:r>
+            <a:r>
+              <a:rPr lang="en-US" dirty="0" err="1"/>
+              <a:t>Dodji</a:t>
+            </a:r>
+            <a:r>
+              <a:rPr lang="en-US" dirty="0"/>
+              <a:t> k </a:t>
+            </a:r>
+            <a:r>
+              <a:rPr lang="en-US" dirty="0" err="1"/>
+              <a:t>meni</a:t>
+            </a:r>
+            <a:r>
+              <a:rPr lang="en-US" dirty="0"/>
+              <a:t>, </a:t>
+            </a:r>
+            <a:r>
+              <a:rPr lang="en-US" dirty="0" err="1"/>
+              <a:t>svi</a:t>
+            </a:r>
+            <a:r>
+              <a:rPr lang="en-US" dirty="0"/>
+              <a:t> koji </a:t>
+            </a:r>
+            <a:r>
+              <a:rPr lang="en-US" dirty="0" err="1"/>
+              <a:t>ste</a:t>
+            </a:r>
+            <a:r>
+              <a:rPr lang="en-US" dirty="0"/>
+              <a:t> </a:t>
+            </a:r>
+            <a:r>
+              <a:rPr lang="en-US" dirty="0" err="1"/>
+              <a:t>umorni</a:t>
+            </a:r>
+            <a:r>
+              <a:rPr lang="en-US" dirty="0"/>
+              <a:t> I </a:t>
+            </a:r>
+            <a:r>
+              <a:rPr lang="en-US" dirty="0" err="1"/>
+              <a:t>natovareni</a:t>
+            </a:r>
+            <a:r>
+              <a:rPr lang="en-US" dirty="0"/>
+              <a:t>, I ja cu </a:t>
+            </a:r>
+            <a:r>
+              <a:rPr lang="en-US" dirty="0" err="1"/>
+              <a:t>vam</a:t>
+            </a:r>
+            <a:r>
+              <a:rPr lang="en-US" dirty="0"/>
+              <a:t> </a:t>
+            </a:r>
+            <a:r>
+              <a:rPr lang="en-US" dirty="0" err="1"/>
+              <a:t>dati</a:t>
+            </a:r>
+            <a:r>
+              <a:rPr lang="en-US" dirty="0"/>
+              <a:t> </a:t>
+            </a:r>
+            <a:r>
+              <a:rPr lang="en-US" dirty="0" err="1"/>
+              <a:t>odmor</a:t>
+            </a:r>
+            <a:r>
+              <a:rPr lang="en-US" dirty="0"/>
+              <a:t>”</a:t>
+            </a:r>
+          </a:p>
+        </p:txBody>
+      </p:sp>
+    </p:spTree>
+    <p:extLst>
+      <p:ext uri="{BB962C8B-B14F-4D97-AF65-F5344CB8AC3E}">
+        <p14:creationId xmlns:p14="http://schemas.microsoft.com/office/powerpoint/2010/main" val="1131456543"/>
+      </p:ext>
+    </p:extLst>
+  </p:cSld>
+  <p:clrMapOvr>
+    <a:masterClrMapping/>
+  </p:clrMapOvr>
+</p:sld>
+</file>
+
 <file path=ppt/theme/theme1.xml><?xml version="1.0" encoding="utf-8"?>
 <a:theme xmlns:a="http://schemas.openxmlformats.org/drawingml/2006/main" name="Berlin">
   <a:themeElements>

--- a/Fundamenti zivota.pptx
+++ b/Fundamenti zivota.pptx
@@ -11,6 +11,7 @@
     <p:sldId id="259" r:id="rId5"/>
     <p:sldId id="260" r:id="rId6"/>
     <p:sldId id="261" r:id="rId7"/>
+    <p:sldId id="262" r:id="rId8"/>
   </p:sldIdLst>
   <p:sldSz cx="12192000" cy="6858000"/>
   <p:notesSz cx="6858000" cy="9144000"/>
@@ -391,7 +392,7 @@
           <a:p>
             <a:fld id="{9D3D1270-51B6-4F0B-9F78-ABE7C7F67DC8}" type="datetimeFigureOut">
               <a:rPr lang="en-US" smtClean="0"/>
-              <a:t>5/17/2025</a:t>
+              <a:t>5/18/2025</a:t>
             </a:fld>
             <a:endParaRPr lang="en-US"/>
           </a:p>
@@ -805,7 +806,7 @@
           <a:p>
             <a:fld id="{9D3D1270-51B6-4F0B-9F78-ABE7C7F67DC8}" type="datetimeFigureOut">
               <a:rPr lang="en-US" smtClean="0"/>
-              <a:t>5/17/2025</a:t>
+              <a:t>5/18/2025</a:t>
             </a:fld>
             <a:endParaRPr lang="en-US"/>
           </a:p>
@@ -1141,7 +1142,7 @@
           <a:p>
             <a:fld id="{9D3D1270-51B6-4F0B-9F78-ABE7C7F67DC8}" type="datetimeFigureOut">
               <a:rPr lang="en-US" smtClean="0"/>
-              <a:t>5/17/2025</a:t>
+              <a:t>5/18/2025</a:t>
             </a:fld>
             <a:endParaRPr lang="en-US"/>
           </a:p>
@@ -1546,7 +1547,7 @@
           <a:p>
             <a:fld id="{9D3D1270-51B6-4F0B-9F78-ABE7C7F67DC8}" type="datetimeFigureOut">
               <a:rPr lang="en-US" smtClean="0"/>
-              <a:t>5/17/2025</a:t>
+              <a:t>5/18/2025</a:t>
             </a:fld>
             <a:endParaRPr lang="en-US"/>
           </a:p>
@@ -2114,7 +2115,7 @@
           <a:p>
             <a:fld id="{9D3D1270-51B6-4F0B-9F78-ABE7C7F67DC8}" type="datetimeFigureOut">
               <a:rPr lang="en-US" smtClean="0"/>
-              <a:t>5/17/2025</a:t>
+              <a:t>5/18/2025</a:t>
             </a:fld>
             <a:endParaRPr lang="en-US"/>
           </a:p>
@@ -2795,7 +2796,7 @@
           <a:p>
             <a:fld id="{9D3D1270-51B6-4F0B-9F78-ABE7C7F67DC8}" type="datetimeFigureOut">
               <a:rPr lang="en-US" smtClean="0"/>
-              <a:t>5/17/2025</a:t>
+              <a:t>5/18/2025</a:t>
             </a:fld>
             <a:endParaRPr lang="en-US"/>
           </a:p>
@@ -3708,7 +3709,7 @@
           <a:p>
             <a:fld id="{9D3D1270-51B6-4F0B-9F78-ABE7C7F67DC8}" type="datetimeFigureOut">
               <a:rPr lang="en-US" smtClean="0"/>
-              <a:t>5/17/2025</a:t>
+              <a:t>5/18/2025</a:t>
             </a:fld>
             <a:endParaRPr lang="en-US"/>
           </a:p>
@@ -4021,7 +4022,7 @@
           <a:p>
             <a:fld id="{9D3D1270-51B6-4F0B-9F78-ABE7C7F67DC8}" type="datetimeFigureOut">
               <a:rPr lang="en-US" smtClean="0"/>
-              <a:t>5/17/2025</a:t>
+              <a:t>5/18/2025</a:t>
             </a:fld>
             <a:endParaRPr lang="en-US"/>
           </a:p>
@@ -4285,7 +4286,7 @@
           <a:p>
             <a:fld id="{9D3D1270-51B6-4F0B-9F78-ABE7C7F67DC8}" type="datetimeFigureOut">
               <a:rPr lang="en-US" smtClean="0"/>
-              <a:t>5/17/2025</a:t>
+              <a:t>5/18/2025</a:t>
             </a:fld>
             <a:endParaRPr lang="en-US"/>
           </a:p>
@@ -4608,7 +4609,7 @@
           <a:p>
             <a:fld id="{9D3D1270-51B6-4F0B-9F78-ABE7C7F67DC8}" type="datetimeFigureOut">
               <a:rPr lang="en-US" smtClean="0"/>
-              <a:t>5/17/2025</a:t>
+              <a:t>5/18/2025</a:t>
             </a:fld>
             <a:endParaRPr lang="en-US"/>
           </a:p>
@@ -4997,7 +4998,7 @@
           <a:p>
             <a:fld id="{9D3D1270-51B6-4F0B-9F78-ABE7C7F67DC8}" type="datetimeFigureOut">
               <a:rPr lang="en-US" smtClean="0"/>
-              <a:t>5/17/2025</a:t>
+              <a:t>5/18/2025</a:t>
             </a:fld>
             <a:endParaRPr lang="en-US"/>
           </a:p>
@@ -5373,7 +5374,7 @@
           <a:p>
             <a:fld id="{9D3D1270-51B6-4F0B-9F78-ABE7C7F67DC8}" type="datetimeFigureOut">
               <a:rPr lang="en-US" smtClean="0"/>
-              <a:t>5/17/2025</a:t>
+              <a:t>5/18/2025</a:t>
             </a:fld>
             <a:endParaRPr lang="en-US"/>
           </a:p>
@@ -5879,7 +5880,7 @@
           <a:p>
             <a:fld id="{9D3D1270-51B6-4F0B-9F78-ABE7C7F67DC8}" type="datetimeFigureOut">
               <a:rPr lang="en-US" smtClean="0"/>
-              <a:t>5/17/2025</a:t>
+              <a:t>5/18/2025</a:t>
             </a:fld>
             <a:endParaRPr lang="en-US"/>
           </a:p>
@@ -6136,7 +6137,7 @@
           <a:p>
             <a:fld id="{9D3D1270-51B6-4F0B-9F78-ABE7C7F67DC8}" type="datetimeFigureOut">
               <a:rPr lang="en-US" smtClean="0"/>
-              <a:t>5/17/2025</a:t>
+              <a:t>5/18/2025</a:t>
             </a:fld>
             <a:endParaRPr lang="en-US"/>
           </a:p>
@@ -6299,7 +6300,7 @@
           <a:p>
             <a:fld id="{9D3D1270-51B6-4F0B-9F78-ABE7C7F67DC8}" type="datetimeFigureOut">
               <a:rPr lang="en-US" smtClean="0"/>
-              <a:t>5/17/2025</a:t>
+              <a:t>5/18/2025</a:t>
             </a:fld>
             <a:endParaRPr lang="en-US"/>
           </a:p>
@@ -6689,7 +6690,7 @@
           <a:p>
             <a:fld id="{9D3D1270-51B6-4F0B-9F78-ABE7C7F67DC8}" type="datetimeFigureOut">
               <a:rPr lang="en-US" smtClean="0"/>
-              <a:t>5/17/2025</a:t>
+              <a:t>5/18/2025</a:t>
             </a:fld>
             <a:endParaRPr lang="en-US"/>
           </a:p>
@@ -7098,7 +7099,7 @@
           <a:p>
             <a:fld id="{9D3D1270-51B6-4F0B-9F78-ABE7C7F67DC8}" type="datetimeFigureOut">
               <a:rPr lang="en-US" smtClean="0"/>
-              <a:t>5/17/2025</a:t>
+              <a:t>5/18/2025</a:t>
             </a:fld>
             <a:endParaRPr lang="en-US"/>
           </a:p>
@@ -7342,7 +7343,7 @@
           <a:p>
             <a:fld id="{9D3D1270-51B6-4F0B-9F78-ABE7C7F67DC8}" type="datetimeFigureOut">
               <a:rPr lang="en-US" smtClean="0"/>
-              <a:t>5/17/2025</a:t>
+              <a:t>5/18/2025</a:t>
             </a:fld>
             <a:endParaRPr lang="en-US"/>
           </a:p>
@@ -10236,6 +10237,592 @@
 </p:sld>
 </file>
 
+<file path=ppt/slides/slide7.xml><?xml version="1.0" encoding="utf-8"?>
+<p:sld xmlns:a="http://schemas.openxmlformats.org/drawingml/2006/main" xmlns:r="http://schemas.openxmlformats.org/officeDocument/2006/relationships" xmlns:p="http://schemas.openxmlformats.org/presentationml/2006/main">
+  <p:cSld>
+    <p:spTree>
+      <p:nvGrpSpPr>
+        <p:cNvPr id="1" name=""/>
+        <p:cNvGrpSpPr/>
+        <p:nvPr/>
+      </p:nvGrpSpPr>
+      <p:grpSpPr>
+        <a:xfrm>
+          <a:off x="0" y="0"/>
+          <a:ext cx="0" cy="0"/>
+          <a:chOff x="0" y="0"/>
+          <a:chExt cx="0" cy="0"/>
+        </a:xfrm>
+      </p:grpSpPr>
+      <p:sp>
+        <p:nvSpPr>
+          <p:cNvPr id="2" name="Title 1">
+            <a:extLst>
+              <a:ext uri="{FF2B5EF4-FFF2-40B4-BE49-F238E27FC236}">
+                <a16:creationId xmlns:a16="http://schemas.microsoft.com/office/drawing/2014/main" id="{510C0FC4-48B0-4A42-834F-A4DFE9287B03}"/>
+              </a:ext>
+            </a:extLst>
+          </p:cNvPr>
+          <p:cNvSpPr>
+            <a:spLocks noGrp="1"/>
+          </p:cNvSpPr>
+          <p:nvPr>
+            <p:ph type="title"/>
+          </p:nvPr>
+        </p:nvSpPr>
+        <p:spPr/>
+        <p:txBody>
+          <a:bodyPr/>
+          <a:lstStyle/>
+          <a:p>
+            <a:r>
+              <a:rPr lang="en-US" dirty="0"/>
+              <a:t>“</a:t>
+            </a:r>
+            <a:r>
+              <a:rPr lang="en-US" dirty="0" err="1"/>
+              <a:t>Izbaci</a:t>
+            </a:r>
+            <a:r>
+              <a:rPr lang="en-US" dirty="0"/>
+              <a:t>” Boga </a:t>
+            </a:r>
+            <a:r>
+              <a:rPr lang="en-US" dirty="0" err="1"/>
+              <a:t>iz</a:t>
+            </a:r>
+            <a:r>
+              <a:rPr lang="en-US" dirty="0"/>
+              <a:t> </a:t>
+            </a:r>
+            <a:r>
+              <a:rPr lang="en-US" dirty="0" err="1"/>
+              <a:t>poslovnog</a:t>
+            </a:r>
+            <a:r>
+              <a:rPr lang="en-US" dirty="0"/>
+              <a:t> </a:t>
+            </a:r>
+            <a:r>
+              <a:rPr lang="en-US" dirty="0" err="1"/>
+              <a:t>sveta</a:t>
+            </a:r>
+            <a:r>
+              <a:rPr lang="en-US" dirty="0"/>
+              <a:t>	</a:t>
+            </a:r>
+          </a:p>
+        </p:txBody>
+      </p:sp>
+      <p:sp>
+        <p:nvSpPr>
+          <p:cNvPr id="3" name="Content Placeholder 2">
+            <a:extLst>
+              <a:ext uri="{FF2B5EF4-FFF2-40B4-BE49-F238E27FC236}">
+                <a16:creationId xmlns:a16="http://schemas.microsoft.com/office/drawing/2014/main" id="{370EA88E-2D99-4356-9E6B-9FF4FB717165}"/>
+              </a:ext>
+            </a:extLst>
+          </p:cNvPr>
+          <p:cNvSpPr>
+            <a:spLocks noGrp="1"/>
+          </p:cNvSpPr>
+          <p:nvPr>
+            <p:ph idx="1"/>
+          </p:nvPr>
+        </p:nvSpPr>
+        <p:spPr/>
+        <p:txBody>
+          <a:bodyPr/>
+          <a:lstStyle/>
+          <a:p>
+            <a:r>
+              <a:rPr lang="en-US" dirty="0" err="1"/>
+              <a:t>Rekao</a:t>
+            </a:r>
+            <a:r>
+              <a:rPr lang="en-US" dirty="0"/>
+              <a:t> </a:t>
+            </a:r>
+            <a:r>
+              <a:rPr lang="en-US" dirty="0" err="1"/>
+              <a:t>sam</a:t>
+            </a:r>
+            <a:r>
+              <a:rPr lang="en-US" dirty="0"/>
+              <a:t> </a:t>
+            </a:r>
+            <a:r>
+              <a:rPr lang="en-US" dirty="0" err="1"/>
+              <a:t>Bogu</a:t>
+            </a:r>
+            <a:r>
+              <a:rPr lang="en-US" dirty="0"/>
+              <a:t>: “</a:t>
+            </a:r>
+            <a:r>
+              <a:rPr lang="en-US" dirty="0" err="1"/>
+              <a:t>Gospode</a:t>
+            </a:r>
+            <a:r>
+              <a:rPr lang="en-US" dirty="0"/>
+              <a:t>, </a:t>
+            </a:r>
+            <a:r>
+              <a:rPr lang="en-US" dirty="0" err="1"/>
+              <a:t>dalje</a:t>
+            </a:r>
+            <a:r>
+              <a:rPr lang="en-US" dirty="0"/>
+              <a:t> se </a:t>
+            </a:r>
+            <a:r>
+              <a:rPr lang="en-US" dirty="0" err="1"/>
+              <a:t>necu</a:t>
+            </a:r>
+            <a:r>
+              <a:rPr lang="en-US" dirty="0"/>
+              <a:t> vise </a:t>
+            </a:r>
+            <a:r>
+              <a:rPr lang="en-US" dirty="0" err="1"/>
+              <a:t>moliti</a:t>
+            </a:r>
+            <a:r>
+              <a:rPr lang="en-US" dirty="0"/>
+              <a:t> za </a:t>
+            </a:r>
+            <a:r>
+              <a:rPr lang="en-US" dirty="0" err="1"/>
+              <a:t>posao</a:t>
+            </a:r>
+            <a:r>
+              <a:rPr lang="en-US" dirty="0"/>
+              <a:t>, </a:t>
+            </a:r>
+            <a:r>
+              <a:rPr lang="en-US" dirty="0" err="1"/>
+              <a:t>nadam</a:t>
+            </a:r>
+            <a:r>
+              <a:rPr lang="en-US" dirty="0"/>
+              <a:t> se da me </a:t>
+            </a:r>
+            <a:r>
+              <a:rPr lang="en-US" dirty="0" err="1"/>
+              <a:t>razumes</a:t>
+            </a:r>
+            <a:r>
+              <a:rPr lang="en-US" dirty="0"/>
+              <a:t>. Previse </a:t>
+            </a:r>
+            <a:r>
+              <a:rPr lang="en-US" dirty="0" err="1"/>
+              <a:t>te</a:t>
+            </a:r>
+            <a:r>
+              <a:rPr lang="en-US" dirty="0"/>
+              <a:t> </a:t>
+            </a:r>
+            <a:r>
+              <a:rPr lang="en-US" dirty="0" err="1"/>
+              <a:t>uplicem</a:t>
+            </a:r>
+            <a:r>
+              <a:rPr lang="en-US" dirty="0"/>
+              <a:t> u </a:t>
+            </a:r>
+            <a:r>
+              <a:rPr lang="en-US" dirty="0" err="1"/>
+              <a:t>svoj</a:t>
+            </a:r>
+            <a:r>
+              <a:rPr lang="en-US" dirty="0"/>
+              <a:t> </a:t>
+            </a:r>
+            <a:r>
+              <a:rPr lang="en-US" dirty="0" err="1"/>
+              <a:t>poslovni</a:t>
+            </a:r>
+            <a:r>
+              <a:rPr lang="en-US" dirty="0"/>
+              <a:t> </a:t>
+            </a:r>
+            <a:r>
+              <a:rPr lang="en-US" dirty="0" err="1"/>
+              <a:t>zivot</a:t>
+            </a:r>
+            <a:r>
+              <a:rPr lang="en-US" dirty="0"/>
+              <a:t> I ne </a:t>
+            </a:r>
+            <a:r>
+              <a:rPr lang="en-US" dirty="0" err="1"/>
+              <a:t>mogu</a:t>
+            </a:r>
+            <a:r>
+              <a:rPr lang="en-US" dirty="0"/>
+              <a:t> da </a:t>
+            </a:r>
+            <a:r>
+              <a:rPr lang="en-US" dirty="0" err="1"/>
+              <a:t>razdvojim</a:t>
+            </a:r>
+            <a:r>
+              <a:rPr lang="en-US" dirty="0"/>
+              <a:t> </a:t>
+            </a:r>
+            <a:r>
+              <a:rPr lang="en-US" dirty="0" err="1"/>
+              <a:t>prilazak</a:t>
+            </a:r>
+            <a:r>
+              <a:rPr lang="en-US" dirty="0"/>
+              <a:t> </a:t>
+            </a:r>
+            <a:r>
+              <a:rPr lang="en-US" dirty="0" err="1"/>
+              <a:t>tebi</a:t>
+            </a:r>
+            <a:r>
+              <a:rPr lang="en-US" dirty="0"/>
+              <a:t> od </a:t>
+            </a:r>
+            <a:r>
+              <a:rPr lang="en-US" dirty="0" err="1"/>
+              <a:t>posla</a:t>
+            </a:r>
+            <a:r>
+              <a:rPr lang="en-US" dirty="0"/>
+              <a:t>, </a:t>
+            </a:r>
+            <a:r>
+              <a:rPr lang="en-US" dirty="0" err="1"/>
+              <a:t>jer</a:t>
+            </a:r>
+            <a:r>
+              <a:rPr lang="en-US" dirty="0"/>
+              <a:t> </a:t>
+            </a:r>
+            <a:r>
+              <a:rPr lang="en-US" dirty="0" err="1"/>
+              <a:t>ste</a:t>
+            </a:r>
+            <a:r>
+              <a:rPr lang="en-US" dirty="0"/>
+              <a:t> mi </a:t>
+            </a:r>
+            <a:r>
+              <a:rPr lang="en-US" dirty="0" err="1"/>
+              <a:t>jedno</a:t>
+            </a:r>
+            <a:r>
+              <a:rPr lang="en-US" dirty="0"/>
+              <a:t> </a:t>
+            </a:r>
+            <a:r>
+              <a:rPr lang="en-US" dirty="0" err="1"/>
+              <a:t>isto</a:t>
+            </a:r>
+            <a:r>
+              <a:rPr lang="en-US" dirty="0"/>
+              <a:t>. </a:t>
+            </a:r>
+            <a:r>
+              <a:rPr lang="en-US" dirty="0" err="1"/>
+              <a:t>Ovom</a:t>
+            </a:r>
+            <a:r>
+              <a:rPr lang="en-US" dirty="0"/>
+              <a:t> </a:t>
+            </a:r>
+            <a:r>
+              <a:rPr lang="en-US" dirty="0" err="1"/>
+              <a:t>prilikom</a:t>
+            </a:r>
+            <a:r>
+              <a:rPr lang="en-US" dirty="0"/>
+              <a:t> cu se </a:t>
+            </a:r>
+            <a:r>
+              <a:rPr lang="en-US" dirty="0" err="1"/>
+              <a:t>poslednji</a:t>
+            </a:r>
+            <a:r>
+              <a:rPr lang="en-US" dirty="0"/>
+              <a:t> put </a:t>
+            </a:r>
+            <a:r>
+              <a:rPr lang="en-US" dirty="0" err="1"/>
+              <a:t>pomoliti</a:t>
+            </a:r>
+            <a:r>
+              <a:rPr lang="en-US" dirty="0"/>
+              <a:t> za </a:t>
+            </a:r>
+            <a:r>
+              <a:rPr lang="en-US" dirty="0" err="1"/>
+              <a:t>posao</a:t>
+            </a:r>
+            <a:r>
+              <a:rPr lang="en-US" dirty="0"/>
+              <a:t>, </a:t>
+            </a:r>
+            <a:r>
+              <a:rPr lang="en-US" dirty="0" err="1"/>
+              <a:t>molim</a:t>
+            </a:r>
+            <a:r>
+              <a:rPr lang="en-US" dirty="0"/>
+              <a:t> </a:t>
+            </a:r>
+            <a:r>
+              <a:rPr lang="en-US" dirty="0" err="1"/>
+              <a:t>te</a:t>
+            </a:r>
+            <a:r>
+              <a:rPr lang="en-US" dirty="0"/>
+              <a:t> </a:t>
+            </a:r>
+            <a:r>
+              <a:rPr lang="en-US" dirty="0" err="1"/>
+              <a:t>vodi</a:t>
+            </a:r>
+            <a:r>
+              <a:rPr lang="en-US" dirty="0"/>
+              <a:t> </a:t>
+            </a:r>
+            <a:r>
+              <a:rPr lang="en-US" dirty="0" err="1"/>
+              <a:t>moju</a:t>
+            </a:r>
+            <a:r>
+              <a:rPr lang="en-US" dirty="0"/>
+              <a:t> </a:t>
+            </a:r>
+            <a:r>
+              <a:rPr lang="en-US" dirty="0" err="1"/>
+              <a:t>karijeru</a:t>
+            </a:r>
+            <a:r>
+              <a:rPr lang="en-US" dirty="0"/>
+              <a:t> I </a:t>
+            </a:r>
+            <a:r>
+              <a:rPr lang="en-US" dirty="0" err="1"/>
+              <a:t>pomozi</a:t>
+            </a:r>
+            <a:r>
+              <a:rPr lang="en-US" dirty="0"/>
+              <a:t> mi da dobro </a:t>
+            </a:r>
+            <a:r>
+              <a:rPr lang="en-US" dirty="0" err="1"/>
+              <a:t>radim</a:t>
+            </a:r>
+            <a:r>
+              <a:rPr lang="en-US" dirty="0"/>
+              <a:t>. </a:t>
+            </a:r>
+            <a:r>
+              <a:rPr lang="en-US" dirty="0" err="1"/>
+              <a:t>Kada</a:t>
+            </a:r>
+            <a:r>
+              <a:rPr lang="en-US" dirty="0"/>
+              <a:t> </a:t>
+            </a:r>
+            <a:r>
+              <a:rPr lang="en-US" dirty="0" err="1"/>
+              <a:t>dodjem</a:t>
+            </a:r>
+            <a:r>
+              <a:rPr lang="en-US" dirty="0"/>
+              <a:t> </a:t>
+            </a:r>
+            <a:r>
+              <a:rPr lang="en-US" dirty="0" err="1"/>
+              <a:t>kuci</a:t>
+            </a:r>
+            <a:r>
+              <a:rPr lang="en-US" dirty="0"/>
+              <a:t>, </a:t>
+            </a:r>
+            <a:r>
+              <a:rPr lang="en-US" dirty="0" err="1"/>
+              <a:t>pocinjem</a:t>
+            </a:r>
+            <a:r>
+              <a:rPr lang="en-US" dirty="0"/>
+              <a:t> da se </a:t>
+            </a:r>
+            <a:r>
+              <a:rPr lang="en-US" dirty="0" err="1"/>
+              <a:t>druzim</a:t>
+            </a:r>
+            <a:r>
+              <a:rPr lang="en-US" dirty="0"/>
+              <a:t> </a:t>
+            </a:r>
+            <a:r>
+              <a:rPr lang="en-US" dirty="0" err="1"/>
+              <a:t>sa</a:t>
+            </a:r>
+            <a:r>
+              <a:rPr lang="en-US" dirty="0"/>
+              <a:t> </a:t>
+            </a:r>
+            <a:r>
+              <a:rPr lang="en-US" dirty="0" err="1"/>
+              <a:t>Tobom</a:t>
+            </a:r>
+            <a:r>
+              <a:rPr lang="en-US" dirty="0"/>
+              <a:t>, I </a:t>
+            </a:r>
+            <a:r>
+              <a:rPr lang="en-US" dirty="0" err="1"/>
+              <a:t>pokusacu</a:t>
+            </a:r>
+            <a:r>
+              <a:rPr lang="en-US" dirty="0"/>
+              <a:t> </a:t>
+            </a:r>
+            <a:r>
+              <a:rPr lang="en-US" dirty="0" err="1"/>
+              <a:t>na</a:t>
+            </a:r>
+            <a:r>
+              <a:rPr lang="en-US" dirty="0"/>
+              <a:t> taj </a:t>
+            </a:r>
+            <a:r>
+              <a:rPr lang="en-US" dirty="0" err="1"/>
+              <a:t>nacin</a:t>
+            </a:r>
+            <a:r>
+              <a:rPr lang="en-US" dirty="0"/>
+              <a:t> da </a:t>
+            </a:r>
+            <a:r>
+              <a:rPr lang="en-US" dirty="0" err="1"/>
+              <a:t>izlecim</a:t>
+            </a:r>
+            <a:r>
+              <a:rPr lang="en-US" dirty="0"/>
+              <a:t> </a:t>
+            </a:r>
+            <a:r>
+              <a:rPr lang="en-US" dirty="0" err="1"/>
+              <a:t>svoj</a:t>
+            </a:r>
+            <a:r>
+              <a:rPr lang="en-US" dirty="0"/>
+              <a:t> </a:t>
+            </a:r>
+            <a:r>
+              <a:rPr lang="en-US" dirty="0" err="1"/>
+              <a:t>iskrivljeni</a:t>
+            </a:r>
+            <a:r>
+              <a:rPr lang="en-US" dirty="0"/>
+              <a:t> </a:t>
+            </a:r>
+            <a:r>
+              <a:rPr lang="en-US" dirty="0" err="1"/>
+              <a:t>pogled</a:t>
+            </a:r>
+            <a:r>
+              <a:rPr lang="en-US" dirty="0"/>
+              <a:t> </a:t>
+            </a:r>
+            <a:r>
+              <a:rPr lang="en-US" dirty="0" err="1"/>
+              <a:t>na</a:t>
+            </a:r>
+            <a:r>
+              <a:rPr lang="en-US" dirty="0"/>
+              <a:t> </a:t>
+            </a:r>
+            <a:r>
+              <a:rPr lang="en-US" dirty="0" err="1"/>
+              <a:t>svet</a:t>
+            </a:r>
+            <a:r>
+              <a:rPr lang="en-US" dirty="0"/>
+              <a:t>. </a:t>
+            </a:r>
+            <a:r>
+              <a:rPr lang="en-US" dirty="0" err="1"/>
+              <a:t>Naravno</a:t>
+            </a:r>
+            <a:r>
+              <a:rPr lang="en-US" dirty="0"/>
+              <a:t>, </a:t>
+            </a:r>
+            <a:r>
+              <a:rPr lang="en-US" dirty="0" err="1"/>
+              <a:t>Gospode</a:t>
+            </a:r>
+            <a:r>
+              <a:rPr lang="en-US" dirty="0"/>
+              <a:t> </a:t>
+            </a:r>
+            <a:r>
+              <a:rPr lang="en-US" dirty="0" err="1"/>
+              <a:t>ti</a:t>
+            </a:r>
+            <a:r>
+              <a:rPr lang="en-US" dirty="0"/>
+              <a:t> </a:t>
+            </a:r>
+            <a:r>
+              <a:rPr lang="en-US" dirty="0" err="1"/>
+              <a:t>si</a:t>
+            </a:r>
+            <a:r>
+              <a:rPr lang="en-US" dirty="0"/>
+              <a:t> </a:t>
+            </a:r>
+            <a:r>
+              <a:rPr lang="en-US" dirty="0" err="1"/>
+              <a:t>uvek</a:t>
+            </a:r>
+            <a:r>
+              <a:rPr lang="en-US" dirty="0"/>
+              <a:t> </a:t>
+            </a:r>
+            <a:r>
+              <a:rPr lang="en-US" dirty="0" err="1"/>
+              <a:t>sa</a:t>
+            </a:r>
+            <a:r>
+              <a:rPr lang="en-US" dirty="0"/>
+              <a:t> </a:t>
+            </a:r>
+            <a:r>
+              <a:rPr lang="en-US" dirty="0" err="1"/>
+              <a:t>mnom</a:t>
+            </a:r>
+            <a:r>
+              <a:rPr lang="en-US"/>
+              <a:t>”</a:t>
+            </a:r>
+          </a:p>
+        </p:txBody>
+      </p:sp>
+    </p:spTree>
+    <p:extLst>
+      <p:ext uri="{BB962C8B-B14F-4D97-AF65-F5344CB8AC3E}">
+        <p14:creationId xmlns:p14="http://schemas.microsoft.com/office/powerpoint/2010/main" val="4224594438"/>
+      </p:ext>
+    </p:extLst>
+  </p:cSld>
+  <p:clrMapOvr>
+    <a:masterClrMapping/>
+  </p:clrMapOvr>
+</p:sld>
+</file>
+
 <file path=ppt/theme/theme1.xml><?xml version="1.0" encoding="utf-8"?>
 <a:theme xmlns:a="http://schemas.openxmlformats.org/drawingml/2006/main" name="Berlin">
   <a:themeElements>

--- a/Fundamenti zivota.pptx
+++ b/Fundamenti zivota.pptx
@@ -12,6 +12,7 @@
     <p:sldId id="260" r:id="rId6"/>
     <p:sldId id="261" r:id="rId7"/>
     <p:sldId id="262" r:id="rId8"/>
+    <p:sldId id="263" r:id="rId9"/>
   </p:sldIdLst>
   <p:sldSz cx="12192000" cy="6858000"/>
   <p:notesSz cx="6858000" cy="9144000"/>
@@ -392,7 +393,7 @@
           <a:p>
             <a:fld id="{9D3D1270-51B6-4F0B-9F78-ABE7C7F67DC8}" type="datetimeFigureOut">
               <a:rPr lang="en-US" smtClean="0"/>
-              <a:t>5/18/2025</a:t>
+              <a:t>8/5/2025</a:t>
             </a:fld>
             <a:endParaRPr lang="en-US"/>
           </a:p>
@@ -806,7 +807,7 @@
           <a:p>
             <a:fld id="{9D3D1270-51B6-4F0B-9F78-ABE7C7F67DC8}" type="datetimeFigureOut">
               <a:rPr lang="en-US" smtClean="0"/>
-              <a:t>5/18/2025</a:t>
+              <a:t>8/5/2025</a:t>
             </a:fld>
             <a:endParaRPr lang="en-US"/>
           </a:p>
@@ -1142,7 +1143,7 @@
           <a:p>
             <a:fld id="{9D3D1270-51B6-4F0B-9F78-ABE7C7F67DC8}" type="datetimeFigureOut">
               <a:rPr lang="en-US" smtClean="0"/>
-              <a:t>5/18/2025</a:t>
+              <a:t>8/5/2025</a:t>
             </a:fld>
             <a:endParaRPr lang="en-US"/>
           </a:p>
@@ -1547,7 +1548,7 @@
           <a:p>
             <a:fld id="{9D3D1270-51B6-4F0B-9F78-ABE7C7F67DC8}" type="datetimeFigureOut">
               <a:rPr lang="en-US" smtClean="0"/>
-              <a:t>5/18/2025</a:t>
+              <a:t>8/5/2025</a:t>
             </a:fld>
             <a:endParaRPr lang="en-US"/>
           </a:p>
@@ -2115,7 +2116,7 @@
           <a:p>
             <a:fld id="{9D3D1270-51B6-4F0B-9F78-ABE7C7F67DC8}" type="datetimeFigureOut">
               <a:rPr lang="en-US" smtClean="0"/>
-              <a:t>5/18/2025</a:t>
+              <a:t>8/5/2025</a:t>
             </a:fld>
             <a:endParaRPr lang="en-US"/>
           </a:p>
@@ -2796,7 +2797,7 @@
           <a:p>
             <a:fld id="{9D3D1270-51B6-4F0B-9F78-ABE7C7F67DC8}" type="datetimeFigureOut">
               <a:rPr lang="en-US" smtClean="0"/>
-              <a:t>5/18/2025</a:t>
+              <a:t>8/5/2025</a:t>
             </a:fld>
             <a:endParaRPr lang="en-US"/>
           </a:p>
@@ -3709,7 +3710,7 @@
           <a:p>
             <a:fld id="{9D3D1270-51B6-4F0B-9F78-ABE7C7F67DC8}" type="datetimeFigureOut">
               <a:rPr lang="en-US" smtClean="0"/>
-              <a:t>5/18/2025</a:t>
+              <a:t>8/5/2025</a:t>
             </a:fld>
             <a:endParaRPr lang="en-US"/>
           </a:p>
@@ -4022,7 +4023,7 @@
           <a:p>
             <a:fld id="{9D3D1270-51B6-4F0B-9F78-ABE7C7F67DC8}" type="datetimeFigureOut">
               <a:rPr lang="en-US" smtClean="0"/>
-              <a:t>5/18/2025</a:t>
+              <a:t>8/5/2025</a:t>
             </a:fld>
             <a:endParaRPr lang="en-US"/>
           </a:p>
@@ -4286,7 +4287,7 @@
           <a:p>
             <a:fld id="{9D3D1270-51B6-4F0B-9F78-ABE7C7F67DC8}" type="datetimeFigureOut">
               <a:rPr lang="en-US" smtClean="0"/>
-              <a:t>5/18/2025</a:t>
+              <a:t>8/5/2025</a:t>
             </a:fld>
             <a:endParaRPr lang="en-US"/>
           </a:p>
@@ -4609,7 +4610,7 @@
           <a:p>
             <a:fld id="{9D3D1270-51B6-4F0B-9F78-ABE7C7F67DC8}" type="datetimeFigureOut">
               <a:rPr lang="en-US" smtClean="0"/>
-              <a:t>5/18/2025</a:t>
+              <a:t>8/5/2025</a:t>
             </a:fld>
             <a:endParaRPr lang="en-US"/>
           </a:p>
@@ -4998,7 +4999,7 @@
           <a:p>
             <a:fld id="{9D3D1270-51B6-4F0B-9F78-ABE7C7F67DC8}" type="datetimeFigureOut">
               <a:rPr lang="en-US" smtClean="0"/>
-              <a:t>5/18/2025</a:t>
+              <a:t>8/5/2025</a:t>
             </a:fld>
             <a:endParaRPr lang="en-US"/>
           </a:p>
@@ -5374,7 +5375,7 @@
           <a:p>
             <a:fld id="{9D3D1270-51B6-4F0B-9F78-ABE7C7F67DC8}" type="datetimeFigureOut">
               <a:rPr lang="en-US" smtClean="0"/>
-              <a:t>5/18/2025</a:t>
+              <a:t>8/5/2025</a:t>
             </a:fld>
             <a:endParaRPr lang="en-US"/>
           </a:p>
@@ -5880,7 +5881,7 @@
           <a:p>
             <a:fld id="{9D3D1270-51B6-4F0B-9F78-ABE7C7F67DC8}" type="datetimeFigureOut">
               <a:rPr lang="en-US" smtClean="0"/>
-              <a:t>5/18/2025</a:t>
+              <a:t>8/5/2025</a:t>
             </a:fld>
             <a:endParaRPr lang="en-US"/>
           </a:p>
@@ -6137,7 +6138,7 @@
           <a:p>
             <a:fld id="{9D3D1270-51B6-4F0B-9F78-ABE7C7F67DC8}" type="datetimeFigureOut">
               <a:rPr lang="en-US" smtClean="0"/>
-              <a:t>5/18/2025</a:t>
+              <a:t>8/5/2025</a:t>
             </a:fld>
             <a:endParaRPr lang="en-US"/>
           </a:p>
@@ -6300,7 +6301,7 @@
           <a:p>
             <a:fld id="{9D3D1270-51B6-4F0B-9F78-ABE7C7F67DC8}" type="datetimeFigureOut">
               <a:rPr lang="en-US" smtClean="0"/>
-              <a:t>5/18/2025</a:t>
+              <a:t>8/5/2025</a:t>
             </a:fld>
             <a:endParaRPr lang="en-US"/>
           </a:p>
@@ -6690,7 +6691,7 @@
           <a:p>
             <a:fld id="{9D3D1270-51B6-4F0B-9F78-ABE7C7F67DC8}" type="datetimeFigureOut">
               <a:rPr lang="en-US" smtClean="0"/>
-              <a:t>5/18/2025</a:t>
+              <a:t>8/5/2025</a:t>
             </a:fld>
             <a:endParaRPr lang="en-US"/>
           </a:p>
@@ -7099,7 +7100,7 @@
           <a:p>
             <a:fld id="{9D3D1270-51B6-4F0B-9F78-ABE7C7F67DC8}" type="datetimeFigureOut">
               <a:rPr lang="en-US" smtClean="0"/>
-              <a:t>5/18/2025</a:t>
+              <a:t>8/5/2025</a:t>
             </a:fld>
             <a:endParaRPr lang="en-US"/>
           </a:p>
@@ -7343,7 +7344,7 @@
           <a:p>
             <a:fld id="{9D3D1270-51B6-4F0B-9F78-ABE7C7F67DC8}" type="datetimeFigureOut">
               <a:rPr lang="en-US" smtClean="0"/>
-              <a:t>5/18/2025</a:t>
+              <a:t>8/5/2025</a:t>
             </a:fld>
             <a:endParaRPr lang="en-US"/>
           </a:p>
@@ -8077,15 +8078,7 @@
             </a:r>
             <a:r>
               <a:rPr lang="en-US" dirty="0"/>
-              <a:t> </a:t>
-            </a:r>
-            <a:r>
-              <a:rPr lang="en-US" dirty="0" err="1"/>
-              <a:t>zivot</a:t>
-            </a:r>
-            <a:r>
-              <a:rPr lang="en-US" dirty="0"/>
-              <a:t> </a:t>
+              <a:t> zivot </a:t>
             </a:r>
             <a:r>
               <a:rPr lang="en-US" dirty="0">
@@ -8093,6 +8086,169 @@
               </a:rPr>
               <a:t></a:t>
             </a:r>
+          </a:p>
+          <a:p>
+            <a:endParaRPr lang="en-US" dirty="0">
+              <a:sym typeface="Wingdings" panose="05000000000000000000" pitchFamily="2" charset="2"/>
+            </a:endParaRPr>
+          </a:p>
+          <a:p>
+            <a:r>
+              <a:rPr lang="en-US" dirty="0" err="1">
+                <a:sym typeface="Wingdings" panose="05000000000000000000" pitchFamily="2" charset="2"/>
+              </a:rPr>
+              <a:t>Igraj</a:t>
+            </a:r>
+            <a:r>
+              <a:rPr lang="en-US" dirty="0">
+                <a:sym typeface="Wingdings" panose="05000000000000000000" pitchFamily="2" charset="2"/>
+              </a:rPr>
+              <a:t> se </a:t>
+            </a:r>
+            <a:r>
+              <a:rPr lang="en-US" dirty="0" err="1">
+                <a:sym typeface="Wingdings" panose="05000000000000000000" pitchFamily="2" charset="2"/>
+              </a:rPr>
+              <a:t>sa</a:t>
+            </a:r>
+            <a:r>
+              <a:rPr lang="en-US" dirty="0">
+                <a:sym typeface="Wingdings" panose="05000000000000000000" pitchFamily="2" charset="2"/>
+              </a:rPr>
+              <a:t> </a:t>
+            </a:r>
+            <a:r>
+              <a:rPr lang="en-US" dirty="0" err="1">
+                <a:sym typeface="Wingdings" panose="05000000000000000000" pitchFamily="2" charset="2"/>
+              </a:rPr>
+              <a:t>zivotom</a:t>
+            </a:r>
+            <a:r>
+              <a:rPr lang="en-US" dirty="0">
+                <a:sym typeface="Wingdings" panose="05000000000000000000" pitchFamily="2" charset="2"/>
+              </a:rPr>
+              <a:t>, </a:t>
+            </a:r>
+            <a:r>
+              <a:rPr lang="en-US" dirty="0" err="1">
+                <a:sym typeface="Wingdings" panose="05000000000000000000" pitchFamily="2" charset="2"/>
+              </a:rPr>
+              <a:t>trci</a:t>
+            </a:r>
+            <a:r>
+              <a:rPr lang="en-US" dirty="0">
+                <a:sym typeface="Wingdings" panose="05000000000000000000" pitchFamily="2" charset="2"/>
+              </a:rPr>
+              <a:t>, </a:t>
+            </a:r>
+            <a:r>
+              <a:rPr lang="en-US" dirty="0" err="1">
+                <a:sym typeface="Wingdings" panose="05000000000000000000" pitchFamily="2" charset="2"/>
+              </a:rPr>
+              <a:t>istrazuj</a:t>
+            </a:r>
+            <a:r>
+              <a:rPr lang="en-US" dirty="0">
+                <a:sym typeface="Wingdings" panose="05000000000000000000" pitchFamily="2" charset="2"/>
+              </a:rPr>
+              <a:t>, </a:t>
+            </a:r>
+            <a:r>
+              <a:rPr lang="en-US" dirty="0" err="1">
+                <a:sym typeface="Wingdings" panose="05000000000000000000" pitchFamily="2" charset="2"/>
+              </a:rPr>
+              <a:t>pitaj</a:t>
+            </a:r>
+            <a:r>
+              <a:rPr lang="en-US" dirty="0">
+                <a:sym typeface="Wingdings" panose="05000000000000000000" pitchFamily="2" charset="2"/>
+              </a:rPr>
+              <a:t>, </a:t>
+            </a:r>
+            <a:r>
+              <a:rPr lang="en-US" dirty="0" err="1">
+                <a:sym typeface="Wingdings" panose="05000000000000000000" pitchFamily="2" charset="2"/>
+              </a:rPr>
+              <a:t>Sali</a:t>
+            </a:r>
+            <a:r>
+              <a:rPr lang="en-US" dirty="0">
+                <a:sym typeface="Wingdings" panose="05000000000000000000" pitchFamily="2" charset="2"/>
+              </a:rPr>
+              <a:t> se </a:t>
+            </a:r>
+            <a:r>
+              <a:rPr lang="en-US" dirty="0" err="1">
+                <a:sym typeface="Wingdings" panose="05000000000000000000" pitchFamily="2" charset="2"/>
+              </a:rPr>
+              <a:t>sa</a:t>
+            </a:r>
+            <a:r>
+              <a:rPr lang="en-US" dirty="0">
+                <a:sym typeface="Wingdings" panose="05000000000000000000" pitchFamily="2" charset="2"/>
+              </a:rPr>
+              <a:t> </a:t>
+            </a:r>
+            <a:r>
+              <a:rPr lang="en-US" dirty="0" err="1">
+                <a:sym typeface="Wingdings" panose="05000000000000000000" pitchFamily="2" charset="2"/>
+              </a:rPr>
+              <a:t>ljudima</a:t>
+            </a:r>
+            <a:r>
+              <a:rPr lang="en-US" dirty="0">
+                <a:sym typeface="Wingdings" panose="05000000000000000000" pitchFamily="2" charset="2"/>
+              </a:rPr>
+              <a:t>.</a:t>
+            </a:r>
+          </a:p>
+          <a:p>
+            <a:r>
+              <a:rPr lang="en-US" dirty="0">
+                <a:sym typeface="Wingdings" panose="05000000000000000000" pitchFamily="2" charset="2"/>
+              </a:rPr>
+              <a:t>OVO JE PROLAZNO!!!!</a:t>
+            </a:r>
+          </a:p>
+          <a:p>
+            <a:endParaRPr lang="en-US" dirty="0">
+              <a:sym typeface="Wingdings" panose="05000000000000000000" pitchFamily="2" charset="2"/>
+            </a:endParaRPr>
+          </a:p>
+          <a:p>
+            <a:r>
+              <a:rPr lang="en-US" dirty="0" err="1">
+                <a:sym typeface="Wingdings" panose="05000000000000000000" pitchFamily="2" charset="2"/>
+              </a:rPr>
+              <a:t>Ti</a:t>
+            </a:r>
+            <a:r>
+              <a:rPr lang="en-US" dirty="0">
+                <a:sym typeface="Wingdings" panose="05000000000000000000" pitchFamily="2" charset="2"/>
+              </a:rPr>
+              <a:t> </a:t>
+            </a:r>
+            <a:r>
+              <a:rPr lang="en-US" dirty="0" err="1">
+                <a:sym typeface="Wingdings" panose="05000000000000000000" pitchFamily="2" charset="2"/>
+              </a:rPr>
+              <a:t>si</a:t>
+            </a:r>
+            <a:r>
+              <a:rPr lang="en-US" dirty="0">
+                <a:sym typeface="Wingdings" panose="05000000000000000000" pitchFamily="2" charset="2"/>
+              </a:rPr>
+              <a:t> turista </a:t>
+            </a:r>
+            <a:r>
+              <a:rPr lang="en-US" dirty="0" err="1">
+                <a:sym typeface="Wingdings" panose="05000000000000000000" pitchFamily="2" charset="2"/>
+              </a:rPr>
+              <a:t>ovde</a:t>
+            </a:r>
+            <a:endParaRPr lang="en-US" dirty="0">
+              <a:sym typeface="Wingdings" panose="05000000000000000000" pitchFamily="2" charset="2"/>
+            </a:endParaRPr>
           </a:p>
           <a:p>
             <a:endParaRPr lang="en-US" dirty="0"/>
@@ -10814,6 +10970,309 @@
     <p:extLst>
       <p:ext uri="{BB962C8B-B14F-4D97-AF65-F5344CB8AC3E}">
         <p14:creationId xmlns:p14="http://schemas.microsoft.com/office/powerpoint/2010/main" val="4224594438"/>
+      </p:ext>
+    </p:extLst>
+  </p:cSld>
+  <p:clrMapOvr>
+    <a:masterClrMapping/>
+  </p:clrMapOvr>
+</p:sld>
+</file>
+
+<file path=ppt/slides/slide8.xml><?xml version="1.0" encoding="utf-8"?>
+<p:sld xmlns:a="http://schemas.openxmlformats.org/drawingml/2006/main" xmlns:r="http://schemas.openxmlformats.org/officeDocument/2006/relationships" xmlns:p="http://schemas.openxmlformats.org/presentationml/2006/main">
+  <p:cSld>
+    <p:spTree>
+      <p:nvGrpSpPr>
+        <p:cNvPr id="1" name=""/>
+        <p:cNvGrpSpPr/>
+        <p:nvPr/>
+      </p:nvGrpSpPr>
+      <p:grpSpPr>
+        <a:xfrm>
+          <a:off x="0" y="0"/>
+          <a:ext cx="0" cy="0"/>
+          <a:chOff x="0" y="0"/>
+          <a:chExt cx="0" cy="0"/>
+        </a:xfrm>
+      </p:grpSpPr>
+      <p:sp>
+        <p:nvSpPr>
+          <p:cNvPr id="2" name="Title 1">
+            <a:extLst>
+              <a:ext uri="{FF2B5EF4-FFF2-40B4-BE49-F238E27FC236}">
+                <a16:creationId xmlns:a16="http://schemas.microsoft.com/office/drawing/2014/main" id="{510C0FC4-48B0-4A42-834F-A4DFE9287B03}"/>
+              </a:ext>
+            </a:extLst>
+          </p:cNvPr>
+          <p:cNvSpPr>
+            <a:spLocks noGrp="1"/>
+          </p:cNvSpPr>
+          <p:nvPr>
+            <p:ph type="title"/>
+          </p:nvPr>
+        </p:nvSpPr>
+        <p:spPr/>
+        <p:txBody>
+          <a:bodyPr/>
+          <a:lstStyle/>
+          <a:p>
+            <a:r>
+              <a:rPr lang="en-US" dirty="0" err="1"/>
+              <a:t>Koristi</a:t>
+            </a:r>
+            <a:r>
+              <a:rPr lang="en-US" dirty="0"/>
+              <a:t> pomodoro </a:t>
+            </a:r>
+          </a:p>
+        </p:txBody>
+      </p:sp>
+      <p:sp>
+        <p:nvSpPr>
+          <p:cNvPr id="3" name="Content Placeholder 2">
+            <a:extLst>
+              <a:ext uri="{FF2B5EF4-FFF2-40B4-BE49-F238E27FC236}">
+                <a16:creationId xmlns:a16="http://schemas.microsoft.com/office/drawing/2014/main" id="{370EA88E-2D99-4356-9E6B-9FF4FB717165}"/>
+              </a:ext>
+            </a:extLst>
+          </p:cNvPr>
+          <p:cNvSpPr>
+            <a:spLocks noGrp="1"/>
+          </p:cNvSpPr>
+          <p:nvPr>
+            <p:ph idx="1"/>
+          </p:nvPr>
+        </p:nvSpPr>
+        <p:spPr/>
+        <p:txBody>
+          <a:bodyPr/>
+          <a:lstStyle/>
+          <a:p>
+            <a:r>
+              <a:rPr lang="en-US" dirty="0"/>
+              <a:t>Ne </a:t>
+            </a:r>
+            <a:r>
+              <a:rPr lang="en-US" dirty="0" err="1"/>
+              <a:t>nabijaj</a:t>
+            </a:r>
+            <a:r>
+              <a:rPr lang="en-US" dirty="0"/>
+              <a:t> </a:t>
+            </a:r>
+            <a:r>
+              <a:rPr lang="en-US" dirty="0" err="1"/>
+              <a:t>sebi</a:t>
+            </a:r>
+            <a:r>
+              <a:rPr lang="en-US" dirty="0"/>
+              <a:t> </a:t>
+            </a:r>
+            <a:r>
+              <a:rPr lang="en-US" dirty="0" err="1"/>
+              <a:t>pritisak</a:t>
+            </a:r>
+            <a:r>
+              <a:rPr lang="en-US" dirty="0"/>
+              <a:t>. </a:t>
+            </a:r>
+            <a:r>
+              <a:rPr lang="en-US" dirty="0" err="1"/>
+              <a:t>Postavi</a:t>
+            </a:r>
+            <a:r>
+              <a:rPr lang="en-US" dirty="0"/>
+              <a:t> </a:t>
+            </a:r>
+            <a:r>
+              <a:rPr lang="en-US" dirty="0" err="1"/>
+              <a:t>pomodor</a:t>
+            </a:r>
+            <a:r>
+              <a:rPr lang="en-US" dirty="0"/>
+              <a:t> I </a:t>
+            </a:r>
+            <a:r>
+              <a:rPr lang="en-US" dirty="0" err="1"/>
+              <a:t>reci</a:t>
+            </a:r>
+            <a:r>
+              <a:rPr lang="en-US" dirty="0"/>
+              <a:t> : </a:t>
+            </a:r>
+            <a:r>
+              <a:rPr lang="en-US" dirty="0" err="1"/>
+              <a:t>koliko</a:t>
+            </a:r>
+            <a:r>
+              <a:rPr lang="en-US" dirty="0"/>
+              <a:t> do tad </a:t>
+            </a:r>
+            <a:r>
+              <a:rPr lang="en-US" dirty="0" err="1"/>
+              <a:t>uradim</a:t>
+            </a:r>
+            <a:r>
+              <a:rPr lang="en-US" dirty="0"/>
+              <a:t> </a:t>
+            </a:r>
+            <a:r>
+              <a:rPr lang="en-US" dirty="0" err="1"/>
+              <a:t>uradim</a:t>
+            </a:r>
+            <a:r>
+              <a:rPr lang="en-US" dirty="0"/>
+              <a:t>, </a:t>
+            </a:r>
+            <a:r>
+              <a:rPr lang="en-US" dirty="0" err="1"/>
+              <a:t>necu</a:t>
+            </a:r>
+            <a:r>
+              <a:rPr lang="en-US" dirty="0"/>
+              <a:t> da </a:t>
+            </a:r>
+            <a:r>
+              <a:rPr lang="en-US" dirty="0" err="1"/>
+              <a:t>vrsim</a:t>
+            </a:r>
+            <a:r>
+              <a:rPr lang="en-US" dirty="0"/>
+              <a:t> </a:t>
+            </a:r>
+            <a:r>
+              <a:rPr lang="en-US" dirty="0" err="1"/>
+              <a:t>pritisak</a:t>
+            </a:r>
+            <a:r>
+              <a:rPr lang="en-US" dirty="0"/>
+              <a:t> </a:t>
+            </a:r>
+            <a:r>
+              <a:rPr lang="en-US" dirty="0" err="1"/>
+              <a:t>na</a:t>
+            </a:r>
+            <a:r>
+              <a:rPr lang="en-US" dirty="0"/>
+              <a:t> </a:t>
+            </a:r>
+            <a:r>
+              <a:rPr lang="en-US" dirty="0" err="1"/>
+              <a:t>sebe</a:t>
+            </a:r>
+            <a:r>
+              <a:rPr lang="en-US" dirty="0"/>
+              <a:t>. </a:t>
+            </a:r>
+            <a:r>
+              <a:rPr lang="en-US" dirty="0" err="1"/>
+              <a:t>Pocni</a:t>
+            </a:r>
+            <a:r>
+              <a:rPr lang="en-US" dirty="0"/>
+              <a:t> da </a:t>
+            </a:r>
+            <a:r>
+              <a:rPr lang="en-US" dirty="0" err="1"/>
+              <a:t>radis</a:t>
+            </a:r>
+            <a:r>
+              <a:rPr lang="en-US" dirty="0"/>
+              <a:t> 10% </a:t>
+            </a:r>
+            <a:r>
+              <a:rPr lang="en-US" dirty="0" err="1"/>
+              <a:t>sporije</a:t>
+            </a:r>
+            <a:r>
+              <a:rPr lang="en-US" dirty="0"/>
+              <a:t> </a:t>
+            </a:r>
+            <a:r>
+              <a:rPr lang="en-US" dirty="0" err="1"/>
+              <a:t>nego</a:t>
+            </a:r>
+            <a:r>
+              <a:rPr lang="en-US" dirty="0"/>
+              <a:t> </a:t>
+            </a:r>
+            <a:r>
+              <a:rPr lang="en-US" dirty="0" err="1"/>
+              <a:t>sto</a:t>
+            </a:r>
+            <a:r>
+              <a:rPr lang="en-US" dirty="0"/>
+              <a:t> </a:t>
+            </a:r>
+            <a:r>
+              <a:rPr lang="en-US" dirty="0" err="1"/>
+              <a:t>si</a:t>
+            </a:r>
+            <a:r>
+              <a:rPr lang="en-US" dirty="0"/>
+              <a:t> </a:t>
+            </a:r>
+            <a:r>
+              <a:rPr lang="en-US" dirty="0" err="1"/>
+              <a:t>inace</a:t>
+            </a:r>
+            <a:r>
+              <a:rPr lang="en-US" dirty="0"/>
+              <a:t> radio. </a:t>
+            </a:r>
+            <a:r>
+              <a:rPr lang="en-US" dirty="0" err="1"/>
+              <a:t>Uspori</a:t>
+            </a:r>
+            <a:r>
+              <a:rPr lang="en-US" dirty="0"/>
+              <a:t> I </a:t>
+            </a:r>
+            <a:r>
+              <a:rPr lang="en-US" dirty="0" err="1"/>
+              <a:t>vidi</a:t>
+            </a:r>
+            <a:r>
+              <a:rPr lang="en-US" dirty="0"/>
+              <a:t> </a:t>
+            </a:r>
+            <a:r>
+              <a:rPr lang="en-US" dirty="0" err="1"/>
+              <a:t>kako</a:t>
+            </a:r>
+            <a:r>
+              <a:rPr lang="en-US" dirty="0"/>
+              <a:t> se da se to </a:t>
+            </a:r>
+            <a:r>
+              <a:rPr lang="en-US" dirty="0" err="1"/>
+              <a:t>odrazi</a:t>
+            </a:r>
+            <a:r>
+              <a:rPr lang="en-US" dirty="0"/>
+              <a:t> </a:t>
+            </a:r>
+            <a:r>
+              <a:rPr lang="en-US" dirty="0" err="1"/>
+              <a:t>na</a:t>
+            </a:r>
+            <a:r>
+              <a:rPr lang="en-US" dirty="0"/>
+              <a:t> </a:t>
+            </a:r>
+            <a:r>
+              <a:rPr lang="en-US"/>
+              <a:t>sve</a:t>
+            </a:r>
+            <a:endParaRPr lang="en-US" dirty="0"/>
+          </a:p>
+        </p:txBody>
+      </p:sp>
+    </p:spTree>
+    <p:extLst>
+      <p:ext uri="{BB962C8B-B14F-4D97-AF65-F5344CB8AC3E}">
+        <p14:creationId xmlns:p14="http://schemas.microsoft.com/office/powerpoint/2010/main" val="2985264182"/>
       </p:ext>
     </p:extLst>
   </p:cSld>

--- a/Fundamenti zivota.pptx
+++ b/Fundamenti zivota.pptx
@@ -13,6 +13,10 @@
     <p:sldId id="261" r:id="rId7"/>
     <p:sldId id="262" r:id="rId8"/>
     <p:sldId id="263" r:id="rId9"/>
+    <p:sldId id="264" r:id="rId10"/>
+    <p:sldId id="265" r:id="rId11"/>
+    <p:sldId id="266" r:id="rId12"/>
+    <p:sldId id="267" r:id="rId13"/>
   </p:sldIdLst>
   <p:sldSz cx="12192000" cy="6858000"/>
   <p:notesSz cx="6858000" cy="9144000"/>
@@ -112,6 +116,29 @@
     </a:lvl9pPr>
   </p:defaultTextStyle>
   <p:extLst>
+    <p:ext uri="{521415D9-36F7-43E2-AB2F-B90AF26B5E84}">
+      <p14:sectionLst xmlns:p14="http://schemas.microsoft.com/office/powerpoint/2010/main">
+        <p14:section name="Default Section" id="{F250173F-4EC2-4E77-9C93-FA03804C6605}">
+          <p14:sldIdLst>
+            <p14:sldId id="256"/>
+            <p14:sldId id="257"/>
+            <p14:sldId id="258"/>
+            <p14:sldId id="259"/>
+            <p14:sldId id="260"/>
+            <p14:sldId id="261"/>
+            <p14:sldId id="262"/>
+            <p14:sldId id="263"/>
+            <p14:sldId id="264"/>
+            <p14:sldId id="265"/>
+            <p14:sldId id="266"/>
+            <p14:sldId id="267"/>
+          </p14:sldIdLst>
+        </p14:section>
+        <p14:section name="Untitled Section" id="{7E9C2C80-8019-4EFC-A47A-160A9E63861D}">
+          <p14:sldIdLst/>
+        </p14:section>
+      </p14:sectionLst>
+    </p:ext>
     <p:ext uri="{EFAFB233-063F-42B5-8137-9DF3F51BA10A}">
       <p15:sldGuideLst xmlns:p15="http://schemas.microsoft.com/office/powerpoint/2012/main"/>
     </p:ext>
@@ -393,7 +420,7 @@
           <a:p>
             <a:fld id="{9D3D1270-51B6-4F0B-9F78-ABE7C7F67DC8}" type="datetimeFigureOut">
               <a:rPr lang="en-US" smtClean="0"/>
-              <a:t>8/5/2025</a:t>
+              <a:t>8/7/2025</a:t>
             </a:fld>
             <a:endParaRPr lang="en-US"/>
           </a:p>
@@ -807,7 +834,7 @@
           <a:p>
             <a:fld id="{9D3D1270-51B6-4F0B-9F78-ABE7C7F67DC8}" type="datetimeFigureOut">
               <a:rPr lang="en-US" smtClean="0"/>
-              <a:t>8/5/2025</a:t>
+              <a:t>8/7/2025</a:t>
             </a:fld>
             <a:endParaRPr lang="en-US"/>
           </a:p>
@@ -1143,7 +1170,7 @@
           <a:p>
             <a:fld id="{9D3D1270-51B6-4F0B-9F78-ABE7C7F67DC8}" type="datetimeFigureOut">
               <a:rPr lang="en-US" smtClean="0"/>
-              <a:t>8/5/2025</a:t>
+              <a:t>8/7/2025</a:t>
             </a:fld>
             <a:endParaRPr lang="en-US"/>
           </a:p>
@@ -1548,7 +1575,7 @@
           <a:p>
             <a:fld id="{9D3D1270-51B6-4F0B-9F78-ABE7C7F67DC8}" type="datetimeFigureOut">
               <a:rPr lang="en-US" smtClean="0"/>
-              <a:t>8/5/2025</a:t>
+              <a:t>8/7/2025</a:t>
             </a:fld>
             <a:endParaRPr lang="en-US"/>
           </a:p>
@@ -2116,7 +2143,7 @@
           <a:p>
             <a:fld id="{9D3D1270-51B6-4F0B-9F78-ABE7C7F67DC8}" type="datetimeFigureOut">
               <a:rPr lang="en-US" smtClean="0"/>
-              <a:t>8/5/2025</a:t>
+              <a:t>8/7/2025</a:t>
             </a:fld>
             <a:endParaRPr lang="en-US"/>
           </a:p>
@@ -2797,7 +2824,7 @@
           <a:p>
             <a:fld id="{9D3D1270-51B6-4F0B-9F78-ABE7C7F67DC8}" type="datetimeFigureOut">
               <a:rPr lang="en-US" smtClean="0"/>
-              <a:t>8/5/2025</a:t>
+              <a:t>8/7/2025</a:t>
             </a:fld>
             <a:endParaRPr lang="en-US"/>
           </a:p>
@@ -3710,7 +3737,7 @@
           <a:p>
             <a:fld id="{9D3D1270-51B6-4F0B-9F78-ABE7C7F67DC8}" type="datetimeFigureOut">
               <a:rPr lang="en-US" smtClean="0"/>
-              <a:t>8/5/2025</a:t>
+              <a:t>8/7/2025</a:t>
             </a:fld>
             <a:endParaRPr lang="en-US"/>
           </a:p>
@@ -4023,7 +4050,7 @@
           <a:p>
             <a:fld id="{9D3D1270-51B6-4F0B-9F78-ABE7C7F67DC8}" type="datetimeFigureOut">
               <a:rPr lang="en-US" smtClean="0"/>
-              <a:t>8/5/2025</a:t>
+              <a:t>8/7/2025</a:t>
             </a:fld>
             <a:endParaRPr lang="en-US"/>
           </a:p>
@@ -4287,7 +4314,7 @@
           <a:p>
             <a:fld id="{9D3D1270-51B6-4F0B-9F78-ABE7C7F67DC8}" type="datetimeFigureOut">
               <a:rPr lang="en-US" smtClean="0"/>
-              <a:t>8/5/2025</a:t>
+              <a:t>8/7/2025</a:t>
             </a:fld>
             <a:endParaRPr lang="en-US"/>
           </a:p>
@@ -4610,7 +4637,7 @@
           <a:p>
             <a:fld id="{9D3D1270-51B6-4F0B-9F78-ABE7C7F67DC8}" type="datetimeFigureOut">
               <a:rPr lang="en-US" smtClean="0"/>
-              <a:t>8/5/2025</a:t>
+              <a:t>8/7/2025</a:t>
             </a:fld>
             <a:endParaRPr lang="en-US"/>
           </a:p>
@@ -4999,7 +5026,7 @@
           <a:p>
             <a:fld id="{9D3D1270-51B6-4F0B-9F78-ABE7C7F67DC8}" type="datetimeFigureOut">
               <a:rPr lang="en-US" smtClean="0"/>
-              <a:t>8/5/2025</a:t>
+              <a:t>8/7/2025</a:t>
             </a:fld>
             <a:endParaRPr lang="en-US"/>
           </a:p>
@@ -5375,7 +5402,7 @@
           <a:p>
             <a:fld id="{9D3D1270-51B6-4F0B-9F78-ABE7C7F67DC8}" type="datetimeFigureOut">
               <a:rPr lang="en-US" smtClean="0"/>
-              <a:t>8/5/2025</a:t>
+              <a:t>8/7/2025</a:t>
             </a:fld>
             <a:endParaRPr lang="en-US"/>
           </a:p>
@@ -5881,7 +5908,7 @@
           <a:p>
             <a:fld id="{9D3D1270-51B6-4F0B-9F78-ABE7C7F67DC8}" type="datetimeFigureOut">
               <a:rPr lang="en-US" smtClean="0"/>
-              <a:t>8/5/2025</a:t>
+              <a:t>8/7/2025</a:t>
             </a:fld>
             <a:endParaRPr lang="en-US"/>
           </a:p>
@@ -6138,7 +6165,7 @@
           <a:p>
             <a:fld id="{9D3D1270-51B6-4F0B-9F78-ABE7C7F67DC8}" type="datetimeFigureOut">
               <a:rPr lang="en-US" smtClean="0"/>
-              <a:t>8/5/2025</a:t>
+              <a:t>8/7/2025</a:t>
             </a:fld>
             <a:endParaRPr lang="en-US"/>
           </a:p>
@@ -6301,7 +6328,7 @@
           <a:p>
             <a:fld id="{9D3D1270-51B6-4F0B-9F78-ABE7C7F67DC8}" type="datetimeFigureOut">
               <a:rPr lang="en-US" smtClean="0"/>
-              <a:t>8/5/2025</a:t>
+              <a:t>8/7/2025</a:t>
             </a:fld>
             <a:endParaRPr lang="en-US"/>
           </a:p>
@@ -6691,7 +6718,7 @@
           <a:p>
             <a:fld id="{9D3D1270-51B6-4F0B-9F78-ABE7C7F67DC8}" type="datetimeFigureOut">
               <a:rPr lang="en-US" smtClean="0"/>
-              <a:t>8/5/2025</a:t>
+              <a:t>8/7/2025</a:t>
             </a:fld>
             <a:endParaRPr lang="en-US"/>
           </a:p>
@@ -7100,7 +7127,7 @@
           <a:p>
             <a:fld id="{9D3D1270-51B6-4F0B-9F78-ABE7C7F67DC8}" type="datetimeFigureOut">
               <a:rPr lang="en-US" smtClean="0"/>
-              <a:t>8/5/2025</a:t>
+              <a:t>8/7/2025</a:t>
             </a:fld>
             <a:endParaRPr lang="en-US"/>
           </a:p>
@@ -7344,7 +7371,7 @@
           <a:p>
             <a:fld id="{9D3D1270-51B6-4F0B-9F78-ABE7C7F67DC8}" type="datetimeFigureOut">
               <a:rPr lang="en-US" smtClean="0"/>
-              <a:t>8/5/2025</a:t>
+              <a:t>8/7/2025</a:t>
             </a:fld>
             <a:endParaRPr lang="en-US"/>
           </a:p>
@@ -7838,6 +7865,1485 @@
 </p:sld>
 </file>
 
+<file path=ppt/slides/slide10.xml><?xml version="1.0" encoding="utf-8"?>
+<p:sld xmlns:a="http://schemas.openxmlformats.org/drawingml/2006/main" xmlns:r="http://schemas.openxmlformats.org/officeDocument/2006/relationships" xmlns:p="http://schemas.openxmlformats.org/presentationml/2006/main">
+  <p:cSld>
+    <p:spTree>
+      <p:nvGrpSpPr>
+        <p:cNvPr id="1" name=""/>
+        <p:cNvGrpSpPr/>
+        <p:nvPr/>
+      </p:nvGrpSpPr>
+      <p:grpSpPr>
+        <a:xfrm>
+          <a:off x="0" y="0"/>
+          <a:ext cx="0" cy="0"/>
+          <a:chOff x="0" y="0"/>
+          <a:chExt cx="0" cy="0"/>
+        </a:xfrm>
+      </p:grpSpPr>
+      <p:sp>
+        <p:nvSpPr>
+          <p:cNvPr id="2" name="Title 1">
+            <a:extLst>
+              <a:ext uri="{FF2B5EF4-FFF2-40B4-BE49-F238E27FC236}">
+                <a16:creationId xmlns:a16="http://schemas.microsoft.com/office/drawing/2014/main" id="{909C13DB-0661-4427-9C14-4DCE31965DEF}"/>
+              </a:ext>
+            </a:extLst>
+          </p:cNvPr>
+          <p:cNvSpPr>
+            <a:spLocks noGrp="1"/>
+          </p:cNvSpPr>
+          <p:nvPr>
+            <p:ph type="title"/>
+          </p:nvPr>
+        </p:nvSpPr>
+        <p:spPr/>
+        <p:txBody>
+          <a:bodyPr/>
+          <a:lstStyle/>
+          <a:p>
+            <a:r>
+              <a:rPr lang="en-US" dirty="0" err="1"/>
+              <a:t>Poredjenje</a:t>
+            </a:r>
+            <a:r>
+              <a:rPr lang="en-US" dirty="0"/>
+              <a:t> </a:t>
+            </a:r>
+            <a:r>
+              <a:rPr lang="en-US" dirty="0" err="1"/>
+              <a:t>sa</a:t>
+            </a:r>
+            <a:r>
+              <a:rPr lang="en-US" dirty="0"/>
+              <a:t> </a:t>
+            </a:r>
+            <a:r>
+              <a:rPr lang="en-US" dirty="0" err="1"/>
+              <a:t>drugima</a:t>
+            </a:r>
+            <a:endParaRPr lang="en-US" dirty="0"/>
+          </a:p>
+        </p:txBody>
+      </p:sp>
+      <p:sp>
+        <p:nvSpPr>
+          <p:cNvPr id="3" name="Content Placeholder 2">
+            <a:extLst>
+              <a:ext uri="{FF2B5EF4-FFF2-40B4-BE49-F238E27FC236}">
+                <a16:creationId xmlns:a16="http://schemas.microsoft.com/office/drawing/2014/main" id="{34292A65-163D-4927-964F-CD21D739E06D}"/>
+              </a:ext>
+            </a:extLst>
+          </p:cNvPr>
+          <p:cNvSpPr>
+            <a:spLocks noGrp="1"/>
+          </p:cNvSpPr>
+          <p:nvPr>
+            <p:ph idx="1"/>
+          </p:nvPr>
+        </p:nvSpPr>
+        <p:spPr>
+          <a:xfrm>
+            <a:off x="680321" y="2156250"/>
+            <a:ext cx="9613861" cy="4797705"/>
+          </a:xfrm>
+        </p:spPr>
+        <p:txBody>
+          <a:bodyPr>
+            <a:normAutofit lnSpcReduction="10000"/>
+          </a:bodyPr>
+          <a:lstStyle/>
+          <a:p>
+            <a:r>
+              <a:rPr lang="en-US" dirty="0"/>
+              <a:t>To </a:t>
+            </a:r>
+            <a:r>
+              <a:rPr lang="en-US" dirty="0" err="1"/>
+              <a:t>tebi</a:t>
+            </a:r>
+            <a:r>
+              <a:rPr lang="en-US" dirty="0"/>
+              <a:t> </a:t>
+            </a:r>
+            <a:r>
+              <a:rPr lang="en-US" dirty="0" err="1"/>
+              <a:t>smeta</a:t>
+            </a:r>
+            <a:r>
+              <a:rPr lang="en-US" dirty="0"/>
+              <a:t> I to je </a:t>
+            </a:r>
+            <a:r>
+              <a:rPr lang="en-US" dirty="0" err="1"/>
+              <a:t>okej</a:t>
+            </a:r>
+            <a:r>
+              <a:rPr lang="en-US" dirty="0"/>
+              <a:t>. Nismo </a:t>
+            </a:r>
+            <a:r>
+              <a:rPr lang="en-US" dirty="0" err="1"/>
+              <a:t>svi</a:t>
+            </a:r>
+            <a:r>
+              <a:rPr lang="en-US" dirty="0"/>
+              <a:t> </a:t>
+            </a:r>
+            <a:r>
+              <a:rPr lang="en-US" dirty="0" err="1"/>
+              <a:t>isti</a:t>
+            </a:r>
+            <a:r>
+              <a:rPr lang="en-US" dirty="0"/>
+              <a:t>. </a:t>
+            </a:r>
+            <a:r>
+              <a:rPr lang="en-US" dirty="0" err="1"/>
+              <a:t>Ti</a:t>
+            </a:r>
+            <a:r>
+              <a:rPr lang="en-US" dirty="0"/>
+              <a:t> </a:t>
+            </a:r>
+            <a:r>
+              <a:rPr lang="en-US" dirty="0" err="1"/>
+              <a:t>treba</a:t>
+            </a:r>
+            <a:r>
+              <a:rPr lang="en-US" dirty="0"/>
+              <a:t> da </a:t>
+            </a:r>
+            <a:r>
+              <a:rPr lang="en-US" dirty="0" err="1"/>
+              <a:t>osluskujes</a:t>
+            </a:r>
+            <a:r>
+              <a:rPr lang="en-US" dirty="0"/>
+              <a:t> </a:t>
+            </a:r>
+            <a:r>
+              <a:rPr lang="en-US" dirty="0" err="1"/>
+              <a:t>sebe</a:t>
+            </a:r>
+            <a:r>
+              <a:rPr lang="en-US" dirty="0"/>
+              <a:t> I da </a:t>
+            </a:r>
+            <a:r>
+              <a:rPr lang="en-US" dirty="0" err="1"/>
+              <a:t>vidis</a:t>
+            </a:r>
+            <a:r>
+              <a:rPr lang="en-US" dirty="0"/>
+              <a:t> </a:t>
+            </a:r>
+            <a:r>
+              <a:rPr lang="en-US" dirty="0" err="1"/>
+              <a:t>sta</a:t>
+            </a:r>
+            <a:r>
+              <a:rPr lang="en-US" dirty="0"/>
+              <a:t> </a:t>
+            </a:r>
+            <a:r>
+              <a:rPr lang="en-US" dirty="0" err="1"/>
+              <a:t>tebi</a:t>
+            </a:r>
+            <a:r>
+              <a:rPr lang="en-US" dirty="0"/>
+              <a:t> </a:t>
+            </a:r>
+            <a:r>
+              <a:rPr lang="en-US" dirty="0" err="1"/>
+              <a:t>smeta</a:t>
+            </a:r>
+            <a:endParaRPr lang="en-US" dirty="0"/>
+          </a:p>
+          <a:p>
+            <a:r>
+              <a:rPr lang="en-US" dirty="0" err="1"/>
+              <a:t>Nemoj</a:t>
+            </a:r>
+            <a:r>
+              <a:rPr lang="en-US" dirty="0"/>
+              <a:t> da se </a:t>
+            </a:r>
+            <a:r>
+              <a:rPr lang="en-US" dirty="0" err="1"/>
+              <a:t>poredis</a:t>
+            </a:r>
+            <a:r>
+              <a:rPr lang="en-US" dirty="0"/>
+              <a:t> </a:t>
+            </a:r>
+            <a:r>
+              <a:rPr lang="en-US" dirty="0" err="1"/>
+              <a:t>sa</a:t>
+            </a:r>
+            <a:r>
+              <a:rPr lang="en-US" dirty="0"/>
+              <a:t> </a:t>
+            </a:r>
+            <a:r>
+              <a:rPr lang="en-US" dirty="0" err="1"/>
+              <a:t>drugima</a:t>
+            </a:r>
+            <a:r>
+              <a:rPr lang="en-US" dirty="0"/>
+              <a:t>, </a:t>
+            </a:r>
+            <a:r>
+              <a:rPr lang="en-US" dirty="0" err="1"/>
+              <a:t>tako</a:t>
+            </a:r>
+            <a:r>
+              <a:rPr lang="en-US" dirty="0"/>
+              <a:t> </a:t>
+            </a:r>
+            <a:r>
+              <a:rPr lang="en-US" dirty="0" err="1"/>
+              <a:t>ce</a:t>
+            </a:r>
+            <a:r>
+              <a:rPr lang="en-US" dirty="0"/>
+              <a:t> </a:t>
+            </a:r>
+            <a:r>
+              <a:rPr lang="en-US" dirty="0" err="1"/>
+              <a:t>tebi</a:t>
+            </a:r>
+            <a:r>
+              <a:rPr lang="en-US" dirty="0"/>
+              <a:t> </a:t>
+            </a:r>
+            <a:r>
+              <a:rPr lang="en-US" dirty="0" err="1"/>
+              <a:t>biti</a:t>
+            </a:r>
+            <a:r>
+              <a:rPr lang="en-US" dirty="0"/>
+              <a:t> </a:t>
+            </a:r>
+            <a:r>
+              <a:rPr lang="en-US" dirty="0" err="1"/>
+              <a:t>lakse</a:t>
+            </a:r>
+            <a:r>
+              <a:rPr lang="en-US" dirty="0"/>
+              <a:t>, </a:t>
+            </a:r>
+            <a:r>
+              <a:rPr lang="en-US" dirty="0" err="1"/>
+              <a:t>neka</a:t>
+            </a:r>
+            <a:r>
+              <a:rPr lang="en-US" dirty="0"/>
+              <a:t> </a:t>
+            </a:r>
+            <a:r>
+              <a:rPr lang="en-US" dirty="0" err="1"/>
+              <a:t>si</a:t>
+            </a:r>
+            <a:r>
+              <a:rPr lang="en-US" dirty="0"/>
+              <a:t> gori od </a:t>
+            </a:r>
+            <a:r>
+              <a:rPr lang="en-US" dirty="0" err="1"/>
+              <a:t>drugih</a:t>
+            </a:r>
+            <a:r>
+              <a:rPr lang="en-US" dirty="0"/>
+              <a:t> </a:t>
+            </a:r>
+            <a:r>
+              <a:rPr lang="en-US" dirty="0" err="1"/>
+              <a:t>ali</a:t>
+            </a:r>
+            <a:r>
+              <a:rPr lang="en-US" dirty="0"/>
+              <a:t> </a:t>
+            </a:r>
+            <a:r>
+              <a:rPr lang="en-US" dirty="0" err="1"/>
+              <a:t>nemoj</a:t>
+            </a:r>
+            <a:r>
+              <a:rPr lang="en-US" dirty="0"/>
+              <a:t> da se </a:t>
+            </a:r>
+            <a:r>
+              <a:rPr lang="en-US" dirty="0" err="1"/>
+              <a:t>poredis</a:t>
+            </a:r>
+            <a:r>
+              <a:rPr lang="en-US" dirty="0"/>
+              <a:t> </a:t>
+            </a:r>
+            <a:r>
+              <a:rPr lang="en-US" dirty="0" err="1"/>
+              <a:t>ni</a:t>
+            </a:r>
+            <a:r>
+              <a:rPr lang="en-US" dirty="0"/>
+              <a:t> </a:t>
+            </a:r>
+            <a:r>
+              <a:rPr lang="en-US" dirty="0" err="1"/>
+              <a:t>sa</a:t>
+            </a:r>
+            <a:r>
+              <a:rPr lang="en-US" dirty="0"/>
+              <a:t> </a:t>
+            </a:r>
+            <a:r>
+              <a:rPr lang="en-US" dirty="0" err="1"/>
+              <a:t>kim</a:t>
+            </a:r>
+            <a:r>
+              <a:rPr lang="en-US" dirty="0"/>
+              <a:t>. </a:t>
+            </a:r>
+            <a:r>
+              <a:rPr lang="en-US" dirty="0" err="1"/>
+              <a:t>Nemoj</a:t>
+            </a:r>
+            <a:r>
+              <a:rPr lang="en-US" dirty="0"/>
+              <a:t> da </a:t>
+            </a:r>
+            <a:r>
+              <a:rPr lang="en-US" dirty="0" err="1"/>
+              <a:t>gledas</a:t>
+            </a:r>
+            <a:r>
+              <a:rPr lang="en-US" dirty="0"/>
+              <a:t> </a:t>
+            </a:r>
+            <a:r>
+              <a:rPr lang="en-US" dirty="0" err="1"/>
+              <a:t>materijalno</a:t>
+            </a:r>
+            <a:r>
+              <a:rPr lang="en-US" dirty="0"/>
+              <a:t>, </a:t>
+            </a:r>
+            <a:r>
+              <a:rPr lang="en-US" dirty="0" err="1"/>
+              <a:t>svako</a:t>
+            </a:r>
+            <a:r>
+              <a:rPr lang="en-US" dirty="0"/>
+              <a:t> </a:t>
+            </a:r>
+            <a:r>
+              <a:rPr lang="en-US" dirty="0" err="1"/>
+              <a:t>zivi</a:t>
+            </a:r>
+            <a:r>
+              <a:rPr lang="en-US" dirty="0"/>
+              <a:t> </a:t>
+            </a:r>
+            <a:r>
+              <a:rPr lang="en-US" dirty="0" err="1"/>
+              <a:t>svoj</a:t>
+            </a:r>
+            <a:r>
+              <a:rPr lang="en-US" dirty="0"/>
+              <a:t> tempo </a:t>
+            </a:r>
+            <a:r>
+              <a:rPr lang="en-US" dirty="0" err="1"/>
+              <a:t>zivota</a:t>
+            </a:r>
+            <a:r>
+              <a:rPr lang="en-US" dirty="0"/>
+              <a:t>, </a:t>
+            </a:r>
+            <a:r>
+              <a:rPr lang="en-US" dirty="0" err="1"/>
+              <a:t>svako</a:t>
+            </a:r>
+            <a:r>
+              <a:rPr lang="en-US" dirty="0"/>
+              <a:t> je </a:t>
+            </a:r>
+            <a:r>
+              <a:rPr lang="en-US" dirty="0" err="1"/>
+              <a:t>ovde</a:t>
+            </a:r>
+            <a:r>
+              <a:rPr lang="en-US" dirty="0"/>
+              <a:t> </a:t>
+            </a:r>
+            <a:r>
+              <a:rPr lang="en-US" dirty="0" err="1"/>
+              <a:t>zarad</a:t>
+            </a:r>
+            <a:r>
+              <a:rPr lang="en-US" dirty="0"/>
+              <a:t> </a:t>
+            </a:r>
+            <a:r>
+              <a:rPr lang="en-US" dirty="0" err="1"/>
+              <a:t>neke</a:t>
+            </a:r>
+            <a:r>
+              <a:rPr lang="en-US" dirty="0"/>
+              <a:t> </a:t>
+            </a:r>
+            <a:r>
+              <a:rPr lang="en-US" dirty="0" err="1"/>
+              <a:t>misije</a:t>
+            </a:r>
+            <a:r>
+              <a:rPr lang="en-US" dirty="0"/>
+              <a:t> u </a:t>
+            </a:r>
+            <a:r>
+              <a:rPr lang="en-US" dirty="0" err="1"/>
+              <a:t>zivotu</a:t>
+            </a:r>
+            <a:endParaRPr lang="en-US" dirty="0"/>
+          </a:p>
+          <a:p>
+            <a:r>
+              <a:rPr lang="en-US" dirty="0" err="1"/>
+              <a:t>Ukloni</a:t>
+            </a:r>
+            <a:r>
+              <a:rPr lang="en-US" dirty="0"/>
+              <a:t> </a:t>
+            </a:r>
+            <a:r>
+              <a:rPr lang="en-US" dirty="0" err="1"/>
+              <a:t>sve</a:t>
+            </a:r>
+            <a:r>
+              <a:rPr lang="en-US" dirty="0"/>
+              <a:t> </a:t>
+            </a:r>
+            <a:r>
+              <a:rPr lang="en-US" dirty="0" err="1"/>
+              <a:t>okidace</a:t>
+            </a:r>
+            <a:r>
+              <a:rPr lang="en-US" dirty="0"/>
+              <a:t>: </a:t>
+            </a:r>
+            <a:r>
+              <a:rPr lang="en-US" dirty="0" err="1"/>
+              <a:t>Youtube</a:t>
+            </a:r>
+            <a:r>
+              <a:rPr lang="en-US" dirty="0"/>
+              <a:t>, Instagram. Nisi slab </a:t>
+            </a:r>
+            <a:r>
+              <a:rPr lang="en-US" dirty="0" err="1"/>
+              <a:t>ako</a:t>
+            </a:r>
+            <a:r>
+              <a:rPr lang="en-US" dirty="0"/>
+              <a:t> </a:t>
+            </a:r>
+            <a:r>
+              <a:rPr lang="en-US" dirty="0" err="1"/>
+              <a:t>uklanjas</a:t>
+            </a:r>
+            <a:r>
+              <a:rPr lang="en-US" dirty="0"/>
+              <a:t> ono </a:t>
+            </a:r>
+            <a:r>
+              <a:rPr lang="en-US" dirty="0" err="1"/>
+              <a:t>sto</a:t>
+            </a:r>
+            <a:r>
+              <a:rPr lang="en-US" dirty="0"/>
+              <a:t> </a:t>
+            </a:r>
+            <a:r>
+              <a:rPr lang="en-US" dirty="0" err="1"/>
+              <a:t>te</a:t>
+            </a:r>
+            <a:r>
+              <a:rPr lang="en-US" dirty="0"/>
+              <a:t> </a:t>
+            </a:r>
+            <a:r>
+              <a:rPr lang="en-US" dirty="0" err="1"/>
+              <a:t>povredjuje</a:t>
+            </a:r>
+            <a:r>
+              <a:rPr lang="en-US" dirty="0"/>
+              <a:t>. </a:t>
+            </a:r>
+            <a:r>
+              <a:rPr lang="en-US" dirty="0" err="1"/>
+              <a:t>Ti</a:t>
+            </a:r>
+            <a:r>
+              <a:rPr lang="en-US" dirty="0"/>
+              <a:t> </a:t>
+            </a:r>
+            <a:r>
+              <a:rPr lang="en-US" dirty="0" err="1"/>
+              <a:t>si</a:t>
+            </a:r>
+            <a:r>
+              <a:rPr lang="en-US" dirty="0"/>
+              <a:t> mudar.</a:t>
+            </a:r>
+          </a:p>
+          <a:p>
+            <a:r>
+              <a:rPr lang="en-US" dirty="0" err="1"/>
+              <a:t>Umesto</a:t>
+            </a:r>
+            <a:r>
+              <a:rPr lang="en-US" dirty="0"/>
+              <a:t> </a:t>
+            </a:r>
+            <a:r>
+              <a:rPr lang="en-US" dirty="0" err="1"/>
+              <a:t>poredjenja</a:t>
+            </a:r>
+            <a:r>
+              <a:rPr lang="en-US" dirty="0"/>
+              <a:t>, </a:t>
+            </a:r>
+            <a:r>
+              <a:rPr lang="en-US" dirty="0" err="1"/>
+              <a:t>analiziraj</a:t>
+            </a:r>
+            <a:r>
+              <a:rPr lang="en-US" dirty="0"/>
+              <a:t> </a:t>
+            </a:r>
+            <a:r>
+              <a:rPr lang="en-US" dirty="0" err="1"/>
+              <a:t>svoj</a:t>
+            </a:r>
+            <a:r>
+              <a:rPr lang="en-US" dirty="0"/>
+              <a:t> </a:t>
+            </a:r>
+            <a:r>
+              <a:rPr lang="en-US" dirty="0" err="1"/>
+              <a:t>rast</a:t>
+            </a:r>
+            <a:r>
+              <a:rPr lang="en-US" dirty="0"/>
+              <a:t>. </a:t>
+            </a:r>
+            <a:r>
+              <a:rPr lang="en-US" dirty="0" err="1"/>
+              <a:t>Gde</a:t>
+            </a:r>
+            <a:r>
+              <a:rPr lang="en-US" dirty="0"/>
+              <a:t> </a:t>
+            </a:r>
+            <a:r>
+              <a:rPr lang="en-US" dirty="0" err="1"/>
+              <a:t>si</a:t>
+            </a:r>
+            <a:r>
+              <a:rPr lang="en-US" dirty="0"/>
+              <a:t> bio pre 6 </a:t>
+            </a:r>
+            <a:r>
+              <a:rPr lang="en-US" dirty="0" err="1"/>
+              <a:t>meseci</a:t>
+            </a:r>
+            <a:r>
+              <a:rPr lang="en-US" dirty="0"/>
+              <a:t> a </a:t>
+            </a:r>
+            <a:r>
+              <a:rPr lang="en-US" dirty="0" err="1"/>
+              <a:t>gde</a:t>
+            </a:r>
+            <a:r>
+              <a:rPr lang="en-US" dirty="0"/>
+              <a:t> </a:t>
+            </a:r>
+            <a:r>
+              <a:rPr lang="en-US" dirty="0" err="1"/>
+              <a:t>si</a:t>
+            </a:r>
+            <a:r>
+              <a:rPr lang="en-US" dirty="0"/>
+              <a:t> </a:t>
+            </a:r>
+            <a:r>
+              <a:rPr lang="en-US" dirty="0" err="1"/>
+              <a:t>sada</a:t>
+            </a:r>
+            <a:r>
+              <a:rPr lang="en-US" dirty="0"/>
+              <a:t>? Koliko </a:t>
+            </a:r>
+            <a:r>
+              <a:rPr lang="en-US" dirty="0" err="1"/>
+              <a:t>sada</a:t>
+            </a:r>
+            <a:r>
+              <a:rPr lang="en-US" dirty="0"/>
+              <a:t> vise </a:t>
+            </a:r>
+            <a:r>
+              <a:rPr lang="en-US" dirty="0" err="1"/>
+              <a:t>znas</a:t>
+            </a:r>
+            <a:r>
+              <a:rPr lang="en-US" dirty="0"/>
+              <a:t>? </a:t>
+            </a:r>
+            <a:r>
+              <a:rPr lang="en-US" dirty="0" err="1"/>
+              <a:t>Itd</a:t>
+            </a:r>
+            <a:r>
+              <a:rPr lang="en-US" dirty="0"/>
+              <a:t> </a:t>
+            </a:r>
+            <a:r>
+              <a:rPr lang="en-US" dirty="0" err="1"/>
+              <a:t>itd</a:t>
+            </a:r>
+            <a:r>
+              <a:rPr lang="en-US" dirty="0"/>
+              <a:t>.</a:t>
+            </a:r>
+          </a:p>
+          <a:p>
+            <a:r>
+              <a:rPr lang="en-US" dirty="0" err="1"/>
+              <a:t>Kada</a:t>
+            </a:r>
+            <a:r>
+              <a:rPr lang="en-US" dirty="0"/>
+              <a:t> </a:t>
+            </a:r>
+            <a:r>
+              <a:rPr lang="en-US" dirty="0" err="1"/>
+              <a:t>te</a:t>
+            </a:r>
+            <a:r>
+              <a:rPr lang="en-US" dirty="0"/>
+              <a:t> </a:t>
+            </a:r>
+            <a:r>
+              <a:rPr lang="en-US" dirty="0" err="1"/>
+              <a:t>spopadnu</a:t>
+            </a:r>
+            <a:r>
+              <a:rPr lang="en-US" dirty="0"/>
+              <a:t> </a:t>
+            </a:r>
+            <a:r>
+              <a:rPr lang="en-US" dirty="0" err="1"/>
+              <a:t>takve</a:t>
+            </a:r>
+            <a:r>
+              <a:rPr lang="en-US" dirty="0"/>
+              <a:t> </a:t>
+            </a:r>
+            <a:r>
+              <a:rPr lang="en-US" dirty="0" err="1"/>
+              <a:t>misli</a:t>
+            </a:r>
+            <a:r>
+              <a:rPr lang="en-US" dirty="0"/>
+              <a:t>, </a:t>
+            </a:r>
+            <a:r>
+              <a:rPr lang="en-US" dirty="0" err="1"/>
+              <a:t>samo</a:t>
+            </a:r>
+            <a:r>
+              <a:rPr lang="en-US" dirty="0"/>
+              <a:t> </a:t>
+            </a:r>
+            <a:r>
+              <a:rPr lang="en-US" dirty="0" err="1"/>
+              <a:t>budi</a:t>
+            </a:r>
+            <a:r>
+              <a:rPr lang="en-US" dirty="0"/>
+              <a:t> </a:t>
+            </a:r>
+            <a:r>
+              <a:rPr lang="en-US" dirty="0" err="1"/>
+              <a:t>zahvalan</a:t>
+            </a:r>
+            <a:r>
+              <a:rPr lang="en-US" dirty="0"/>
+              <a:t>. </a:t>
+            </a:r>
+            <a:r>
+              <a:rPr lang="en-US" dirty="0" err="1"/>
+              <a:t>Razmisli</a:t>
+            </a:r>
+            <a:r>
+              <a:rPr lang="en-US" dirty="0"/>
+              <a:t> o </a:t>
+            </a:r>
+            <a:r>
+              <a:rPr lang="en-US" dirty="0" err="1"/>
+              <a:t>stvarima</a:t>
+            </a:r>
+            <a:r>
+              <a:rPr lang="en-US" dirty="0"/>
+              <a:t> </a:t>
+            </a:r>
+            <a:r>
+              <a:rPr lang="en-US" dirty="0" err="1"/>
+              <a:t>koje</a:t>
+            </a:r>
+            <a:r>
+              <a:rPr lang="en-US" dirty="0"/>
+              <a:t> </a:t>
+            </a:r>
+            <a:r>
+              <a:rPr lang="en-US" dirty="0" err="1"/>
+              <a:t>imas</a:t>
+            </a:r>
+            <a:r>
+              <a:rPr lang="en-US" dirty="0"/>
+              <a:t> I </a:t>
+            </a:r>
+            <a:r>
+              <a:rPr lang="en-US" dirty="0" err="1"/>
+              <a:t>budi</a:t>
+            </a:r>
+            <a:r>
+              <a:rPr lang="en-US" dirty="0"/>
+              <a:t> </a:t>
+            </a:r>
+            <a:r>
+              <a:rPr lang="en-US" dirty="0" err="1"/>
+              <a:t>zadovoljan</a:t>
+            </a:r>
+            <a:r>
+              <a:rPr lang="en-US" dirty="0"/>
+              <a:t> time. </a:t>
+            </a:r>
+            <a:r>
+              <a:rPr lang="en-US" dirty="0" err="1"/>
+              <a:t>Imas</a:t>
+            </a:r>
+            <a:r>
+              <a:rPr lang="en-US" dirty="0"/>
+              <a:t> vise </a:t>
+            </a:r>
+            <a:r>
+              <a:rPr lang="en-US" dirty="0" err="1"/>
+              <a:t>nego</a:t>
+            </a:r>
+            <a:r>
+              <a:rPr lang="en-US" dirty="0"/>
+              <a:t> 99% </a:t>
+            </a:r>
+            <a:r>
+              <a:rPr lang="en-US" dirty="0" err="1"/>
+              <a:t>ljudi</a:t>
+            </a:r>
+            <a:r>
+              <a:rPr lang="en-US" dirty="0"/>
+              <a:t>. </a:t>
+            </a:r>
+            <a:r>
+              <a:rPr lang="en-US" dirty="0" err="1"/>
+              <a:t>Stvarno</a:t>
+            </a:r>
+            <a:r>
+              <a:rPr lang="en-US" dirty="0"/>
+              <a:t>…</a:t>
+            </a:r>
+          </a:p>
+        </p:txBody>
+      </p:sp>
+    </p:spTree>
+    <p:extLst>
+      <p:ext uri="{BB962C8B-B14F-4D97-AF65-F5344CB8AC3E}">
+        <p14:creationId xmlns:p14="http://schemas.microsoft.com/office/powerpoint/2010/main" val="3951410463"/>
+      </p:ext>
+    </p:extLst>
+  </p:cSld>
+  <p:clrMapOvr>
+    <a:masterClrMapping/>
+  </p:clrMapOvr>
+</p:sld>
+</file>
+
+<file path=ppt/slides/slide11.xml><?xml version="1.0" encoding="utf-8"?>
+<p:sld xmlns:a="http://schemas.openxmlformats.org/drawingml/2006/main" xmlns:r="http://schemas.openxmlformats.org/officeDocument/2006/relationships" xmlns:p="http://schemas.openxmlformats.org/presentationml/2006/main">
+  <p:cSld>
+    <p:spTree>
+      <p:nvGrpSpPr>
+        <p:cNvPr id="1" name=""/>
+        <p:cNvGrpSpPr/>
+        <p:nvPr/>
+      </p:nvGrpSpPr>
+      <p:grpSpPr>
+        <a:xfrm>
+          <a:off x="0" y="0"/>
+          <a:ext cx="0" cy="0"/>
+          <a:chOff x="0" y="0"/>
+          <a:chExt cx="0" cy="0"/>
+        </a:xfrm>
+      </p:grpSpPr>
+      <p:sp>
+        <p:nvSpPr>
+          <p:cNvPr id="2" name="Title 1">
+            <a:extLst>
+              <a:ext uri="{FF2B5EF4-FFF2-40B4-BE49-F238E27FC236}">
+                <a16:creationId xmlns:a16="http://schemas.microsoft.com/office/drawing/2014/main" id="{F7EC8090-0DD3-4884-BCB4-DAAB6622FA80}"/>
+              </a:ext>
+            </a:extLst>
+          </p:cNvPr>
+          <p:cNvSpPr>
+            <a:spLocks noGrp="1"/>
+          </p:cNvSpPr>
+          <p:nvPr>
+            <p:ph type="title"/>
+          </p:nvPr>
+        </p:nvSpPr>
+        <p:spPr/>
+        <p:txBody>
+          <a:bodyPr/>
+          <a:lstStyle/>
+          <a:p>
+            <a:r>
+              <a:rPr lang="en-US" dirty="0" err="1"/>
+              <a:t>Ignorisi</a:t>
+            </a:r>
+            <a:r>
+              <a:rPr lang="en-US" dirty="0"/>
+              <a:t> </a:t>
+            </a:r>
+            <a:r>
+              <a:rPr lang="en-US" dirty="0" err="1"/>
+              <a:t>svoj</a:t>
+            </a:r>
+            <a:r>
+              <a:rPr lang="en-US" dirty="0"/>
+              <a:t> </a:t>
+            </a:r>
+            <a:r>
+              <a:rPr lang="en-US" dirty="0" err="1"/>
+              <a:t>degradirani</a:t>
+            </a:r>
+            <a:r>
+              <a:rPr lang="en-US" dirty="0"/>
+              <a:t> </a:t>
+            </a:r>
+            <a:r>
+              <a:rPr lang="en-US" dirty="0" err="1"/>
+              <a:t>mozak</a:t>
+            </a:r>
+            <a:endParaRPr lang="en-US" dirty="0"/>
+          </a:p>
+        </p:txBody>
+      </p:sp>
+      <p:sp>
+        <p:nvSpPr>
+          <p:cNvPr id="3" name="Content Placeholder 2">
+            <a:extLst>
+              <a:ext uri="{FF2B5EF4-FFF2-40B4-BE49-F238E27FC236}">
+                <a16:creationId xmlns:a16="http://schemas.microsoft.com/office/drawing/2014/main" id="{9AE6B8AD-462F-4DB4-9999-17A28EBDC4AB}"/>
+              </a:ext>
+            </a:extLst>
+          </p:cNvPr>
+          <p:cNvSpPr>
+            <a:spLocks noGrp="1"/>
+          </p:cNvSpPr>
+          <p:nvPr>
+            <p:ph idx="1"/>
+          </p:nvPr>
+        </p:nvSpPr>
+        <p:spPr/>
+        <p:txBody>
+          <a:bodyPr/>
+          <a:lstStyle/>
+          <a:p>
+            <a:r>
+              <a:rPr lang="en-US" dirty="0" err="1"/>
+              <a:t>Shvati</a:t>
+            </a:r>
+            <a:r>
+              <a:rPr lang="en-US" dirty="0"/>
+              <a:t>, </a:t>
+            </a:r>
+            <a:r>
+              <a:rPr lang="en-US" dirty="0" err="1"/>
+              <a:t>prosao</a:t>
+            </a:r>
+            <a:r>
+              <a:rPr lang="en-US" dirty="0"/>
+              <a:t> </a:t>
+            </a:r>
+            <a:r>
+              <a:rPr lang="en-US" dirty="0" err="1"/>
+              <a:t>si</a:t>
+            </a:r>
+            <a:r>
+              <a:rPr lang="en-US" dirty="0"/>
+              <a:t> </a:t>
+            </a:r>
+            <a:r>
+              <a:rPr lang="en-US" dirty="0" err="1"/>
+              <a:t>kroz</a:t>
+            </a:r>
+            <a:r>
+              <a:rPr lang="en-US" dirty="0"/>
+              <a:t> </a:t>
+            </a:r>
+            <a:r>
+              <a:rPr lang="en-US" dirty="0" err="1"/>
+              <a:t>neke</a:t>
+            </a:r>
+            <a:r>
+              <a:rPr lang="en-US" dirty="0"/>
+              <a:t> lose </a:t>
+            </a:r>
+            <a:r>
+              <a:rPr lang="en-US" dirty="0" err="1"/>
+              <a:t>stvari</a:t>
+            </a:r>
+            <a:r>
+              <a:rPr lang="en-US" dirty="0"/>
+              <a:t> </a:t>
+            </a:r>
+            <a:r>
+              <a:rPr lang="en-US" dirty="0" err="1"/>
+              <a:t>protekli</a:t>
+            </a:r>
+            <a:r>
+              <a:rPr lang="en-US" dirty="0"/>
+              <a:t> period I </a:t>
+            </a:r>
+            <a:r>
+              <a:rPr lang="en-US" dirty="0" err="1"/>
+              <a:t>tvoj</a:t>
+            </a:r>
+            <a:r>
+              <a:rPr lang="en-US" dirty="0"/>
+              <a:t> </a:t>
+            </a:r>
+            <a:r>
+              <a:rPr lang="en-US" dirty="0" err="1"/>
+              <a:t>mozak</a:t>
+            </a:r>
+            <a:r>
+              <a:rPr lang="en-US" dirty="0"/>
+              <a:t> se </a:t>
+            </a:r>
+            <a:r>
+              <a:rPr lang="en-US" dirty="0" err="1"/>
+              <a:t>umorio</a:t>
+            </a:r>
+            <a:r>
+              <a:rPr lang="en-US" dirty="0"/>
+              <a:t>. </a:t>
+            </a:r>
+            <a:r>
+              <a:rPr lang="en-US" dirty="0" err="1"/>
+              <a:t>Nastavlja</a:t>
+            </a:r>
+            <a:r>
+              <a:rPr lang="en-US" dirty="0"/>
+              <a:t> da </a:t>
+            </a:r>
+            <a:r>
+              <a:rPr lang="en-US" dirty="0" err="1"/>
+              <a:t>brblja</a:t>
+            </a:r>
+            <a:r>
+              <a:rPr lang="en-US" dirty="0"/>
+              <a:t> </a:t>
+            </a:r>
+            <a:r>
+              <a:rPr lang="en-US" dirty="0" err="1"/>
+              <a:t>iste</a:t>
+            </a:r>
+            <a:r>
+              <a:rPr lang="en-US" dirty="0"/>
+              <a:t> </a:t>
+            </a:r>
+            <a:r>
+              <a:rPr lang="en-US" dirty="0" err="1"/>
+              <a:t>stvari</a:t>
+            </a:r>
+            <a:r>
+              <a:rPr lang="en-US" dirty="0"/>
+              <a:t>… </a:t>
+            </a:r>
+            <a:r>
+              <a:rPr lang="en-US" dirty="0" err="1"/>
+              <a:t>Strahovi</a:t>
+            </a:r>
+            <a:r>
+              <a:rPr lang="en-US" dirty="0"/>
+              <a:t>, </a:t>
+            </a:r>
+            <a:r>
+              <a:rPr lang="en-US" dirty="0" err="1"/>
+              <a:t>misli</a:t>
+            </a:r>
+            <a:r>
+              <a:rPr lang="en-US" dirty="0"/>
+              <a:t> </a:t>
+            </a:r>
+            <a:r>
+              <a:rPr lang="en-US" dirty="0" err="1"/>
+              <a:t>itd</a:t>
+            </a:r>
+            <a:r>
+              <a:rPr lang="en-US" dirty="0"/>
+              <a:t>..</a:t>
+            </a:r>
+          </a:p>
+          <a:p>
+            <a:endParaRPr lang="en-US" dirty="0"/>
+          </a:p>
+          <a:p>
+            <a:r>
+              <a:rPr lang="en-US" dirty="0" err="1"/>
+              <a:t>Razumi</a:t>
+            </a:r>
+            <a:r>
+              <a:rPr lang="en-US" dirty="0"/>
+              <a:t> to, </a:t>
+            </a:r>
+            <a:r>
+              <a:rPr lang="en-US" dirty="0" err="1"/>
+              <a:t>pusti</a:t>
+            </a:r>
+            <a:r>
+              <a:rPr lang="en-US" dirty="0"/>
+              <a:t> ga nek </a:t>
+            </a:r>
+            <a:r>
+              <a:rPr lang="en-US" dirty="0" err="1"/>
+              <a:t>brblja</a:t>
+            </a:r>
+            <a:r>
+              <a:rPr lang="en-US" dirty="0"/>
+              <a:t> I </a:t>
+            </a:r>
+            <a:r>
+              <a:rPr lang="en-US" dirty="0" err="1"/>
+              <a:t>znaj</a:t>
+            </a:r>
+            <a:r>
+              <a:rPr lang="en-US" dirty="0"/>
+              <a:t> da je </a:t>
+            </a:r>
+            <a:r>
+              <a:rPr lang="en-US" dirty="0" err="1"/>
+              <a:t>samo</a:t>
+            </a:r>
+            <a:r>
+              <a:rPr lang="en-US" dirty="0"/>
+              <a:t> </a:t>
+            </a:r>
+            <a:r>
+              <a:rPr lang="en-US" dirty="0" err="1"/>
+              <a:t>umoran</a:t>
+            </a:r>
+            <a:r>
+              <a:rPr lang="en-US" dirty="0"/>
+              <a:t>, </a:t>
+            </a:r>
+            <a:r>
+              <a:rPr lang="en-US" dirty="0" err="1"/>
+              <a:t>Ignorisi</a:t>
+            </a:r>
+            <a:r>
+              <a:rPr lang="en-US" dirty="0"/>
+              <a:t> ga, </a:t>
+            </a:r>
+            <a:r>
+              <a:rPr lang="en-US" dirty="0" err="1"/>
+              <a:t>pusti</a:t>
+            </a:r>
+            <a:r>
+              <a:rPr lang="en-US" dirty="0"/>
+              <a:t> ga da </a:t>
+            </a:r>
+            <a:r>
+              <a:rPr lang="en-US" dirty="0" err="1"/>
+              <a:t>vrti</a:t>
+            </a:r>
+            <a:r>
+              <a:rPr lang="en-US" dirty="0"/>
+              <a:t> </a:t>
+            </a:r>
+            <a:r>
+              <a:rPr lang="en-US" dirty="0" err="1"/>
+              <a:t>stari</a:t>
+            </a:r>
+            <a:r>
+              <a:rPr lang="en-US" dirty="0"/>
+              <a:t> film</a:t>
+            </a:r>
+          </a:p>
+        </p:txBody>
+      </p:sp>
+    </p:spTree>
+    <p:extLst>
+      <p:ext uri="{BB962C8B-B14F-4D97-AF65-F5344CB8AC3E}">
+        <p14:creationId xmlns:p14="http://schemas.microsoft.com/office/powerpoint/2010/main" val="2145060208"/>
+      </p:ext>
+    </p:extLst>
+  </p:cSld>
+  <p:clrMapOvr>
+    <a:masterClrMapping/>
+  </p:clrMapOvr>
+</p:sld>
+</file>
+
+<file path=ppt/slides/slide12.xml><?xml version="1.0" encoding="utf-8"?>
+<p:sld xmlns:a="http://schemas.openxmlformats.org/drawingml/2006/main" xmlns:r="http://schemas.openxmlformats.org/officeDocument/2006/relationships" xmlns:p="http://schemas.openxmlformats.org/presentationml/2006/main">
+  <p:cSld>
+    <p:spTree>
+      <p:nvGrpSpPr>
+        <p:cNvPr id="1" name=""/>
+        <p:cNvGrpSpPr/>
+        <p:nvPr/>
+      </p:nvGrpSpPr>
+      <p:grpSpPr>
+        <a:xfrm>
+          <a:off x="0" y="0"/>
+          <a:ext cx="0" cy="0"/>
+          <a:chOff x="0" y="0"/>
+          <a:chExt cx="0" cy="0"/>
+        </a:xfrm>
+      </p:grpSpPr>
+      <p:sp>
+        <p:nvSpPr>
+          <p:cNvPr id="2" name="Title 1">
+            <a:extLst>
+              <a:ext uri="{FF2B5EF4-FFF2-40B4-BE49-F238E27FC236}">
+                <a16:creationId xmlns:a16="http://schemas.microsoft.com/office/drawing/2014/main" id="{D0021DCF-0B27-43BD-8D5D-7F6079738E15}"/>
+              </a:ext>
+            </a:extLst>
+          </p:cNvPr>
+          <p:cNvSpPr>
+            <a:spLocks noGrp="1"/>
+          </p:cNvSpPr>
+          <p:nvPr>
+            <p:ph type="title"/>
+          </p:nvPr>
+        </p:nvSpPr>
+        <p:spPr/>
+        <p:txBody>
+          <a:bodyPr/>
+          <a:lstStyle/>
+          <a:p>
+            <a:r>
+              <a:rPr lang="en-US" dirty="0"/>
+              <a:t>2-3 </a:t>
+            </a:r>
+            <a:r>
+              <a:rPr lang="en-US" dirty="0" err="1"/>
+              <a:t>sata</a:t>
+            </a:r>
+            <a:r>
+              <a:rPr lang="en-US" dirty="0"/>
+              <a:t> pre </a:t>
+            </a:r>
+            <a:r>
+              <a:rPr lang="en-US" dirty="0" err="1"/>
+              <a:t>spavanja</a:t>
+            </a:r>
+            <a:r>
+              <a:rPr lang="en-US" dirty="0"/>
+              <a:t> - </a:t>
+            </a:r>
+            <a:r>
+              <a:rPr lang="en-US" dirty="0" err="1"/>
+              <a:t>Knjiga</a:t>
+            </a:r>
+            <a:endParaRPr lang="en-US" dirty="0"/>
+          </a:p>
+        </p:txBody>
+      </p:sp>
+      <p:sp>
+        <p:nvSpPr>
+          <p:cNvPr id="3" name="Content Placeholder 2">
+            <a:extLst>
+              <a:ext uri="{FF2B5EF4-FFF2-40B4-BE49-F238E27FC236}">
+                <a16:creationId xmlns:a16="http://schemas.microsoft.com/office/drawing/2014/main" id="{CF1E0CC2-D0C3-4BCD-B38B-759BC966DD35}"/>
+              </a:ext>
+            </a:extLst>
+          </p:cNvPr>
+          <p:cNvSpPr>
+            <a:spLocks noGrp="1"/>
+          </p:cNvSpPr>
+          <p:nvPr>
+            <p:ph idx="1"/>
+          </p:nvPr>
+        </p:nvSpPr>
+        <p:spPr/>
+        <p:txBody>
+          <a:bodyPr/>
+          <a:lstStyle/>
+          <a:p>
+            <a:r>
+              <a:rPr lang="en-US" dirty="0" err="1"/>
+              <a:t>Takav</a:t>
+            </a:r>
+            <a:r>
+              <a:rPr lang="en-US" dirty="0"/>
+              <a:t> </a:t>
+            </a:r>
+            <a:r>
+              <a:rPr lang="en-US" dirty="0" err="1"/>
+              <a:t>si</a:t>
+            </a:r>
+            <a:r>
+              <a:rPr lang="en-US" dirty="0"/>
+              <a:t> </a:t>
+            </a:r>
+            <a:r>
+              <a:rPr lang="en-US" dirty="0" err="1"/>
+              <a:t>kakav</a:t>
+            </a:r>
+            <a:r>
+              <a:rPr lang="en-US" dirty="0"/>
+              <a:t> </a:t>
+            </a:r>
+            <a:r>
+              <a:rPr lang="en-US" dirty="0" err="1"/>
+              <a:t>si</a:t>
+            </a:r>
+            <a:r>
+              <a:rPr lang="en-US" dirty="0"/>
+              <a:t>, </a:t>
+            </a:r>
+            <a:r>
+              <a:rPr lang="en-US" dirty="0" err="1"/>
+              <a:t>sta</a:t>
+            </a:r>
+            <a:r>
+              <a:rPr lang="en-US" dirty="0"/>
+              <a:t> da </a:t>
+            </a:r>
+            <a:r>
+              <a:rPr lang="en-US" dirty="0" err="1"/>
+              <a:t>radis</a:t>
+            </a:r>
+            <a:r>
+              <a:rPr lang="en-US" dirty="0"/>
+              <a:t>. </a:t>
+            </a:r>
+            <a:r>
+              <a:rPr lang="en-US" dirty="0" err="1"/>
+              <a:t>Senzibilan</a:t>
+            </a:r>
+            <a:r>
+              <a:rPr lang="en-US" dirty="0"/>
+              <a:t> </a:t>
+            </a:r>
+            <a:r>
+              <a:rPr lang="en-US" dirty="0" err="1"/>
+              <a:t>na</a:t>
+            </a:r>
+            <a:r>
+              <a:rPr lang="en-US" dirty="0"/>
+              <a:t> </a:t>
+            </a:r>
+            <a:r>
+              <a:rPr lang="en-US" dirty="0" err="1"/>
+              <a:t>dogadjaje</a:t>
+            </a:r>
+            <a:r>
+              <a:rPr lang="en-US" dirty="0"/>
+              <a:t>. I to je </a:t>
+            </a:r>
+            <a:r>
+              <a:rPr lang="en-US" dirty="0" err="1"/>
+              <a:t>okej</a:t>
+            </a:r>
+            <a:r>
+              <a:rPr lang="en-US" dirty="0"/>
+              <a:t>, </a:t>
+            </a:r>
+            <a:r>
+              <a:rPr lang="en-US" dirty="0" err="1"/>
+              <a:t>zivi</a:t>
+            </a:r>
+            <a:r>
+              <a:rPr lang="en-US" dirty="0"/>
+              <a:t> u </a:t>
+            </a:r>
+            <a:r>
+              <a:rPr lang="en-US" dirty="0" err="1"/>
+              <a:t>skladu</a:t>
+            </a:r>
+            <a:r>
+              <a:rPr lang="en-US" dirty="0"/>
+              <a:t> </a:t>
+            </a:r>
+            <a:r>
+              <a:rPr lang="en-US" dirty="0" err="1"/>
+              <a:t>sa</a:t>
+            </a:r>
+            <a:r>
+              <a:rPr lang="en-US" dirty="0"/>
+              <a:t> time</a:t>
+            </a:r>
+          </a:p>
+          <a:p>
+            <a:endParaRPr lang="en-US" dirty="0"/>
+          </a:p>
+          <a:p>
+            <a:r>
+              <a:rPr lang="en-US" dirty="0"/>
+              <a:t>2,3 </a:t>
+            </a:r>
+            <a:r>
+              <a:rPr lang="en-US" dirty="0" err="1"/>
+              <a:t>sata</a:t>
+            </a:r>
+            <a:r>
+              <a:rPr lang="en-US" dirty="0"/>
+              <a:t> pred </a:t>
+            </a:r>
+            <a:r>
+              <a:rPr lang="en-US" dirty="0" err="1"/>
+              <a:t>spavanje</a:t>
+            </a:r>
+            <a:r>
+              <a:rPr lang="en-US" dirty="0"/>
+              <a:t> </a:t>
+            </a:r>
+            <a:r>
+              <a:rPr lang="en-US" dirty="0" err="1"/>
+              <a:t>umiri</a:t>
+            </a:r>
+            <a:r>
+              <a:rPr lang="en-US" dirty="0"/>
+              <a:t> um, Mozda </a:t>
+            </a:r>
+            <a:r>
+              <a:rPr lang="en-US" dirty="0" err="1"/>
+              <a:t>te</a:t>
+            </a:r>
+            <a:r>
+              <a:rPr lang="en-US" dirty="0"/>
+              <a:t> Bog </a:t>
+            </a:r>
+            <a:r>
+              <a:rPr lang="en-US" dirty="0" err="1"/>
+              <a:t>doziva</a:t>
+            </a:r>
+            <a:r>
+              <a:rPr lang="en-US" dirty="0"/>
+              <a:t> </a:t>
+            </a:r>
+            <a:r>
+              <a:rPr lang="en-US" dirty="0" err="1"/>
+              <a:t>na</a:t>
+            </a:r>
+            <a:r>
+              <a:rPr lang="en-US" dirty="0"/>
+              <a:t> taj </a:t>
+            </a:r>
+            <a:r>
+              <a:rPr lang="en-US" dirty="0" err="1"/>
+              <a:t>nacin</a:t>
+            </a:r>
+            <a:r>
+              <a:rPr lang="en-US" dirty="0"/>
+              <a:t>, </a:t>
+            </a:r>
+            <a:r>
+              <a:rPr lang="en-US" dirty="0" err="1"/>
+              <a:t>citaj</a:t>
+            </a:r>
+            <a:r>
+              <a:rPr lang="en-US" dirty="0"/>
+              <a:t> </a:t>
+            </a:r>
+            <a:r>
+              <a:rPr lang="en-US" dirty="0" err="1"/>
+              <a:t>knjigu</a:t>
+            </a:r>
+            <a:r>
+              <a:rPr lang="en-US" dirty="0"/>
+              <a:t>, </a:t>
+            </a:r>
+            <a:r>
+              <a:rPr lang="en-US" dirty="0" err="1"/>
+              <a:t>pogasi</a:t>
+            </a:r>
+            <a:r>
+              <a:rPr lang="en-US" dirty="0"/>
+              <a:t> </a:t>
+            </a:r>
+            <a:r>
+              <a:rPr lang="en-US" dirty="0" err="1"/>
+              <a:t>sve,bleji</a:t>
+            </a:r>
+            <a:r>
+              <a:rPr lang="en-US" dirty="0"/>
+              <a:t>. </a:t>
+            </a:r>
+            <a:r>
+              <a:rPr lang="en-US" dirty="0" err="1"/>
+              <a:t>Tako</a:t>
+            </a:r>
+            <a:r>
+              <a:rPr lang="en-US" dirty="0"/>
+              <a:t> </a:t>
+            </a:r>
+            <a:r>
+              <a:rPr lang="en-US" dirty="0" err="1"/>
+              <a:t>funkcionises</a:t>
+            </a:r>
+            <a:r>
+              <a:rPr lang="en-US" dirty="0"/>
+              <a:t> </a:t>
+            </a:r>
+            <a:r>
+              <a:rPr lang="en-US" dirty="0" err="1"/>
+              <a:t>prosto</a:t>
+            </a:r>
+            <a:r>
+              <a:rPr lang="en-US" dirty="0"/>
+              <a:t> </a:t>
+            </a:r>
+            <a:r>
+              <a:rPr lang="en-US" dirty="0">
+                <a:sym typeface="Wingdings" panose="05000000000000000000" pitchFamily="2" charset="2"/>
+              </a:rPr>
+              <a:t></a:t>
+            </a:r>
+            <a:endParaRPr lang="en-US" dirty="0"/>
+          </a:p>
+        </p:txBody>
+      </p:sp>
+    </p:spTree>
+    <p:extLst>
+      <p:ext uri="{BB962C8B-B14F-4D97-AF65-F5344CB8AC3E}">
+        <p14:creationId xmlns:p14="http://schemas.microsoft.com/office/powerpoint/2010/main" val="1223802095"/>
+      </p:ext>
+    </p:extLst>
+  </p:cSld>
+  <p:clrMapOvr>
+    <a:masterClrMapping/>
+  </p:clrMapOvr>
+</p:sld>
+</file>
+
 <file path=ppt/slides/slide2.xml><?xml version="1.0" encoding="utf-8"?>
 <p:sld xmlns:a="http://schemas.openxmlformats.org/drawingml/2006/main" xmlns:r="http://schemas.openxmlformats.org/officeDocument/2006/relationships" xmlns:p="http://schemas.openxmlformats.org/presentationml/2006/main">
   <p:cSld>
@@ -11273,6 +12779,130 @@
     <p:extLst>
       <p:ext uri="{BB962C8B-B14F-4D97-AF65-F5344CB8AC3E}">
         <p14:creationId xmlns:p14="http://schemas.microsoft.com/office/powerpoint/2010/main" val="2985264182"/>
+      </p:ext>
+    </p:extLst>
+  </p:cSld>
+  <p:clrMapOvr>
+    <a:masterClrMapping/>
+  </p:clrMapOvr>
+</p:sld>
+</file>
+
+<file path=ppt/slides/slide9.xml><?xml version="1.0" encoding="utf-8"?>
+<p:sld xmlns:a="http://schemas.openxmlformats.org/drawingml/2006/main" xmlns:r="http://schemas.openxmlformats.org/officeDocument/2006/relationships" xmlns:p="http://schemas.openxmlformats.org/presentationml/2006/main">
+  <p:cSld>
+    <p:spTree>
+      <p:nvGrpSpPr>
+        <p:cNvPr id="1" name=""/>
+        <p:cNvGrpSpPr/>
+        <p:nvPr/>
+      </p:nvGrpSpPr>
+      <p:grpSpPr>
+        <a:xfrm>
+          <a:off x="0" y="0"/>
+          <a:ext cx="0" cy="0"/>
+          <a:chOff x="0" y="0"/>
+          <a:chExt cx="0" cy="0"/>
+        </a:xfrm>
+      </p:grpSpPr>
+      <p:sp>
+        <p:nvSpPr>
+          <p:cNvPr id="2" name="Title 1">
+            <a:extLst>
+              <a:ext uri="{FF2B5EF4-FFF2-40B4-BE49-F238E27FC236}">
+                <a16:creationId xmlns:a16="http://schemas.microsoft.com/office/drawing/2014/main" id="{D28167AB-8288-484E-8C0C-2873067886D9}"/>
+              </a:ext>
+            </a:extLst>
+          </p:cNvPr>
+          <p:cNvSpPr>
+            <a:spLocks noGrp="1"/>
+          </p:cNvSpPr>
+          <p:nvPr>
+            <p:ph type="title"/>
+          </p:nvPr>
+        </p:nvSpPr>
+        <p:spPr/>
+        <p:txBody>
+          <a:bodyPr/>
+          <a:lstStyle/>
+          <a:p>
+            <a:r>
+              <a:rPr lang="en-US" dirty="0"/>
+              <a:t>Sta </a:t>
+            </a:r>
+            <a:r>
+              <a:rPr lang="en-US" dirty="0" err="1"/>
+              <a:t>mene</a:t>
+            </a:r>
+            <a:r>
+              <a:rPr lang="en-US" dirty="0"/>
+              <a:t> </a:t>
+            </a:r>
+            <a:r>
+              <a:rPr lang="en-US" dirty="0" err="1"/>
+              <a:t>cini</a:t>
+            </a:r>
+            <a:r>
+              <a:rPr lang="en-US" dirty="0"/>
+              <a:t> </a:t>
+            </a:r>
+            <a:r>
+              <a:rPr lang="en-US" dirty="0" err="1"/>
+              <a:t>srecnim</a:t>
+            </a:r>
+            <a:r>
+              <a:rPr lang="en-US" dirty="0"/>
+              <a:t>/</a:t>
+            </a:r>
+            <a:r>
+              <a:rPr lang="en-US" dirty="0" err="1"/>
+              <a:t>nesrecnim</a:t>
+            </a:r>
+            <a:endParaRPr lang="en-US" dirty="0"/>
+          </a:p>
+        </p:txBody>
+      </p:sp>
+      <p:sp>
+        <p:nvSpPr>
+          <p:cNvPr id="3" name="Content Placeholder 2">
+            <a:extLst>
+              <a:ext uri="{FF2B5EF4-FFF2-40B4-BE49-F238E27FC236}">
+                <a16:creationId xmlns:a16="http://schemas.microsoft.com/office/drawing/2014/main" id="{7E188C3D-3BBB-4A5F-B5F6-F5B5765F97B6}"/>
+              </a:ext>
+            </a:extLst>
+          </p:cNvPr>
+          <p:cNvSpPr>
+            <a:spLocks noGrp="1"/>
+          </p:cNvSpPr>
+          <p:nvPr>
+            <p:ph idx="1"/>
+          </p:nvPr>
+        </p:nvSpPr>
+        <p:spPr/>
+        <p:txBody>
+          <a:bodyPr/>
+          <a:lstStyle/>
+          <a:p>
+            <a:r>
+              <a:rPr lang="en-US" dirty="0" err="1"/>
+              <a:t>Citaj</a:t>
+            </a:r>
+            <a:r>
+              <a:rPr lang="en-US" dirty="0"/>
+              <a:t> dole </a:t>
+            </a:r>
+            <a:r>
+              <a:rPr lang="en-US" dirty="0" err="1"/>
+              <a:t>slajdove</a:t>
+            </a:r>
+            <a:endParaRPr lang="en-US" dirty="0"/>
+          </a:p>
+        </p:txBody>
+      </p:sp>
+    </p:spTree>
+    <p:extLst>
+      <p:ext uri="{BB962C8B-B14F-4D97-AF65-F5344CB8AC3E}">
+        <p14:creationId xmlns:p14="http://schemas.microsoft.com/office/powerpoint/2010/main" val="3807096079"/>
       </p:ext>
     </p:extLst>
   </p:cSld>

--- a/Fundamenti zivota.pptx
+++ b/Fundamenti zivota.pptx
@@ -17,6 +17,7 @@
     <p:sldId id="265" r:id="rId11"/>
     <p:sldId id="266" r:id="rId12"/>
     <p:sldId id="267" r:id="rId13"/>
+    <p:sldId id="268" r:id="rId14"/>
   </p:sldIdLst>
   <p:sldSz cx="12192000" cy="6858000"/>
   <p:notesSz cx="6858000" cy="9144000"/>
@@ -132,6 +133,7 @@
             <p14:sldId id="265"/>
             <p14:sldId id="266"/>
             <p14:sldId id="267"/>
+            <p14:sldId id="268"/>
           </p14:sldIdLst>
         </p14:section>
         <p14:section name="Untitled Section" id="{7E9C2C80-8019-4EFC-A47A-160A9E63861D}">
@@ -420,7 +422,7 @@
           <a:p>
             <a:fld id="{9D3D1270-51B6-4F0B-9F78-ABE7C7F67DC8}" type="datetimeFigureOut">
               <a:rPr lang="en-US" smtClean="0"/>
-              <a:t>8/7/2025</a:t>
+              <a:t>8/8/2025</a:t>
             </a:fld>
             <a:endParaRPr lang="en-US"/>
           </a:p>
@@ -834,7 +836,7 @@
           <a:p>
             <a:fld id="{9D3D1270-51B6-4F0B-9F78-ABE7C7F67DC8}" type="datetimeFigureOut">
               <a:rPr lang="en-US" smtClean="0"/>
-              <a:t>8/7/2025</a:t>
+              <a:t>8/8/2025</a:t>
             </a:fld>
             <a:endParaRPr lang="en-US"/>
           </a:p>
@@ -1170,7 +1172,7 @@
           <a:p>
             <a:fld id="{9D3D1270-51B6-4F0B-9F78-ABE7C7F67DC8}" type="datetimeFigureOut">
               <a:rPr lang="en-US" smtClean="0"/>
-              <a:t>8/7/2025</a:t>
+              <a:t>8/8/2025</a:t>
             </a:fld>
             <a:endParaRPr lang="en-US"/>
           </a:p>
@@ -1575,7 +1577,7 @@
           <a:p>
             <a:fld id="{9D3D1270-51B6-4F0B-9F78-ABE7C7F67DC8}" type="datetimeFigureOut">
               <a:rPr lang="en-US" smtClean="0"/>
-              <a:t>8/7/2025</a:t>
+              <a:t>8/8/2025</a:t>
             </a:fld>
             <a:endParaRPr lang="en-US"/>
           </a:p>
@@ -2143,7 +2145,7 @@
           <a:p>
             <a:fld id="{9D3D1270-51B6-4F0B-9F78-ABE7C7F67DC8}" type="datetimeFigureOut">
               <a:rPr lang="en-US" smtClean="0"/>
-              <a:t>8/7/2025</a:t>
+              <a:t>8/8/2025</a:t>
             </a:fld>
             <a:endParaRPr lang="en-US"/>
           </a:p>
@@ -2824,7 +2826,7 @@
           <a:p>
             <a:fld id="{9D3D1270-51B6-4F0B-9F78-ABE7C7F67DC8}" type="datetimeFigureOut">
               <a:rPr lang="en-US" smtClean="0"/>
-              <a:t>8/7/2025</a:t>
+              <a:t>8/8/2025</a:t>
             </a:fld>
             <a:endParaRPr lang="en-US"/>
           </a:p>
@@ -3737,7 +3739,7 @@
           <a:p>
             <a:fld id="{9D3D1270-51B6-4F0B-9F78-ABE7C7F67DC8}" type="datetimeFigureOut">
               <a:rPr lang="en-US" smtClean="0"/>
-              <a:t>8/7/2025</a:t>
+              <a:t>8/8/2025</a:t>
             </a:fld>
             <a:endParaRPr lang="en-US"/>
           </a:p>
@@ -4050,7 +4052,7 @@
           <a:p>
             <a:fld id="{9D3D1270-51B6-4F0B-9F78-ABE7C7F67DC8}" type="datetimeFigureOut">
               <a:rPr lang="en-US" smtClean="0"/>
-              <a:t>8/7/2025</a:t>
+              <a:t>8/8/2025</a:t>
             </a:fld>
             <a:endParaRPr lang="en-US"/>
           </a:p>
@@ -4314,7 +4316,7 @@
           <a:p>
             <a:fld id="{9D3D1270-51B6-4F0B-9F78-ABE7C7F67DC8}" type="datetimeFigureOut">
               <a:rPr lang="en-US" smtClean="0"/>
-              <a:t>8/7/2025</a:t>
+              <a:t>8/8/2025</a:t>
             </a:fld>
             <a:endParaRPr lang="en-US"/>
           </a:p>
@@ -4637,7 +4639,7 @@
           <a:p>
             <a:fld id="{9D3D1270-51B6-4F0B-9F78-ABE7C7F67DC8}" type="datetimeFigureOut">
               <a:rPr lang="en-US" smtClean="0"/>
-              <a:t>8/7/2025</a:t>
+              <a:t>8/8/2025</a:t>
             </a:fld>
             <a:endParaRPr lang="en-US"/>
           </a:p>
@@ -5026,7 +5028,7 @@
           <a:p>
             <a:fld id="{9D3D1270-51B6-4F0B-9F78-ABE7C7F67DC8}" type="datetimeFigureOut">
               <a:rPr lang="en-US" smtClean="0"/>
-              <a:t>8/7/2025</a:t>
+              <a:t>8/8/2025</a:t>
             </a:fld>
             <a:endParaRPr lang="en-US"/>
           </a:p>
@@ -5402,7 +5404,7 @@
           <a:p>
             <a:fld id="{9D3D1270-51B6-4F0B-9F78-ABE7C7F67DC8}" type="datetimeFigureOut">
               <a:rPr lang="en-US" smtClean="0"/>
-              <a:t>8/7/2025</a:t>
+              <a:t>8/8/2025</a:t>
             </a:fld>
             <a:endParaRPr lang="en-US"/>
           </a:p>
@@ -5908,7 +5910,7 @@
           <a:p>
             <a:fld id="{9D3D1270-51B6-4F0B-9F78-ABE7C7F67DC8}" type="datetimeFigureOut">
               <a:rPr lang="en-US" smtClean="0"/>
-              <a:t>8/7/2025</a:t>
+              <a:t>8/8/2025</a:t>
             </a:fld>
             <a:endParaRPr lang="en-US"/>
           </a:p>
@@ -6165,7 +6167,7 @@
           <a:p>
             <a:fld id="{9D3D1270-51B6-4F0B-9F78-ABE7C7F67DC8}" type="datetimeFigureOut">
               <a:rPr lang="en-US" smtClean="0"/>
-              <a:t>8/7/2025</a:t>
+              <a:t>8/8/2025</a:t>
             </a:fld>
             <a:endParaRPr lang="en-US"/>
           </a:p>
@@ -6328,7 +6330,7 @@
           <a:p>
             <a:fld id="{9D3D1270-51B6-4F0B-9F78-ABE7C7F67DC8}" type="datetimeFigureOut">
               <a:rPr lang="en-US" smtClean="0"/>
-              <a:t>8/7/2025</a:t>
+              <a:t>8/8/2025</a:t>
             </a:fld>
             <a:endParaRPr lang="en-US"/>
           </a:p>
@@ -6718,7 +6720,7 @@
           <a:p>
             <a:fld id="{9D3D1270-51B6-4F0B-9F78-ABE7C7F67DC8}" type="datetimeFigureOut">
               <a:rPr lang="en-US" smtClean="0"/>
-              <a:t>8/7/2025</a:t>
+              <a:t>8/8/2025</a:t>
             </a:fld>
             <a:endParaRPr lang="en-US"/>
           </a:p>
@@ -7127,7 +7129,7 @@
           <a:p>
             <a:fld id="{9D3D1270-51B6-4F0B-9F78-ABE7C7F67DC8}" type="datetimeFigureOut">
               <a:rPr lang="en-US" smtClean="0"/>
-              <a:t>8/7/2025</a:t>
+              <a:t>8/8/2025</a:t>
             </a:fld>
             <a:endParaRPr lang="en-US"/>
           </a:p>
@@ -7371,7 +7373,7 @@
           <a:p>
             <a:fld id="{9D3D1270-51B6-4F0B-9F78-ABE7C7F67DC8}" type="datetimeFigureOut">
               <a:rPr lang="en-US" smtClean="0"/>
-              <a:t>8/7/2025</a:t>
+              <a:t>8/8/2025</a:t>
             </a:fld>
             <a:endParaRPr lang="en-US"/>
           </a:p>
@@ -9344,6 +9346,230 @@
 </p:sld>
 </file>
 
+<file path=ppt/slides/slide13.xml><?xml version="1.0" encoding="utf-8"?>
+<p:sld xmlns:a="http://schemas.openxmlformats.org/drawingml/2006/main" xmlns:r="http://schemas.openxmlformats.org/officeDocument/2006/relationships" xmlns:p="http://schemas.openxmlformats.org/presentationml/2006/main">
+  <p:cSld>
+    <p:spTree>
+      <p:nvGrpSpPr>
+        <p:cNvPr id="1" name=""/>
+        <p:cNvGrpSpPr/>
+        <p:nvPr/>
+      </p:nvGrpSpPr>
+      <p:grpSpPr>
+        <a:xfrm>
+          <a:off x="0" y="0"/>
+          <a:ext cx="0" cy="0"/>
+          <a:chOff x="0" y="0"/>
+          <a:chExt cx="0" cy="0"/>
+        </a:xfrm>
+      </p:grpSpPr>
+      <p:sp>
+        <p:nvSpPr>
+          <p:cNvPr id="2" name="Title 1">
+            <a:extLst>
+              <a:ext uri="{FF2B5EF4-FFF2-40B4-BE49-F238E27FC236}">
+                <a16:creationId xmlns:a16="http://schemas.microsoft.com/office/drawing/2014/main" id="{08038111-2D3D-4B50-8040-4CE0E2681D88}"/>
+              </a:ext>
+            </a:extLst>
+          </p:cNvPr>
+          <p:cNvSpPr>
+            <a:spLocks noGrp="1"/>
+          </p:cNvSpPr>
+          <p:nvPr>
+            <p:ph type="title"/>
+          </p:nvPr>
+        </p:nvSpPr>
+        <p:spPr/>
+        <p:txBody>
+          <a:bodyPr/>
+          <a:lstStyle/>
+          <a:p>
+            <a:r>
+              <a:rPr lang="en-US" dirty="0" err="1"/>
+              <a:t>Uvece</a:t>
+            </a:r>
+            <a:r>
+              <a:rPr lang="en-US" dirty="0"/>
+              <a:t> </a:t>
+            </a:r>
+            <a:r>
+              <a:rPr lang="en-US" dirty="0" err="1"/>
+              <a:t>spremanje</a:t>
+            </a:r>
+            <a:r>
+              <a:rPr lang="en-US" dirty="0"/>
+              <a:t> </a:t>
+            </a:r>
+            <a:r>
+              <a:rPr lang="en-US" dirty="0" err="1"/>
+              <a:t>klope</a:t>
+            </a:r>
+            <a:endParaRPr lang="en-US" dirty="0"/>
+          </a:p>
+        </p:txBody>
+      </p:sp>
+      <p:sp>
+        <p:nvSpPr>
+          <p:cNvPr id="3" name="Content Placeholder 2">
+            <a:extLst>
+              <a:ext uri="{FF2B5EF4-FFF2-40B4-BE49-F238E27FC236}">
+                <a16:creationId xmlns:a16="http://schemas.microsoft.com/office/drawing/2014/main" id="{79BA8007-3E14-4039-AADA-CA90864A6E3E}"/>
+              </a:ext>
+            </a:extLst>
+          </p:cNvPr>
+          <p:cNvSpPr>
+            <a:spLocks noGrp="1"/>
+          </p:cNvSpPr>
+          <p:nvPr>
+            <p:ph idx="1"/>
+          </p:nvPr>
+        </p:nvSpPr>
+        <p:spPr/>
+        <p:txBody>
+          <a:bodyPr/>
+          <a:lstStyle/>
+          <a:p>
+            <a:r>
+              <a:rPr lang="en-US" dirty="0" err="1"/>
+              <a:t>Prija</a:t>
+            </a:r>
+            <a:r>
+              <a:rPr lang="en-US" dirty="0"/>
+              <a:t> mi da </a:t>
+            </a:r>
+            <a:r>
+              <a:rPr lang="en-US" dirty="0" err="1"/>
+              <a:t>uvece</a:t>
+            </a:r>
+            <a:r>
+              <a:rPr lang="en-US" dirty="0"/>
+              <a:t> </a:t>
+            </a:r>
+            <a:r>
+              <a:rPr lang="en-US" dirty="0" err="1"/>
+              <a:t>spremam</a:t>
+            </a:r>
+            <a:r>
+              <a:rPr lang="en-US" dirty="0"/>
+              <a:t> </a:t>
+            </a:r>
+            <a:r>
+              <a:rPr lang="en-US" dirty="0" err="1"/>
+              <a:t>pripremim</a:t>
+            </a:r>
+            <a:r>
+              <a:rPr lang="en-US" dirty="0"/>
+              <a:t> </a:t>
+            </a:r>
+            <a:r>
+              <a:rPr lang="en-US" dirty="0" err="1"/>
+              <a:t>sta</a:t>
+            </a:r>
+            <a:r>
+              <a:rPr lang="en-US" dirty="0"/>
+              <a:t> cu </a:t>
+            </a:r>
+            <a:r>
+              <a:rPr lang="en-US" dirty="0" err="1"/>
+              <a:t>jesti</a:t>
+            </a:r>
+            <a:r>
+              <a:rPr lang="en-US" dirty="0"/>
+              <a:t> za </a:t>
+            </a:r>
+            <a:r>
+              <a:rPr lang="en-US" dirty="0" err="1"/>
+              <a:t>dorucak</a:t>
+            </a:r>
+            <a:r>
+              <a:rPr lang="en-US" dirty="0"/>
+              <a:t>, </a:t>
+            </a:r>
+            <a:r>
+              <a:rPr lang="en-US" dirty="0" err="1"/>
+              <a:t>rucak</a:t>
+            </a:r>
+            <a:r>
+              <a:rPr lang="en-US" dirty="0"/>
+              <a:t>.</a:t>
+            </a:r>
+          </a:p>
+          <a:p>
+            <a:endParaRPr lang="en-US" dirty="0"/>
+          </a:p>
+          <a:p>
+            <a:r>
+              <a:rPr lang="en-US" dirty="0" err="1"/>
+              <a:t>Prija</a:t>
+            </a:r>
+            <a:r>
+              <a:rPr lang="en-US" dirty="0"/>
+              <a:t> mi da </a:t>
+            </a:r>
+            <a:r>
+              <a:rPr lang="en-US" dirty="0" err="1"/>
+              <a:t>radim</a:t>
+            </a:r>
+            <a:r>
+              <a:rPr lang="en-US" dirty="0"/>
+              <a:t> </a:t>
+            </a:r>
+            <a:r>
+              <a:rPr lang="en-US" dirty="0" err="1"/>
+              <a:t>kucne</a:t>
+            </a:r>
+            <a:r>
+              <a:rPr lang="en-US" dirty="0"/>
+              <a:t> </a:t>
+            </a:r>
+            <a:r>
+              <a:rPr lang="en-US" dirty="0" err="1"/>
+              <a:t>poslove</a:t>
+            </a:r>
+            <a:r>
+              <a:rPr lang="en-US" dirty="0"/>
+              <a:t> </a:t>
+            </a:r>
+            <a:r>
+              <a:rPr lang="en-US" dirty="0" err="1"/>
+              <a:t>uvece</a:t>
+            </a:r>
+            <a:r>
+              <a:rPr lang="en-US" dirty="0"/>
+              <a:t>, </a:t>
+            </a:r>
+            <a:r>
+              <a:rPr lang="en-US" dirty="0" err="1"/>
+              <a:t>raspremanje</a:t>
+            </a:r>
+            <a:r>
+              <a:rPr lang="en-US" dirty="0"/>
+              <a:t> po </a:t>
+            </a:r>
+            <a:r>
+              <a:rPr lang="en-US" dirty="0" err="1"/>
+              <a:t>kuci</a:t>
+            </a:r>
+            <a:r>
+              <a:rPr lang="en-US"/>
+              <a:t>…</a:t>
+            </a:r>
+          </a:p>
+        </p:txBody>
+      </p:sp>
+    </p:spTree>
+    <p:extLst>
+      <p:ext uri="{BB962C8B-B14F-4D97-AF65-F5344CB8AC3E}">
+        <p14:creationId xmlns:p14="http://schemas.microsoft.com/office/powerpoint/2010/main" val="203179359"/>
+      </p:ext>
+    </p:extLst>
+  </p:cSld>
+  <p:clrMapOvr>
+    <a:masterClrMapping/>
+  </p:clrMapOvr>
+</p:sld>
+</file>
+
 <file path=ppt/slides/slide2.xml><?xml version="1.0" encoding="utf-8"?>
 <p:sld xmlns:a="http://schemas.openxmlformats.org/drawingml/2006/main" xmlns:r="http://schemas.openxmlformats.org/officeDocument/2006/relationships" xmlns:p="http://schemas.openxmlformats.org/presentationml/2006/main">
   <p:cSld>

--- a/Fundamenti zivota.pptx
+++ b/Fundamenti zivota.pptx
@@ -7,17 +7,18 @@
   <p:sldIdLst>
     <p:sldId id="256" r:id="rId2"/>
     <p:sldId id="257" r:id="rId3"/>
-    <p:sldId id="258" r:id="rId4"/>
-    <p:sldId id="259" r:id="rId5"/>
-    <p:sldId id="260" r:id="rId6"/>
-    <p:sldId id="261" r:id="rId7"/>
-    <p:sldId id="262" r:id="rId8"/>
-    <p:sldId id="263" r:id="rId9"/>
-    <p:sldId id="264" r:id="rId10"/>
-    <p:sldId id="265" r:id="rId11"/>
-    <p:sldId id="266" r:id="rId12"/>
-    <p:sldId id="267" r:id="rId13"/>
-    <p:sldId id="268" r:id="rId14"/>
+    <p:sldId id="269" r:id="rId4"/>
+    <p:sldId id="258" r:id="rId5"/>
+    <p:sldId id="259" r:id="rId6"/>
+    <p:sldId id="260" r:id="rId7"/>
+    <p:sldId id="261" r:id="rId8"/>
+    <p:sldId id="262" r:id="rId9"/>
+    <p:sldId id="263" r:id="rId10"/>
+    <p:sldId id="264" r:id="rId11"/>
+    <p:sldId id="265" r:id="rId12"/>
+    <p:sldId id="266" r:id="rId13"/>
+    <p:sldId id="267" r:id="rId14"/>
+    <p:sldId id="268" r:id="rId15"/>
   </p:sldIdLst>
   <p:sldSz cx="12192000" cy="6858000"/>
   <p:notesSz cx="6858000" cy="9144000"/>
@@ -123,6 +124,7 @@
           <p14:sldIdLst>
             <p14:sldId id="256"/>
             <p14:sldId id="257"/>
+            <p14:sldId id="269"/>
             <p14:sldId id="258"/>
             <p14:sldId id="259"/>
             <p14:sldId id="260"/>
@@ -422,7 +424,7 @@
           <a:p>
             <a:fld id="{9D3D1270-51B6-4F0B-9F78-ABE7C7F67DC8}" type="datetimeFigureOut">
               <a:rPr lang="en-US" smtClean="0"/>
-              <a:t>8/8/2025</a:t>
+              <a:t>8/30/2025</a:t>
             </a:fld>
             <a:endParaRPr lang="en-US"/>
           </a:p>
@@ -836,7 +838,7 @@
           <a:p>
             <a:fld id="{9D3D1270-51B6-4F0B-9F78-ABE7C7F67DC8}" type="datetimeFigureOut">
               <a:rPr lang="en-US" smtClean="0"/>
-              <a:t>8/8/2025</a:t>
+              <a:t>8/30/2025</a:t>
             </a:fld>
             <a:endParaRPr lang="en-US"/>
           </a:p>
@@ -1172,7 +1174,7 @@
           <a:p>
             <a:fld id="{9D3D1270-51B6-4F0B-9F78-ABE7C7F67DC8}" type="datetimeFigureOut">
               <a:rPr lang="en-US" smtClean="0"/>
-              <a:t>8/8/2025</a:t>
+              <a:t>8/30/2025</a:t>
             </a:fld>
             <a:endParaRPr lang="en-US"/>
           </a:p>
@@ -1577,7 +1579,7 @@
           <a:p>
             <a:fld id="{9D3D1270-51B6-4F0B-9F78-ABE7C7F67DC8}" type="datetimeFigureOut">
               <a:rPr lang="en-US" smtClean="0"/>
-              <a:t>8/8/2025</a:t>
+              <a:t>8/30/2025</a:t>
             </a:fld>
             <a:endParaRPr lang="en-US"/>
           </a:p>
@@ -2145,7 +2147,7 @@
           <a:p>
             <a:fld id="{9D3D1270-51B6-4F0B-9F78-ABE7C7F67DC8}" type="datetimeFigureOut">
               <a:rPr lang="en-US" smtClean="0"/>
-              <a:t>8/8/2025</a:t>
+              <a:t>8/30/2025</a:t>
             </a:fld>
             <a:endParaRPr lang="en-US"/>
           </a:p>
@@ -2826,7 +2828,7 @@
           <a:p>
             <a:fld id="{9D3D1270-51B6-4F0B-9F78-ABE7C7F67DC8}" type="datetimeFigureOut">
               <a:rPr lang="en-US" smtClean="0"/>
-              <a:t>8/8/2025</a:t>
+              <a:t>8/30/2025</a:t>
             </a:fld>
             <a:endParaRPr lang="en-US"/>
           </a:p>
@@ -3739,7 +3741,7 @@
           <a:p>
             <a:fld id="{9D3D1270-51B6-4F0B-9F78-ABE7C7F67DC8}" type="datetimeFigureOut">
               <a:rPr lang="en-US" smtClean="0"/>
-              <a:t>8/8/2025</a:t>
+              <a:t>8/30/2025</a:t>
             </a:fld>
             <a:endParaRPr lang="en-US"/>
           </a:p>
@@ -4052,7 +4054,7 @@
           <a:p>
             <a:fld id="{9D3D1270-51B6-4F0B-9F78-ABE7C7F67DC8}" type="datetimeFigureOut">
               <a:rPr lang="en-US" smtClean="0"/>
-              <a:t>8/8/2025</a:t>
+              <a:t>8/30/2025</a:t>
             </a:fld>
             <a:endParaRPr lang="en-US"/>
           </a:p>
@@ -4316,7 +4318,7 @@
           <a:p>
             <a:fld id="{9D3D1270-51B6-4F0B-9F78-ABE7C7F67DC8}" type="datetimeFigureOut">
               <a:rPr lang="en-US" smtClean="0"/>
-              <a:t>8/8/2025</a:t>
+              <a:t>8/30/2025</a:t>
             </a:fld>
             <a:endParaRPr lang="en-US"/>
           </a:p>
@@ -4639,7 +4641,7 @@
           <a:p>
             <a:fld id="{9D3D1270-51B6-4F0B-9F78-ABE7C7F67DC8}" type="datetimeFigureOut">
               <a:rPr lang="en-US" smtClean="0"/>
-              <a:t>8/8/2025</a:t>
+              <a:t>8/30/2025</a:t>
             </a:fld>
             <a:endParaRPr lang="en-US"/>
           </a:p>
@@ -5028,7 +5030,7 @@
           <a:p>
             <a:fld id="{9D3D1270-51B6-4F0B-9F78-ABE7C7F67DC8}" type="datetimeFigureOut">
               <a:rPr lang="en-US" smtClean="0"/>
-              <a:t>8/8/2025</a:t>
+              <a:t>8/30/2025</a:t>
             </a:fld>
             <a:endParaRPr lang="en-US"/>
           </a:p>
@@ -5404,7 +5406,7 @@
           <a:p>
             <a:fld id="{9D3D1270-51B6-4F0B-9F78-ABE7C7F67DC8}" type="datetimeFigureOut">
               <a:rPr lang="en-US" smtClean="0"/>
-              <a:t>8/8/2025</a:t>
+              <a:t>8/30/2025</a:t>
             </a:fld>
             <a:endParaRPr lang="en-US"/>
           </a:p>
@@ -5910,7 +5912,7 @@
           <a:p>
             <a:fld id="{9D3D1270-51B6-4F0B-9F78-ABE7C7F67DC8}" type="datetimeFigureOut">
               <a:rPr lang="en-US" smtClean="0"/>
-              <a:t>8/8/2025</a:t>
+              <a:t>8/30/2025</a:t>
             </a:fld>
             <a:endParaRPr lang="en-US"/>
           </a:p>
@@ -6167,7 +6169,7 @@
           <a:p>
             <a:fld id="{9D3D1270-51B6-4F0B-9F78-ABE7C7F67DC8}" type="datetimeFigureOut">
               <a:rPr lang="en-US" smtClean="0"/>
-              <a:t>8/8/2025</a:t>
+              <a:t>8/30/2025</a:t>
             </a:fld>
             <a:endParaRPr lang="en-US"/>
           </a:p>
@@ -6330,7 +6332,7 @@
           <a:p>
             <a:fld id="{9D3D1270-51B6-4F0B-9F78-ABE7C7F67DC8}" type="datetimeFigureOut">
               <a:rPr lang="en-US" smtClean="0"/>
-              <a:t>8/8/2025</a:t>
+              <a:t>8/30/2025</a:t>
             </a:fld>
             <a:endParaRPr lang="en-US"/>
           </a:p>
@@ -6720,7 +6722,7 @@
           <a:p>
             <a:fld id="{9D3D1270-51B6-4F0B-9F78-ABE7C7F67DC8}" type="datetimeFigureOut">
               <a:rPr lang="en-US" smtClean="0"/>
-              <a:t>8/8/2025</a:t>
+              <a:t>8/30/2025</a:t>
             </a:fld>
             <a:endParaRPr lang="en-US"/>
           </a:p>
@@ -7129,7 +7131,7 @@
           <a:p>
             <a:fld id="{9D3D1270-51B6-4F0B-9F78-ABE7C7F67DC8}" type="datetimeFigureOut">
               <a:rPr lang="en-US" smtClean="0"/>
-              <a:t>8/8/2025</a:t>
+              <a:t>8/30/2025</a:t>
             </a:fld>
             <a:endParaRPr lang="en-US"/>
           </a:p>
@@ -7373,7 +7375,7 @@
           <a:p>
             <a:fld id="{9D3D1270-51B6-4F0B-9F78-ABE7C7F67DC8}" type="datetimeFigureOut">
               <a:rPr lang="en-US" smtClean="0"/>
-              <a:t>8/8/2025</a:t>
+              <a:t>8/30/2025</a:t>
             </a:fld>
             <a:endParaRPr lang="en-US"/>
           </a:p>
@@ -7889,7 +7891,7 @@
           <p:cNvPr id="2" name="Title 1">
             <a:extLst>
               <a:ext uri="{FF2B5EF4-FFF2-40B4-BE49-F238E27FC236}">
-                <a16:creationId xmlns:a16="http://schemas.microsoft.com/office/drawing/2014/main" id="{909C13DB-0661-4427-9C14-4DCE31965DEF}"/>
+                <a16:creationId xmlns:a16="http://schemas.microsoft.com/office/drawing/2014/main" id="{D28167AB-8288-484E-8C0C-2873067886D9}"/>
               </a:ext>
             </a:extLst>
           </p:cNvPr>
@@ -7906,24 +7908,36 @@
           <a:lstStyle/>
           <a:p>
             <a:r>
-              <a:rPr lang="en-US" dirty="0" err="1"/>
-              <a:t>Poredjenje</a:t>
-            </a:r>
-            <a:r>
-              <a:rPr lang="en-US" dirty="0"/>
-              <a:t> </a:t>
-            </a:r>
-            <a:r>
-              <a:rPr lang="en-US" dirty="0" err="1"/>
-              <a:t>sa</a:t>
-            </a:r>
-            <a:r>
-              <a:rPr lang="en-US" dirty="0"/>
-              <a:t> </a:t>
-            </a:r>
-            <a:r>
-              <a:rPr lang="en-US" dirty="0" err="1"/>
-              <a:t>drugima</a:t>
+              <a:rPr lang="en-US" dirty="0"/>
+              <a:t>Sta </a:t>
+            </a:r>
+            <a:r>
+              <a:rPr lang="en-US" dirty="0" err="1"/>
+              <a:t>mene</a:t>
+            </a:r>
+            <a:r>
+              <a:rPr lang="en-US" dirty="0"/>
+              <a:t> </a:t>
+            </a:r>
+            <a:r>
+              <a:rPr lang="en-US" dirty="0" err="1"/>
+              <a:t>cini</a:t>
+            </a:r>
+            <a:r>
+              <a:rPr lang="en-US" dirty="0"/>
+              <a:t> </a:t>
+            </a:r>
+            <a:r>
+              <a:rPr lang="en-US" dirty="0" err="1"/>
+              <a:t>srecnim</a:t>
+            </a:r>
+            <a:r>
+              <a:rPr lang="en-US" dirty="0"/>
+              <a:t>/</a:t>
+            </a:r>
+            <a:r>
+              <a:rPr lang="en-US" dirty="0" err="1"/>
+              <a:t>nesrecnim</a:t>
             </a:r>
             <a:endParaRPr lang="en-US" dirty="0"/>
           </a:p>
@@ -7934,7 +7948,7 @@
           <p:cNvPr id="3" name="Content Placeholder 2">
             <a:extLst>
               <a:ext uri="{FF2B5EF4-FFF2-40B4-BE49-F238E27FC236}">
-                <a16:creationId xmlns:a16="http://schemas.microsoft.com/office/drawing/2014/main" id="{34292A65-163D-4927-964F-CD21D739E06D}"/>
+                <a16:creationId xmlns:a16="http://schemas.microsoft.com/office/drawing/2014/main" id="{7E188C3D-3BBB-4A5F-B5F6-F5B5765F97B6}"/>
               </a:ext>
             </a:extLst>
           </p:cNvPr>
@@ -7945,735 +7959,31 @@
             <p:ph idx="1"/>
           </p:nvPr>
         </p:nvSpPr>
-        <p:spPr>
-          <a:xfrm>
-            <a:off x="680321" y="2156250"/>
-            <a:ext cx="9613861" cy="4797705"/>
-          </a:xfrm>
-        </p:spPr>
+        <p:spPr/>
         <p:txBody>
-          <a:bodyPr>
-            <a:normAutofit lnSpcReduction="10000"/>
-          </a:bodyPr>
+          <a:bodyPr/>
           <a:lstStyle/>
           <a:p>
             <a:r>
-              <a:rPr lang="en-US" dirty="0"/>
-              <a:t>To </a:t>
-            </a:r>
-            <a:r>
-              <a:rPr lang="en-US" dirty="0" err="1"/>
-              <a:t>tebi</a:t>
-            </a:r>
-            <a:r>
-              <a:rPr lang="en-US" dirty="0"/>
-              <a:t> </a:t>
-            </a:r>
-            <a:r>
-              <a:rPr lang="en-US" dirty="0" err="1"/>
-              <a:t>smeta</a:t>
-            </a:r>
-            <a:r>
-              <a:rPr lang="en-US" dirty="0"/>
-              <a:t> I to je </a:t>
-            </a:r>
-            <a:r>
-              <a:rPr lang="en-US" dirty="0" err="1"/>
-              <a:t>okej</a:t>
-            </a:r>
-            <a:r>
-              <a:rPr lang="en-US" dirty="0"/>
-              <a:t>. Nismo </a:t>
-            </a:r>
-            <a:r>
-              <a:rPr lang="en-US" dirty="0" err="1"/>
-              <a:t>svi</a:t>
-            </a:r>
-            <a:r>
-              <a:rPr lang="en-US" dirty="0"/>
-              <a:t> </a:t>
-            </a:r>
-            <a:r>
-              <a:rPr lang="en-US" dirty="0" err="1"/>
-              <a:t>isti</a:t>
-            </a:r>
-            <a:r>
-              <a:rPr lang="en-US" dirty="0"/>
-              <a:t>. </a:t>
-            </a:r>
-            <a:r>
-              <a:rPr lang="en-US" dirty="0" err="1"/>
-              <a:t>Ti</a:t>
-            </a:r>
-            <a:r>
-              <a:rPr lang="en-US" dirty="0"/>
-              <a:t> </a:t>
-            </a:r>
-            <a:r>
-              <a:rPr lang="en-US" dirty="0" err="1"/>
-              <a:t>treba</a:t>
-            </a:r>
-            <a:r>
-              <a:rPr lang="en-US" dirty="0"/>
-              <a:t> da </a:t>
-            </a:r>
-            <a:r>
-              <a:rPr lang="en-US" dirty="0" err="1"/>
-              <a:t>osluskujes</a:t>
-            </a:r>
-            <a:r>
-              <a:rPr lang="en-US" dirty="0"/>
-              <a:t> </a:t>
-            </a:r>
-            <a:r>
-              <a:rPr lang="en-US" dirty="0" err="1"/>
-              <a:t>sebe</a:t>
-            </a:r>
-            <a:r>
-              <a:rPr lang="en-US" dirty="0"/>
-              <a:t> I da </a:t>
-            </a:r>
-            <a:r>
-              <a:rPr lang="en-US" dirty="0" err="1"/>
-              <a:t>vidis</a:t>
-            </a:r>
-            <a:r>
-              <a:rPr lang="en-US" dirty="0"/>
-              <a:t> </a:t>
-            </a:r>
-            <a:r>
-              <a:rPr lang="en-US" dirty="0" err="1"/>
-              <a:t>sta</a:t>
-            </a:r>
-            <a:r>
-              <a:rPr lang="en-US" dirty="0"/>
-              <a:t> </a:t>
-            </a:r>
-            <a:r>
-              <a:rPr lang="en-US" dirty="0" err="1"/>
-              <a:t>tebi</a:t>
-            </a:r>
-            <a:r>
-              <a:rPr lang="en-US" dirty="0"/>
-              <a:t> </a:t>
-            </a:r>
-            <a:r>
-              <a:rPr lang="en-US" dirty="0" err="1"/>
-              <a:t>smeta</a:t>
+              <a:rPr lang="en-US" dirty="0" err="1"/>
+              <a:t>Citaj</a:t>
+            </a:r>
+            <a:r>
+              <a:rPr lang="en-US" dirty="0"/>
+              <a:t> dole </a:t>
+            </a:r>
+            <a:r>
+              <a:rPr lang="en-US" dirty="0" err="1"/>
+              <a:t>slajdove</a:t>
             </a:r>
             <a:endParaRPr lang="en-US" dirty="0"/>
-          </a:p>
-          <a:p>
-            <a:r>
-              <a:rPr lang="en-US" dirty="0" err="1"/>
-              <a:t>Nemoj</a:t>
-            </a:r>
-            <a:r>
-              <a:rPr lang="en-US" dirty="0"/>
-              <a:t> da se </a:t>
-            </a:r>
-            <a:r>
-              <a:rPr lang="en-US" dirty="0" err="1"/>
-              <a:t>poredis</a:t>
-            </a:r>
-            <a:r>
-              <a:rPr lang="en-US" dirty="0"/>
-              <a:t> </a:t>
-            </a:r>
-            <a:r>
-              <a:rPr lang="en-US" dirty="0" err="1"/>
-              <a:t>sa</a:t>
-            </a:r>
-            <a:r>
-              <a:rPr lang="en-US" dirty="0"/>
-              <a:t> </a:t>
-            </a:r>
-            <a:r>
-              <a:rPr lang="en-US" dirty="0" err="1"/>
-              <a:t>drugima</a:t>
-            </a:r>
-            <a:r>
-              <a:rPr lang="en-US" dirty="0"/>
-              <a:t>, </a:t>
-            </a:r>
-            <a:r>
-              <a:rPr lang="en-US" dirty="0" err="1"/>
-              <a:t>tako</a:t>
-            </a:r>
-            <a:r>
-              <a:rPr lang="en-US" dirty="0"/>
-              <a:t> </a:t>
-            </a:r>
-            <a:r>
-              <a:rPr lang="en-US" dirty="0" err="1"/>
-              <a:t>ce</a:t>
-            </a:r>
-            <a:r>
-              <a:rPr lang="en-US" dirty="0"/>
-              <a:t> </a:t>
-            </a:r>
-            <a:r>
-              <a:rPr lang="en-US" dirty="0" err="1"/>
-              <a:t>tebi</a:t>
-            </a:r>
-            <a:r>
-              <a:rPr lang="en-US" dirty="0"/>
-              <a:t> </a:t>
-            </a:r>
-            <a:r>
-              <a:rPr lang="en-US" dirty="0" err="1"/>
-              <a:t>biti</a:t>
-            </a:r>
-            <a:r>
-              <a:rPr lang="en-US" dirty="0"/>
-              <a:t> </a:t>
-            </a:r>
-            <a:r>
-              <a:rPr lang="en-US" dirty="0" err="1"/>
-              <a:t>lakse</a:t>
-            </a:r>
-            <a:r>
-              <a:rPr lang="en-US" dirty="0"/>
-              <a:t>, </a:t>
-            </a:r>
-            <a:r>
-              <a:rPr lang="en-US" dirty="0" err="1"/>
-              <a:t>neka</a:t>
-            </a:r>
-            <a:r>
-              <a:rPr lang="en-US" dirty="0"/>
-              <a:t> </a:t>
-            </a:r>
-            <a:r>
-              <a:rPr lang="en-US" dirty="0" err="1"/>
-              <a:t>si</a:t>
-            </a:r>
-            <a:r>
-              <a:rPr lang="en-US" dirty="0"/>
-              <a:t> gori od </a:t>
-            </a:r>
-            <a:r>
-              <a:rPr lang="en-US" dirty="0" err="1"/>
-              <a:t>drugih</a:t>
-            </a:r>
-            <a:r>
-              <a:rPr lang="en-US" dirty="0"/>
-              <a:t> </a:t>
-            </a:r>
-            <a:r>
-              <a:rPr lang="en-US" dirty="0" err="1"/>
-              <a:t>ali</a:t>
-            </a:r>
-            <a:r>
-              <a:rPr lang="en-US" dirty="0"/>
-              <a:t> </a:t>
-            </a:r>
-            <a:r>
-              <a:rPr lang="en-US" dirty="0" err="1"/>
-              <a:t>nemoj</a:t>
-            </a:r>
-            <a:r>
-              <a:rPr lang="en-US" dirty="0"/>
-              <a:t> da se </a:t>
-            </a:r>
-            <a:r>
-              <a:rPr lang="en-US" dirty="0" err="1"/>
-              <a:t>poredis</a:t>
-            </a:r>
-            <a:r>
-              <a:rPr lang="en-US" dirty="0"/>
-              <a:t> </a:t>
-            </a:r>
-            <a:r>
-              <a:rPr lang="en-US" dirty="0" err="1"/>
-              <a:t>ni</a:t>
-            </a:r>
-            <a:r>
-              <a:rPr lang="en-US" dirty="0"/>
-              <a:t> </a:t>
-            </a:r>
-            <a:r>
-              <a:rPr lang="en-US" dirty="0" err="1"/>
-              <a:t>sa</a:t>
-            </a:r>
-            <a:r>
-              <a:rPr lang="en-US" dirty="0"/>
-              <a:t> </a:t>
-            </a:r>
-            <a:r>
-              <a:rPr lang="en-US" dirty="0" err="1"/>
-              <a:t>kim</a:t>
-            </a:r>
-            <a:r>
-              <a:rPr lang="en-US" dirty="0"/>
-              <a:t>. </a:t>
-            </a:r>
-            <a:r>
-              <a:rPr lang="en-US" dirty="0" err="1"/>
-              <a:t>Nemoj</a:t>
-            </a:r>
-            <a:r>
-              <a:rPr lang="en-US" dirty="0"/>
-              <a:t> da </a:t>
-            </a:r>
-            <a:r>
-              <a:rPr lang="en-US" dirty="0" err="1"/>
-              <a:t>gledas</a:t>
-            </a:r>
-            <a:r>
-              <a:rPr lang="en-US" dirty="0"/>
-              <a:t> </a:t>
-            </a:r>
-            <a:r>
-              <a:rPr lang="en-US" dirty="0" err="1"/>
-              <a:t>materijalno</a:t>
-            </a:r>
-            <a:r>
-              <a:rPr lang="en-US" dirty="0"/>
-              <a:t>, </a:t>
-            </a:r>
-            <a:r>
-              <a:rPr lang="en-US" dirty="0" err="1"/>
-              <a:t>svako</a:t>
-            </a:r>
-            <a:r>
-              <a:rPr lang="en-US" dirty="0"/>
-              <a:t> </a:t>
-            </a:r>
-            <a:r>
-              <a:rPr lang="en-US" dirty="0" err="1"/>
-              <a:t>zivi</a:t>
-            </a:r>
-            <a:r>
-              <a:rPr lang="en-US" dirty="0"/>
-              <a:t> </a:t>
-            </a:r>
-            <a:r>
-              <a:rPr lang="en-US" dirty="0" err="1"/>
-              <a:t>svoj</a:t>
-            </a:r>
-            <a:r>
-              <a:rPr lang="en-US" dirty="0"/>
-              <a:t> tempo </a:t>
-            </a:r>
-            <a:r>
-              <a:rPr lang="en-US" dirty="0" err="1"/>
-              <a:t>zivota</a:t>
-            </a:r>
-            <a:r>
-              <a:rPr lang="en-US" dirty="0"/>
-              <a:t>, </a:t>
-            </a:r>
-            <a:r>
-              <a:rPr lang="en-US" dirty="0" err="1"/>
-              <a:t>svako</a:t>
-            </a:r>
-            <a:r>
-              <a:rPr lang="en-US" dirty="0"/>
-              <a:t> je </a:t>
-            </a:r>
-            <a:r>
-              <a:rPr lang="en-US" dirty="0" err="1"/>
-              <a:t>ovde</a:t>
-            </a:r>
-            <a:r>
-              <a:rPr lang="en-US" dirty="0"/>
-              <a:t> </a:t>
-            </a:r>
-            <a:r>
-              <a:rPr lang="en-US" dirty="0" err="1"/>
-              <a:t>zarad</a:t>
-            </a:r>
-            <a:r>
-              <a:rPr lang="en-US" dirty="0"/>
-              <a:t> </a:t>
-            </a:r>
-            <a:r>
-              <a:rPr lang="en-US" dirty="0" err="1"/>
-              <a:t>neke</a:t>
-            </a:r>
-            <a:r>
-              <a:rPr lang="en-US" dirty="0"/>
-              <a:t> </a:t>
-            </a:r>
-            <a:r>
-              <a:rPr lang="en-US" dirty="0" err="1"/>
-              <a:t>misije</a:t>
-            </a:r>
-            <a:r>
-              <a:rPr lang="en-US" dirty="0"/>
-              <a:t> u </a:t>
-            </a:r>
-            <a:r>
-              <a:rPr lang="en-US" dirty="0" err="1"/>
-              <a:t>zivotu</a:t>
-            </a:r>
-            <a:endParaRPr lang="en-US" dirty="0"/>
-          </a:p>
-          <a:p>
-            <a:r>
-              <a:rPr lang="en-US" dirty="0" err="1"/>
-              <a:t>Ukloni</a:t>
-            </a:r>
-            <a:r>
-              <a:rPr lang="en-US" dirty="0"/>
-              <a:t> </a:t>
-            </a:r>
-            <a:r>
-              <a:rPr lang="en-US" dirty="0" err="1"/>
-              <a:t>sve</a:t>
-            </a:r>
-            <a:r>
-              <a:rPr lang="en-US" dirty="0"/>
-              <a:t> </a:t>
-            </a:r>
-            <a:r>
-              <a:rPr lang="en-US" dirty="0" err="1"/>
-              <a:t>okidace</a:t>
-            </a:r>
-            <a:r>
-              <a:rPr lang="en-US" dirty="0"/>
-              <a:t>: </a:t>
-            </a:r>
-            <a:r>
-              <a:rPr lang="en-US" dirty="0" err="1"/>
-              <a:t>Youtube</a:t>
-            </a:r>
-            <a:r>
-              <a:rPr lang="en-US" dirty="0"/>
-              <a:t>, Instagram. Nisi slab </a:t>
-            </a:r>
-            <a:r>
-              <a:rPr lang="en-US" dirty="0" err="1"/>
-              <a:t>ako</a:t>
-            </a:r>
-            <a:r>
-              <a:rPr lang="en-US" dirty="0"/>
-              <a:t> </a:t>
-            </a:r>
-            <a:r>
-              <a:rPr lang="en-US" dirty="0" err="1"/>
-              <a:t>uklanjas</a:t>
-            </a:r>
-            <a:r>
-              <a:rPr lang="en-US" dirty="0"/>
-              <a:t> ono </a:t>
-            </a:r>
-            <a:r>
-              <a:rPr lang="en-US" dirty="0" err="1"/>
-              <a:t>sto</a:t>
-            </a:r>
-            <a:r>
-              <a:rPr lang="en-US" dirty="0"/>
-              <a:t> </a:t>
-            </a:r>
-            <a:r>
-              <a:rPr lang="en-US" dirty="0" err="1"/>
-              <a:t>te</a:t>
-            </a:r>
-            <a:r>
-              <a:rPr lang="en-US" dirty="0"/>
-              <a:t> </a:t>
-            </a:r>
-            <a:r>
-              <a:rPr lang="en-US" dirty="0" err="1"/>
-              <a:t>povredjuje</a:t>
-            </a:r>
-            <a:r>
-              <a:rPr lang="en-US" dirty="0"/>
-              <a:t>. </a:t>
-            </a:r>
-            <a:r>
-              <a:rPr lang="en-US" dirty="0" err="1"/>
-              <a:t>Ti</a:t>
-            </a:r>
-            <a:r>
-              <a:rPr lang="en-US" dirty="0"/>
-              <a:t> </a:t>
-            </a:r>
-            <a:r>
-              <a:rPr lang="en-US" dirty="0" err="1"/>
-              <a:t>si</a:t>
-            </a:r>
-            <a:r>
-              <a:rPr lang="en-US" dirty="0"/>
-              <a:t> mudar.</a:t>
-            </a:r>
-          </a:p>
-          <a:p>
-            <a:r>
-              <a:rPr lang="en-US" dirty="0" err="1"/>
-              <a:t>Umesto</a:t>
-            </a:r>
-            <a:r>
-              <a:rPr lang="en-US" dirty="0"/>
-              <a:t> </a:t>
-            </a:r>
-            <a:r>
-              <a:rPr lang="en-US" dirty="0" err="1"/>
-              <a:t>poredjenja</a:t>
-            </a:r>
-            <a:r>
-              <a:rPr lang="en-US" dirty="0"/>
-              <a:t>, </a:t>
-            </a:r>
-            <a:r>
-              <a:rPr lang="en-US" dirty="0" err="1"/>
-              <a:t>analiziraj</a:t>
-            </a:r>
-            <a:r>
-              <a:rPr lang="en-US" dirty="0"/>
-              <a:t> </a:t>
-            </a:r>
-            <a:r>
-              <a:rPr lang="en-US" dirty="0" err="1"/>
-              <a:t>svoj</a:t>
-            </a:r>
-            <a:r>
-              <a:rPr lang="en-US" dirty="0"/>
-              <a:t> </a:t>
-            </a:r>
-            <a:r>
-              <a:rPr lang="en-US" dirty="0" err="1"/>
-              <a:t>rast</a:t>
-            </a:r>
-            <a:r>
-              <a:rPr lang="en-US" dirty="0"/>
-              <a:t>. </a:t>
-            </a:r>
-            <a:r>
-              <a:rPr lang="en-US" dirty="0" err="1"/>
-              <a:t>Gde</a:t>
-            </a:r>
-            <a:r>
-              <a:rPr lang="en-US" dirty="0"/>
-              <a:t> </a:t>
-            </a:r>
-            <a:r>
-              <a:rPr lang="en-US" dirty="0" err="1"/>
-              <a:t>si</a:t>
-            </a:r>
-            <a:r>
-              <a:rPr lang="en-US" dirty="0"/>
-              <a:t> bio pre 6 </a:t>
-            </a:r>
-            <a:r>
-              <a:rPr lang="en-US" dirty="0" err="1"/>
-              <a:t>meseci</a:t>
-            </a:r>
-            <a:r>
-              <a:rPr lang="en-US" dirty="0"/>
-              <a:t> a </a:t>
-            </a:r>
-            <a:r>
-              <a:rPr lang="en-US" dirty="0" err="1"/>
-              <a:t>gde</a:t>
-            </a:r>
-            <a:r>
-              <a:rPr lang="en-US" dirty="0"/>
-              <a:t> </a:t>
-            </a:r>
-            <a:r>
-              <a:rPr lang="en-US" dirty="0" err="1"/>
-              <a:t>si</a:t>
-            </a:r>
-            <a:r>
-              <a:rPr lang="en-US" dirty="0"/>
-              <a:t> </a:t>
-            </a:r>
-            <a:r>
-              <a:rPr lang="en-US" dirty="0" err="1"/>
-              <a:t>sada</a:t>
-            </a:r>
-            <a:r>
-              <a:rPr lang="en-US" dirty="0"/>
-              <a:t>? Koliko </a:t>
-            </a:r>
-            <a:r>
-              <a:rPr lang="en-US" dirty="0" err="1"/>
-              <a:t>sada</a:t>
-            </a:r>
-            <a:r>
-              <a:rPr lang="en-US" dirty="0"/>
-              <a:t> vise </a:t>
-            </a:r>
-            <a:r>
-              <a:rPr lang="en-US" dirty="0" err="1"/>
-              <a:t>znas</a:t>
-            </a:r>
-            <a:r>
-              <a:rPr lang="en-US" dirty="0"/>
-              <a:t>? </a:t>
-            </a:r>
-            <a:r>
-              <a:rPr lang="en-US" dirty="0" err="1"/>
-              <a:t>Itd</a:t>
-            </a:r>
-            <a:r>
-              <a:rPr lang="en-US" dirty="0"/>
-              <a:t> </a:t>
-            </a:r>
-            <a:r>
-              <a:rPr lang="en-US" dirty="0" err="1"/>
-              <a:t>itd</a:t>
-            </a:r>
-            <a:r>
-              <a:rPr lang="en-US" dirty="0"/>
-              <a:t>.</a:t>
-            </a:r>
-          </a:p>
-          <a:p>
-            <a:r>
-              <a:rPr lang="en-US" dirty="0" err="1"/>
-              <a:t>Kada</a:t>
-            </a:r>
-            <a:r>
-              <a:rPr lang="en-US" dirty="0"/>
-              <a:t> </a:t>
-            </a:r>
-            <a:r>
-              <a:rPr lang="en-US" dirty="0" err="1"/>
-              <a:t>te</a:t>
-            </a:r>
-            <a:r>
-              <a:rPr lang="en-US" dirty="0"/>
-              <a:t> </a:t>
-            </a:r>
-            <a:r>
-              <a:rPr lang="en-US" dirty="0" err="1"/>
-              <a:t>spopadnu</a:t>
-            </a:r>
-            <a:r>
-              <a:rPr lang="en-US" dirty="0"/>
-              <a:t> </a:t>
-            </a:r>
-            <a:r>
-              <a:rPr lang="en-US" dirty="0" err="1"/>
-              <a:t>takve</a:t>
-            </a:r>
-            <a:r>
-              <a:rPr lang="en-US" dirty="0"/>
-              <a:t> </a:t>
-            </a:r>
-            <a:r>
-              <a:rPr lang="en-US" dirty="0" err="1"/>
-              <a:t>misli</a:t>
-            </a:r>
-            <a:r>
-              <a:rPr lang="en-US" dirty="0"/>
-              <a:t>, </a:t>
-            </a:r>
-            <a:r>
-              <a:rPr lang="en-US" dirty="0" err="1"/>
-              <a:t>samo</a:t>
-            </a:r>
-            <a:r>
-              <a:rPr lang="en-US" dirty="0"/>
-              <a:t> </a:t>
-            </a:r>
-            <a:r>
-              <a:rPr lang="en-US" dirty="0" err="1"/>
-              <a:t>budi</a:t>
-            </a:r>
-            <a:r>
-              <a:rPr lang="en-US" dirty="0"/>
-              <a:t> </a:t>
-            </a:r>
-            <a:r>
-              <a:rPr lang="en-US" dirty="0" err="1"/>
-              <a:t>zahvalan</a:t>
-            </a:r>
-            <a:r>
-              <a:rPr lang="en-US" dirty="0"/>
-              <a:t>. </a:t>
-            </a:r>
-            <a:r>
-              <a:rPr lang="en-US" dirty="0" err="1"/>
-              <a:t>Razmisli</a:t>
-            </a:r>
-            <a:r>
-              <a:rPr lang="en-US" dirty="0"/>
-              <a:t> o </a:t>
-            </a:r>
-            <a:r>
-              <a:rPr lang="en-US" dirty="0" err="1"/>
-              <a:t>stvarima</a:t>
-            </a:r>
-            <a:r>
-              <a:rPr lang="en-US" dirty="0"/>
-              <a:t> </a:t>
-            </a:r>
-            <a:r>
-              <a:rPr lang="en-US" dirty="0" err="1"/>
-              <a:t>koje</a:t>
-            </a:r>
-            <a:r>
-              <a:rPr lang="en-US" dirty="0"/>
-              <a:t> </a:t>
-            </a:r>
-            <a:r>
-              <a:rPr lang="en-US" dirty="0" err="1"/>
-              <a:t>imas</a:t>
-            </a:r>
-            <a:r>
-              <a:rPr lang="en-US" dirty="0"/>
-              <a:t> I </a:t>
-            </a:r>
-            <a:r>
-              <a:rPr lang="en-US" dirty="0" err="1"/>
-              <a:t>budi</a:t>
-            </a:r>
-            <a:r>
-              <a:rPr lang="en-US" dirty="0"/>
-              <a:t> </a:t>
-            </a:r>
-            <a:r>
-              <a:rPr lang="en-US" dirty="0" err="1"/>
-              <a:t>zadovoljan</a:t>
-            </a:r>
-            <a:r>
-              <a:rPr lang="en-US" dirty="0"/>
-              <a:t> time. </a:t>
-            </a:r>
-            <a:r>
-              <a:rPr lang="en-US" dirty="0" err="1"/>
-              <a:t>Imas</a:t>
-            </a:r>
-            <a:r>
-              <a:rPr lang="en-US" dirty="0"/>
-              <a:t> vise </a:t>
-            </a:r>
-            <a:r>
-              <a:rPr lang="en-US" dirty="0" err="1"/>
-              <a:t>nego</a:t>
-            </a:r>
-            <a:r>
-              <a:rPr lang="en-US" dirty="0"/>
-              <a:t> 99% </a:t>
-            </a:r>
-            <a:r>
-              <a:rPr lang="en-US" dirty="0" err="1"/>
-              <a:t>ljudi</a:t>
-            </a:r>
-            <a:r>
-              <a:rPr lang="en-US" dirty="0"/>
-              <a:t>. </a:t>
-            </a:r>
-            <a:r>
-              <a:rPr lang="en-US" dirty="0" err="1"/>
-              <a:t>Stvarno</a:t>
-            </a:r>
-            <a:r>
-              <a:rPr lang="en-US" dirty="0"/>
-              <a:t>…</a:t>
-            </a:r>
           </a:p>
         </p:txBody>
       </p:sp>
     </p:spTree>
     <p:extLst>
       <p:ext uri="{BB962C8B-B14F-4D97-AF65-F5344CB8AC3E}">
-        <p14:creationId xmlns:p14="http://schemas.microsoft.com/office/powerpoint/2010/main" val="3951410463"/>
+        <p14:creationId xmlns:p14="http://schemas.microsoft.com/office/powerpoint/2010/main" val="3807096079"/>
       </p:ext>
     </p:extLst>
   </p:cSld>
@@ -8705,7 +8015,7 @@
           <p:cNvPr id="2" name="Title 1">
             <a:extLst>
               <a:ext uri="{FF2B5EF4-FFF2-40B4-BE49-F238E27FC236}">
-                <a16:creationId xmlns:a16="http://schemas.microsoft.com/office/drawing/2014/main" id="{F7EC8090-0DD3-4884-BCB4-DAAB6622FA80}"/>
+                <a16:creationId xmlns:a16="http://schemas.microsoft.com/office/drawing/2014/main" id="{909C13DB-0661-4427-9C14-4DCE31965DEF}"/>
               </a:ext>
             </a:extLst>
           </p:cNvPr>
@@ -8723,31 +8033,23 @@
           <a:p>
             <a:r>
               <a:rPr lang="en-US" dirty="0" err="1"/>
-              <a:t>Ignorisi</a:t>
-            </a:r>
-            <a:r>
-              <a:rPr lang="en-US" dirty="0"/>
-              <a:t> </a:t>
-            </a:r>
-            <a:r>
-              <a:rPr lang="en-US" dirty="0" err="1"/>
-              <a:t>svoj</a:t>
-            </a:r>
-            <a:r>
-              <a:rPr lang="en-US" dirty="0"/>
-              <a:t> </a:t>
-            </a:r>
-            <a:r>
-              <a:rPr lang="en-US" dirty="0" err="1"/>
-              <a:t>degradirani</a:t>
-            </a:r>
-            <a:r>
-              <a:rPr lang="en-US" dirty="0"/>
-              <a:t> </a:t>
-            </a:r>
-            <a:r>
-              <a:rPr lang="en-US" dirty="0" err="1"/>
-              <a:t>mozak</a:t>
+              <a:t>Poredjenje</a:t>
+            </a:r>
+            <a:r>
+              <a:rPr lang="en-US" dirty="0"/>
+              <a:t> </a:t>
+            </a:r>
+            <a:r>
+              <a:rPr lang="en-US" dirty="0" err="1"/>
+              <a:t>sa</a:t>
+            </a:r>
+            <a:r>
+              <a:rPr lang="en-US" dirty="0"/>
+              <a:t> </a:t>
+            </a:r>
+            <a:r>
+              <a:rPr lang="en-US" dirty="0" err="1"/>
+              <a:t>drugima</a:t>
             </a:r>
             <a:endParaRPr lang="en-US" dirty="0"/>
           </a:p>
@@ -8758,7 +8060,7 @@
           <p:cNvPr id="3" name="Content Placeholder 2">
             <a:extLst>
               <a:ext uri="{FF2B5EF4-FFF2-40B4-BE49-F238E27FC236}">
-                <a16:creationId xmlns:a16="http://schemas.microsoft.com/office/drawing/2014/main" id="{9AE6B8AD-462F-4DB4-9999-17A28EBDC4AB}"/>
+                <a16:creationId xmlns:a16="http://schemas.microsoft.com/office/drawing/2014/main" id="{34292A65-163D-4927-964F-CD21D739E06D}"/>
               </a:ext>
             </a:extLst>
           </p:cNvPr>
@@ -8769,14 +8071,152 @@
             <p:ph idx="1"/>
           </p:nvPr>
         </p:nvSpPr>
-        <p:spPr/>
+        <p:spPr>
+          <a:xfrm>
+            <a:off x="680321" y="2156250"/>
+            <a:ext cx="9613861" cy="4797705"/>
+          </a:xfrm>
+        </p:spPr>
         <p:txBody>
-          <a:bodyPr/>
+          <a:bodyPr>
+            <a:normAutofit lnSpcReduction="10000"/>
+          </a:bodyPr>
           <a:lstStyle/>
           <a:p>
             <a:r>
-              <a:rPr lang="en-US" dirty="0" err="1"/>
-              <a:t>Shvati</a:t>
+              <a:rPr lang="en-US" dirty="0"/>
+              <a:t>To </a:t>
+            </a:r>
+            <a:r>
+              <a:rPr lang="en-US" dirty="0" err="1"/>
+              <a:t>tebi</a:t>
+            </a:r>
+            <a:r>
+              <a:rPr lang="en-US" dirty="0"/>
+              <a:t> </a:t>
+            </a:r>
+            <a:r>
+              <a:rPr lang="en-US" dirty="0" err="1"/>
+              <a:t>smeta</a:t>
+            </a:r>
+            <a:r>
+              <a:rPr lang="en-US" dirty="0"/>
+              <a:t> I to je </a:t>
+            </a:r>
+            <a:r>
+              <a:rPr lang="en-US" dirty="0" err="1"/>
+              <a:t>okej</a:t>
+            </a:r>
+            <a:r>
+              <a:rPr lang="en-US" dirty="0"/>
+              <a:t>. Nismo </a:t>
+            </a:r>
+            <a:r>
+              <a:rPr lang="en-US" dirty="0" err="1"/>
+              <a:t>svi</a:t>
+            </a:r>
+            <a:r>
+              <a:rPr lang="en-US" dirty="0"/>
+              <a:t> </a:t>
+            </a:r>
+            <a:r>
+              <a:rPr lang="en-US" dirty="0" err="1"/>
+              <a:t>isti</a:t>
+            </a:r>
+            <a:r>
+              <a:rPr lang="en-US" dirty="0"/>
+              <a:t>. </a:t>
+            </a:r>
+            <a:r>
+              <a:rPr lang="en-US" dirty="0" err="1"/>
+              <a:t>Ti</a:t>
+            </a:r>
+            <a:r>
+              <a:rPr lang="en-US" dirty="0"/>
+              <a:t> </a:t>
+            </a:r>
+            <a:r>
+              <a:rPr lang="en-US" dirty="0" err="1"/>
+              <a:t>treba</a:t>
+            </a:r>
+            <a:r>
+              <a:rPr lang="en-US" dirty="0"/>
+              <a:t> da </a:t>
+            </a:r>
+            <a:r>
+              <a:rPr lang="en-US" dirty="0" err="1"/>
+              <a:t>osluskujes</a:t>
+            </a:r>
+            <a:r>
+              <a:rPr lang="en-US" dirty="0"/>
+              <a:t> </a:t>
+            </a:r>
+            <a:r>
+              <a:rPr lang="en-US" dirty="0" err="1"/>
+              <a:t>sebe</a:t>
+            </a:r>
+            <a:r>
+              <a:rPr lang="en-US" dirty="0"/>
+              <a:t> I da </a:t>
+            </a:r>
+            <a:r>
+              <a:rPr lang="en-US" dirty="0" err="1"/>
+              <a:t>vidis</a:t>
+            </a:r>
+            <a:r>
+              <a:rPr lang="en-US" dirty="0"/>
+              <a:t> </a:t>
+            </a:r>
+            <a:r>
+              <a:rPr lang="en-US" dirty="0" err="1"/>
+              <a:t>sta</a:t>
+            </a:r>
+            <a:r>
+              <a:rPr lang="en-US" dirty="0"/>
+              <a:t> </a:t>
+            </a:r>
+            <a:r>
+              <a:rPr lang="en-US" dirty="0" err="1"/>
+              <a:t>tebi</a:t>
+            </a:r>
+            <a:r>
+              <a:rPr lang="en-US" dirty="0"/>
+              <a:t> </a:t>
+            </a:r>
+            <a:r>
+              <a:rPr lang="en-US" dirty="0" err="1"/>
+              <a:t>smeta</a:t>
+            </a:r>
+            <a:endParaRPr lang="en-US" dirty="0"/>
+          </a:p>
+          <a:p>
+            <a:r>
+              <a:rPr lang="en-US" dirty="0" err="1"/>
+              <a:t>Nemoj</a:t>
+            </a:r>
+            <a:r>
+              <a:rPr lang="en-US" dirty="0"/>
+              <a:t> da se </a:t>
+            </a:r>
+            <a:r>
+              <a:rPr lang="en-US" dirty="0" err="1"/>
+              <a:t>poredis</a:t>
+            </a:r>
+            <a:r>
+              <a:rPr lang="en-US" dirty="0"/>
+              <a:t> </a:t>
+            </a:r>
+            <a:r>
+              <a:rPr lang="en-US" dirty="0" err="1"/>
+              <a:t>sa</a:t>
+            </a:r>
+            <a:r>
+              <a:rPr lang="en-US" dirty="0"/>
+              <a:t> </a:t>
+            </a:r>
+            <a:r>
+              <a:rPr lang="en-US" dirty="0" err="1"/>
+              <a:t>drugima</a:t>
             </a:r>
             <a:r>
               <a:rPr lang="en-US" dirty="0"/>
@@ -8784,7 +8224,47 @@
             </a:r>
             <a:r>
               <a:rPr lang="en-US" dirty="0" err="1"/>
-              <a:t>prosao</a:t>
+              <a:t>tako</a:t>
+            </a:r>
+            <a:r>
+              <a:rPr lang="en-US" dirty="0"/>
+              <a:t> </a:t>
+            </a:r>
+            <a:r>
+              <a:rPr lang="en-US" dirty="0" err="1"/>
+              <a:t>ce</a:t>
+            </a:r>
+            <a:r>
+              <a:rPr lang="en-US" dirty="0"/>
+              <a:t> </a:t>
+            </a:r>
+            <a:r>
+              <a:rPr lang="en-US" dirty="0" err="1"/>
+              <a:t>tebi</a:t>
+            </a:r>
+            <a:r>
+              <a:rPr lang="en-US" dirty="0"/>
+              <a:t> </a:t>
+            </a:r>
+            <a:r>
+              <a:rPr lang="en-US" dirty="0" err="1"/>
+              <a:t>biti</a:t>
+            </a:r>
+            <a:r>
+              <a:rPr lang="en-US" dirty="0"/>
+              <a:t> </a:t>
+            </a:r>
+            <a:r>
+              <a:rPr lang="en-US" dirty="0" err="1"/>
+              <a:t>lakse</a:t>
+            </a:r>
+            <a:r>
+              <a:rPr lang="en-US" dirty="0"/>
+              <a:t>, </a:t>
+            </a:r>
+            <a:r>
+              <a:rPr lang="en-US" dirty="0" err="1"/>
+              <a:t>neka</a:t>
             </a:r>
             <a:r>
               <a:rPr lang="en-US" dirty="0"/>
@@ -8796,11 +8276,139 @@
             </a:r>
             <a:r>
               <a:rPr lang="en-US" dirty="0"/>
-              <a:t> </a:t>
-            </a:r>
-            <a:r>
-              <a:rPr lang="en-US" dirty="0" err="1"/>
-              <a:t>kroz</a:t>
+              <a:t> gori od </a:t>
+            </a:r>
+            <a:r>
+              <a:rPr lang="en-US" dirty="0" err="1"/>
+              <a:t>drugih</a:t>
+            </a:r>
+            <a:r>
+              <a:rPr lang="en-US" dirty="0"/>
+              <a:t> </a:t>
+            </a:r>
+            <a:r>
+              <a:rPr lang="en-US" dirty="0" err="1"/>
+              <a:t>ali</a:t>
+            </a:r>
+            <a:r>
+              <a:rPr lang="en-US" dirty="0"/>
+              <a:t> </a:t>
+            </a:r>
+            <a:r>
+              <a:rPr lang="en-US" dirty="0" err="1"/>
+              <a:t>nemoj</a:t>
+            </a:r>
+            <a:r>
+              <a:rPr lang="en-US" dirty="0"/>
+              <a:t> da se </a:t>
+            </a:r>
+            <a:r>
+              <a:rPr lang="en-US" dirty="0" err="1"/>
+              <a:t>poredis</a:t>
+            </a:r>
+            <a:r>
+              <a:rPr lang="en-US" dirty="0"/>
+              <a:t> </a:t>
+            </a:r>
+            <a:r>
+              <a:rPr lang="en-US" dirty="0" err="1"/>
+              <a:t>ni</a:t>
+            </a:r>
+            <a:r>
+              <a:rPr lang="en-US" dirty="0"/>
+              <a:t> </a:t>
+            </a:r>
+            <a:r>
+              <a:rPr lang="en-US" dirty="0" err="1"/>
+              <a:t>sa</a:t>
+            </a:r>
+            <a:r>
+              <a:rPr lang="en-US" dirty="0"/>
+              <a:t> </a:t>
+            </a:r>
+            <a:r>
+              <a:rPr lang="en-US" dirty="0" err="1"/>
+              <a:t>kim</a:t>
+            </a:r>
+            <a:r>
+              <a:rPr lang="en-US" dirty="0"/>
+              <a:t>. </a:t>
+            </a:r>
+            <a:r>
+              <a:rPr lang="en-US" dirty="0" err="1"/>
+              <a:t>Nemoj</a:t>
+            </a:r>
+            <a:r>
+              <a:rPr lang="en-US" dirty="0"/>
+              <a:t> da </a:t>
+            </a:r>
+            <a:r>
+              <a:rPr lang="en-US" dirty="0" err="1"/>
+              <a:t>gledas</a:t>
+            </a:r>
+            <a:r>
+              <a:rPr lang="en-US" dirty="0"/>
+              <a:t> </a:t>
+            </a:r>
+            <a:r>
+              <a:rPr lang="en-US" dirty="0" err="1"/>
+              <a:t>materijalno</a:t>
+            </a:r>
+            <a:r>
+              <a:rPr lang="en-US" dirty="0"/>
+              <a:t>, </a:t>
+            </a:r>
+            <a:r>
+              <a:rPr lang="en-US" dirty="0" err="1"/>
+              <a:t>svako</a:t>
+            </a:r>
+            <a:r>
+              <a:rPr lang="en-US" dirty="0"/>
+              <a:t> </a:t>
+            </a:r>
+            <a:r>
+              <a:rPr lang="en-US" dirty="0" err="1"/>
+              <a:t>zivi</a:t>
+            </a:r>
+            <a:r>
+              <a:rPr lang="en-US" dirty="0"/>
+              <a:t> </a:t>
+            </a:r>
+            <a:r>
+              <a:rPr lang="en-US" dirty="0" err="1"/>
+              <a:t>svoj</a:t>
+            </a:r>
+            <a:r>
+              <a:rPr lang="en-US" dirty="0"/>
+              <a:t> tempo </a:t>
+            </a:r>
+            <a:r>
+              <a:rPr lang="en-US" dirty="0" err="1"/>
+              <a:t>zivota</a:t>
+            </a:r>
+            <a:r>
+              <a:rPr lang="en-US" dirty="0"/>
+              <a:t>, </a:t>
+            </a:r>
+            <a:r>
+              <a:rPr lang="en-US" dirty="0" err="1"/>
+              <a:t>svako</a:t>
+            </a:r>
+            <a:r>
+              <a:rPr lang="en-US" dirty="0"/>
+              <a:t> je </a:t>
+            </a:r>
+            <a:r>
+              <a:rPr lang="en-US" dirty="0" err="1"/>
+              <a:t>ovde</a:t>
+            </a:r>
+            <a:r>
+              <a:rPr lang="en-US" dirty="0"/>
+              <a:t> </a:t>
+            </a:r>
+            <a:r>
+              <a:rPr lang="en-US" dirty="0" err="1"/>
+              <a:t>zarad</a:t>
             </a:r>
             <a:r>
               <a:rPr lang="en-US" dirty="0"/>
@@ -8812,43 +8420,90 @@
             </a:r>
             <a:r>
               <a:rPr lang="en-US" dirty="0"/>
-              <a:t> lose </a:t>
-            </a:r>
-            <a:r>
-              <a:rPr lang="en-US" dirty="0" err="1"/>
-              <a:t>stvari</a:t>
-            </a:r>
-            <a:r>
-              <a:rPr lang="en-US" dirty="0"/>
-              <a:t> </a:t>
-            </a:r>
-            <a:r>
-              <a:rPr lang="en-US" dirty="0" err="1"/>
-              <a:t>protekli</a:t>
-            </a:r>
-            <a:r>
-              <a:rPr lang="en-US" dirty="0"/>
-              <a:t> period I </a:t>
-            </a:r>
-            <a:r>
-              <a:rPr lang="en-US" dirty="0" err="1"/>
-              <a:t>tvoj</a:t>
-            </a:r>
-            <a:r>
-              <a:rPr lang="en-US" dirty="0"/>
-              <a:t> </a:t>
-            </a:r>
-            <a:r>
-              <a:rPr lang="en-US" dirty="0" err="1"/>
-              <a:t>mozak</a:t>
-            </a:r>
-            <a:r>
-              <a:rPr lang="en-US" dirty="0"/>
-              <a:t> se </a:t>
-            </a:r>
-            <a:r>
-              <a:rPr lang="en-US" dirty="0" err="1"/>
-              <a:t>umorio</a:t>
+              <a:t> </a:t>
+            </a:r>
+            <a:r>
+              <a:rPr lang="en-US" dirty="0" err="1"/>
+              <a:t>misije</a:t>
+            </a:r>
+            <a:r>
+              <a:rPr lang="en-US" dirty="0"/>
+              <a:t> u </a:t>
+            </a:r>
+            <a:r>
+              <a:rPr lang="en-US" dirty="0" err="1"/>
+              <a:t>zivotu</a:t>
+            </a:r>
+            <a:endParaRPr lang="en-US" dirty="0"/>
+          </a:p>
+          <a:p>
+            <a:r>
+              <a:rPr lang="en-US" dirty="0" err="1"/>
+              <a:t>Ukloni</a:t>
+            </a:r>
+            <a:r>
+              <a:rPr lang="en-US" dirty="0"/>
+              <a:t> </a:t>
+            </a:r>
+            <a:r>
+              <a:rPr lang="en-US" dirty="0" err="1"/>
+              <a:t>sve</a:t>
+            </a:r>
+            <a:r>
+              <a:rPr lang="en-US" dirty="0"/>
+              <a:t> </a:t>
+            </a:r>
+            <a:r>
+              <a:rPr lang="en-US" dirty="0" err="1"/>
+              <a:t>okidace</a:t>
+            </a:r>
+            <a:r>
+              <a:rPr lang="en-US" dirty="0"/>
+              <a:t>: </a:t>
+            </a:r>
+            <a:r>
+              <a:rPr lang="en-US" dirty="0" err="1"/>
+              <a:t>Youtube</a:t>
+            </a:r>
+            <a:r>
+              <a:rPr lang="en-US" dirty="0"/>
+              <a:t>, Instagram. Nisi slab </a:t>
+            </a:r>
+            <a:r>
+              <a:rPr lang="en-US" dirty="0" err="1"/>
+              <a:t>ako</a:t>
+            </a:r>
+            <a:r>
+              <a:rPr lang="en-US" dirty="0"/>
+              <a:t> </a:t>
+            </a:r>
+            <a:r>
+              <a:rPr lang="en-US" dirty="0" err="1"/>
+              <a:t>uklanjas</a:t>
+            </a:r>
+            <a:r>
+              <a:rPr lang="en-US" dirty="0"/>
+              <a:t> ono </a:t>
+            </a:r>
+            <a:r>
+              <a:rPr lang="en-US" dirty="0" err="1"/>
+              <a:t>sto</a:t>
+            </a:r>
+            <a:r>
+              <a:rPr lang="en-US" dirty="0"/>
+              <a:t> </a:t>
+            </a:r>
+            <a:r>
+              <a:rPr lang="en-US" dirty="0" err="1"/>
+              <a:t>te</a:t>
+            </a:r>
+            <a:r>
+              <a:rPr lang="en-US" dirty="0"/>
+              <a:t> </a:t>
+            </a:r>
+            <a:r>
+              <a:rPr lang="en-US" dirty="0" err="1"/>
+              <a:t>povredjuje</a:t>
             </a:r>
             <a:r>
               <a:rPr lang="en-US" dirty="0"/>
@@ -8856,39 +8511,33 @@
             </a:r>
             <a:r>
               <a:rPr lang="en-US" dirty="0" err="1"/>
-              <a:t>Nastavlja</a:t>
-            </a:r>
-            <a:r>
-              <a:rPr lang="en-US" dirty="0"/>
-              <a:t> da </a:t>
-            </a:r>
-            <a:r>
-              <a:rPr lang="en-US" dirty="0" err="1"/>
-              <a:t>brblja</a:t>
-            </a:r>
-            <a:r>
-              <a:rPr lang="en-US" dirty="0"/>
-              <a:t> </a:t>
-            </a:r>
-            <a:r>
-              <a:rPr lang="en-US" dirty="0" err="1"/>
-              <a:t>iste</a:t>
-            </a:r>
-            <a:r>
-              <a:rPr lang="en-US" dirty="0"/>
-              <a:t> </a:t>
-            </a:r>
-            <a:r>
-              <a:rPr lang="en-US" dirty="0" err="1"/>
-              <a:t>stvari</a:t>
-            </a:r>
-            <a:r>
-              <a:rPr lang="en-US" dirty="0"/>
-              <a:t>… </a:t>
-            </a:r>
-            <a:r>
-              <a:rPr lang="en-US" dirty="0" err="1"/>
-              <a:t>Strahovi</a:t>
+              <a:t>Ti</a:t>
+            </a:r>
+            <a:r>
+              <a:rPr lang="en-US" dirty="0"/>
+              <a:t> </a:t>
+            </a:r>
+            <a:r>
+              <a:rPr lang="en-US" dirty="0" err="1"/>
+              <a:t>si</a:t>
+            </a:r>
+            <a:r>
+              <a:rPr lang="en-US" dirty="0"/>
+              <a:t> mudar.</a:t>
+            </a:r>
+          </a:p>
+          <a:p>
+            <a:r>
+              <a:rPr lang="en-US" dirty="0" err="1"/>
+              <a:t>Umesto</a:t>
+            </a:r>
+            <a:r>
+              <a:rPr lang="en-US" dirty="0"/>
+              <a:t> </a:t>
+            </a:r>
+            <a:r>
+              <a:rPr lang="en-US" dirty="0" err="1"/>
+              <a:t>poredjenja</a:t>
             </a:r>
             <a:r>
               <a:rPr lang="en-US" dirty="0"/>
@@ -8896,44 +8545,201 @@
             </a:r>
             <a:r>
               <a:rPr lang="en-US" dirty="0" err="1"/>
+              <a:t>analiziraj</a:t>
+            </a:r>
+            <a:r>
+              <a:rPr lang="en-US" dirty="0"/>
+              <a:t> </a:t>
+            </a:r>
+            <a:r>
+              <a:rPr lang="en-US" dirty="0" err="1"/>
+              <a:t>svoj</a:t>
+            </a:r>
+            <a:r>
+              <a:rPr lang="en-US" dirty="0"/>
+              <a:t> </a:t>
+            </a:r>
+            <a:r>
+              <a:rPr lang="en-US" dirty="0" err="1"/>
+              <a:t>rast</a:t>
+            </a:r>
+            <a:r>
+              <a:rPr lang="en-US" dirty="0"/>
+              <a:t>. </a:t>
+            </a:r>
+            <a:r>
+              <a:rPr lang="en-US" dirty="0" err="1"/>
+              <a:t>Gde</a:t>
+            </a:r>
+            <a:r>
+              <a:rPr lang="en-US" dirty="0"/>
+              <a:t> </a:t>
+            </a:r>
+            <a:r>
+              <a:rPr lang="en-US" dirty="0" err="1"/>
+              <a:t>si</a:t>
+            </a:r>
+            <a:r>
+              <a:rPr lang="en-US" dirty="0"/>
+              <a:t> bio pre 6 </a:t>
+            </a:r>
+            <a:r>
+              <a:rPr lang="en-US" dirty="0" err="1"/>
+              <a:t>meseci</a:t>
+            </a:r>
+            <a:r>
+              <a:rPr lang="en-US" dirty="0"/>
+              <a:t> a </a:t>
+            </a:r>
+            <a:r>
+              <a:rPr lang="en-US" dirty="0" err="1"/>
+              <a:t>gde</a:t>
+            </a:r>
+            <a:r>
+              <a:rPr lang="en-US" dirty="0"/>
+              <a:t> </a:t>
+            </a:r>
+            <a:r>
+              <a:rPr lang="en-US" dirty="0" err="1"/>
+              <a:t>si</a:t>
+            </a:r>
+            <a:r>
+              <a:rPr lang="en-US" dirty="0"/>
+              <a:t> </a:t>
+            </a:r>
+            <a:r>
+              <a:rPr lang="en-US" dirty="0" err="1"/>
+              <a:t>sada</a:t>
+            </a:r>
+            <a:r>
+              <a:rPr lang="en-US" dirty="0"/>
+              <a:t>? Koliko </a:t>
+            </a:r>
+            <a:r>
+              <a:rPr lang="en-US" dirty="0" err="1"/>
+              <a:t>sada</a:t>
+            </a:r>
+            <a:r>
+              <a:rPr lang="en-US" dirty="0"/>
+              <a:t> vise </a:t>
+            </a:r>
+            <a:r>
+              <a:rPr lang="en-US" dirty="0" err="1"/>
+              <a:t>znas</a:t>
+            </a:r>
+            <a:r>
+              <a:rPr lang="en-US" dirty="0"/>
+              <a:t>? </a:t>
+            </a:r>
+            <a:r>
+              <a:rPr lang="en-US" dirty="0" err="1"/>
+              <a:t>Itd</a:t>
+            </a:r>
+            <a:r>
+              <a:rPr lang="en-US" dirty="0"/>
+              <a:t> </a:t>
+            </a:r>
+            <a:r>
+              <a:rPr lang="en-US" dirty="0" err="1"/>
+              <a:t>itd</a:t>
+            </a:r>
+            <a:r>
+              <a:rPr lang="en-US" dirty="0"/>
+              <a:t>.</a:t>
+            </a:r>
+          </a:p>
+          <a:p>
+            <a:r>
+              <a:rPr lang="en-US" dirty="0" err="1"/>
+              <a:t>Kada</a:t>
+            </a:r>
+            <a:r>
+              <a:rPr lang="en-US" dirty="0"/>
+              <a:t> </a:t>
+            </a:r>
+            <a:r>
+              <a:rPr lang="en-US" dirty="0" err="1"/>
+              <a:t>te</a:t>
+            </a:r>
+            <a:r>
+              <a:rPr lang="en-US" dirty="0"/>
+              <a:t> </a:t>
+            </a:r>
+            <a:r>
+              <a:rPr lang="en-US" dirty="0" err="1"/>
+              <a:t>spopadnu</a:t>
+            </a:r>
+            <a:r>
+              <a:rPr lang="en-US" dirty="0"/>
+              <a:t> </a:t>
+            </a:r>
+            <a:r>
+              <a:rPr lang="en-US" dirty="0" err="1"/>
+              <a:t>takve</a:t>
+            </a:r>
+            <a:r>
+              <a:rPr lang="en-US" dirty="0"/>
+              <a:t> </a:t>
+            </a:r>
+            <a:r>
+              <a:rPr lang="en-US" dirty="0" err="1"/>
               <a:t>misli</a:t>
             </a:r>
             <a:r>
               <a:rPr lang="en-US" dirty="0"/>
-              <a:t> </a:t>
-            </a:r>
-            <a:r>
-              <a:rPr lang="en-US" dirty="0" err="1"/>
-              <a:t>itd</a:t>
-            </a:r>
-            <a:r>
-              <a:rPr lang="en-US" dirty="0"/>
-              <a:t>..</a:t>
-            </a:r>
-          </a:p>
-          <a:p>
-            <a:endParaRPr lang="en-US" dirty="0"/>
-          </a:p>
-          <a:p>
-            <a:r>
-              <a:rPr lang="en-US" dirty="0" err="1"/>
-              <a:t>Razumi</a:t>
-            </a:r>
-            <a:r>
-              <a:rPr lang="en-US" dirty="0"/>
-              <a:t> to, </a:t>
-            </a:r>
-            <a:r>
-              <a:rPr lang="en-US" dirty="0" err="1"/>
-              <a:t>pusti</a:t>
-            </a:r>
-            <a:r>
-              <a:rPr lang="en-US" dirty="0"/>
-              <a:t> ga nek </a:t>
-            </a:r>
-            <a:r>
-              <a:rPr lang="en-US" dirty="0" err="1"/>
-              <a:t>brblja</a:t>
+              <a:t>, </a:t>
+            </a:r>
+            <a:r>
+              <a:rPr lang="en-US" dirty="0" err="1"/>
+              <a:t>samo</a:t>
+            </a:r>
+            <a:r>
+              <a:rPr lang="en-US" dirty="0"/>
+              <a:t> </a:t>
+            </a:r>
+            <a:r>
+              <a:rPr lang="en-US" dirty="0" err="1"/>
+              <a:t>budi</a:t>
+            </a:r>
+            <a:r>
+              <a:rPr lang="en-US" dirty="0"/>
+              <a:t> </a:t>
+            </a:r>
+            <a:r>
+              <a:rPr lang="en-US" dirty="0" err="1"/>
+              <a:t>zahvalan</a:t>
+            </a:r>
+            <a:r>
+              <a:rPr lang="en-US" dirty="0"/>
+              <a:t>. </a:t>
+            </a:r>
+            <a:r>
+              <a:rPr lang="en-US" dirty="0" err="1"/>
+              <a:t>Razmisli</a:t>
+            </a:r>
+            <a:r>
+              <a:rPr lang="en-US" dirty="0"/>
+              <a:t> o </a:t>
+            </a:r>
+            <a:r>
+              <a:rPr lang="en-US" dirty="0" err="1"/>
+              <a:t>stvarima</a:t>
+            </a:r>
+            <a:r>
+              <a:rPr lang="en-US" dirty="0"/>
+              <a:t> </a:t>
+            </a:r>
+            <a:r>
+              <a:rPr lang="en-US" dirty="0" err="1"/>
+              <a:t>koje</a:t>
+            </a:r>
+            <a:r>
+              <a:rPr lang="en-US" dirty="0"/>
+              <a:t> </a:t>
+            </a:r>
+            <a:r>
+              <a:rPr lang="en-US" dirty="0" err="1"/>
+              <a:t>imas</a:t>
             </a:r>
             <a:r>
               <a:rPr lang="en-US" dirty="0"/>
@@ -8941,59 +8747,51 @@
             </a:r>
             <a:r>
               <a:rPr lang="en-US" dirty="0" err="1"/>
-              <a:t>znaj</a:t>
-            </a:r>
-            <a:r>
-              <a:rPr lang="en-US" dirty="0"/>
-              <a:t> da je </a:t>
-            </a:r>
-            <a:r>
-              <a:rPr lang="en-US" dirty="0" err="1"/>
-              <a:t>samo</a:t>
-            </a:r>
-            <a:r>
-              <a:rPr lang="en-US" dirty="0"/>
-              <a:t> </a:t>
-            </a:r>
-            <a:r>
-              <a:rPr lang="en-US" dirty="0" err="1"/>
-              <a:t>umoran</a:t>
-            </a:r>
-            <a:r>
-              <a:rPr lang="en-US" dirty="0"/>
-              <a:t>, </a:t>
-            </a:r>
-            <a:r>
-              <a:rPr lang="en-US" dirty="0" err="1"/>
-              <a:t>Ignorisi</a:t>
-            </a:r>
-            <a:r>
-              <a:rPr lang="en-US" dirty="0"/>
-              <a:t> ga, </a:t>
-            </a:r>
-            <a:r>
-              <a:rPr lang="en-US" dirty="0" err="1"/>
-              <a:t>pusti</a:t>
-            </a:r>
-            <a:r>
-              <a:rPr lang="en-US" dirty="0"/>
-              <a:t> ga da </a:t>
-            </a:r>
-            <a:r>
-              <a:rPr lang="en-US" dirty="0" err="1"/>
-              <a:t>vrti</a:t>
-            </a:r>
-            <a:r>
-              <a:rPr lang="en-US" dirty="0"/>
-              <a:t> </a:t>
-            </a:r>
-            <a:r>
-              <a:rPr lang="en-US" dirty="0" err="1"/>
-              <a:t>stari</a:t>
-            </a:r>
-            <a:r>
-              <a:rPr lang="en-US" dirty="0"/>
-              <a:t> film</a:t>
+              <a:t>budi</a:t>
+            </a:r>
+            <a:r>
+              <a:rPr lang="en-US" dirty="0"/>
+              <a:t> </a:t>
+            </a:r>
+            <a:r>
+              <a:rPr lang="en-US" dirty="0" err="1"/>
+              <a:t>zadovoljan</a:t>
+            </a:r>
+            <a:r>
+              <a:rPr lang="en-US" dirty="0"/>
+              <a:t> time. </a:t>
+            </a:r>
+            <a:r>
+              <a:rPr lang="en-US" dirty="0" err="1"/>
+              <a:t>Imas</a:t>
+            </a:r>
+            <a:r>
+              <a:rPr lang="en-US" dirty="0"/>
+              <a:t> vise </a:t>
+            </a:r>
+            <a:r>
+              <a:rPr lang="en-US" dirty="0" err="1"/>
+              <a:t>nego</a:t>
+            </a:r>
+            <a:r>
+              <a:rPr lang="en-US" dirty="0"/>
+              <a:t> 99% </a:t>
+            </a:r>
+            <a:r>
+              <a:rPr lang="en-US" dirty="0" err="1"/>
+              <a:t>ljudi</a:t>
+            </a:r>
+            <a:r>
+              <a:rPr lang="en-US" dirty="0"/>
+              <a:t>. </a:t>
+            </a:r>
+            <a:r>
+              <a:rPr lang="en-US" dirty="0" err="1"/>
+              <a:t>Stvarno</a:t>
+            </a:r>
+            <a:r>
+              <a:rPr lang="en-US" dirty="0"/>
+              <a:t>…</a:t>
             </a:r>
           </a:p>
         </p:txBody>
@@ -9001,7 +8799,7 @@
     </p:spTree>
     <p:extLst>
       <p:ext uri="{BB962C8B-B14F-4D97-AF65-F5344CB8AC3E}">
-        <p14:creationId xmlns:p14="http://schemas.microsoft.com/office/powerpoint/2010/main" val="2145060208"/>
+        <p14:creationId xmlns:p14="http://schemas.microsoft.com/office/powerpoint/2010/main" val="3951410463"/>
       </p:ext>
     </p:extLst>
   </p:cSld>
@@ -9033,6 +8831,334 @@
           <p:cNvPr id="2" name="Title 1">
             <a:extLst>
               <a:ext uri="{FF2B5EF4-FFF2-40B4-BE49-F238E27FC236}">
+                <a16:creationId xmlns:a16="http://schemas.microsoft.com/office/drawing/2014/main" id="{F7EC8090-0DD3-4884-BCB4-DAAB6622FA80}"/>
+              </a:ext>
+            </a:extLst>
+          </p:cNvPr>
+          <p:cNvSpPr>
+            <a:spLocks noGrp="1"/>
+          </p:cNvSpPr>
+          <p:nvPr>
+            <p:ph type="title"/>
+          </p:nvPr>
+        </p:nvSpPr>
+        <p:spPr/>
+        <p:txBody>
+          <a:bodyPr/>
+          <a:lstStyle/>
+          <a:p>
+            <a:r>
+              <a:rPr lang="en-US" dirty="0" err="1"/>
+              <a:t>Ignorisi</a:t>
+            </a:r>
+            <a:r>
+              <a:rPr lang="en-US" dirty="0"/>
+              <a:t> </a:t>
+            </a:r>
+            <a:r>
+              <a:rPr lang="en-US" dirty="0" err="1"/>
+              <a:t>svoj</a:t>
+            </a:r>
+            <a:r>
+              <a:rPr lang="en-US" dirty="0"/>
+              <a:t> </a:t>
+            </a:r>
+            <a:r>
+              <a:rPr lang="en-US" dirty="0" err="1"/>
+              <a:t>degradirani</a:t>
+            </a:r>
+            <a:r>
+              <a:rPr lang="en-US" dirty="0"/>
+              <a:t> </a:t>
+            </a:r>
+            <a:r>
+              <a:rPr lang="en-US" dirty="0" err="1"/>
+              <a:t>mozak</a:t>
+            </a:r>
+            <a:endParaRPr lang="en-US" dirty="0"/>
+          </a:p>
+        </p:txBody>
+      </p:sp>
+      <p:sp>
+        <p:nvSpPr>
+          <p:cNvPr id="3" name="Content Placeholder 2">
+            <a:extLst>
+              <a:ext uri="{FF2B5EF4-FFF2-40B4-BE49-F238E27FC236}">
+                <a16:creationId xmlns:a16="http://schemas.microsoft.com/office/drawing/2014/main" id="{9AE6B8AD-462F-4DB4-9999-17A28EBDC4AB}"/>
+              </a:ext>
+            </a:extLst>
+          </p:cNvPr>
+          <p:cNvSpPr>
+            <a:spLocks noGrp="1"/>
+          </p:cNvSpPr>
+          <p:nvPr>
+            <p:ph idx="1"/>
+          </p:nvPr>
+        </p:nvSpPr>
+        <p:spPr/>
+        <p:txBody>
+          <a:bodyPr/>
+          <a:lstStyle/>
+          <a:p>
+            <a:r>
+              <a:rPr lang="en-US" dirty="0" err="1"/>
+              <a:t>Shvati</a:t>
+            </a:r>
+            <a:r>
+              <a:rPr lang="en-US" dirty="0"/>
+              <a:t>, </a:t>
+            </a:r>
+            <a:r>
+              <a:rPr lang="en-US" dirty="0" err="1"/>
+              <a:t>prosao</a:t>
+            </a:r>
+            <a:r>
+              <a:rPr lang="en-US" dirty="0"/>
+              <a:t> </a:t>
+            </a:r>
+            <a:r>
+              <a:rPr lang="en-US" dirty="0" err="1"/>
+              <a:t>si</a:t>
+            </a:r>
+            <a:r>
+              <a:rPr lang="en-US" dirty="0"/>
+              <a:t> </a:t>
+            </a:r>
+            <a:r>
+              <a:rPr lang="en-US" dirty="0" err="1"/>
+              <a:t>kroz</a:t>
+            </a:r>
+            <a:r>
+              <a:rPr lang="en-US" dirty="0"/>
+              <a:t> </a:t>
+            </a:r>
+            <a:r>
+              <a:rPr lang="en-US" dirty="0" err="1"/>
+              <a:t>neke</a:t>
+            </a:r>
+            <a:r>
+              <a:rPr lang="en-US" dirty="0"/>
+              <a:t> lose </a:t>
+            </a:r>
+            <a:r>
+              <a:rPr lang="en-US" dirty="0" err="1"/>
+              <a:t>stvari</a:t>
+            </a:r>
+            <a:r>
+              <a:rPr lang="en-US" dirty="0"/>
+              <a:t> </a:t>
+            </a:r>
+            <a:r>
+              <a:rPr lang="en-US" dirty="0" err="1"/>
+              <a:t>protekli</a:t>
+            </a:r>
+            <a:r>
+              <a:rPr lang="en-US" dirty="0"/>
+              <a:t> period I </a:t>
+            </a:r>
+            <a:r>
+              <a:rPr lang="en-US" dirty="0" err="1"/>
+              <a:t>tvoj</a:t>
+            </a:r>
+            <a:r>
+              <a:rPr lang="en-US" dirty="0"/>
+              <a:t> </a:t>
+            </a:r>
+            <a:r>
+              <a:rPr lang="en-US" dirty="0" err="1"/>
+              <a:t>mozak</a:t>
+            </a:r>
+            <a:r>
+              <a:rPr lang="en-US" dirty="0"/>
+              <a:t> se </a:t>
+            </a:r>
+            <a:r>
+              <a:rPr lang="en-US" dirty="0" err="1"/>
+              <a:t>umorio</a:t>
+            </a:r>
+            <a:r>
+              <a:rPr lang="en-US" dirty="0"/>
+              <a:t>. </a:t>
+            </a:r>
+            <a:r>
+              <a:rPr lang="en-US" dirty="0" err="1"/>
+              <a:t>Nastavlja</a:t>
+            </a:r>
+            <a:r>
+              <a:rPr lang="en-US" dirty="0"/>
+              <a:t> da </a:t>
+            </a:r>
+            <a:r>
+              <a:rPr lang="en-US" dirty="0" err="1"/>
+              <a:t>brblja</a:t>
+            </a:r>
+            <a:r>
+              <a:rPr lang="en-US" dirty="0"/>
+              <a:t> </a:t>
+            </a:r>
+            <a:r>
+              <a:rPr lang="en-US" dirty="0" err="1"/>
+              <a:t>iste</a:t>
+            </a:r>
+            <a:r>
+              <a:rPr lang="en-US" dirty="0"/>
+              <a:t> </a:t>
+            </a:r>
+            <a:r>
+              <a:rPr lang="en-US" dirty="0" err="1"/>
+              <a:t>stvari</a:t>
+            </a:r>
+            <a:r>
+              <a:rPr lang="en-US" dirty="0"/>
+              <a:t>… </a:t>
+            </a:r>
+            <a:r>
+              <a:rPr lang="en-US" dirty="0" err="1"/>
+              <a:t>Strahovi</a:t>
+            </a:r>
+            <a:r>
+              <a:rPr lang="en-US" dirty="0"/>
+              <a:t>, </a:t>
+            </a:r>
+            <a:r>
+              <a:rPr lang="en-US" dirty="0" err="1"/>
+              <a:t>misli</a:t>
+            </a:r>
+            <a:r>
+              <a:rPr lang="en-US" dirty="0"/>
+              <a:t> </a:t>
+            </a:r>
+            <a:r>
+              <a:rPr lang="en-US" dirty="0" err="1"/>
+              <a:t>itd</a:t>
+            </a:r>
+            <a:r>
+              <a:rPr lang="en-US" dirty="0"/>
+              <a:t>..</a:t>
+            </a:r>
+          </a:p>
+          <a:p>
+            <a:endParaRPr lang="en-US" dirty="0"/>
+          </a:p>
+          <a:p>
+            <a:r>
+              <a:rPr lang="en-US" dirty="0" err="1"/>
+              <a:t>Razumi</a:t>
+            </a:r>
+            <a:r>
+              <a:rPr lang="en-US" dirty="0"/>
+              <a:t> to, </a:t>
+            </a:r>
+            <a:r>
+              <a:rPr lang="en-US" dirty="0" err="1"/>
+              <a:t>pusti</a:t>
+            </a:r>
+            <a:r>
+              <a:rPr lang="en-US" dirty="0"/>
+              <a:t> ga nek </a:t>
+            </a:r>
+            <a:r>
+              <a:rPr lang="en-US" dirty="0" err="1"/>
+              <a:t>brblja</a:t>
+            </a:r>
+            <a:r>
+              <a:rPr lang="en-US" dirty="0"/>
+              <a:t> I </a:t>
+            </a:r>
+            <a:r>
+              <a:rPr lang="en-US" dirty="0" err="1"/>
+              <a:t>znaj</a:t>
+            </a:r>
+            <a:r>
+              <a:rPr lang="en-US" dirty="0"/>
+              <a:t> da je </a:t>
+            </a:r>
+            <a:r>
+              <a:rPr lang="en-US" dirty="0" err="1"/>
+              <a:t>samo</a:t>
+            </a:r>
+            <a:r>
+              <a:rPr lang="en-US" dirty="0"/>
+              <a:t> </a:t>
+            </a:r>
+            <a:r>
+              <a:rPr lang="en-US" dirty="0" err="1"/>
+              <a:t>umoran</a:t>
+            </a:r>
+            <a:r>
+              <a:rPr lang="en-US" dirty="0"/>
+              <a:t>, </a:t>
+            </a:r>
+            <a:r>
+              <a:rPr lang="en-US" dirty="0" err="1"/>
+              <a:t>Ignorisi</a:t>
+            </a:r>
+            <a:r>
+              <a:rPr lang="en-US" dirty="0"/>
+              <a:t> ga, </a:t>
+            </a:r>
+            <a:r>
+              <a:rPr lang="en-US" dirty="0" err="1"/>
+              <a:t>pusti</a:t>
+            </a:r>
+            <a:r>
+              <a:rPr lang="en-US" dirty="0"/>
+              <a:t> ga da </a:t>
+            </a:r>
+            <a:r>
+              <a:rPr lang="en-US" dirty="0" err="1"/>
+              <a:t>vrti</a:t>
+            </a:r>
+            <a:r>
+              <a:rPr lang="en-US" dirty="0"/>
+              <a:t> </a:t>
+            </a:r>
+            <a:r>
+              <a:rPr lang="en-US" dirty="0" err="1"/>
+              <a:t>stari</a:t>
+            </a:r>
+            <a:r>
+              <a:rPr lang="en-US" dirty="0"/>
+              <a:t> film</a:t>
+            </a:r>
+          </a:p>
+        </p:txBody>
+      </p:sp>
+    </p:spTree>
+    <p:extLst>
+      <p:ext uri="{BB962C8B-B14F-4D97-AF65-F5344CB8AC3E}">
+        <p14:creationId xmlns:p14="http://schemas.microsoft.com/office/powerpoint/2010/main" val="2145060208"/>
+      </p:ext>
+    </p:extLst>
+  </p:cSld>
+  <p:clrMapOvr>
+    <a:masterClrMapping/>
+  </p:clrMapOvr>
+</p:sld>
+</file>
+
+<file path=ppt/slides/slide13.xml><?xml version="1.0" encoding="utf-8"?>
+<p:sld xmlns:a="http://schemas.openxmlformats.org/drawingml/2006/main" xmlns:r="http://schemas.openxmlformats.org/officeDocument/2006/relationships" xmlns:p="http://schemas.openxmlformats.org/presentationml/2006/main">
+  <p:cSld>
+    <p:spTree>
+      <p:nvGrpSpPr>
+        <p:cNvPr id="1" name=""/>
+        <p:cNvGrpSpPr/>
+        <p:nvPr/>
+      </p:nvGrpSpPr>
+      <p:grpSpPr>
+        <a:xfrm>
+          <a:off x="0" y="0"/>
+          <a:ext cx="0" cy="0"/>
+          <a:chOff x="0" y="0"/>
+          <a:chExt cx="0" cy="0"/>
+        </a:xfrm>
+      </p:grpSpPr>
+      <p:sp>
+        <p:nvSpPr>
+          <p:cNvPr id="2" name="Title 1">
+            <a:extLst>
+              <a:ext uri="{FF2B5EF4-FFF2-40B4-BE49-F238E27FC236}">
                 <a16:creationId xmlns:a16="http://schemas.microsoft.com/office/drawing/2014/main" id="{D0021DCF-0B27-43BD-8D5D-7F6079738E15}"/>
               </a:ext>
             </a:extLst>
@@ -9346,7 +9472,7 @@
 </p:sld>
 </file>
 
-<file path=ppt/slides/slide13.xml><?xml version="1.0" encoding="utf-8"?>
+<file path=ppt/slides/slide14.xml><?xml version="1.0" encoding="utf-8"?>
 <p:sld xmlns:a="http://schemas.openxmlformats.org/drawingml/2006/main" xmlns:r="http://schemas.openxmlformats.org/officeDocument/2006/relationships" xmlns:p="http://schemas.openxmlformats.org/presentationml/2006/main">
   <p:cSld>
     <p:spTree>
@@ -10022,7 +10148,7 @@
           <p:cNvPr id="2" name="Title 1">
             <a:extLst>
               <a:ext uri="{FF2B5EF4-FFF2-40B4-BE49-F238E27FC236}">
-                <a16:creationId xmlns:a16="http://schemas.microsoft.com/office/drawing/2014/main" id="{CCD0455F-9C7B-4D96-9156-D765215D59B4}"/>
+                <a16:creationId xmlns:a16="http://schemas.microsoft.com/office/drawing/2014/main" id="{7DE4FD56-7D52-4D0A-9844-723775BAA615}"/>
               </a:ext>
             </a:extLst>
           </p:cNvPr>
@@ -10039,26 +10165,9 @@
           <a:lstStyle/>
           <a:p>
             <a:r>
-              <a:rPr lang="en-US" dirty="0" err="1"/>
-              <a:t>Andjeo</a:t>
-            </a:r>
-            <a:r>
-              <a:rPr lang="en-US" dirty="0"/>
-              <a:t> u </a:t>
-            </a:r>
-            <a:r>
-              <a:rPr lang="en-US" dirty="0" err="1"/>
-              <a:t>polovnom</a:t>
-            </a:r>
-            <a:r>
-              <a:rPr lang="en-US" dirty="0"/>
-              <a:t> </a:t>
-            </a:r>
-            <a:r>
-              <a:rPr lang="en-US" dirty="0" err="1"/>
-              <a:t>telu</a:t>
-            </a:r>
-            <a:endParaRPr lang="en-US" dirty="0"/>
+              <a:rPr lang="en-US" dirty="0"/>
+              <a:t>Brain relax	</a:t>
+            </a:r>
           </a:p>
         </p:txBody>
       </p:sp>
@@ -10067,7 +10176,7 @@
           <p:cNvPr id="3" name="Content Placeholder 2">
             <a:extLst>
               <a:ext uri="{FF2B5EF4-FFF2-40B4-BE49-F238E27FC236}">
-                <a16:creationId xmlns:a16="http://schemas.microsoft.com/office/drawing/2014/main" id="{541C34E3-5E7A-4742-ACCC-670891A2093C}"/>
+                <a16:creationId xmlns:a16="http://schemas.microsoft.com/office/drawing/2014/main" id="{B5314364-B3D8-4789-9442-D72C3835789B}"/>
               </a:ext>
             </a:extLst>
           </p:cNvPr>
@@ -10081,39 +10190,193 @@
         <p:spPr/>
         <p:txBody>
           <a:bodyPr>
-            <a:normAutofit lnSpcReduction="10000"/>
+            <a:normAutofit fontScale="92500" lnSpcReduction="10000"/>
           </a:bodyPr>
           <a:lstStyle/>
           <a:p>
             <a:r>
-              <a:rPr lang="en-US" dirty="0" err="1"/>
-              <a:t>Zamisli</a:t>
-            </a:r>
-            <a:r>
-              <a:rPr lang="en-US" dirty="0"/>
-              <a:t> </a:t>
-            </a:r>
-            <a:r>
-              <a:rPr lang="en-US" dirty="0" err="1"/>
-              <a:t>sledecu</a:t>
-            </a:r>
-            <a:r>
-              <a:rPr lang="en-US" dirty="0"/>
-              <a:t> </a:t>
-            </a:r>
-            <a:r>
-              <a:rPr lang="en-US" dirty="0" err="1"/>
-              <a:t>sliku</a:t>
-            </a:r>
-            <a:r>
-              <a:rPr lang="en-US" dirty="0"/>
-              <a:t>:</a:t>
-            </a:r>
-          </a:p>
-          <a:p>
-            <a:r>
-              <a:rPr lang="en-US" dirty="0" err="1"/>
-              <a:t>Dosao</a:t>
+              <a:rPr lang="en-US" dirty="0"/>
+              <a:t>Detox od </a:t>
+            </a:r>
+            <a:r>
+              <a:rPr lang="en-US" dirty="0" err="1"/>
+              <a:t>informacija</a:t>
+            </a:r>
+            <a:r>
+              <a:rPr lang="en-US" dirty="0"/>
+              <a:t>, </a:t>
+            </a:r>
+            <a:r>
+              <a:rPr lang="en-US" dirty="0" err="1"/>
+              <a:t>uredjaja</a:t>
+            </a:r>
+            <a:r>
+              <a:rPr lang="en-US" dirty="0"/>
+              <a:t>…</a:t>
+            </a:r>
+          </a:p>
+          <a:p>
+            <a:r>
+              <a:rPr lang="en-US" dirty="0"/>
+              <a:t>Ne </a:t>
+            </a:r>
+            <a:r>
+              <a:rPr lang="en-US" dirty="0" err="1"/>
+              <a:t>deluje</a:t>
+            </a:r>
+            <a:r>
+              <a:rPr lang="en-US" dirty="0"/>
+              <a:t> </a:t>
+            </a:r>
+            <a:r>
+              <a:rPr lang="en-US" dirty="0" err="1"/>
+              <a:t>odmah</a:t>
+            </a:r>
+            <a:r>
+              <a:rPr lang="en-US" dirty="0"/>
+              <a:t> </a:t>
+            </a:r>
+            <a:r>
+              <a:rPr lang="en-US" dirty="0" err="1"/>
+              <a:t>prvi</a:t>
+            </a:r>
+            <a:r>
+              <a:rPr lang="en-US" dirty="0"/>
+              <a:t> dan </a:t>
+            </a:r>
+            <a:r>
+              <a:rPr lang="en-US" dirty="0" err="1"/>
+              <a:t>nakon</a:t>
+            </a:r>
+            <a:r>
+              <a:rPr lang="en-US" dirty="0"/>
+              <a:t> </a:t>
+            </a:r>
+            <a:r>
+              <a:rPr lang="en-US" dirty="0" err="1"/>
+              <a:t>sto</a:t>
+            </a:r>
+            <a:r>
+              <a:rPr lang="en-US" dirty="0"/>
+              <a:t> </a:t>
+            </a:r>
+            <a:r>
+              <a:rPr lang="en-US" dirty="0" err="1"/>
+              <a:t>ostavis</a:t>
+            </a:r>
+            <a:r>
+              <a:rPr lang="en-US" dirty="0"/>
+              <a:t>, vec </a:t>
+            </a:r>
+            <a:r>
+              <a:rPr lang="en-US" dirty="0" err="1"/>
+              <a:t>upala</a:t>
+            </a:r>
+            <a:r>
+              <a:rPr lang="en-US" dirty="0"/>
+              <a:t> </a:t>
+            </a:r>
+            <a:r>
+              <a:rPr lang="en-US" dirty="0" err="1"/>
+              <a:t>mozga</a:t>
+            </a:r>
+            <a:r>
+              <a:rPr lang="en-US" dirty="0"/>
+              <a:t> mora da </a:t>
+            </a:r>
+            <a:r>
+              <a:rPr lang="en-US" dirty="0" err="1"/>
+              <a:t>prodje</a:t>
+            </a:r>
+            <a:r>
+              <a:rPr lang="en-US" dirty="0"/>
+              <a:t> </a:t>
+            </a:r>
+            <a:r>
+              <a:rPr lang="en-US" dirty="0" err="1"/>
+              <a:t>postepeno</a:t>
+            </a:r>
+            <a:r>
+              <a:rPr lang="en-US" dirty="0"/>
+              <a:t>, </a:t>
+            </a:r>
+            <a:r>
+              <a:rPr lang="en-US" dirty="0" err="1"/>
+              <a:t>posle</a:t>
+            </a:r>
+            <a:r>
+              <a:rPr lang="en-US" dirty="0"/>
+              <a:t> </a:t>
+            </a:r>
+            <a:r>
+              <a:rPr lang="en-US" dirty="0" err="1"/>
+              <a:t>drugog</a:t>
+            </a:r>
+            <a:r>
+              <a:rPr lang="en-US" dirty="0"/>
+              <a:t> dana </a:t>
+            </a:r>
+            <a:r>
+              <a:rPr lang="en-US" dirty="0" err="1"/>
+              <a:t>videces</a:t>
+            </a:r>
+            <a:r>
+              <a:rPr lang="en-US" dirty="0"/>
+              <a:t> </a:t>
+            </a:r>
+            <a:r>
+              <a:rPr lang="en-US" dirty="0" err="1"/>
+              <a:t>razlike</a:t>
+            </a:r>
+            <a:endParaRPr lang="en-US" dirty="0"/>
+          </a:p>
+          <a:p>
+            <a:endParaRPr lang="en-US" dirty="0"/>
+          </a:p>
+          <a:p>
+            <a:r>
+              <a:rPr lang="en-US" dirty="0" err="1"/>
+              <a:t>Sve</a:t>
+            </a:r>
+            <a:r>
+              <a:rPr lang="en-US" dirty="0"/>
+              <a:t> </a:t>
+            </a:r>
+            <a:r>
+              <a:rPr lang="en-US" dirty="0" err="1"/>
+              <a:t>pretrazuj</a:t>
+            </a:r>
+            <a:r>
+              <a:rPr lang="en-US" dirty="0"/>
+              <a:t> u </a:t>
+            </a:r>
+            <a:r>
+              <a:rPr lang="en-US" dirty="0" err="1"/>
+              <a:t>okviru</a:t>
+            </a:r>
+            <a:r>
+              <a:rPr lang="en-US" dirty="0"/>
+              <a:t> </a:t>
+            </a:r>
+            <a:r>
+              <a:rPr lang="en-US" dirty="0" err="1"/>
+              <a:t>radnog</a:t>
+            </a:r>
+            <a:r>
+              <a:rPr lang="en-US" dirty="0"/>
+              <a:t> </a:t>
+            </a:r>
+            <a:r>
+              <a:rPr lang="en-US" dirty="0" err="1"/>
+              <a:t>vremena</a:t>
+            </a:r>
+            <a:r>
+              <a:rPr lang="en-US" dirty="0"/>
+              <a:t> ZA RACUNAROM. </a:t>
+            </a:r>
+            <a:r>
+              <a:rPr lang="en-US" dirty="0" err="1"/>
+              <a:t>Ako</a:t>
             </a:r>
             <a:r>
               <a:rPr lang="en-US" dirty="0"/>
@@ -10129,6 +10392,54 @@
             </a:r>
             <a:r>
               <a:rPr lang="en-US" dirty="0" err="1"/>
+              <a:t>napolju</a:t>
+            </a:r>
+            <a:r>
+              <a:rPr lang="en-US" dirty="0"/>
+              <a:t> I </a:t>
+            </a:r>
+            <a:r>
+              <a:rPr lang="en-US" dirty="0" err="1"/>
+              <a:t>zanima</a:t>
+            </a:r>
+            <a:r>
+              <a:rPr lang="en-US" dirty="0"/>
+              <a:t> </a:t>
+            </a:r>
+            <a:r>
+              <a:rPr lang="en-US" dirty="0" err="1"/>
+              <a:t>te</a:t>
+            </a:r>
+            <a:r>
+              <a:rPr lang="en-US" dirty="0"/>
+              <a:t> </a:t>
+            </a:r>
+            <a:r>
+              <a:rPr lang="en-US" dirty="0" err="1"/>
+              <a:t>nesto</a:t>
+            </a:r>
+            <a:r>
+              <a:rPr lang="en-US" dirty="0"/>
+              <a:t> da </a:t>
+            </a:r>
+            <a:r>
+              <a:rPr lang="en-US" dirty="0" err="1"/>
+              <a:t>proveris</a:t>
+            </a:r>
+            <a:r>
+              <a:rPr lang="en-US" dirty="0"/>
+              <a:t>, </a:t>
+            </a:r>
+            <a:r>
+              <a:rPr lang="en-US" dirty="0" err="1"/>
+              <a:t>upisi</a:t>
+            </a:r>
+            <a:r>
+              <a:rPr lang="en-US" dirty="0"/>
+              <a:t> u notes </a:t>
+            </a:r>
+            <a:r>
+              <a:rPr lang="en-US" dirty="0" err="1"/>
               <a:t>na</a:t>
             </a:r>
             <a:r>
@@ -10137,55 +10448,153 @@
             </a:r>
             <a:r>
               <a:rPr lang="en-US" dirty="0" err="1"/>
-              <a:t>planetu</a:t>
-            </a:r>
-            <a:r>
-              <a:rPr lang="en-US" dirty="0"/>
-              <a:t> </a:t>
-            </a:r>
-            <a:r>
-              <a:rPr lang="en-US" dirty="0" err="1"/>
-              <a:t>zemlju</a:t>
-            </a:r>
-            <a:r>
-              <a:rPr lang="en-US" dirty="0"/>
-              <a:t> da </a:t>
-            </a:r>
-            <a:r>
-              <a:rPr lang="en-US" dirty="0" err="1"/>
-              <a:t>sluzis</a:t>
-            </a:r>
-            <a:r>
-              <a:rPr lang="en-US" dirty="0"/>
-              <a:t>, da </a:t>
-            </a:r>
-            <a:r>
-              <a:rPr lang="en-US" dirty="0" err="1"/>
-              <a:t>pomazes</a:t>
-            </a:r>
-            <a:r>
-              <a:rPr lang="en-US" dirty="0"/>
-              <a:t> </a:t>
-            </a:r>
-            <a:r>
-              <a:rPr lang="en-US" dirty="0" err="1"/>
-              <a:t>ljudima</a:t>
-            </a:r>
-            <a:r>
-              <a:rPr lang="en-US" dirty="0"/>
-              <a:t> I da das </a:t>
-            </a:r>
-            <a:r>
-              <a:rPr lang="en-US" dirty="0" err="1"/>
-              <a:t>sve</a:t>
-            </a:r>
-            <a:r>
-              <a:rPr lang="en-US" dirty="0"/>
-              <a:t> od </a:t>
-            </a:r>
-            <a:r>
-              <a:rPr lang="en-US" dirty="0" err="1"/>
-              <a:t>sebe</a:t>
+              <a:t>telefon</a:t>
+            </a:r>
+            <a:r>
+              <a:rPr lang="en-US" dirty="0"/>
+              <a:t> I </a:t>
+            </a:r>
+            <a:r>
+              <a:rPr lang="en-US" dirty="0" err="1"/>
+              <a:t>kad</a:t>
+            </a:r>
+            <a:r>
+              <a:rPr lang="en-US" dirty="0"/>
+              <a:t> budes </a:t>
+            </a:r>
+            <a:r>
+              <a:rPr lang="en-US" dirty="0" err="1"/>
+              <a:t>seo</a:t>
+            </a:r>
+            <a:r>
+              <a:rPr lang="en-US" dirty="0"/>
+              <a:t> za </a:t>
+            </a:r>
+            <a:r>
+              <a:rPr lang="en-US" dirty="0" err="1"/>
+              <a:t>komp</a:t>
+            </a:r>
+            <a:r>
+              <a:rPr lang="en-US" dirty="0"/>
+              <a:t> </a:t>
+            </a:r>
+            <a:r>
+              <a:rPr lang="en-US" dirty="0" err="1"/>
+              <a:t>pogledaj</a:t>
+            </a:r>
+            <a:endParaRPr lang="en-US" dirty="0"/>
+          </a:p>
+          <a:p>
+            <a:endParaRPr lang="en-US" dirty="0"/>
+          </a:p>
+          <a:p>
+            <a:r>
+              <a:rPr lang="en-US" dirty="0" err="1"/>
+              <a:t>Molim</a:t>
+            </a:r>
+            <a:r>
+              <a:rPr lang="en-US" dirty="0"/>
+              <a:t> </a:t>
+            </a:r>
+            <a:r>
+              <a:rPr lang="en-US" dirty="0" err="1"/>
+              <a:t>te</a:t>
+            </a:r>
+            <a:r>
+              <a:rPr lang="en-US" dirty="0"/>
+              <a:t> </a:t>
+            </a:r>
+            <a:r>
+              <a:rPr lang="en-US" dirty="0" err="1"/>
+              <a:t>shvati</a:t>
+            </a:r>
+            <a:r>
+              <a:rPr lang="en-US" dirty="0"/>
+              <a:t> </a:t>
+            </a:r>
+            <a:r>
+              <a:rPr lang="en-US" dirty="0" err="1"/>
+              <a:t>ovo</a:t>
+            </a:r>
+            <a:r>
+              <a:rPr lang="en-US" dirty="0"/>
+              <a:t> </a:t>
+            </a:r>
+            <a:r>
+              <a:rPr lang="en-US" dirty="0" err="1"/>
+              <a:t>ozbiljno</a:t>
+            </a:r>
+            <a:r>
+              <a:rPr lang="en-US" dirty="0"/>
+              <a:t> </a:t>
+            </a:r>
+            <a:r>
+              <a:rPr lang="en-US" dirty="0" err="1"/>
+              <a:t>jer</a:t>
+            </a:r>
+            <a:r>
+              <a:rPr lang="en-US" dirty="0"/>
+              <a:t> </a:t>
+            </a:r>
+            <a:r>
+              <a:rPr lang="en-US" dirty="0" err="1"/>
+              <a:t>stvarno</a:t>
+            </a:r>
+            <a:r>
+              <a:rPr lang="en-US" dirty="0"/>
+              <a:t> </a:t>
+            </a:r>
+            <a:r>
+              <a:rPr lang="en-US" dirty="0" err="1"/>
+              <a:t>radi</a:t>
+            </a:r>
+            <a:r>
+              <a:rPr lang="en-US" dirty="0"/>
+              <a:t>, </a:t>
+            </a:r>
+            <a:r>
+              <a:rPr lang="en-US" dirty="0" err="1"/>
+              <a:t>stvarno</a:t>
+            </a:r>
+            <a:r>
+              <a:rPr lang="en-US" dirty="0"/>
+              <a:t> </a:t>
+            </a:r>
+            <a:r>
+              <a:rPr lang="en-US" dirty="0" err="1"/>
+              <a:t>opusti</a:t>
+            </a:r>
+            <a:r>
+              <a:rPr lang="en-US" dirty="0"/>
+              <a:t> </a:t>
+            </a:r>
+            <a:r>
+              <a:rPr lang="en-US" dirty="0" err="1"/>
+              <a:t>mozak</a:t>
+            </a:r>
+            <a:r>
+              <a:rPr lang="en-US" dirty="0"/>
+              <a:t>, </a:t>
+            </a:r>
+            <a:r>
+              <a:rPr lang="en-US" dirty="0" err="1"/>
+              <a:t>ucis</a:t>
+            </a:r>
+            <a:r>
+              <a:rPr lang="en-US" dirty="0"/>
+              <a:t> </a:t>
+            </a:r>
+            <a:r>
+              <a:rPr lang="en-US" dirty="0" err="1"/>
+              <a:t>strpljenje</a:t>
+            </a:r>
+            <a:r>
+              <a:rPr lang="en-US" dirty="0"/>
+              <a:t> I </a:t>
+            </a:r>
+            <a:r>
+              <a:rPr lang="en-US" dirty="0" err="1"/>
+              <a:t>smirenje</a:t>
             </a:r>
             <a:r>
               <a:rPr lang="en-US" dirty="0"/>
@@ -10193,353 +10602,23 @@
             </a:r>
             <a:r>
               <a:rPr lang="en-US" dirty="0" err="1"/>
-              <a:t>Dobio</a:t>
-            </a:r>
-            <a:r>
-              <a:rPr lang="en-US" dirty="0"/>
-              <a:t> </a:t>
-            </a:r>
-            <a:r>
-              <a:rPr lang="en-US" dirty="0" err="1"/>
-              <a:t>si</a:t>
-            </a:r>
-            <a:r>
-              <a:rPr lang="en-US" dirty="0"/>
-              <a:t> </a:t>
-            </a:r>
-            <a:r>
-              <a:rPr lang="en-US" dirty="0" err="1"/>
-              <a:t>telo</a:t>
-            </a:r>
-            <a:r>
-              <a:rPr lang="en-US" dirty="0"/>
-              <a:t> </a:t>
-            </a:r>
-            <a:r>
-              <a:rPr lang="en-US" dirty="0" err="1"/>
-              <a:t>kakvo</a:t>
-            </a:r>
-            <a:r>
-              <a:rPr lang="en-US" dirty="0"/>
-              <a:t> </a:t>
-            </a:r>
-            <a:r>
-              <a:rPr lang="en-US" dirty="0" err="1"/>
-              <a:t>si</a:t>
-            </a:r>
-            <a:r>
-              <a:rPr lang="en-US" dirty="0"/>
-              <a:t> </a:t>
-            </a:r>
-            <a:r>
-              <a:rPr lang="en-US" dirty="0" err="1"/>
-              <a:t>dobio</a:t>
-            </a:r>
-            <a:r>
-              <a:rPr lang="en-US" dirty="0"/>
-              <a:t>, </a:t>
-            </a:r>
-            <a:r>
-              <a:rPr lang="en-US" dirty="0" err="1"/>
-              <a:t>nije</a:t>
-            </a:r>
-            <a:r>
-              <a:rPr lang="en-US" dirty="0"/>
-              <a:t> </a:t>
-            </a:r>
-            <a:r>
-              <a:rPr lang="en-US" dirty="0" err="1"/>
-              <a:t>savrseno</a:t>
-            </a:r>
-            <a:r>
-              <a:rPr lang="en-US" dirty="0"/>
-              <a:t> </a:t>
-            </a:r>
-            <a:r>
-              <a:rPr lang="en-US" dirty="0" err="1"/>
-              <a:t>ali</a:t>
-            </a:r>
-            <a:r>
-              <a:rPr lang="en-US" dirty="0"/>
-              <a:t> moze da se </a:t>
-            </a:r>
-            <a:r>
-              <a:rPr lang="en-US" dirty="0" err="1"/>
-              <a:t>radi</a:t>
-            </a:r>
-            <a:r>
-              <a:rPr lang="en-US" dirty="0"/>
-              <a:t> u </a:t>
-            </a:r>
-            <a:r>
-              <a:rPr lang="en-US" dirty="0" err="1"/>
-              <a:t>njemu</a:t>
-            </a:r>
-            <a:endParaRPr lang="en-US" dirty="0"/>
-          </a:p>
-          <a:p>
-            <a:endParaRPr lang="en-US" dirty="0"/>
-          </a:p>
-          <a:p>
-            <a:r>
-              <a:rPr lang="en-US" dirty="0"/>
-              <a:t>To </a:t>
-            </a:r>
-            <a:r>
-              <a:rPr lang="en-US" dirty="0" err="1"/>
-              <a:t>telo</a:t>
-            </a:r>
-            <a:r>
-              <a:rPr lang="en-US" dirty="0"/>
-              <a:t> je </a:t>
-            </a:r>
-            <a:r>
-              <a:rPr lang="en-US" dirty="0" err="1"/>
-              <a:t>polovno</a:t>
-            </a:r>
-            <a:r>
-              <a:rPr lang="en-US" dirty="0"/>
-              <a:t>, </a:t>
-            </a:r>
-            <a:r>
-              <a:rPr lang="en-US" dirty="0" err="1"/>
-              <a:t>gresno</a:t>
+              <a:t>Mozak</a:t>
+            </a:r>
+            <a:r>
+              <a:rPr lang="en-US" dirty="0"/>
+              <a:t> se </a:t>
+            </a:r>
+            <a:r>
+              <a:rPr lang="en-US" dirty="0" err="1"/>
+              <a:t>odmara</a:t>
             </a:r>
             <a:r>
               <a:rPr lang="en-US" dirty="0"/>
               <a:t>. </a:t>
             </a:r>
             <a:r>
-              <a:rPr lang="en-US" dirty="0" err="1"/>
-              <a:t>Proizvodi</a:t>
-            </a:r>
-            <a:r>
-              <a:rPr lang="en-US" dirty="0"/>
-              <a:t> lose </a:t>
-            </a:r>
-            <a:r>
-              <a:rPr lang="en-US" dirty="0" err="1"/>
-              <a:t>misli</a:t>
-            </a:r>
-            <a:r>
-              <a:rPr lang="en-US" dirty="0"/>
-              <a:t>, </a:t>
-            </a:r>
-            <a:r>
-              <a:rPr lang="en-US" dirty="0" err="1"/>
-              <a:t>razboljeva</a:t>
-            </a:r>
-            <a:r>
-              <a:rPr lang="en-US" dirty="0"/>
-              <a:t> se. Ne </a:t>
-            </a:r>
-            <a:r>
-              <a:rPr lang="en-US" dirty="0" err="1"/>
-              <a:t>slusaj</a:t>
-            </a:r>
-            <a:r>
-              <a:rPr lang="en-US" dirty="0"/>
-              <a:t> ga </a:t>
-            </a:r>
-            <a:r>
-              <a:rPr lang="en-US" dirty="0" err="1"/>
-              <a:t>vec</a:t>
-            </a:r>
-            <a:r>
-              <a:rPr lang="en-US" dirty="0"/>
-              <a:t> </a:t>
-            </a:r>
-            <a:r>
-              <a:rPr lang="en-US" dirty="0" err="1"/>
-              <a:t>slusaj</a:t>
-            </a:r>
-            <a:r>
-              <a:rPr lang="en-US" dirty="0"/>
-              <a:t> </a:t>
-            </a:r>
-            <a:r>
-              <a:rPr lang="en-US" dirty="0" err="1"/>
-              <a:t>razum</a:t>
-            </a:r>
-            <a:r>
-              <a:rPr lang="en-US" dirty="0"/>
-              <a:t>. </a:t>
-            </a:r>
-            <a:r>
-              <a:rPr lang="en-US" dirty="0" err="1"/>
-              <a:t>Pusti</a:t>
-            </a:r>
-            <a:r>
-              <a:rPr lang="en-US" dirty="0"/>
-              <a:t> ga </a:t>
-            </a:r>
-            <a:r>
-              <a:rPr lang="en-US" dirty="0" err="1"/>
-              <a:t>neka</a:t>
-            </a:r>
-            <a:r>
-              <a:rPr lang="en-US" dirty="0"/>
-              <a:t> on </a:t>
-            </a:r>
-            <a:r>
-              <a:rPr lang="en-US" dirty="0" err="1"/>
-              <a:t>gresi</a:t>
-            </a:r>
-            <a:r>
-              <a:rPr lang="en-US" dirty="0"/>
-              <a:t> I </a:t>
-            </a:r>
-            <a:r>
-              <a:rPr lang="en-US" dirty="0" err="1"/>
-              <a:t>baguje</a:t>
-            </a:r>
-            <a:r>
-              <a:rPr lang="en-US" dirty="0"/>
-              <a:t> </a:t>
-            </a:r>
-            <a:r>
-              <a:rPr lang="en-US" dirty="0" err="1"/>
-              <a:t>sa</a:t>
-            </a:r>
-            <a:r>
-              <a:rPr lang="en-US" dirty="0"/>
-              <a:t> </a:t>
-            </a:r>
-            <a:r>
-              <a:rPr lang="en-US" dirty="0" err="1"/>
-              <a:t>mislima</a:t>
-            </a:r>
-            <a:r>
-              <a:rPr lang="en-US" dirty="0"/>
-              <a:t>. Tu demon </a:t>
-            </a:r>
-            <a:r>
-              <a:rPr lang="en-US" dirty="0" err="1"/>
-              <a:t>radi</a:t>
-            </a:r>
-            <a:r>
-              <a:rPr lang="en-US" dirty="0"/>
-              <a:t> </a:t>
-            </a:r>
-            <a:r>
-              <a:rPr lang="en-US" dirty="0" err="1"/>
-              <a:t>svoje</a:t>
-            </a:r>
-            <a:r>
-              <a:rPr lang="en-US" dirty="0"/>
-              <a:t> I </a:t>
-            </a:r>
-            <a:r>
-              <a:rPr lang="en-US" dirty="0" err="1"/>
-              <a:t>odvoji</a:t>
-            </a:r>
-            <a:r>
-              <a:rPr lang="en-US" dirty="0"/>
-              <a:t> se od toga, </a:t>
-            </a:r>
-            <a:r>
-              <a:rPr lang="en-US" dirty="0" err="1"/>
-              <a:t>distanciraj</a:t>
-            </a:r>
-            <a:r>
-              <a:rPr lang="en-US" dirty="0"/>
-              <a:t> se I </a:t>
-            </a:r>
-            <a:r>
-              <a:rPr lang="en-US" dirty="0" err="1"/>
-              <a:t>reci</a:t>
-            </a:r>
-            <a:r>
-              <a:rPr lang="en-US" dirty="0"/>
-              <a:t> </a:t>
-            </a:r>
-            <a:r>
-              <a:rPr lang="en-US" dirty="0" err="1"/>
-              <a:t>okej</a:t>
-            </a:r>
-            <a:r>
-              <a:rPr lang="en-US" dirty="0"/>
-              <a:t>, </a:t>
-            </a:r>
-            <a:r>
-              <a:rPr lang="en-US" dirty="0" err="1"/>
-              <a:t>stizu</a:t>
-            </a:r>
-            <a:r>
-              <a:rPr lang="en-US" dirty="0"/>
-              <a:t> </a:t>
-            </a:r>
-            <a:r>
-              <a:rPr lang="en-US" dirty="0" err="1"/>
-              <a:t>misli</a:t>
-            </a:r>
-            <a:r>
-              <a:rPr lang="en-US" dirty="0"/>
-              <a:t>, </a:t>
-            </a:r>
-            <a:r>
-              <a:rPr lang="en-US" dirty="0" err="1"/>
-              <a:t>nije</a:t>
-            </a:r>
-            <a:r>
-              <a:rPr lang="en-US" dirty="0"/>
-              <a:t> to </a:t>
-            </a:r>
-            <a:r>
-              <a:rPr lang="en-US" dirty="0" err="1"/>
-              <a:t>moja</a:t>
-            </a:r>
-            <a:r>
-              <a:rPr lang="en-US" dirty="0"/>
-              <a:t> </a:t>
-            </a:r>
-            <a:r>
-              <a:rPr lang="en-US" dirty="0" err="1"/>
-              <a:t>briga</a:t>
-            </a:r>
-            <a:r>
-              <a:rPr lang="en-US" dirty="0"/>
-              <a:t>. </a:t>
-            </a:r>
-            <a:r>
-              <a:rPr lang="en-US" dirty="0" err="1"/>
-              <a:t>Prosto</a:t>
-            </a:r>
-            <a:r>
-              <a:rPr lang="en-US" dirty="0"/>
-              <a:t> </a:t>
-            </a:r>
-            <a:r>
-              <a:rPr lang="en-US" dirty="0" err="1"/>
-              <a:t>navikni</a:t>
-            </a:r>
-            <a:r>
-              <a:rPr lang="en-US" dirty="0"/>
-              <a:t> se da </a:t>
-            </a:r>
-            <a:r>
-              <a:rPr lang="en-US" dirty="0" err="1"/>
-              <a:t>telo</a:t>
-            </a:r>
-            <a:r>
-              <a:rPr lang="en-US" dirty="0"/>
-              <a:t> </a:t>
-            </a:r>
-            <a:r>
-              <a:rPr lang="en-US" dirty="0" err="1"/>
-              <a:t>proizvodi</a:t>
-            </a:r>
-            <a:r>
-              <a:rPr lang="en-US" dirty="0"/>
-              <a:t> </a:t>
-            </a:r>
-            <a:r>
-              <a:rPr lang="en-US" dirty="0" err="1"/>
-              <a:t>misli</a:t>
-            </a:r>
-            <a:r>
-              <a:rPr lang="en-US" dirty="0"/>
-              <a:t>.</a:t>
+              <a:rPr lang="en-US"/>
+              <a:t>MOLIM TE SHVATI DA OVO RADI!</a:t>
             </a:r>
           </a:p>
         </p:txBody>
@@ -10547,7 +10626,7 @@
     </p:spTree>
     <p:extLst>
       <p:ext uri="{BB962C8B-B14F-4D97-AF65-F5344CB8AC3E}">
-        <p14:creationId xmlns:p14="http://schemas.microsoft.com/office/powerpoint/2010/main" val="3645989836"/>
+        <p14:creationId xmlns:p14="http://schemas.microsoft.com/office/powerpoint/2010/main" val="3853479902"/>
       </p:ext>
     </p:extLst>
   </p:cSld>
@@ -10579,7 +10658,7 @@
           <p:cNvPr id="2" name="Title 1">
             <a:extLst>
               <a:ext uri="{FF2B5EF4-FFF2-40B4-BE49-F238E27FC236}">
-                <a16:creationId xmlns:a16="http://schemas.microsoft.com/office/drawing/2014/main" id="{A8C02BE9-A3A4-4B4F-9E39-D53D73EA49A4}"/>
+                <a16:creationId xmlns:a16="http://schemas.microsoft.com/office/drawing/2014/main" id="{CCD0455F-9C7B-4D96-9156-D765215D59B4}"/>
               </a:ext>
             </a:extLst>
           </p:cNvPr>
@@ -10597,68 +10676,25 @@
           <a:p>
             <a:r>
               <a:rPr lang="en-US" dirty="0" err="1"/>
-              <a:t>Nemoj</a:t>
-            </a:r>
-            <a:r>
-              <a:rPr lang="en-US" dirty="0"/>
-              <a:t> da </a:t>
-            </a:r>
-            <a:r>
-              <a:rPr lang="en-US" dirty="0" err="1"/>
-              <a:t>ti</a:t>
-            </a:r>
-            <a:r>
-              <a:rPr lang="en-US" dirty="0"/>
-              <a:t> </a:t>
-            </a:r>
-            <a:r>
-              <a:rPr lang="en-US" dirty="0" err="1"/>
-              <a:t>sreca</a:t>
-            </a:r>
-            <a:r>
-              <a:rPr lang="en-US" dirty="0"/>
-              <a:t> </a:t>
-            </a:r>
-            <a:r>
-              <a:rPr lang="en-US" dirty="0" err="1"/>
-              <a:t>zavisi</a:t>
-            </a:r>
-            <a:r>
-              <a:rPr lang="en-US" dirty="0"/>
-              <a:t> od </a:t>
-            </a:r>
-            <a:r>
-              <a:rPr lang="en-US" dirty="0" err="1"/>
-              <a:t>onoga</a:t>
-            </a:r>
-            <a:r>
-              <a:rPr lang="en-US" dirty="0"/>
-              <a:t> </a:t>
-            </a:r>
-            <a:r>
-              <a:rPr lang="en-US" dirty="0" err="1"/>
-              <a:t>sto</a:t>
-            </a:r>
-            <a:r>
-              <a:rPr lang="en-US" dirty="0"/>
-              <a:t> </a:t>
-            </a:r>
-            <a:r>
-              <a:rPr lang="en-US" dirty="0" err="1"/>
-              <a:t>mozes</a:t>
-            </a:r>
-            <a:r>
-              <a:rPr lang="en-US" dirty="0"/>
-              <a:t> da </a:t>
-            </a:r>
-            <a:r>
-              <a:rPr lang="en-US" dirty="0" err="1"/>
-              <a:t>izgubis</a:t>
-            </a:r>
-            <a:r>
-              <a:rPr lang="en-US" dirty="0"/>
-              <a:t>	</a:t>
-            </a:r>
+              <a:t>Andjeo</a:t>
+            </a:r>
+            <a:r>
+              <a:rPr lang="en-US" dirty="0"/>
+              <a:t> u </a:t>
+            </a:r>
+            <a:r>
+              <a:rPr lang="en-US" dirty="0" err="1"/>
+              <a:t>polovnom</a:t>
+            </a:r>
+            <a:r>
+              <a:rPr lang="en-US" dirty="0"/>
+              <a:t> </a:t>
+            </a:r>
+            <a:r>
+              <a:rPr lang="en-US" dirty="0" err="1"/>
+              <a:t>telu</a:t>
+            </a:r>
+            <a:endParaRPr lang="en-US" dirty="0"/>
           </a:p>
         </p:txBody>
       </p:sp>
@@ -10667,7 +10703,7 @@
           <p:cNvPr id="3" name="Content Placeholder 2">
             <a:extLst>
               <a:ext uri="{FF2B5EF4-FFF2-40B4-BE49-F238E27FC236}">
-                <a16:creationId xmlns:a16="http://schemas.microsoft.com/office/drawing/2014/main" id="{F504995C-15B1-4C59-A7BC-1C81596A132C}"/>
+                <a16:creationId xmlns:a16="http://schemas.microsoft.com/office/drawing/2014/main" id="{541C34E3-5E7A-4742-ACCC-670891A2093C}"/>
               </a:ext>
             </a:extLst>
           </p:cNvPr>
@@ -10680,12 +10716,72 @@
         </p:nvSpPr>
         <p:spPr/>
         <p:txBody>
-          <a:bodyPr/>
+          <a:bodyPr>
+            <a:normAutofit lnSpcReduction="10000"/>
+          </a:bodyPr>
           <a:lstStyle/>
           <a:p>
             <a:r>
               <a:rPr lang="en-US" dirty="0" err="1"/>
-              <a:t>Nemoj</a:t>
+              <a:t>Zamisli</a:t>
+            </a:r>
+            <a:r>
+              <a:rPr lang="en-US" dirty="0"/>
+              <a:t> </a:t>
+            </a:r>
+            <a:r>
+              <a:rPr lang="en-US" dirty="0" err="1"/>
+              <a:t>sledecu</a:t>
+            </a:r>
+            <a:r>
+              <a:rPr lang="en-US" dirty="0"/>
+              <a:t> </a:t>
+            </a:r>
+            <a:r>
+              <a:rPr lang="en-US" dirty="0" err="1"/>
+              <a:t>sliku</a:t>
+            </a:r>
+            <a:r>
+              <a:rPr lang="en-US" dirty="0"/>
+              <a:t>:</a:t>
+            </a:r>
+          </a:p>
+          <a:p>
+            <a:r>
+              <a:rPr lang="en-US" dirty="0" err="1"/>
+              <a:t>Dosao</a:t>
+            </a:r>
+            <a:r>
+              <a:rPr lang="en-US" dirty="0"/>
+              <a:t> </a:t>
+            </a:r>
+            <a:r>
+              <a:rPr lang="en-US" dirty="0" err="1"/>
+              <a:t>si</a:t>
+            </a:r>
+            <a:r>
+              <a:rPr lang="en-US" dirty="0"/>
+              <a:t> </a:t>
+            </a:r>
+            <a:r>
+              <a:rPr lang="en-US" dirty="0" err="1"/>
+              <a:t>na</a:t>
+            </a:r>
+            <a:r>
+              <a:rPr lang="en-US" dirty="0"/>
+              <a:t> </a:t>
+            </a:r>
+            <a:r>
+              <a:rPr lang="en-US" dirty="0" err="1"/>
+              <a:t>planetu</a:t>
+            </a:r>
+            <a:r>
+              <a:rPr lang="en-US" dirty="0"/>
+              <a:t> </a:t>
+            </a:r>
+            <a:r>
+              <a:rPr lang="en-US" dirty="0" err="1"/>
+              <a:t>zemlju</a:t>
             </a:r>
             <a:r>
               <a:rPr lang="en-US" dirty="0"/>
@@ -10693,189 +10789,393 @@
             </a:r>
             <a:r>
               <a:rPr lang="en-US" dirty="0" err="1"/>
-              <a:t>gradis</a:t>
-            </a:r>
-            <a:r>
-              <a:rPr lang="en-US" dirty="0"/>
-              <a:t> </a:t>
-            </a:r>
-            <a:r>
-              <a:rPr lang="en-US" dirty="0" err="1"/>
-              <a:t>kucu</a:t>
-            </a:r>
-            <a:r>
-              <a:rPr lang="en-US" dirty="0"/>
-              <a:t> </a:t>
-            </a:r>
-            <a:r>
-              <a:rPr lang="en-US" dirty="0" err="1"/>
-              <a:t>na</a:t>
-            </a:r>
-            <a:r>
-              <a:rPr lang="en-US" dirty="0"/>
-              <a:t> </a:t>
-            </a:r>
-            <a:r>
-              <a:rPr lang="en-US" dirty="0" err="1"/>
-              <a:t>necemu</a:t>
-            </a:r>
-            <a:r>
-              <a:rPr lang="en-US" dirty="0"/>
-              <a:t> </a:t>
-            </a:r>
-            <a:r>
-              <a:rPr lang="en-US" dirty="0" err="1"/>
-              <a:t>sto</a:t>
-            </a:r>
-            <a:r>
-              <a:rPr lang="en-US" dirty="0"/>
-              <a:t> moze </a:t>
-            </a:r>
-            <a:r>
-              <a:rPr lang="en-US" dirty="0" err="1"/>
-              <a:t>vetar</a:t>
-            </a:r>
-            <a:r>
-              <a:rPr lang="en-US" dirty="0"/>
-              <a:t> da </a:t>
-            </a:r>
-            <a:r>
-              <a:rPr lang="en-US" dirty="0" err="1"/>
-              <a:t>oduva</a:t>
+              <a:t>sluzis</a:t>
+            </a:r>
+            <a:r>
+              <a:rPr lang="en-US" dirty="0"/>
+              <a:t>, da </a:t>
+            </a:r>
+            <a:r>
+              <a:rPr lang="en-US" dirty="0" err="1"/>
+              <a:t>pomazes</a:t>
+            </a:r>
+            <a:r>
+              <a:rPr lang="en-US" dirty="0"/>
+              <a:t> </a:t>
+            </a:r>
+            <a:r>
+              <a:rPr lang="en-US" dirty="0" err="1"/>
+              <a:t>ljudima</a:t>
+            </a:r>
+            <a:r>
+              <a:rPr lang="en-US" dirty="0"/>
+              <a:t> I da das </a:t>
+            </a:r>
+            <a:r>
+              <a:rPr lang="en-US" dirty="0" err="1"/>
+              <a:t>sve</a:t>
+            </a:r>
+            <a:r>
+              <a:rPr lang="en-US" dirty="0"/>
+              <a:t> od </a:t>
+            </a:r>
+            <a:r>
+              <a:rPr lang="en-US" dirty="0" err="1"/>
+              <a:t>sebe</a:t>
+            </a:r>
+            <a:r>
+              <a:rPr lang="en-US" dirty="0"/>
+              <a:t>. </a:t>
+            </a:r>
+            <a:r>
+              <a:rPr lang="en-US" dirty="0" err="1"/>
+              <a:t>Dobio</a:t>
+            </a:r>
+            <a:r>
+              <a:rPr lang="en-US" dirty="0"/>
+              <a:t> </a:t>
+            </a:r>
+            <a:r>
+              <a:rPr lang="en-US" dirty="0" err="1"/>
+              <a:t>si</a:t>
+            </a:r>
+            <a:r>
+              <a:rPr lang="en-US" dirty="0"/>
+              <a:t> </a:t>
+            </a:r>
+            <a:r>
+              <a:rPr lang="en-US" dirty="0" err="1"/>
+              <a:t>telo</a:t>
+            </a:r>
+            <a:r>
+              <a:rPr lang="en-US" dirty="0"/>
+              <a:t> </a:t>
+            </a:r>
+            <a:r>
+              <a:rPr lang="en-US" dirty="0" err="1"/>
+              <a:t>kakvo</a:t>
+            </a:r>
+            <a:r>
+              <a:rPr lang="en-US" dirty="0"/>
+              <a:t> </a:t>
+            </a:r>
+            <a:r>
+              <a:rPr lang="en-US" dirty="0" err="1"/>
+              <a:t>si</a:t>
+            </a:r>
+            <a:r>
+              <a:rPr lang="en-US" dirty="0"/>
+              <a:t> </a:t>
+            </a:r>
+            <a:r>
+              <a:rPr lang="en-US" dirty="0" err="1"/>
+              <a:t>dobio</a:t>
+            </a:r>
+            <a:r>
+              <a:rPr lang="en-US" dirty="0"/>
+              <a:t>, </a:t>
+            </a:r>
+            <a:r>
+              <a:rPr lang="en-US" dirty="0" err="1"/>
+              <a:t>nije</a:t>
+            </a:r>
+            <a:r>
+              <a:rPr lang="en-US" dirty="0"/>
+              <a:t> </a:t>
+            </a:r>
+            <a:r>
+              <a:rPr lang="en-US" dirty="0" err="1"/>
+              <a:t>savrseno</a:t>
+            </a:r>
+            <a:r>
+              <a:rPr lang="en-US" dirty="0"/>
+              <a:t> </a:t>
+            </a:r>
+            <a:r>
+              <a:rPr lang="en-US" dirty="0" err="1"/>
+              <a:t>ali</a:t>
+            </a:r>
+            <a:r>
+              <a:rPr lang="en-US" dirty="0"/>
+              <a:t> moze da se </a:t>
+            </a:r>
+            <a:r>
+              <a:rPr lang="en-US" dirty="0" err="1"/>
+              <a:t>radi</a:t>
+            </a:r>
+            <a:r>
+              <a:rPr lang="en-US" dirty="0"/>
+              <a:t> u </a:t>
+            </a:r>
+            <a:r>
+              <a:rPr lang="en-US" dirty="0" err="1"/>
+              <a:t>njemu</a:t>
+            </a:r>
+            <a:endParaRPr lang="en-US" dirty="0"/>
+          </a:p>
+          <a:p>
+            <a:endParaRPr lang="en-US" dirty="0"/>
+          </a:p>
+          <a:p>
+            <a:r>
+              <a:rPr lang="en-US" dirty="0"/>
+              <a:t>To </a:t>
+            </a:r>
+            <a:r>
+              <a:rPr lang="en-US" dirty="0" err="1"/>
+              <a:t>telo</a:t>
+            </a:r>
+            <a:r>
+              <a:rPr lang="en-US" dirty="0"/>
+              <a:t> je </a:t>
+            </a:r>
+            <a:r>
+              <a:rPr lang="en-US" dirty="0" err="1"/>
+              <a:t>polovno</a:t>
+            </a:r>
+            <a:r>
+              <a:rPr lang="en-US" dirty="0"/>
+              <a:t>, </a:t>
+            </a:r>
+            <a:r>
+              <a:rPr lang="en-US" dirty="0" err="1"/>
+              <a:t>gresno</a:t>
+            </a:r>
+            <a:r>
+              <a:rPr lang="en-US" dirty="0"/>
+              <a:t>. </a:t>
+            </a:r>
+            <a:r>
+              <a:rPr lang="en-US" dirty="0" err="1"/>
+              <a:t>Proizvodi</a:t>
+            </a:r>
+            <a:r>
+              <a:rPr lang="en-US" dirty="0"/>
+              <a:t> lose </a:t>
+            </a:r>
+            <a:r>
+              <a:rPr lang="en-US" dirty="0" err="1"/>
+              <a:t>misli</a:t>
+            </a:r>
+            <a:r>
+              <a:rPr lang="en-US" dirty="0"/>
+              <a:t>, </a:t>
+            </a:r>
+            <a:r>
+              <a:rPr lang="en-US" dirty="0" err="1"/>
+              <a:t>razboljeva</a:t>
+            </a:r>
+            <a:r>
+              <a:rPr lang="en-US" dirty="0"/>
+              <a:t> se. Ne </a:t>
+            </a:r>
+            <a:r>
+              <a:rPr lang="en-US" dirty="0" err="1"/>
+              <a:t>slusaj</a:t>
+            </a:r>
+            <a:r>
+              <a:rPr lang="en-US" dirty="0"/>
+              <a:t> ga </a:t>
+            </a:r>
+            <a:r>
+              <a:rPr lang="en-US" dirty="0" err="1"/>
+              <a:t>vec</a:t>
+            </a:r>
+            <a:r>
+              <a:rPr lang="en-US" dirty="0"/>
+              <a:t> </a:t>
+            </a:r>
+            <a:r>
+              <a:rPr lang="en-US" dirty="0" err="1"/>
+              <a:t>slusaj</a:t>
+            </a:r>
+            <a:r>
+              <a:rPr lang="en-US" dirty="0"/>
+              <a:t> </a:t>
+            </a:r>
+            <a:r>
+              <a:rPr lang="en-US" dirty="0" err="1"/>
+              <a:t>razum</a:t>
+            </a:r>
+            <a:r>
+              <a:rPr lang="en-US" dirty="0"/>
+              <a:t>. </a:t>
+            </a:r>
+            <a:r>
+              <a:rPr lang="en-US" dirty="0" err="1"/>
+              <a:t>Pusti</a:t>
+            </a:r>
+            <a:r>
+              <a:rPr lang="en-US" dirty="0"/>
+              <a:t> ga </a:t>
+            </a:r>
+            <a:r>
+              <a:rPr lang="en-US" dirty="0" err="1"/>
+              <a:t>neka</a:t>
+            </a:r>
+            <a:r>
+              <a:rPr lang="en-US" dirty="0"/>
+              <a:t> on </a:t>
+            </a:r>
+            <a:r>
+              <a:rPr lang="en-US" dirty="0" err="1"/>
+              <a:t>gresi</a:t>
+            </a:r>
+            <a:r>
+              <a:rPr lang="en-US" dirty="0"/>
+              <a:t> I </a:t>
+            </a:r>
+            <a:r>
+              <a:rPr lang="en-US" dirty="0" err="1"/>
+              <a:t>baguje</a:t>
+            </a:r>
+            <a:r>
+              <a:rPr lang="en-US" dirty="0"/>
+              <a:t> </a:t>
+            </a:r>
+            <a:r>
+              <a:rPr lang="en-US" dirty="0" err="1"/>
+              <a:t>sa</a:t>
+            </a:r>
+            <a:r>
+              <a:rPr lang="en-US" dirty="0"/>
+              <a:t> </a:t>
+            </a:r>
+            <a:r>
+              <a:rPr lang="en-US" dirty="0" err="1"/>
+              <a:t>mislima</a:t>
+            </a:r>
+            <a:r>
+              <a:rPr lang="en-US" dirty="0"/>
+              <a:t>. Tu demon </a:t>
+            </a:r>
+            <a:r>
+              <a:rPr lang="en-US" dirty="0" err="1"/>
+              <a:t>radi</a:t>
+            </a:r>
+            <a:r>
+              <a:rPr lang="en-US" dirty="0"/>
+              <a:t> </a:t>
+            </a:r>
+            <a:r>
+              <a:rPr lang="en-US" dirty="0" err="1"/>
+              <a:t>svoje</a:t>
+            </a:r>
+            <a:r>
+              <a:rPr lang="en-US" dirty="0"/>
+              <a:t> I </a:t>
+            </a:r>
+            <a:r>
+              <a:rPr lang="en-US" dirty="0" err="1"/>
+              <a:t>odvoji</a:t>
+            </a:r>
+            <a:r>
+              <a:rPr lang="en-US" dirty="0"/>
+              <a:t> se od toga, </a:t>
+            </a:r>
+            <a:r>
+              <a:rPr lang="en-US" dirty="0" err="1"/>
+              <a:t>distanciraj</a:t>
+            </a:r>
+            <a:r>
+              <a:rPr lang="en-US" dirty="0"/>
+              <a:t> se I </a:t>
+            </a:r>
+            <a:r>
+              <a:rPr lang="en-US" dirty="0" err="1"/>
+              <a:t>reci</a:t>
+            </a:r>
+            <a:r>
+              <a:rPr lang="en-US" dirty="0"/>
+              <a:t> </a:t>
+            </a:r>
+            <a:r>
+              <a:rPr lang="en-US" dirty="0" err="1"/>
+              <a:t>okej</a:t>
+            </a:r>
+            <a:r>
+              <a:rPr lang="en-US" dirty="0"/>
+              <a:t>, </a:t>
+            </a:r>
+            <a:r>
+              <a:rPr lang="en-US" dirty="0" err="1"/>
+              <a:t>stizu</a:t>
+            </a:r>
+            <a:r>
+              <a:rPr lang="en-US" dirty="0"/>
+              <a:t> </a:t>
+            </a:r>
+            <a:r>
+              <a:rPr lang="en-US" dirty="0" err="1"/>
+              <a:t>misli</a:t>
+            </a:r>
+            <a:r>
+              <a:rPr lang="en-US" dirty="0"/>
+              <a:t>, </a:t>
+            </a:r>
+            <a:r>
+              <a:rPr lang="en-US" dirty="0" err="1"/>
+              <a:t>nije</a:t>
+            </a:r>
+            <a:r>
+              <a:rPr lang="en-US" dirty="0"/>
+              <a:t> to </a:t>
+            </a:r>
+            <a:r>
+              <a:rPr lang="en-US" dirty="0" err="1"/>
+              <a:t>moja</a:t>
+            </a:r>
+            <a:r>
+              <a:rPr lang="en-US" dirty="0"/>
+              <a:t> </a:t>
+            </a:r>
+            <a:r>
+              <a:rPr lang="en-US" dirty="0" err="1"/>
+              <a:t>briga</a:t>
+            </a:r>
+            <a:r>
+              <a:rPr lang="en-US" dirty="0"/>
+              <a:t>. </a:t>
+            </a:r>
+            <a:r>
+              <a:rPr lang="en-US" dirty="0" err="1"/>
+              <a:t>Prosto</a:t>
+            </a:r>
+            <a:r>
+              <a:rPr lang="en-US" dirty="0"/>
+              <a:t> </a:t>
+            </a:r>
+            <a:r>
+              <a:rPr lang="en-US" dirty="0" err="1"/>
+              <a:t>navikni</a:t>
+            </a:r>
+            <a:r>
+              <a:rPr lang="en-US" dirty="0"/>
+              <a:t> se da </a:t>
+            </a:r>
+            <a:r>
+              <a:rPr lang="en-US" dirty="0" err="1"/>
+              <a:t>telo</a:t>
+            </a:r>
+            <a:r>
+              <a:rPr lang="en-US" dirty="0"/>
+              <a:t> </a:t>
+            </a:r>
+            <a:r>
+              <a:rPr lang="en-US" dirty="0" err="1"/>
+              <a:t>proizvodi</a:t>
+            </a:r>
+            <a:r>
+              <a:rPr lang="en-US" dirty="0"/>
+              <a:t> </a:t>
+            </a:r>
+            <a:r>
+              <a:rPr lang="en-US" dirty="0" err="1"/>
+              <a:t>misli</a:t>
             </a:r>
             <a:r>
               <a:rPr lang="en-US" dirty="0"/>
               <a:t>.</a:t>
-            </a:r>
-          </a:p>
-          <a:p>
-            <a:r>
-              <a:rPr lang="en-US" dirty="0" err="1"/>
-              <a:t>Gledaj</a:t>
-            </a:r>
-            <a:r>
-              <a:rPr lang="en-US" dirty="0"/>
-              <a:t> da se </a:t>
-            </a:r>
-            <a:r>
-              <a:rPr lang="en-US" dirty="0" err="1"/>
-              <a:t>trudis</a:t>
-            </a:r>
-            <a:r>
-              <a:rPr lang="en-US" dirty="0"/>
-              <a:t> da </a:t>
-            </a:r>
-            <a:r>
-              <a:rPr lang="en-US" dirty="0" err="1"/>
-              <a:t>udovoljis</a:t>
-            </a:r>
-            <a:r>
-              <a:rPr lang="en-US" dirty="0"/>
-              <a:t> </a:t>
-            </a:r>
-            <a:r>
-              <a:rPr lang="en-US" dirty="0" err="1"/>
-              <a:t>ljudima</a:t>
-            </a:r>
-            <a:r>
-              <a:rPr lang="en-US" dirty="0"/>
-              <a:t>, </a:t>
-            </a:r>
-            <a:r>
-              <a:rPr lang="en-US" dirty="0" err="1"/>
-              <a:t>jer</a:t>
-            </a:r>
-            <a:r>
-              <a:rPr lang="en-US" dirty="0"/>
-              <a:t> </a:t>
-            </a:r>
-            <a:r>
-              <a:rPr lang="en-US" dirty="0" err="1"/>
-              <a:t>ces</a:t>
-            </a:r>
-            <a:r>
-              <a:rPr lang="en-US" dirty="0"/>
-              <a:t> </a:t>
-            </a:r>
-            <a:r>
-              <a:rPr lang="en-US" dirty="0" err="1"/>
-              <a:t>tako</a:t>
-            </a:r>
-            <a:r>
-              <a:rPr lang="en-US" dirty="0"/>
-              <a:t> </a:t>
-            </a:r>
-            <a:r>
-              <a:rPr lang="en-US" dirty="0" err="1"/>
-              <a:t>dobiti</a:t>
-            </a:r>
-            <a:r>
-              <a:rPr lang="en-US" dirty="0"/>
-              <a:t> </a:t>
-            </a:r>
-            <a:r>
-              <a:rPr lang="en-US" dirty="0" err="1"/>
-              <a:t>osecaj</a:t>
-            </a:r>
-            <a:r>
-              <a:rPr lang="en-US" dirty="0"/>
-              <a:t> da </a:t>
-            </a:r>
-            <a:r>
-              <a:rPr lang="en-US" dirty="0" err="1"/>
-              <a:t>radis</a:t>
-            </a:r>
-            <a:r>
-              <a:rPr lang="en-US" dirty="0"/>
-              <a:t> </a:t>
-            </a:r>
-            <a:r>
-              <a:rPr lang="en-US" dirty="0" err="1"/>
-              <a:t>nesto</a:t>
-            </a:r>
-            <a:r>
-              <a:rPr lang="en-US" dirty="0"/>
-              <a:t> za </a:t>
-            </a:r>
-            <a:r>
-              <a:rPr lang="en-US" dirty="0" err="1"/>
-              <a:t>boga</a:t>
-            </a:r>
-            <a:r>
-              <a:rPr lang="en-US" dirty="0"/>
-              <a:t> I da </a:t>
-            </a:r>
-            <a:r>
-              <a:rPr lang="en-US" dirty="0" err="1"/>
-              <a:t>radis</a:t>
-            </a:r>
-            <a:r>
-              <a:rPr lang="en-US" dirty="0"/>
-              <a:t> za </a:t>
-            </a:r>
-            <a:r>
-              <a:rPr lang="en-US" dirty="0" err="1"/>
-              <a:t>pravu</a:t>
-            </a:r>
-            <a:r>
-              <a:rPr lang="en-US" dirty="0"/>
-              <a:t> </a:t>
-            </a:r>
-            <a:r>
-              <a:rPr lang="en-US" dirty="0" err="1"/>
-              <a:t>stvar</a:t>
-            </a:r>
-            <a:r>
-              <a:rPr lang="en-US" dirty="0"/>
-              <a:t>, Trudi se </a:t>
-            </a:r>
-            <a:r>
-              <a:rPr lang="en-US" dirty="0" err="1"/>
-              <a:t>oko</a:t>
-            </a:r>
-            <a:r>
-              <a:rPr lang="en-US" dirty="0"/>
-              <a:t> toga.</a:t>
             </a:r>
           </a:p>
         </p:txBody>
@@ -10883,7 +11183,7 @@
     </p:spTree>
     <p:extLst>
       <p:ext uri="{BB962C8B-B14F-4D97-AF65-F5344CB8AC3E}">
-        <p14:creationId xmlns:p14="http://schemas.microsoft.com/office/powerpoint/2010/main" val="3274714764"/>
+        <p14:creationId xmlns:p14="http://schemas.microsoft.com/office/powerpoint/2010/main" val="3645989836"/>
       </p:ext>
     </p:extLst>
   </p:cSld>
@@ -10915,7 +11215,7 @@
           <p:cNvPr id="2" name="Title 1">
             <a:extLst>
               <a:ext uri="{FF2B5EF4-FFF2-40B4-BE49-F238E27FC236}">
-                <a16:creationId xmlns:a16="http://schemas.microsoft.com/office/drawing/2014/main" id="{ADF85D59-2F39-448C-AE18-76AEC790FBEB}"/>
+                <a16:creationId xmlns:a16="http://schemas.microsoft.com/office/drawing/2014/main" id="{A8C02BE9-A3A4-4B4F-9E39-D53D73EA49A4}"/>
               </a:ext>
             </a:extLst>
           </p:cNvPr>
@@ -10932,38 +11232,69 @@
           <a:lstStyle/>
           <a:p>
             <a:r>
-              <a:rPr lang="en-US" dirty="0"/>
-              <a:t>Ne </a:t>
-            </a:r>
-            <a:r>
-              <a:rPr lang="en-US" dirty="0" err="1"/>
-              <a:t>bori</a:t>
-            </a:r>
-            <a:r>
-              <a:rPr lang="en-US" dirty="0"/>
-              <a:t> se </a:t>
-            </a:r>
-            <a:r>
-              <a:rPr lang="en-US" dirty="0" err="1"/>
-              <a:t>protiv</a:t>
-            </a:r>
-            <a:r>
-              <a:rPr lang="en-US" dirty="0"/>
-              <a:t> </a:t>
-            </a:r>
-            <a:r>
-              <a:rPr lang="en-US" dirty="0" err="1"/>
-              <a:t>napadnih</a:t>
-            </a:r>
-            <a:r>
-              <a:rPr lang="en-US" dirty="0"/>
-              <a:t> </a:t>
-            </a:r>
-            <a:r>
-              <a:rPr lang="en-US" dirty="0" err="1"/>
-              <a:t>misli</a:t>
-            </a:r>
-            <a:endParaRPr lang="en-US" dirty="0"/>
+              <a:rPr lang="en-US" dirty="0" err="1"/>
+              <a:t>Nemoj</a:t>
+            </a:r>
+            <a:r>
+              <a:rPr lang="en-US" dirty="0"/>
+              <a:t> da </a:t>
+            </a:r>
+            <a:r>
+              <a:rPr lang="en-US" dirty="0" err="1"/>
+              <a:t>ti</a:t>
+            </a:r>
+            <a:r>
+              <a:rPr lang="en-US" dirty="0"/>
+              <a:t> </a:t>
+            </a:r>
+            <a:r>
+              <a:rPr lang="en-US" dirty="0" err="1"/>
+              <a:t>sreca</a:t>
+            </a:r>
+            <a:r>
+              <a:rPr lang="en-US" dirty="0"/>
+              <a:t> </a:t>
+            </a:r>
+            <a:r>
+              <a:rPr lang="en-US" dirty="0" err="1"/>
+              <a:t>zavisi</a:t>
+            </a:r>
+            <a:r>
+              <a:rPr lang="en-US" dirty="0"/>
+              <a:t> od </a:t>
+            </a:r>
+            <a:r>
+              <a:rPr lang="en-US" dirty="0" err="1"/>
+              <a:t>onoga</a:t>
+            </a:r>
+            <a:r>
+              <a:rPr lang="en-US" dirty="0"/>
+              <a:t> </a:t>
+            </a:r>
+            <a:r>
+              <a:rPr lang="en-US" dirty="0" err="1"/>
+              <a:t>sto</a:t>
+            </a:r>
+            <a:r>
+              <a:rPr lang="en-US" dirty="0"/>
+              <a:t> </a:t>
+            </a:r>
+            <a:r>
+              <a:rPr lang="en-US" dirty="0" err="1"/>
+              <a:t>mozes</a:t>
+            </a:r>
+            <a:r>
+              <a:rPr lang="en-US" dirty="0"/>
+              <a:t> da </a:t>
+            </a:r>
+            <a:r>
+              <a:rPr lang="en-US" dirty="0" err="1"/>
+              <a:t>izgubis</a:t>
+            </a:r>
+            <a:r>
+              <a:rPr lang="en-US" dirty="0"/>
+              <a:t>	</a:t>
+            </a:r>
           </a:p>
         </p:txBody>
       </p:sp>
@@ -10972,7 +11303,7 @@
           <p:cNvPr id="3" name="Content Placeholder 2">
             <a:extLst>
               <a:ext uri="{FF2B5EF4-FFF2-40B4-BE49-F238E27FC236}">
-                <a16:creationId xmlns:a16="http://schemas.microsoft.com/office/drawing/2014/main" id="{115EF906-4590-4D65-9452-587560146E60}"/>
+                <a16:creationId xmlns:a16="http://schemas.microsoft.com/office/drawing/2014/main" id="{F504995C-15B1-4C59-A7BC-1C81596A132C}"/>
               </a:ext>
             </a:extLst>
           </p:cNvPr>
@@ -10983,29 +11314,104 @@
             <p:ph idx="1"/>
           </p:nvPr>
         </p:nvSpPr>
-        <p:spPr>
-          <a:xfrm>
-            <a:off x="680320" y="2213545"/>
-            <a:ext cx="9613861" cy="4819553"/>
-          </a:xfrm>
-        </p:spPr>
+        <p:spPr/>
         <p:txBody>
-          <a:bodyPr>
-            <a:normAutofit lnSpcReduction="10000"/>
-          </a:bodyPr>
+          <a:bodyPr/>
           <a:lstStyle/>
           <a:p>
             <a:r>
               <a:rPr lang="en-US" dirty="0" err="1"/>
-              <a:t>Molim</a:t>
-            </a:r>
-            <a:r>
-              <a:rPr lang="en-US" dirty="0"/>
-              <a:t> </a:t>
-            </a:r>
-            <a:r>
-              <a:rPr lang="en-US" dirty="0" err="1"/>
-              <a:t>te</a:t>
+              <a:t>Nemoj</a:t>
+            </a:r>
+            <a:r>
+              <a:rPr lang="en-US" dirty="0"/>
+              <a:t> da </a:t>
+            </a:r>
+            <a:r>
+              <a:rPr lang="en-US" dirty="0" err="1"/>
+              <a:t>gradis</a:t>
+            </a:r>
+            <a:r>
+              <a:rPr lang="en-US" dirty="0"/>
+              <a:t> </a:t>
+            </a:r>
+            <a:r>
+              <a:rPr lang="en-US" dirty="0" err="1"/>
+              <a:t>kucu</a:t>
+            </a:r>
+            <a:r>
+              <a:rPr lang="en-US" dirty="0"/>
+              <a:t> </a:t>
+            </a:r>
+            <a:r>
+              <a:rPr lang="en-US" dirty="0" err="1"/>
+              <a:t>na</a:t>
+            </a:r>
+            <a:r>
+              <a:rPr lang="en-US" dirty="0"/>
+              <a:t> </a:t>
+            </a:r>
+            <a:r>
+              <a:rPr lang="en-US" dirty="0" err="1"/>
+              <a:t>necemu</a:t>
+            </a:r>
+            <a:r>
+              <a:rPr lang="en-US" dirty="0"/>
+              <a:t> </a:t>
+            </a:r>
+            <a:r>
+              <a:rPr lang="en-US" dirty="0" err="1"/>
+              <a:t>sto</a:t>
+            </a:r>
+            <a:r>
+              <a:rPr lang="en-US" dirty="0"/>
+              <a:t> moze </a:t>
+            </a:r>
+            <a:r>
+              <a:rPr lang="en-US" dirty="0" err="1"/>
+              <a:t>vetar</a:t>
+            </a:r>
+            <a:r>
+              <a:rPr lang="en-US" dirty="0"/>
+              <a:t> da </a:t>
+            </a:r>
+            <a:r>
+              <a:rPr lang="en-US" dirty="0" err="1"/>
+              <a:t>oduva</a:t>
+            </a:r>
+            <a:r>
+              <a:rPr lang="en-US" dirty="0"/>
+              <a:t>.</a:t>
+            </a:r>
+          </a:p>
+          <a:p>
+            <a:r>
+              <a:rPr lang="en-US" dirty="0" err="1"/>
+              <a:t>Gledaj</a:t>
+            </a:r>
+            <a:r>
+              <a:rPr lang="en-US" dirty="0"/>
+              <a:t> da se </a:t>
+            </a:r>
+            <a:r>
+              <a:rPr lang="en-US" dirty="0" err="1"/>
+              <a:t>trudis</a:t>
+            </a:r>
+            <a:r>
+              <a:rPr lang="en-US" dirty="0"/>
+              <a:t> da </a:t>
+            </a:r>
+            <a:r>
+              <a:rPr lang="en-US" dirty="0" err="1"/>
+              <a:t>udovoljis</a:t>
+            </a:r>
+            <a:r>
+              <a:rPr lang="en-US" dirty="0"/>
+              <a:t> </a:t>
+            </a:r>
+            <a:r>
+              <a:rPr lang="en-US" dirty="0" err="1"/>
+              <a:t>ljudima</a:t>
             </a:r>
             <a:r>
               <a:rPr lang="en-US" dirty="0"/>
@@ -11013,7 +11419,39 @@
             </a:r>
             <a:r>
               <a:rPr lang="en-US" dirty="0" err="1"/>
-              <a:t>nemoj</a:t>
+              <a:t>jer</a:t>
+            </a:r>
+            <a:r>
+              <a:rPr lang="en-US" dirty="0"/>
+              <a:t> </a:t>
+            </a:r>
+            <a:r>
+              <a:rPr lang="en-US" dirty="0" err="1"/>
+              <a:t>ces</a:t>
+            </a:r>
+            <a:r>
+              <a:rPr lang="en-US" dirty="0"/>
+              <a:t> </a:t>
+            </a:r>
+            <a:r>
+              <a:rPr lang="en-US" dirty="0" err="1"/>
+              <a:t>tako</a:t>
+            </a:r>
+            <a:r>
+              <a:rPr lang="en-US" dirty="0"/>
+              <a:t> </a:t>
+            </a:r>
+            <a:r>
+              <a:rPr lang="en-US" dirty="0" err="1"/>
+              <a:t>dobiti</a:t>
+            </a:r>
+            <a:r>
+              <a:rPr lang="en-US" dirty="0"/>
+              <a:t> </a:t>
+            </a:r>
+            <a:r>
+              <a:rPr lang="en-US" dirty="0" err="1"/>
+              <a:t>osecaj</a:t>
             </a:r>
             <a:r>
               <a:rPr lang="en-US" dirty="0"/>
@@ -11021,675 +11459,67 @@
             </a:r>
             <a:r>
               <a:rPr lang="en-US" dirty="0" err="1"/>
-              <a:t>ulazis</a:t>
-            </a:r>
-            <a:r>
-              <a:rPr lang="en-US" dirty="0"/>
-              <a:t> u </a:t>
-            </a:r>
-            <a:r>
-              <a:rPr lang="en-US" dirty="0" err="1"/>
-              <a:t>isti</a:t>
-            </a:r>
-            <a:r>
-              <a:rPr lang="en-US" dirty="0"/>
-              <a:t> </a:t>
-            </a:r>
-            <a:r>
-              <a:rPr lang="en-US" dirty="0" err="1"/>
-              <a:t>obrazas</a:t>
-            </a:r>
-            <a:r>
-              <a:rPr lang="en-US" dirty="0"/>
-              <a:t> </a:t>
-            </a:r>
-            <a:r>
-              <a:rPr lang="en-US" dirty="0" err="1"/>
-              <a:t>gde</a:t>
-            </a:r>
-            <a:r>
-              <a:rPr lang="en-US" dirty="0"/>
-              <a:t> se </a:t>
-            </a:r>
-            <a:r>
-              <a:rPr lang="en-US" dirty="0" err="1"/>
-              <a:t>ti</a:t>
-            </a:r>
-            <a:r>
-              <a:rPr lang="en-US" dirty="0"/>
-              <a:t> </a:t>
-            </a:r>
-            <a:r>
-              <a:rPr lang="en-US" dirty="0" err="1"/>
-              <a:t>boris</a:t>
-            </a:r>
-            <a:r>
-              <a:rPr lang="en-US" dirty="0"/>
-              <a:t> da </a:t>
-            </a:r>
-            <a:r>
-              <a:rPr lang="en-US" dirty="0" err="1"/>
-              <a:t>nasilno</a:t>
-            </a:r>
-            <a:r>
-              <a:rPr lang="en-US" dirty="0"/>
-              <a:t> </a:t>
-            </a:r>
-            <a:r>
-              <a:rPr lang="en-US" dirty="0" err="1"/>
-              <a:t>prestanes</a:t>
-            </a:r>
-            <a:r>
-              <a:rPr lang="en-US" dirty="0"/>
-              <a:t> da </a:t>
-            </a:r>
-            <a:r>
-              <a:rPr lang="en-US" dirty="0" err="1"/>
-              <a:t>mislis</a:t>
-            </a:r>
-            <a:r>
-              <a:rPr lang="en-US" dirty="0"/>
-              <a:t> o </a:t>
-            </a:r>
-            <a:r>
-              <a:rPr lang="en-US" dirty="0" err="1"/>
-              <a:t>necemu</a:t>
-            </a:r>
-            <a:r>
-              <a:rPr lang="en-US" dirty="0"/>
-              <a:t>. </a:t>
-            </a:r>
-            <a:r>
-              <a:rPr lang="en-US" dirty="0" err="1"/>
-              <a:t>Stalno</a:t>
-            </a:r>
-            <a:r>
-              <a:rPr lang="en-US" dirty="0"/>
-              <a:t> </a:t>
-            </a:r>
-            <a:r>
-              <a:rPr lang="en-US" dirty="0" err="1"/>
-              <a:t>sam</a:t>
-            </a:r>
-            <a:r>
-              <a:rPr lang="en-US" dirty="0"/>
-              <a:t> </a:t>
-            </a:r>
-            <a:r>
-              <a:rPr lang="en-US" dirty="0" err="1"/>
-              <a:t>ulazio</a:t>
-            </a:r>
-            <a:r>
-              <a:rPr lang="en-US" dirty="0"/>
-              <a:t> u to I </a:t>
-            </a:r>
-            <a:r>
-              <a:rPr lang="en-US" dirty="0" err="1"/>
-              <a:t>nije</a:t>
-            </a:r>
-            <a:r>
-              <a:rPr lang="en-US" dirty="0"/>
-              <a:t> mi </a:t>
-            </a:r>
-            <a:r>
-              <a:rPr lang="en-US" dirty="0" err="1"/>
-              <a:t>nista</a:t>
-            </a:r>
-            <a:r>
-              <a:rPr lang="en-US" dirty="0"/>
-              <a:t> </a:t>
-            </a:r>
-            <a:r>
-              <a:rPr lang="en-US" dirty="0" err="1"/>
-              <a:t>pomoglo</a:t>
-            </a:r>
-            <a:endParaRPr lang="en-US" dirty="0"/>
-          </a:p>
-          <a:p>
-            <a:r>
-              <a:rPr lang="en-US" dirty="0" err="1"/>
-              <a:t>Umesto</a:t>
-            </a:r>
-            <a:r>
-              <a:rPr lang="en-US" dirty="0"/>
-              <a:t> “Ne </a:t>
-            </a:r>
-            <a:r>
-              <a:rPr lang="en-US" dirty="0" err="1"/>
-              <a:t>smem</a:t>
-            </a:r>
-            <a:r>
-              <a:rPr lang="en-US" dirty="0"/>
-              <a:t> da </a:t>
-            </a:r>
-            <a:r>
-              <a:rPr lang="en-US" dirty="0" err="1"/>
-              <a:t>mislim</a:t>
-            </a:r>
-            <a:r>
-              <a:rPr lang="en-US" dirty="0"/>
-              <a:t> </a:t>
-            </a:r>
-            <a:r>
-              <a:rPr lang="en-US" dirty="0" err="1"/>
-              <a:t>ovo</a:t>
-            </a:r>
-            <a:r>
-              <a:rPr lang="en-US" dirty="0"/>
-              <a:t>” </a:t>
-            </a:r>
-            <a:r>
-              <a:rPr lang="en-US" dirty="0" err="1"/>
-              <a:t>kazi</a:t>
-            </a:r>
-            <a:r>
-              <a:rPr lang="en-US" dirty="0"/>
-              <a:t> “</a:t>
-            </a:r>
-            <a:r>
-              <a:rPr lang="en-US" dirty="0" err="1"/>
-              <a:t>Okej</a:t>
-            </a:r>
-            <a:r>
-              <a:rPr lang="en-US" dirty="0"/>
-              <a:t>, </a:t>
-            </a:r>
-            <a:r>
-              <a:rPr lang="en-US" dirty="0" err="1"/>
-              <a:t>ovo</a:t>
-            </a:r>
-            <a:r>
-              <a:rPr lang="en-US" dirty="0"/>
-              <a:t> je </a:t>
-            </a:r>
-            <a:r>
-              <a:rPr lang="en-US" dirty="0" err="1"/>
-              <a:t>samo</a:t>
-            </a:r>
-            <a:r>
-              <a:rPr lang="en-US" dirty="0"/>
-              <a:t> </a:t>
-            </a:r>
-            <a:r>
-              <a:rPr lang="en-US" dirty="0" err="1"/>
-              <a:t>misao</a:t>
-            </a:r>
-            <a:r>
-              <a:rPr lang="en-US" dirty="0"/>
-              <a:t>, </a:t>
-            </a:r>
-            <a:r>
-              <a:rPr lang="en-US" b="1" dirty="0" err="1"/>
-              <a:t>produktt</a:t>
-            </a:r>
-            <a:r>
-              <a:rPr lang="en-US" b="1" dirty="0"/>
-              <a:t> mog </a:t>
-            </a:r>
-            <a:r>
-              <a:rPr lang="en-US" b="1" dirty="0" err="1"/>
-              <a:t>umora</a:t>
-            </a:r>
-            <a:r>
-              <a:rPr lang="en-US" b="1" dirty="0"/>
-              <a:t> I </a:t>
-            </a:r>
-            <a:r>
-              <a:rPr lang="en-US" b="1" dirty="0" err="1"/>
-              <a:t>rada</a:t>
-            </a:r>
-            <a:r>
-              <a:rPr lang="en-US" dirty="0"/>
-              <a:t>. </a:t>
-            </a:r>
-            <a:r>
-              <a:rPr lang="en-US" dirty="0" err="1"/>
-              <a:t>Neka</a:t>
-            </a:r>
-            <a:r>
-              <a:rPr lang="en-US" dirty="0"/>
-              <a:t> je, </a:t>
-            </a:r>
-            <a:r>
-              <a:rPr lang="en-US" dirty="0" err="1"/>
-              <a:t>sme</a:t>
-            </a:r>
-            <a:r>
-              <a:rPr lang="en-US" dirty="0"/>
-              <a:t> da </a:t>
-            </a:r>
-            <a:r>
-              <a:rPr lang="en-US" dirty="0" err="1"/>
-              <a:t>bude</a:t>
-            </a:r>
-            <a:r>
-              <a:rPr lang="en-US" dirty="0"/>
-              <a:t> </a:t>
-            </a:r>
-            <a:r>
-              <a:rPr lang="en-US" dirty="0" err="1"/>
-              <a:t>tu</a:t>
-            </a:r>
-            <a:r>
-              <a:rPr lang="en-US" dirty="0"/>
-              <a:t>, </a:t>
-            </a:r>
-            <a:r>
-              <a:rPr lang="en-US" dirty="0" err="1"/>
-              <a:t>ali</a:t>
-            </a:r>
-            <a:r>
-              <a:rPr lang="en-US" dirty="0"/>
-              <a:t> to </a:t>
-            </a:r>
-            <a:r>
-              <a:rPr lang="en-US" dirty="0" err="1"/>
-              <a:t>nisam</a:t>
-            </a:r>
-            <a:r>
-              <a:rPr lang="en-US" dirty="0"/>
-              <a:t> ja. </a:t>
-            </a:r>
-            <a:r>
-              <a:rPr lang="en-US" dirty="0" err="1"/>
-              <a:t>Razumi</a:t>
-            </a:r>
-            <a:r>
-              <a:rPr lang="en-US" dirty="0"/>
-              <a:t> </a:t>
-            </a:r>
-            <a:r>
-              <a:rPr lang="en-US" dirty="0" err="1"/>
-              <a:t>odakle</a:t>
-            </a:r>
-            <a:r>
-              <a:rPr lang="en-US" dirty="0"/>
-              <a:t> </a:t>
-            </a:r>
-            <a:r>
-              <a:rPr lang="en-US" dirty="0" err="1"/>
-              <a:t>ona</a:t>
-            </a:r>
-            <a:r>
-              <a:rPr lang="en-US" dirty="0"/>
-              <a:t> </a:t>
-            </a:r>
-            <a:r>
-              <a:rPr lang="en-US" dirty="0" err="1"/>
-              <a:t>tu</a:t>
-            </a:r>
-            <a:r>
-              <a:rPr lang="en-US" dirty="0"/>
-              <a:t>, </a:t>
-            </a:r>
-            <a:r>
-              <a:rPr lang="en-US" dirty="0" err="1"/>
-              <a:t>ceo</a:t>
-            </a:r>
-            <a:r>
-              <a:rPr lang="en-US" dirty="0"/>
-              <a:t> dan </a:t>
-            </a:r>
-            <a:r>
-              <a:rPr lang="en-US" dirty="0" err="1"/>
               <a:t>radis</a:t>
             </a:r>
             <a:r>
               <a:rPr lang="en-US" dirty="0"/>
-              <a:t> I </a:t>
-            </a:r>
-            <a:r>
-              <a:rPr lang="en-US" dirty="0" err="1"/>
-              <a:t>normalno</a:t>
-            </a:r>
-            <a:r>
-              <a:rPr lang="en-US" dirty="0"/>
-              <a:t> je da </a:t>
-            </a:r>
-            <a:r>
-              <a:rPr lang="en-US" dirty="0" err="1"/>
-              <a:t>bude</a:t>
-            </a:r>
-            <a:r>
-              <a:rPr lang="en-US" dirty="0"/>
-              <a:t> </a:t>
-            </a:r>
-            <a:r>
-              <a:rPr lang="en-US" dirty="0" err="1"/>
-              <a:t>tu.</a:t>
-            </a:r>
-            <a:endParaRPr lang="en-US" dirty="0"/>
-          </a:p>
-          <a:p>
-            <a:endParaRPr lang="en-US" dirty="0"/>
-          </a:p>
-          <a:p>
-            <a:r>
-              <a:rPr lang="en-US" dirty="0" err="1"/>
-              <a:t>Prizovi</a:t>
-            </a:r>
-            <a:r>
-              <a:rPr lang="en-US" dirty="0"/>
-              <a:t> </a:t>
-            </a:r>
-            <a:r>
-              <a:rPr lang="en-US" dirty="0" err="1"/>
-              <a:t>Gospoda</a:t>
-            </a:r>
-            <a:r>
-              <a:rPr lang="en-US" dirty="0"/>
-              <a:t>, </a:t>
-            </a:r>
-            <a:r>
-              <a:rPr lang="en-US" dirty="0" err="1"/>
-              <a:t>ali</a:t>
-            </a:r>
-            <a:r>
-              <a:rPr lang="en-US" dirty="0"/>
-              <a:t> ne </a:t>
-            </a:r>
-            <a:r>
-              <a:rPr lang="en-US" dirty="0" err="1"/>
-              <a:t>kao</a:t>
-            </a:r>
-            <a:r>
-              <a:rPr lang="en-US" dirty="0"/>
-              <a:t> </a:t>
-            </a:r>
-            <a:r>
-              <a:rPr lang="en-US" dirty="0" err="1"/>
-              <a:t>oruzje</a:t>
-            </a:r>
-            <a:r>
-              <a:rPr lang="en-US" dirty="0"/>
-              <a:t> </a:t>
-            </a:r>
-            <a:r>
-              <a:rPr lang="en-US" dirty="0" err="1"/>
-              <a:t>vec</a:t>
-            </a:r>
-            <a:r>
-              <a:rPr lang="en-US" dirty="0"/>
-              <a:t> </a:t>
-            </a:r>
-            <a:r>
-              <a:rPr lang="en-US" dirty="0" err="1"/>
-              <a:t>kao</a:t>
-            </a:r>
-            <a:r>
-              <a:rPr lang="en-US" dirty="0"/>
-              <a:t> </a:t>
-            </a:r>
-            <a:r>
-              <a:rPr lang="en-US" dirty="0" err="1"/>
-              <a:t>utehu</a:t>
-            </a:r>
-            <a:r>
-              <a:rPr lang="en-US" dirty="0"/>
-              <a:t>. </a:t>
-            </a:r>
-            <a:r>
-              <a:rPr lang="en-US" dirty="0" err="1"/>
-              <a:t>Nemoj</a:t>
-            </a:r>
-            <a:r>
-              <a:rPr lang="en-US" dirty="0"/>
-              <a:t> da </a:t>
-            </a:r>
-            <a:r>
-              <a:rPr lang="en-US" dirty="0" err="1"/>
-              <a:t>koristis</a:t>
-            </a:r>
-            <a:r>
-              <a:rPr lang="en-US" dirty="0"/>
-              <a:t> </a:t>
-            </a:r>
-            <a:r>
-              <a:rPr lang="en-US" dirty="0" err="1"/>
-              <a:t>veru</a:t>
-            </a:r>
-            <a:r>
-              <a:rPr lang="en-US" dirty="0"/>
-              <a:t> </a:t>
-            </a:r>
-            <a:r>
-              <a:rPr lang="en-US" dirty="0" err="1"/>
-              <a:t>kao</a:t>
-            </a:r>
-            <a:r>
-              <a:rPr lang="en-US" dirty="0"/>
-              <a:t> </a:t>
-            </a:r>
-            <a:r>
-              <a:rPr lang="en-US" dirty="0" err="1"/>
-              <a:t>stit</a:t>
-            </a:r>
-            <a:r>
-              <a:rPr lang="en-US" dirty="0"/>
-              <a:t> </a:t>
-            </a:r>
-            <a:r>
-              <a:rPr lang="en-US" dirty="0" err="1"/>
-              <a:t>protiv</a:t>
-            </a:r>
-            <a:r>
-              <a:rPr lang="en-US" dirty="0"/>
-              <a:t> </a:t>
-            </a:r>
-            <a:r>
-              <a:rPr lang="en-US" dirty="0" err="1"/>
-              <a:t>misli</a:t>
-            </a:r>
-            <a:r>
-              <a:rPr lang="en-US" dirty="0"/>
-              <a:t> (“</a:t>
-            </a:r>
-            <a:r>
-              <a:rPr lang="en-US" dirty="0" err="1"/>
-              <a:t>moram</a:t>
-            </a:r>
-            <a:r>
-              <a:rPr lang="en-US" dirty="0"/>
-              <a:t> da </a:t>
-            </a:r>
-            <a:r>
-              <a:rPr lang="en-US" dirty="0" err="1"/>
-              <a:t>ih</a:t>
-            </a:r>
-            <a:r>
-              <a:rPr lang="en-US" dirty="0"/>
-              <a:t> </a:t>
-            </a:r>
-            <a:r>
-              <a:rPr lang="en-US" dirty="0" err="1"/>
-              <a:t>isteram</a:t>
-            </a:r>
-            <a:r>
-              <a:rPr lang="en-US" dirty="0"/>
-              <a:t> </a:t>
-            </a:r>
-            <a:r>
-              <a:rPr lang="en-US" dirty="0" err="1"/>
-              <a:t>molitvom</a:t>
-            </a:r>
-            <a:r>
-              <a:rPr lang="en-US" dirty="0"/>
-              <a:t>”) </a:t>
-            </a:r>
-            <a:r>
-              <a:rPr lang="en-US" dirty="0" err="1"/>
-              <a:t>jer</a:t>
-            </a:r>
-            <a:r>
-              <a:rPr lang="en-US" dirty="0"/>
-              <a:t> </a:t>
-            </a:r>
-            <a:r>
-              <a:rPr lang="en-US" dirty="0" err="1"/>
-              <a:t>tada</a:t>
-            </a:r>
-            <a:r>
-              <a:rPr lang="en-US" dirty="0"/>
-              <a:t> </a:t>
-            </a:r>
-            <a:r>
-              <a:rPr lang="en-US" dirty="0" err="1"/>
-              <a:t>ulazis</a:t>
-            </a:r>
-            <a:r>
-              <a:rPr lang="en-US" dirty="0"/>
-              <a:t> u </a:t>
-            </a:r>
-            <a:r>
-              <a:rPr lang="en-US" dirty="0" err="1"/>
-              <a:t>otpor</a:t>
-            </a:r>
-            <a:r>
-              <a:rPr lang="en-US" dirty="0"/>
-              <a:t>. </a:t>
-            </a:r>
-            <a:r>
-              <a:rPr lang="en-US" dirty="0" err="1"/>
-              <a:t>Reci</a:t>
-            </a:r>
-            <a:r>
-              <a:rPr lang="en-US" dirty="0"/>
-              <a:t>: “</a:t>
-            </a:r>
-            <a:r>
-              <a:rPr lang="en-US" dirty="0" err="1"/>
-              <a:t>Gospode</a:t>
-            </a:r>
-            <a:r>
-              <a:rPr lang="en-US" dirty="0"/>
-              <a:t>, evo </a:t>
-            </a:r>
-            <a:r>
-              <a:rPr lang="en-US" dirty="0" err="1"/>
-              <a:t>misli</a:t>
-            </a:r>
-            <a:r>
-              <a:rPr lang="en-US" dirty="0"/>
-              <a:t> </a:t>
-            </a:r>
-            <a:r>
-              <a:rPr lang="en-US" dirty="0" err="1"/>
-              <a:t>koju</a:t>
-            </a:r>
-            <a:r>
-              <a:rPr lang="en-US" dirty="0"/>
-              <a:t> ne </a:t>
-            </a:r>
-            <a:r>
-              <a:rPr lang="en-US" dirty="0" err="1"/>
-              <a:t>razumem</a:t>
-            </a:r>
-            <a:r>
-              <a:rPr lang="en-US" dirty="0"/>
-              <a:t> I </a:t>
-            </a:r>
-            <a:r>
-              <a:rPr lang="en-US" dirty="0" err="1"/>
-              <a:t>koja</a:t>
-            </a:r>
-            <a:r>
-              <a:rPr lang="en-US" dirty="0"/>
-              <a:t> me </a:t>
-            </a:r>
-            <a:r>
-              <a:rPr lang="en-US" dirty="0" err="1"/>
-              <a:t>plasi</a:t>
-            </a:r>
-            <a:r>
-              <a:rPr lang="en-US" dirty="0"/>
-              <a:t>. </a:t>
-            </a:r>
-            <a:r>
-              <a:rPr lang="en-US" dirty="0" err="1"/>
-              <a:t>Predajem</a:t>
-            </a:r>
-            <a:r>
-              <a:rPr lang="en-US" dirty="0"/>
-              <a:t> </a:t>
-            </a:r>
-            <a:r>
-              <a:rPr lang="en-US" dirty="0" err="1"/>
-              <a:t>ti</a:t>
-            </a:r>
-            <a:r>
-              <a:rPr lang="en-US" dirty="0"/>
-              <a:t> je, </a:t>
-            </a:r>
-            <a:r>
-              <a:rPr lang="en-US" dirty="0" err="1"/>
-              <a:t>neka</a:t>
-            </a:r>
-            <a:r>
-              <a:rPr lang="en-US" dirty="0"/>
-              <a:t> </a:t>
-            </a:r>
-            <a:r>
-              <a:rPr lang="en-US" dirty="0" err="1"/>
-              <a:t>bude</a:t>
-            </a:r>
-            <a:r>
-              <a:rPr lang="en-US" dirty="0"/>
-              <a:t> </a:t>
-            </a:r>
-            <a:r>
-              <a:rPr lang="en-US" dirty="0" err="1"/>
-              <a:t>tvoja</a:t>
-            </a:r>
-            <a:r>
-              <a:rPr lang="en-US" dirty="0"/>
-              <a:t>, ja se </a:t>
-            </a:r>
-            <a:r>
-              <a:rPr lang="en-US" dirty="0" err="1"/>
-              <a:t>necu</a:t>
-            </a:r>
-            <a:r>
-              <a:rPr lang="en-US" dirty="0"/>
-              <a:t> </a:t>
-            </a:r>
-            <a:r>
-              <a:rPr lang="en-US" dirty="0" err="1"/>
-              <a:t>boriti</a:t>
-            </a:r>
-            <a:r>
-              <a:rPr lang="en-US" dirty="0"/>
-              <a:t>.”</a:t>
-            </a:r>
-          </a:p>
-          <a:p>
-            <a:r>
-              <a:rPr lang="en-US" dirty="0" err="1"/>
-              <a:t>Ako</a:t>
-            </a:r>
-            <a:r>
-              <a:rPr lang="en-US" dirty="0"/>
-              <a:t> </a:t>
-            </a:r>
-            <a:r>
-              <a:rPr lang="en-US" dirty="0" err="1"/>
-              <a:t>treba</a:t>
-            </a:r>
-            <a:r>
-              <a:rPr lang="en-US" dirty="0"/>
-              <a:t> I 100 puta to </a:t>
-            </a:r>
-            <a:r>
-              <a:rPr lang="en-US" dirty="0" err="1"/>
-              <a:t>ponovi</a:t>
-            </a:r>
-            <a:endParaRPr lang="en-US" dirty="0"/>
+              <a:t> </a:t>
+            </a:r>
+            <a:r>
+              <a:rPr lang="en-US" dirty="0" err="1"/>
+              <a:t>nesto</a:t>
+            </a:r>
+            <a:r>
+              <a:rPr lang="en-US" dirty="0"/>
+              <a:t> za </a:t>
+            </a:r>
+            <a:r>
+              <a:rPr lang="en-US" dirty="0" err="1"/>
+              <a:t>boga</a:t>
+            </a:r>
+            <a:r>
+              <a:rPr lang="en-US" dirty="0"/>
+              <a:t> I da </a:t>
+            </a:r>
+            <a:r>
+              <a:rPr lang="en-US" dirty="0" err="1"/>
+              <a:t>radis</a:t>
+            </a:r>
+            <a:r>
+              <a:rPr lang="en-US" dirty="0"/>
+              <a:t> za </a:t>
+            </a:r>
+            <a:r>
+              <a:rPr lang="en-US" dirty="0" err="1"/>
+              <a:t>pravu</a:t>
+            </a:r>
+            <a:r>
+              <a:rPr lang="en-US" dirty="0"/>
+              <a:t> </a:t>
+            </a:r>
+            <a:r>
+              <a:rPr lang="en-US" dirty="0" err="1"/>
+              <a:t>stvar</a:t>
+            </a:r>
+            <a:r>
+              <a:rPr lang="en-US" dirty="0"/>
+              <a:t>, Trudi se </a:t>
+            </a:r>
+            <a:r>
+              <a:rPr lang="en-US" dirty="0" err="1"/>
+              <a:t>oko</a:t>
+            </a:r>
+            <a:r>
+              <a:rPr lang="en-US" dirty="0"/>
+              <a:t> toga.</a:t>
+            </a:r>
           </a:p>
         </p:txBody>
       </p:sp>
     </p:spTree>
     <p:extLst>
       <p:ext uri="{BB962C8B-B14F-4D97-AF65-F5344CB8AC3E}">
-        <p14:creationId xmlns:p14="http://schemas.microsoft.com/office/powerpoint/2010/main" val="564236000"/>
+        <p14:creationId xmlns:p14="http://schemas.microsoft.com/office/powerpoint/2010/main" val="3274714764"/>
       </p:ext>
     </p:extLst>
   </p:cSld>
@@ -11721,7 +11551,7 @@
           <p:cNvPr id="2" name="Title 1">
             <a:extLst>
               <a:ext uri="{FF2B5EF4-FFF2-40B4-BE49-F238E27FC236}">
-                <a16:creationId xmlns:a16="http://schemas.microsoft.com/office/drawing/2014/main" id="{68C9837D-1D98-4F98-B662-CF638F829A83}"/>
+                <a16:creationId xmlns:a16="http://schemas.microsoft.com/office/drawing/2014/main" id="{ADF85D59-2F39-448C-AE18-76AEC790FBEB}"/>
               </a:ext>
             </a:extLst>
           </p:cNvPr>
@@ -11739,27 +11569,35 @@
           <a:p>
             <a:r>
               <a:rPr lang="en-US" dirty="0"/>
-              <a:t>Nisi </a:t>
-            </a:r>
-            <a:r>
-              <a:rPr lang="en-US" dirty="0" err="1"/>
-              <a:t>pozvan</a:t>
-            </a:r>
-            <a:r>
-              <a:rPr lang="en-US" dirty="0"/>
-              <a:t> da </a:t>
-            </a:r>
-            <a:r>
-              <a:rPr lang="en-US" dirty="0" err="1"/>
-              <a:t>znas</a:t>
-            </a:r>
-            <a:r>
-              <a:rPr lang="en-US" dirty="0"/>
-              <a:t> </a:t>
-            </a:r>
-            <a:r>
-              <a:rPr lang="en-US" dirty="0" err="1"/>
-              <a:t>sve</a:t>
+              <a:t>Ne </a:t>
+            </a:r>
+            <a:r>
+              <a:rPr lang="en-US" dirty="0" err="1"/>
+              <a:t>bori</a:t>
+            </a:r>
+            <a:r>
+              <a:rPr lang="en-US" dirty="0"/>
+              <a:t> se </a:t>
+            </a:r>
+            <a:r>
+              <a:rPr lang="en-US" dirty="0" err="1"/>
+              <a:t>protiv</a:t>
+            </a:r>
+            <a:r>
+              <a:rPr lang="en-US" dirty="0"/>
+              <a:t> </a:t>
+            </a:r>
+            <a:r>
+              <a:rPr lang="en-US" dirty="0" err="1"/>
+              <a:t>napadnih</a:t>
+            </a:r>
+            <a:r>
+              <a:rPr lang="en-US" dirty="0"/>
+              <a:t> </a:t>
+            </a:r>
+            <a:r>
+              <a:rPr lang="en-US" dirty="0" err="1"/>
+              <a:t>misli</a:t>
             </a:r>
             <a:endParaRPr lang="en-US" dirty="0"/>
           </a:p>
@@ -11770,7 +11608,7 @@
           <p:cNvPr id="3" name="Content Placeholder 2">
             <a:extLst>
               <a:ext uri="{FF2B5EF4-FFF2-40B4-BE49-F238E27FC236}">
-                <a16:creationId xmlns:a16="http://schemas.microsoft.com/office/drawing/2014/main" id="{3ABD5281-3A3A-4FFF-BDC8-85B9C3E9FC08}"/>
+                <a16:creationId xmlns:a16="http://schemas.microsoft.com/office/drawing/2014/main" id="{115EF906-4590-4D65-9452-587560146E60}"/>
               </a:ext>
             </a:extLst>
           </p:cNvPr>
@@ -11781,18 +11619,73 @@
             <p:ph idx="1"/>
           </p:nvPr>
         </p:nvSpPr>
-        <p:spPr/>
+        <p:spPr>
+          <a:xfrm>
+            <a:off x="680320" y="2213545"/>
+            <a:ext cx="9613861" cy="4819553"/>
+          </a:xfrm>
+        </p:spPr>
         <p:txBody>
-          <a:bodyPr/>
+          <a:bodyPr>
+            <a:normAutofit lnSpcReduction="10000"/>
+          </a:bodyPr>
           <a:lstStyle/>
           <a:p>
             <a:r>
               <a:rPr lang="en-US" dirty="0" err="1"/>
-              <a:t>Jer</a:t>
-            </a:r>
-            <a:r>
-              <a:rPr lang="en-US" dirty="0"/>
-              <a:t> </a:t>
+              <a:t>Molim</a:t>
+            </a:r>
+            <a:r>
+              <a:rPr lang="en-US" dirty="0"/>
+              <a:t> </a:t>
+            </a:r>
+            <a:r>
+              <a:rPr lang="en-US" dirty="0" err="1"/>
+              <a:t>te</a:t>
+            </a:r>
+            <a:r>
+              <a:rPr lang="en-US" dirty="0"/>
+              <a:t>, </a:t>
+            </a:r>
+            <a:r>
+              <a:rPr lang="en-US" dirty="0" err="1"/>
+              <a:t>nemoj</a:t>
+            </a:r>
+            <a:r>
+              <a:rPr lang="en-US" dirty="0"/>
+              <a:t> da </a:t>
+            </a:r>
+            <a:r>
+              <a:rPr lang="en-US" dirty="0" err="1"/>
+              <a:t>ulazis</a:t>
+            </a:r>
+            <a:r>
+              <a:rPr lang="en-US" dirty="0"/>
+              <a:t> u </a:t>
+            </a:r>
+            <a:r>
+              <a:rPr lang="en-US" dirty="0" err="1"/>
+              <a:t>isti</a:t>
+            </a:r>
+            <a:r>
+              <a:rPr lang="en-US" dirty="0"/>
+              <a:t> </a:t>
+            </a:r>
+            <a:r>
+              <a:rPr lang="en-US" dirty="0" err="1"/>
+              <a:t>obrazas</a:t>
+            </a:r>
+            <a:r>
+              <a:rPr lang="en-US" dirty="0"/>
+              <a:t> </a:t>
+            </a:r>
+            <a:r>
+              <a:rPr lang="en-US" dirty="0" err="1"/>
+              <a:t>gde</a:t>
+            </a:r>
+            <a:r>
+              <a:rPr lang="en-US" dirty="0"/>
+              <a:t> se </a:t>
             </a:r>
             <a:r>
               <a:rPr lang="en-US" dirty="0" err="1"/>
@@ -11800,11 +11693,11 @@
             </a:r>
             <a:r>
               <a:rPr lang="en-US" dirty="0"/>
-              <a:t> nisi </a:t>
-            </a:r>
-            <a:r>
-              <a:rPr lang="en-US" dirty="0" err="1"/>
-              <a:t>pozvan</a:t>
+              <a:t> </a:t>
+            </a:r>
+            <a:r>
+              <a:rPr lang="en-US" dirty="0" err="1"/>
+              <a:t>boris</a:t>
             </a:r>
             <a:r>
               <a:rPr lang="en-US" dirty="0"/>
@@ -11812,15 +11705,126 @@
             </a:r>
             <a:r>
               <a:rPr lang="en-US" dirty="0" err="1"/>
-              <a:t>sve</a:t>
-            </a:r>
-            <a:r>
-              <a:rPr lang="en-US" dirty="0"/>
-              <a:t> </a:t>
-            </a:r>
-            <a:r>
-              <a:rPr lang="en-US" dirty="0" err="1"/>
-              <a:t>razumes</a:t>
+              <a:t>nasilno</a:t>
+            </a:r>
+            <a:r>
+              <a:rPr lang="en-US" dirty="0"/>
+              <a:t> </a:t>
+            </a:r>
+            <a:r>
+              <a:rPr lang="en-US" dirty="0" err="1"/>
+              <a:t>prestanes</a:t>
+            </a:r>
+            <a:r>
+              <a:rPr lang="en-US" dirty="0"/>
+              <a:t> da </a:t>
+            </a:r>
+            <a:r>
+              <a:rPr lang="en-US" dirty="0" err="1"/>
+              <a:t>mislis</a:t>
+            </a:r>
+            <a:r>
+              <a:rPr lang="en-US" dirty="0"/>
+              <a:t> o </a:t>
+            </a:r>
+            <a:r>
+              <a:rPr lang="en-US" dirty="0" err="1"/>
+              <a:t>necemu</a:t>
+            </a:r>
+            <a:r>
+              <a:rPr lang="en-US" dirty="0"/>
+              <a:t>. </a:t>
+            </a:r>
+            <a:r>
+              <a:rPr lang="en-US" dirty="0" err="1"/>
+              <a:t>Stalno</a:t>
+            </a:r>
+            <a:r>
+              <a:rPr lang="en-US" dirty="0"/>
+              <a:t> </a:t>
+            </a:r>
+            <a:r>
+              <a:rPr lang="en-US" dirty="0" err="1"/>
+              <a:t>sam</a:t>
+            </a:r>
+            <a:r>
+              <a:rPr lang="en-US" dirty="0"/>
+              <a:t> </a:t>
+            </a:r>
+            <a:r>
+              <a:rPr lang="en-US" dirty="0" err="1"/>
+              <a:t>ulazio</a:t>
+            </a:r>
+            <a:r>
+              <a:rPr lang="en-US" dirty="0"/>
+              <a:t> u to I </a:t>
+            </a:r>
+            <a:r>
+              <a:rPr lang="en-US" dirty="0" err="1"/>
+              <a:t>nije</a:t>
+            </a:r>
+            <a:r>
+              <a:rPr lang="en-US" dirty="0"/>
+              <a:t> mi </a:t>
+            </a:r>
+            <a:r>
+              <a:rPr lang="en-US" dirty="0" err="1"/>
+              <a:t>nista</a:t>
+            </a:r>
+            <a:r>
+              <a:rPr lang="en-US" dirty="0"/>
+              <a:t> </a:t>
+            </a:r>
+            <a:r>
+              <a:rPr lang="en-US" dirty="0" err="1"/>
+              <a:t>pomoglo</a:t>
+            </a:r>
+            <a:endParaRPr lang="en-US" dirty="0"/>
+          </a:p>
+          <a:p>
+            <a:r>
+              <a:rPr lang="en-US" dirty="0" err="1"/>
+              <a:t>Umesto</a:t>
+            </a:r>
+            <a:r>
+              <a:rPr lang="en-US" dirty="0"/>
+              <a:t> “Ne </a:t>
+            </a:r>
+            <a:r>
+              <a:rPr lang="en-US" dirty="0" err="1"/>
+              <a:t>smem</a:t>
+            </a:r>
+            <a:r>
+              <a:rPr lang="en-US" dirty="0"/>
+              <a:t> da </a:t>
+            </a:r>
+            <a:r>
+              <a:rPr lang="en-US" dirty="0" err="1"/>
+              <a:t>mislim</a:t>
+            </a:r>
+            <a:r>
+              <a:rPr lang="en-US" dirty="0"/>
+              <a:t> </a:t>
+            </a:r>
+            <a:r>
+              <a:rPr lang="en-US" dirty="0" err="1"/>
+              <a:t>ovo</a:t>
+            </a:r>
+            <a:r>
+              <a:rPr lang="en-US" dirty="0"/>
+              <a:t>” </a:t>
+            </a:r>
+            <a:r>
+              <a:rPr lang="en-US" dirty="0" err="1"/>
+              <a:t>kazi</a:t>
+            </a:r>
+            <a:r>
+              <a:rPr lang="en-US" dirty="0"/>
+              <a:t> “</a:t>
+            </a:r>
+            <a:r>
+              <a:rPr lang="en-US" dirty="0" err="1"/>
+              <a:t>Okej</a:t>
             </a:r>
             <a:r>
               <a:rPr lang="en-US" dirty="0"/>
@@ -11828,7 +11832,63 @@
             </a:r>
             <a:r>
               <a:rPr lang="en-US" dirty="0" err="1"/>
-              <a:t>nego</a:t>
+              <a:t>ovo</a:t>
+            </a:r>
+            <a:r>
+              <a:rPr lang="en-US" dirty="0"/>
+              <a:t> je </a:t>
+            </a:r>
+            <a:r>
+              <a:rPr lang="en-US" dirty="0" err="1"/>
+              <a:t>samo</a:t>
+            </a:r>
+            <a:r>
+              <a:rPr lang="en-US" dirty="0"/>
+              <a:t> </a:t>
+            </a:r>
+            <a:r>
+              <a:rPr lang="en-US" dirty="0" err="1"/>
+              <a:t>misao</a:t>
+            </a:r>
+            <a:r>
+              <a:rPr lang="en-US" dirty="0"/>
+              <a:t>, </a:t>
+            </a:r>
+            <a:r>
+              <a:rPr lang="en-US" b="1" dirty="0" err="1"/>
+              <a:t>produktt</a:t>
+            </a:r>
+            <a:r>
+              <a:rPr lang="en-US" b="1" dirty="0"/>
+              <a:t> mog </a:t>
+            </a:r>
+            <a:r>
+              <a:rPr lang="en-US" b="1" dirty="0" err="1"/>
+              <a:t>umora</a:t>
+            </a:r>
+            <a:r>
+              <a:rPr lang="en-US" b="1" dirty="0"/>
+              <a:t> I </a:t>
+            </a:r>
+            <a:r>
+              <a:rPr lang="en-US" b="1" dirty="0" err="1"/>
+              <a:t>rada</a:t>
+            </a:r>
+            <a:r>
+              <a:rPr lang="en-US" dirty="0"/>
+              <a:t>. </a:t>
+            </a:r>
+            <a:r>
+              <a:rPr lang="en-US" dirty="0" err="1"/>
+              <a:t>Neka</a:t>
+            </a:r>
+            <a:r>
+              <a:rPr lang="en-US" dirty="0"/>
+              <a:t> je, </a:t>
+            </a:r>
+            <a:r>
+              <a:rPr lang="en-US" dirty="0" err="1"/>
+              <a:t>sme</a:t>
             </a:r>
             <a:r>
               <a:rPr lang="en-US" dirty="0"/>
@@ -11836,15 +11896,169 @@
             </a:r>
             <a:r>
               <a:rPr lang="en-US" dirty="0" err="1"/>
+              <a:t>bude</a:t>
+            </a:r>
+            <a:r>
+              <a:rPr lang="en-US" dirty="0"/>
+              <a:t> </a:t>
+            </a:r>
+            <a:r>
+              <a:rPr lang="en-US" dirty="0" err="1"/>
+              <a:t>tu</a:t>
+            </a:r>
+            <a:r>
+              <a:rPr lang="en-US" dirty="0"/>
+              <a:t>, </a:t>
+            </a:r>
+            <a:r>
+              <a:rPr lang="en-US" dirty="0" err="1"/>
+              <a:t>ali</a:t>
+            </a:r>
+            <a:r>
+              <a:rPr lang="en-US" dirty="0"/>
+              <a:t> to </a:t>
+            </a:r>
+            <a:r>
+              <a:rPr lang="en-US" dirty="0" err="1"/>
+              <a:t>nisam</a:t>
+            </a:r>
+            <a:r>
+              <a:rPr lang="en-US" dirty="0"/>
+              <a:t> ja. </a:t>
+            </a:r>
+            <a:r>
+              <a:rPr lang="en-US" dirty="0" err="1"/>
+              <a:t>Razumi</a:t>
+            </a:r>
+            <a:r>
+              <a:rPr lang="en-US" dirty="0"/>
+              <a:t> </a:t>
+            </a:r>
+            <a:r>
+              <a:rPr lang="en-US" dirty="0" err="1"/>
+              <a:t>odakle</a:t>
+            </a:r>
+            <a:r>
+              <a:rPr lang="en-US" dirty="0"/>
+              <a:t> </a:t>
+            </a:r>
+            <a:r>
+              <a:rPr lang="en-US" dirty="0" err="1"/>
+              <a:t>ona</a:t>
+            </a:r>
+            <a:r>
+              <a:rPr lang="en-US" dirty="0"/>
+              <a:t> </a:t>
+            </a:r>
+            <a:r>
+              <a:rPr lang="en-US" dirty="0" err="1"/>
+              <a:t>tu</a:t>
+            </a:r>
+            <a:r>
+              <a:rPr lang="en-US" dirty="0"/>
+              <a:t>, </a:t>
+            </a:r>
+            <a:r>
+              <a:rPr lang="en-US" dirty="0" err="1"/>
+              <a:t>ceo</a:t>
+            </a:r>
+            <a:r>
+              <a:rPr lang="en-US" dirty="0"/>
+              <a:t> dan </a:t>
+            </a:r>
+            <a:r>
+              <a:rPr lang="en-US" dirty="0" err="1"/>
+              <a:t>radis</a:t>
+            </a:r>
+            <a:r>
+              <a:rPr lang="en-US" dirty="0"/>
+              <a:t> I </a:t>
+            </a:r>
+            <a:r>
+              <a:rPr lang="en-US" dirty="0" err="1"/>
+              <a:t>normalno</a:t>
+            </a:r>
+            <a:r>
+              <a:rPr lang="en-US" dirty="0"/>
+              <a:t> je da </a:t>
+            </a:r>
+            <a:r>
+              <a:rPr lang="en-US" dirty="0" err="1"/>
+              <a:t>bude</a:t>
+            </a:r>
+            <a:r>
+              <a:rPr lang="en-US" dirty="0"/>
+              <a:t> </a:t>
+            </a:r>
+            <a:r>
+              <a:rPr lang="en-US" dirty="0" err="1"/>
+              <a:t>tu.</a:t>
+            </a:r>
+            <a:endParaRPr lang="en-US" dirty="0"/>
+          </a:p>
+          <a:p>
+            <a:endParaRPr lang="en-US" dirty="0"/>
+          </a:p>
+          <a:p>
+            <a:r>
+              <a:rPr lang="en-US" dirty="0" err="1"/>
+              <a:t>Prizovi</a:t>
+            </a:r>
+            <a:r>
+              <a:rPr lang="en-US" dirty="0"/>
+              <a:t> </a:t>
+            </a:r>
+            <a:r>
+              <a:rPr lang="en-US" dirty="0" err="1"/>
               <a:t>Gospoda</a:t>
             </a:r>
             <a:r>
               <a:rPr lang="en-US" dirty="0"/>
-              <a:t> </a:t>
-            </a:r>
-            <a:r>
-              <a:rPr lang="en-US" dirty="0" err="1"/>
-              <a:t>poznas</a:t>
+              <a:t>, </a:t>
+            </a:r>
+            <a:r>
+              <a:rPr lang="en-US" dirty="0" err="1"/>
+              <a:t>ali</a:t>
+            </a:r>
+            <a:r>
+              <a:rPr lang="en-US" dirty="0"/>
+              <a:t> ne </a:t>
+            </a:r>
+            <a:r>
+              <a:rPr lang="en-US" dirty="0" err="1"/>
+              <a:t>kao</a:t>
+            </a:r>
+            <a:r>
+              <a:rPr lang="en-US" dirty="0"/>
+              <a:t> </a:t>
+            </a:r>
+            <a:r>
+              <a:rPr lang="en-US" dirty="0" err="1"/>
+              <a:t>oruzje</a:t>
+            </a:r>
+            <a:r>
+              <a:rPr lang="en-US" dirty="0"/>
+              <a:t> </a:t>
+            </a:r>
+            <a:r>
+              <a:rPr lang="en-US" dirty="0" err="1"/>
+              <a:t>vec</a:t>
+            </a:r>
+            <a:r>
+              <a:rPr lang="en-US" dirty="0"/>
+              <a:t> </a:t>
+            </a:r>
+            <a:r>
+              <a:rPr lang="en-US" dirty="0" err="1"/>
+              <a:t>kao</a:t>
+            </a:r>
+            <a:r>
+              <a:rPr lang="en-US" dirty="0"/>
+              <a:t> </a:t>
+            </a:r>
+            <a:r>
+              <a:rPr lang="en-US" dirty="0" err="1"/>
+              <a:t>utehu</a:t>
             </a:r>
             <a:r>
               <a:rPr lang="en-US" dirty="0"/>
@@ -11852,55 +12066,159 @@
             </a:r>
             <a:r>
               <a:rPr lang="en-US" dirty="0" err="1"/>
-              <a:t>Gospod</a:t>
-            </a:r>
-            <a:r>
-              <a:rPr lang="en-US" dirty="0"/>
-              <a:t> </a:t>
-            </a:r>
-            <a:r>
-              <a:rPr lang="en-US" dirty="0" err="1"/>
-              <a:t>nije</a:t>
-            </a:r>
-            <a:r>
-              <a:rPr lang="en-US" dirty="0"/>
-              <a:t> </a:t>
-            </a:r>
-            <a:r>
-              <a:rPr lang="en-US" dirty="0" err="1"/>
-              <a:t>trazio</a:t>
-            </a:r>
-            <a:r>
-              <a:rPr lang="en-US" dirty="0"/>
-              <a:t> </a:t>
-            </a:r>
-            <a:r>
-              <a:rPr lang="en-US" dirty="0" err="1"/>
-              <a:t>savrsene</a:t>
-            </a:r>
-            <a:r>
-              <a:rPr lang="en-US" dirty="0"/>
-              <a:t>, </a:t>
-            </a:r>
-            <a:r>
-              <a:rPr lang="en-US" dirty="0" err="1"/>
-              <a:t>vec</a:t>
-            </a:r>
-            <a:r>
-              <a:rPr lang="en-US" dirty="0"/>
-              <a:t> </a:t>
-            </a:r>
-            <a:r>
-              <a:rPr lang="en-US" dirty="0" err="1"/>
-              <a:t>oni</a:t>
-            </a:r>
-            <a:r>
-              <a:rPr lang="en-US" dirty="0"/>
-              <a:t> koji ga </a:t>
-            </a:r>
-            <a:r>
-              <a:rPr lang="en-US" dirty="0" err="1"/>
-              <a:t>zele</a:t>
+              <a:t>Nemoj</a:t>
+            </a:r>
+            <a:r>
+              <a:rPr lang="en-US" dirty="0"/>
+              <a:t> da </a:t>
+            </a:r>
+            <a:r>
+              <a:rPr lang="en-US" dirty="0" err="1"/>
+              <a:t>koristis</a:t>
+            </a:r>
+            <a:r>
+              <a:rPr lang="en-US" dirty="0"/>
+              <a:t> </a:t>
+            </a:r>
+            <a:r>
+              <a:rPr lang="en-US" dirty="0" err="1"/>
+              <a:t>veru</a:t>
+            </a:r>
+            <a:r>
+              <a:rPr lang="en-US" dirty="0"/>
+              <a:t> </a:t>
+            </a:r>
+            <a:r>
+              <a:rPr lang="en-US" dirty="0" err="1"/>
+              <a:t>kao</a:t>
+            </a:r>
+            <a:r>
+              <a:rPr lang="en-US" dirty="0"/>
+              <a:t> </a:t>
+            </a:r>
+            <a:r>
+              <a:rPr lang="en-US" dirty="0" err="1"/>
+              <a:t>stit</a:t>
+            </a:r>
+            <a:r>
+              <a:rPr lang="en-US" dirty="0"/>
+              <a:t> </a:t>
+            </a:r>
+            <a:r>
+              <a:rPr lang="en-US" dirty="0" err="1"/>
+              <a:t>protiv</a:t>
+            </a:r>
+            <a:r>
+              <a:rPr lang="en-US" dirty="0"/>
+              <a:t> </a:t>
+            </a:r>
+            <a:r>
+              <a:rPr lang="en-US" dirty="0" err="1"/>
+              <a:t>misli</a:t>
+            </a:r>
+            <a:r>
+              <a:rPr lang="en-US" dirty="0"/>
+              <a:t> (“</a:t>
+            </a:r>
+            <a:r>
+              <a:rPr lang="en-US" dirty="0" err="1"/>
+              <a:t>moram</a:t>
+            </a:r>
+            <a:r>
+              <a:rPr lang="en-US" dirty="0"/>
+              <a:t> da </a:t>
+            </a:r>
+            <a:r>
+              <a:rPr lang="en-US" dirty="0" err="1"/>
+              <a:t>ih</a:t>
+            </a:r>
+            <a:r>
+              <a:rPr lang="en-US" dirty="0"/>
+              <a:t> </a:t>
+            </a:r>
+            <a:r>
+              <a:rPr lang="en-US" dirty="0" err="1"/>
+              <a:t>isteram</a:t>
+            </a:r>
+            <a:r>
+              <a:rPr lang="en-US" dirty="0"/>
+              <a:t> </a:t>
+            </a:r>
+            <a:r>
+              <a:rPr lang="en-US" dirty="0" err="1"/>
+              <a:t>molitvom</a:t>
+            </a:r>
+            <a:r>
+              <a:rPr lang="en-US" dirty="0"/>
+              <a:t>”) </a:t>
+            </a:r>
+            <a:r>
+              <a:rPr lang="en-US" dirty="0" err="1"/>
+              <a:t>jer</a:t>
+            </a:r>
+            <a:r>
+              <a:rPr lang="en-US" dirty="0"/>
+              <a:t> </a:t>
+            </a:r>
+            <a:r>
+              <a:rPr lang="en-US" dirty="0" err="1"/>
+              <a:t>tada</a:t>
+            </a:r>
+            <a:r>
+              <a:rPr lang="en-US" dirty="0"/>
+              <a:t> </a:t>
+            </a:r>
+            <a:r>
+              <a:rPr lang="en-US" dirty="0" err="1"/>
+              <a:t>ulazis</a:t>
+            </a:r>
+            <a:r>
+              <a:rPr lang="en-US" dirty="0"/>
+              <a:t> u </a:t>
+            </a:r>
+            <a:r>
+              <a:rPr lang="en-US" dirty="0" err="1"/>
+              <a:t>otpor</a:t>
+            </a:r>
+            <a:r>
+              <a:rPr lang="en-US" dirty="0"/>
+              <a:t>. </a:t>
+            </a:r>
+            <a:r>
+              <a:rPr lang="en-US" dirty="0" err="1"/>
+              <a:t>Reci</a:t>
+            </a:r>
+            <a:r>
+              <a:rPr lang="en-US" dirty="0"/>
+              <a:t>: “</a:t>
+            </a:r>
+            <a:r>
+              <a:rPr lang="en-US" dirty="0" err="1"/>
+              <a:t>Gospode</a:t>
+            </a:r>
+            <a:r>
+              <a:rPr lang="en-US" dirty="0"/>
+              <a:t>, evo </a:t>
+            </a:r>
+            <a:r>
+              <a:rPr lang="en-US" dirty="0" err="1"/>
+              <a:t>misli</a:t>
+            </a:r>
+            <a:r>
+              <a:rPr lang="en-US" dirty="0"/>
+              <a:t> </a:t>
+            </a:r>
+            <a:r>
+              <a:rPr lang="en-US" dirty="0" err="1"/>
+              <a:t>koju</a:t>
+            </a:r>
+            <a:r>
+              <a:rPr lang="en-US" dirty="0"/>
+              <a:t> ne </a:t>
+            </a:r>
+            <a:r>
+              <a:rPr lang="en-US" dirty="0" err="1"/>
+              <a:t>razumem</a:t>
             </a:r>
             <a:r>
               <a:rPr lang="en-US" dirty="0"/>
@@ -11908,214 +12226,106 @@
             </a:r>
             <a:r>
               <a:rPr lang="en-US" dirty="0" err="1"/>
-              <a:t>kada</a:t>
-            </a:r>
-            <a:r>
-              <a:rPr lang="en-US" dirty="0"/>
-              <a:t> </a:t>
-            </a:r>
-            <a:r>
-              <a:rPr lang="en-US" dirty="0" err="1"/>
-              <a:t>posrcu</a:t>
-            </a:r>
-            <a:r>
-              <a:rPr lang="en-US" dirty="0"/>
-              <a:t>.</a:t>
-            </a:r>
-          </a:p>
-          <a:p>
+              <a:t>koja</a:t>
+            </a:r>
+            <a:r>
+              <a:rPr lang="en-US" dirty="0"/>
+              <a:t> me </a:t>
+            </a:r>
+            <a:r>
+              <a:rPr lang="en-US" dirty="0" err="1"/>
+              <a:t>plasi</a:t>
+            </a:r>
+            <a:r>
+              <a:rPr lang="en-US" dirty="0"/>
+              <a:t>. </a:t>
+            </a:r>
+            <a:r>
+              <a:rPr lang="en-US" dirty="0" err="1"/>
+              <a:t>Predajem</a:t>
+            </a:r>
+            <a:r>
+              <a:rPr lang="en-US" dirty="0"/>
+              <a:t> </a:t>
+            </a:r>
+            <a:r>
+              <a:rPr lang="en-US" dirty="0" err="1"/>
+              <a:t>ti</a:t>
+            </a:r>
+            <a:r>
+              <a:rPr lang="en-US" dirty="0"/>
+              <a:t> je, </a:t>
+            </a:r>
+            <a:r>
+              <a:rPr lang="en-US" dirty="0" err="1"/>
+              <a:t>neka</a:t>
+            </a:r>
+            <a:r>
+              <a:rPr lang="en-US" dirty="0"/>
+              <a:t> </a:t>
+            </a:r>
+            <a:r>
+              <a:rPr lang="en-US" dirty="0" err="1"/>
+              <a:t>bude</a:t>
+            </a:r>
+            <a:r>
+              <a:rPr lang="en-US" dirty="0"/>
+              <a:t> </a:t>
+            </a:r>
+            <a:r>
+              <a:rPr lang="en-US" dirty="0" err="1"/>
+              <a:t>tvoja</a:t>
+            </a:r>
+            <a:r>
+              <a:rPr lang="en-US" dirty="0"/>
+              <a:t>, ja se </a:t>
+            </a:r>
+            <a:r>
+              <a:rPr lang="en-US" dirty="0" err="1"/>
+              <a:t>necu</a:t>
+            </a:r>
+            <a:r>
+              <a:rPr lang="en-US" dirty="0"/>
+              <a:t> </a:t>
+            </a:r>
+            <a:r>
+              <a:rPr lang="en-US" dirty="0" err="1"/>
+              <a:t>boriti</a:t>
+            </a:r>
+            <a:r>
+              <a:rPr lang="en-US" dirty="0"/>
+              <a:t>.”</a:t>
+            </a:r>
+          </a:p>
+          <a:p>
+            <a:r>
+              <a:rPr lang="en-US" dirty="0" err="1"/>
+              <a:t>Ako</a:t>
+            </a:r>
+            <a:r>
+              <a:rPr lang="en-US" dirty="0"/>
+              <a:t> </a:t>
+            </a:r>
+            <a:r>
+              <a:rPr lang="en-US" dirty="0" err="1"/>
+              <a:t>treba</a:t>
+            </a:r>
+            <a:r>
+              <a:rPr lang="en-US" dirty="0"/>
+              <a:t> I 100 puta to </a:t>
+            </a:r>
+            <a:r>
+              <a:rPr lang="en-US" dirty="0" err="1"/>
+              <a:t>ponovi</a:t>
+            </a:r>
             <a:endParaRPr lang="en-US" dirty="0"/>
-          </a:p>
-          <a:p>
-            <a:r>
-              <a:rPr lang="en-US" dirty="0" err="1"/>
-              <a:t>Gospod</a:t>
-            </a:r>
-            <a:r>
-              <a:rPr lang="en-US" dirty="0"/>
-              <a:t> ne </a:t>
-            </a:r>
-            <a:r>
-              <a:rPr lang="en-US" dirty="0" err="1"/>
-              <a:t>gleda</a:t>
-            </a:r>
-            <a:r>
-              <a:rPr lang="en-US" dirty="0"/>
-              <a:t> </a:t>
-            </a:r>
-            <a:r>
-              <a:rPr lang="en-US" dirty="0" err="1"/>
-              <a:t>tvoju</a:t>
-            </a:r>
-            <a:r>
-              <a:rPr lang="en-US" dirty="0"/>
-              <a:t> </a:t>
-            </a:r>
-            <a:r>
-              <a:rPr lang="en-US" dirty="0" err="1"/>
-              <a:t>savrsenost</a:t>
-            </a:r>
-            <a:r>
-              <a:rPr lang="en-US" dirty="0"/>
-              <a:t> </a:t>
-            </a:r>
-            <a:r>
-              <a:rPr lang="en-US" dirty="0" err="1"/>
-              <a:t>na</a:t>
-            </a:r>
-            <a:r>
-              <a:rPr lang="en-US" dirty="0"/>
-              <a:t> </a:t>
-            </a:r>
-            <a:r>
-              <a:rPr lang="en-US" dirty="0" err="1"/>
-              <a:t>poslu</a:t>
-            </a:r>
-            <a:r>
-              <a:rPr lang="en-US" dirty="0"/>
-              <a:t>, ne meri po </a:t>
-            </a:r>
-            <a:r>
-              <a:rPr lang="en-US" dirty="0" err="1"/>
-              <a:t>tvom</a:t>
-            </a:r>
-            <a:r>
-              <a:rPr lang="en-US" dirty="0"/>
-              <a:t> </a:t>
-            </a:r>
-            <a:r>
-              <a:rPr lang="en-US" dirty="0" err="1"/>
-              <a:t>znanju</a:t>
-            </a:r>
-            <a:r>
-              <a:rPr lang="en-US" dirty="0"/>
-              <a:t>. </a:t>
-            </a:r>
-            <a:r>
-              <a:rPr lang="en-US" dirty="0" err="1"/>
-              <a:t>Jer</a:t>
-            </a:r>
-            <a:r>
-              <a:rPr lang="en-US" dirty="0"/>
-              <a:t> </a:t>
-            </a:r>
-            <a:r>
-              <a:rPr lang="en-US" dirty="0" err="1"/>
-              <a:t>ti</a:t>
-            </a:r>
-            <a:r>
-              <a:rPr lang="en-US" dirty="0"/>
-              <a:t> </a:t>
-            </a:r>
-            <a:r>
-              <a:rPr lang="en-US" dirty="0" err="1"/>
-              <a:t>znanja</a:t>
-            </a:r>
-            <a:r>
-              <a:rPr lang="en-US" dirty="0"/>
-              <a:t> </a:t>
-            </a:r>
-            <a:r>
-              <a:rPr lang="en-US" dirty="0" err="1"/>
-              <a:t>ni</a:t>
-            </a:r>
-            <a:r>
-              <a:rPr lang="en-US" dirty="0"/>
-              <a:t> </a:t>
-            </a:r>
-            <a:r>
-              <a:rPr lang="en-US" dirty="0" err="1"/>
-              <a:t>nemas</a:t>
-            </a:r>
-            <a:endParaRPr lang="en-US" dirty="0"/>
-          </a:p>
-          <a:p>
-            <a:endParaRPr lang="en-US" dirty="0"/>
-          </a:p>
-          <a:p>
-            <a:r>
-              <a:rPr lang="en-US" dirty="0"/>
-              <a:t>“</a:t>
-            </a:r>
-            <a:r>
-              <a:rPr lang="en-US" dirty="0" err="1"/>
-              <a:t>Dodji</a:t>
-            </a:r>
-            <a:r>
-              <a:rPr lang="en-US" dirty="0"/>
-              <a:t> k </a:t>
-            </a:r>
-            <a:r>
-              <a:rPr lang="en-US" dirty="0" err="1"/>
-              <a:t>meni</a:t>
-            </a:r>
-            <a:r>
-              <a:rPr lang="en-US" dirty="0"/>
-              <a:t>, </a:t>
-            </a:r>
-            <a:r>
-              <a:rPr lang="en-US" dirty="0" err="1"/>
-              <a:t>svi</a:t>
-            </a:r>
-            <a:r>
-              <a:rPr lang="en-US" dirty="0"/>
-              <a:t> koji </a:t>
-            </a:r>
-            <a:r>
-              <a:rPr lang="en-US" dirty="0" err="1"/>
-              <a:t>ste</a:t>
-            </a:r>
-            <a:r>
-              <a:rPr lang="en-US" dirty="0"/>
-              <a:t> </a:t>
-            </a:r>
-            <a:r>
-              <a:rPr lang="en-US" dirty="0" err="1"/>
-              <a:t>umorni</a:t>
-            </a:r>
-            <a:r>
-              <a:rPr lang="en-US" dirty="0"/>
-              <a:t> I </a:t>
-            </a:r>
-            <a:r>
-              <a:rPr lang="en-US" dirty="0" err="1"/>
-              <a:t>natovareni</a:t>
-            </a:r>
-            <a:r>
-              <a:rPr lang="en-US" dirty="0"/>
-              <a:t>, I ja cu </a:t>
-            </a:r>
-            <a:r>
-              <a:rPr lang="en-US" dirty="0" err="1"/>
-              <a:t>vam</a:t>
-            </a:r>
-            <a:r>
-              <a:rPr lang="en-US" dirty="0"/>
-              <a:t> </a:t>
-            </a:r>
-            <a:r>
-              <a:rPr lang="en-US" dirty="0" err="1"/>
-              <a:t>dati</a:t>
-            </a:r>
-            <a:r>
-              <a:rPr lang="en-US" dirty="0"/>
-              <a:t> </a:t>
-            </a:r>
-            <a:r>
-              <a:rPr lang="en-US" dirty="0" err="1"/>
-              <a:t>odmor</a:t>
-            </a:r>
-            <a:r>
-              <a:rPr lang="en-US" dirty="0"/>
-              <a:t>”</a:t>
-            </a:r>
           </a:p>
         </p:txBody>
       </p:sp>
     </p:spTree>
     <p:extLst>
       <p:ext uri="{BB962C8B-B14F-4D97-AF65-F5344CB8AC3E}">
-        <p14:creationId xmlns:p14="http://schemas.microsoft.com/office/powerpoint/2010/main" val="1131456543"/>
+        <p14:creationId xmlns:p14="http://schemas.microsoft.com/office/powerpoint/2010/main" val="564236000"/>
       </p:ext>
     </p:extLst>
   </p:cSld>
@@ -12147,7 +12357,7 @@
           <p:cNvPr id="2" name="Title 1">
             <a:extLst>
               <a:ext uri="{FF2B5EF4-FFF2-40B4-BE49-F238E27FC236}">
-                <a16:creationId xmlns:a16="http://schemas.microsoft.com/office/drawing/2014/main" id="{510C0FC4-48B0-4A42-834F-A4DFE9287B03}"/>
+                <a16:creationId xmlns:a16="http://schemas.microsoft.com/office/drawing/2014/main" id="{68C9837D-1D98-4F98-B662-CF638F829A83}"/>
               </a:ext>
             </a:extLst>
           </p:cNvPr>
@@ -12165,40 +12375,29 @@
           <a:p>
             <a:r>
               <a:rPr lang="en-US" dirty="0"/>
-              <a:t>“</a:t>
-            </a:r>
-            <a:r>
-              <a:rPr lang="en-US" dirty="0" err="1"/>
-              <a:t>Izbaci</a:t>
-            </a:r>
-            <a:r>
-              <a:rPr lang="en-US" dirty="0"/>
-              <a:t>” Boga </a:t>
-            </a:r>
-            <a:r>
-              <a:rPr lang="en-US" dirty="0" err="1"/>
-              <a:t>iz</a:t>
-            </a:r>
-            <a:r>
-              <a:rPr lang="en-US" dirty="0"/>
-              <a:t> </a:t>
-            </a:r>
-            <a:r>
-              <a:rPr lang="en-US" dirty="0" err="1"/>
-              <a:t>poslovnog</a:t>
-            </a:r>
-            <a:r>
-              <a:rPr lang="en-US" dirty="0"/>
-              <a:t> </a:t>
-            </a:r>
-            <a:r>
-              <a:rPr lang="en-US" dirty="0" err="1"/>
-              <a:t>sveta</a:t>
-            </a:r>
-            <a:r>
-              <a:rPr lang="en-US" dirty="0"/>
-              <a:t>	</a:t>
-            </a:r>
+              <a:t>Nisi </a:t>
+            </a:r>
+            <a:r>
+              <a:rPr lang="en-US" dirty="0" err="1"/>
+              <a:t>pozvan</a:t>
+            </a:r>
+            <a:r>
+              <a:rPr lang="en-US" dirty="0"/>
+              <a:t> da </a:t>
+            </a:r>
+            <a:r>
+              <a:rPr lang="en-US" dirty="0" err="1"/>
+              <a:t>znas</a:t>
+            </a:r>
+            <a:r>
+              <a:rPr lang="en-US" dirty="0"/>
+              <a:t> </a:t>
+            </a:r>
+            <a:r>
+              <a:rPr lang="en-US" dirty="0" err="1"/>
+              <a:t>sve</a:t>
+            </a:r>
+            <a:endParaRPr lang="en-US" dirty="0"/>
           </a:p>
         </p:txBody>
       </p:sp>
@@ -12207,7 +12406,7 @@
           <p:cNvPr id="3" name="Content Placeholder 2">
             <a:extLst>
               <a:ext uri="{FF2B5EF4-FFF2-40B4-BE49-F238E27FC236}">
-                <a16:creationId xmlns:a16="http://schemas.microsoft.com/office/drawing/2014/main" id="{370EA88E-2D99-4356-9E6B-9FF4FB717165}"/>
+                <a16:creationId xmlns:a16="http://schemas.microsoft.com/office/drawing/2014/main" id="{3ABD5281-3A3A-4FFF-BDC8-85B9C3E9FC08}"/>
               </a:ext>
             </a:extLst>
           </p:cNvPr>
@@ -12225,31 +12424,39 @@
           <a:p>
             <a:r>
               <a:rPr lang="en-US" dirty="0" err="1"/>
-              <a:t>Rekao</a:t>
-            </a:r>
-            <a:r>
-              <a:rPr lang="en-US" dirty="0"/>
-              <a:t> </a:t>
-            </a:r>
-            <a:r>
-              <a:rPr lang="en-US" dirty="0" err="1"/>
-              <a:t>sam</a:t>
-            </a:r>
-            <a:r>
-              <a:rPr lang="en-US" dirty="0"/>
-              <a:t> </a:t>
-            </a:r>
-            <a:r>
-              <a:rPr lang="en-US" dirty="0" err="1"/>
-              <a:t>Bogu</a:t>
-            </a:r>
-            <a:r>
-              <a:rPr lang="en-US" dirty="0"/>
-              <a:t>: “</a:t>
-            </a:r>
-            <a:r>
-              <a:rPr lang="en-US" dirty="0" err="1"/>
-              <a:t>Gospode</a:t>
+              <a:t>Jer</a:t>
+            </a:r>
+            <a:r>
+              <a:rPr lang="en-US" dirty="0"/>
+              <a:t> </a:t>
+            </a:r>
+            <a:r>
+              <a:rPr lang="en-US" dirty="0" err="1"/>
+              <a:t>ti</a:t>
+            </a:r>
+            <a:r>
+              <a:rPr lang="en-US" dirty="0"/>
+              <a:t> nisi </a:t>
+            </a:r>
+            <a:r>
+              <a:rPr lang="en-US" dirty="0" err="1"/>
+              <a:t>pozvan</a:t>
+            </a:r>
+            <a:r>
+              <a:rPr lang="en-US" dirty="0"/>
+              <a:t> da </a:t>
+            </a:r>
+            <a:r>
+              <a:rPr lang="en-US" dirty="0" err="1"/>
+              <a:t>sve</a:t>
+            </a:r>
+            <a:r>
+              <a:rPr lang="en-US" dirty="0"/>
+              <a:t> </a:t>
+            </a:r>
+            <a:r>
+              <a:rPr lang="en-US" dirty="0" err="1"/>
+              <a:t>razumes</a:t>
             </a:r>
             <a:r>
               <a:rPr lang="en-US" dirty="0"/>
@@ -12257,31 +12464,55 @@
             </a:r>
             <a:r>
               <a:rPr lang="en-US" dirty="0" err="1"/>
-              <a:t>dalje</a:t>
-            </a:r>
-            <a:r>
-              <a:rPr lang="en-US" dirty="0"/>
-              <a:t> se </a:t>
-            </a:r>
-            <a:r>
-              <a:rPr lang="en-US" dirty="0" err="1"/>
-              <a:t>necu</a:t>
-            </a:r>
-            <a:r>
-              <a:rPr lang="en-US" dirty="0"/>
-              <a:t> vise </a:t>
-            </a:r>
-            <a:r>
-              <a:rPr lang="en-US" dirty="0" err="1"/>
-              <a:t>moliti</a:t>
-            </a:r>
-            <a:r>
-              <a:rPr lang="en-US" dirty="0"/>
-              <a:t> za </a:t>
-            </a:r>
-            <a:r>
-              <a:rPr lang="en-US" dirty="0" err="1"/>
-              <a:t>posao</a:t>
+              <a:t>nego</a:t>
+            </a:r>
+            <a:r>
+              <a:rPr lang="en-US" dirty="0"/>
+              <a:t> da </a:t>
+            </a:r>
+            <a:r>
+              <a:rPr lang="en-US" dirty="0" err="1"/>
+              <a:t>Gospoda</a:t>
+            </a:r>
+            <a:r>
+              <a:rPr lang="en-US" dirty="0"/>
+              <a:t> </a:t>
+            </a:r>
+            <a:r>
+              <a:rPr lang="en-US" dirty="0" err="1"/>
+              <a:t>poznas</a:t>
+            </a:r>
+            <a:r>
+              <a:rPr lang="en-US" dirty="0"/>
+              <a:t>. </a:t>
+            </a:r>
+            <a:r>
+              <a:rPr lang="en-US" dirty="0" err="1"/>
+              <a:t>Gospod</a:t>
+            </a:r>
+            <a:r>
+              <a:rPr lang="en-US" dirty="0"/>
+              <a:t> </a:t>
+            </a:r>
+            <a:r>
+              <a:rPr lang="en-US" dirty="0" err="1"/>
+              <a:t>nije</a:t>
+            </a:r>
+            <a:r>
+              <a:rPr lang="en-US" dirty="0"/>
+              <a:t> </a:t>
+            </a:r>
+            <a:r>
+              <a:rPr lang="en-US" dirty="0" err="1"/>
+              <a:t>trazio</a:t>
+            </a:r>
+            <a:r>
+              <a:rPr lang="en-US" dirty="0"/>
+              <a:t> </a:t>
+            </a:r>
+            <a:r>
+              <a:rPr lang="en-US" dirty="0" err="1"/>
+              <a:t>savrsene</a:t>
             </a:r>
             <a:r>
               <a:rPr lang="en-US" dirty="0"/>
@@ -12289,95 +12520,170 @@
             </a:r>
             <a:r>
               <a:rPr lang="en-US" dirty="0" err="1"/>
-              <a:t>nadam</a:t>
-            </a:r>
-            <a:r>
-              <a:rPr lang="en-US" dirty="0"/>
-              <a:t> se da me </a:t>
-            </a:r>
-            <a:r>
-              <a:rPr lang="en-US" dirty="0" err="1"/>
-              <a:t>razumes</a:t>
-            </a:r>
-            <a:r>
-              <a:rPr lang="en-US" dirty="0"/>
-              <a:t>. Previse </a:t>
-            </a:r>
-            <a:r>
-              <a:rPr lang="en-US" dirty="0" err="1"/>
-              <a:t>te</a:t>
-            </a:r>
-            <a:r>
-              <a:rPr lang="en-US" dirty="0"/>
-              <a:t> </a:t>
-            </a:r>
-            <a:r>
-              <a:rPr lang="en-US" dirty="0" err="1"/>
-              <a:t>uplicem</a:t>
-            </a:r>
-            <a:r>
-              <a:rPr lang="en-US" dirty="0"/>
-              <a:t> u </a:t>
-            </a:r>
-            <a:r>
-              <a:rPr lang="en-US" dirty="0" err="1"/>
-              <a:t>svoj</a:t>
-            </a:r>
-            <a:r>
-              <a:rPr lang="en-US" dirty="0"/>
-              <a:t> </a:t>
-            </a:r>
-            <a:r>
-              <a:rPr lang="en-US" dirty="0" err="1"/>
-              <a:t>poslovni</a:t>
-            </a:r>
-            <a:r>
-              <a:rPr lang="en-US" dirty="0"/>
-              <a:t> </a:t>
-            </a:r>
-            <a:r>
-              <a:rPr lang="en-US" dirty="0" err="1"/>
-              <a:t>zivot</a:t>
-            </a:r>
-            <a:r>
-              <a:rPr lang="en-US" dirty="0"/>
-              <a:t> I ne </a:t>
-            </a:r>
-            <a:r>
-              <a:rPr lang="en-US" dirty="0" err="1"/>
-              <a:t>mogu</a:t>
-            </a:r>
-            <a:r>
-              <a:rPr lang="en-US" dirty="0"/>
-              <a:t> da </a:t>
-            </a:r>
-            <a:r>
-              <a:rPr lang="en-US" dirty="0" err="1"/>
-              <a:t>razdvojim</a:t>
-            </a:r>
-            <a:r>
-              <a:rPr lang="en-US" dirty="0"/>
-              <a:t> </a:t>
-            </a:r>
-            <a:r>
-              <a:rPr lang="en-US" dirty="0" err="1"/>
-              <a:t>prilazak</a:t>
-            </a:r>
-            <a:r>
-              <a:rPr lang="en-US" dirty="0"/>
-              <a:t> </a:t>
-            </a:r>
-            <a:r>
-              <a:rPr lang="en-US" dirty="0" err="1"/>
-              <a:t>tebi</a:t>
-            </a:r>
-            <a:r>
-              <a:rPr lang="en-US" dirty="0"/>
-              <a:t> od </a:t>
-            </a:r>
-            <a:r>
-              <a:rPr lang="en-US" dirty="0" err="1"/>
-              <a:t>posla</a:t>
+              <a:t>vec</a:t>
+            </a:r>
+            <a:r>
+              <a:rPr lang="en-US" dirty="0"/>
+              <a:t> </a:t>
+            </a:r>
+            <a:r>
+              <a:rPr lang="en-US" dirty="0" err="1"/>
+              <a:t>oni</a:t>
+            </a:r>
+            <a:r>
+              <a:rPr lang="en-US" dirty="0"/>
+              <a:t> koji ga </a:t>
+            </a:r>
+            <a:r>
+              <a:rPr lang="en-US" dirty="0" err="1"/>
+              <a:t>zele</a:t>
+            </a:r>
+            <a:r>
+              <a:rPr lang="en-US" dirty="0"/>
+              <a:t> I </a:t>
+            </a:r>
+            <a:r>
+              <a:rPr lang="en-US" dirty="0" err="1"/>
+              <a:t>kada</a:t>
+            </a:r>
+            <a:r>
+              <a:rPr lang="en-US" dirty="0"/>
+              <a:t> </a:t>
+            </a:r>
+            <a:r>
+              <a:rPr lang="en-US" dirty="0" err="1"/>
+              <a:t>posrcu</a:t>
+            </a:r>
+            <a:r>
+              <a:rPr lang="en-US" dirty="0"/>
+              <a:t>.</a:t>
+            </a:r>
+          </a:p>
+          <a:p>
+            <a:endParaRPr lang="en-US" dirty="0"/>
+          </a:p>
+          <a:p>
+            <a:r>
+              <a:rPr lang="en-US" dirty="0" err="1"/>
+              <a:t>Gospod</a:t>
+            </a:r>
+            <a:r>
+              <a:rPr lang="en-US" dirty="0"/>
+              <a:t> ne </a:t>
+            </a:r>
+            <a:r>
+              <a:rPr lang="en-US" dirty="0" err="1"/>
+              <a:t>gleda</a:t>
+            </a:r>
+            <a:r>
+              <a:rPr lang="en-US" dirty="0"/>
+              <a:t> </a:t>
+            </a:r>
+            <a:r>
+              <a:rPr lang="en-US" dirty="0" err="1"/>
+              <a:t>tvoju</a:t>
+            </a:r>
+            <a:r>
+              <a:rPr lang="en-US" dirty="0"/>
+              <a:t> </a:t>
+            </a:r>
+            <a:r>
+              <a:rPr lang="en-US" dirty="0" err="1"/>
+              <a:t>savrsenost</a:t>
+            </a:r>
+            <a:r>
+              <a:rPr lang="en-US" dirty="0"/>
+              <a:t> </a:t>
+            </a:r>
+            <a:r>
+              <a:rPr lang="en-US" dirty="0" err="1"/>
+              <a:t>na</a:t>
+            </a:r>
+            <a:r>
+              <a:rPr lang="en-US" dirty="0"/>
+              <a:t> </a:t>
+            </a:r>
+            <a:r>
+              <a:rPr lang="en-US" dirty="0" err="1"/>
+              <a:t>poslu</a:t>
+            </a:r>
+            <a:r>
+              <a:rPr lang="en-US" dirty="0"/>
+              <a:t>, ne meri po </a:t>
+            </a:r>
+            <a:r>
+              <a:rPr lang="en-US" dirty="0" err="1"/>
+              <a:t>tvom</a:t>
+            </a:r>
+            <a:r>
+              <a:rPr lang="en-US" dirty="0"/>
+              <a:t> </a:t>
+            </a:r>
+            <a:r>
+              <a:rPr lang="en-US" dirty="0" err="1"/>
+              <a:t>znanju</a:t>
+            </a:r>
+            <a:r>
+              <a:rPr lang="en-US" dirty="0"/>
+              <a:t>. </a:t>
+            </a:r>
+            <a:r>
+              <a:rPr lang="en-US" dirty="0" err="1"/>
+              <a:t>Jer</a:t>
+            </a:r>
+            <a:r>
+              <a:rPr lang="en-US" dirty="0"/>
+              <a:t> </a:t>
+            </a:r>
+            <a:r>
+              <a:rPr lang="en-US" dirty="0" err="1"/>
+              <a:t>ti</a:t>
+            </a:r>
+            <a:r>
+              <a:rPr lang="en-US" dirty="0"/>
+              <a:t> </a:t>
+            </a:r>
+            <a:r>
+              <a:rPr lang="en-US" dirty="0" err="1"/>
+              <a:t>znanja</a:t>
+            </a:r>
+            <a:r>
+              <a:rPr lang="en-US" dirty="0"/>
+              <a:t> </a:t>
+            </a:r>
+            <a:r>
+              <a:rPr lang="en-US" dirty="0" err="1"/>
+              <a:t>ni</a:t>
+            </a:r>
+            <a:r>
+              <a:rPr lang="en-US" dirty="0"/>
+              <a:t> </a:t>
+            </a:r>
+            <a:r>
+              <a:rPr lang="en-US" dirty="0" err="1"/>
+              <a:t>nemas</a:t>
+            </a:r>
+            <a:endParaRPr lang="en-US" dirty="0"/>
+          </a:p>
+          <a:p>
+            <a:endParaRPr lang="en-US" dirty="0"/>
+          </a:p>
+          <a:p>
+            <a:r>
+              <a:rPr lang="en-US" dirty="0"/>
+              <a:t>“</a:t>
+            </a:r>
+            <a:r>
+              <a:rPr lang="en-US" dirty="0" err="1"/>
+              <a:t>Dodji</a:t>
+            </a:r>
+            <a:r>
+              <a:rPr lang="en-US" dirty="0"/>
+              <a:t> k </a:t>
+            </a:r>
+            <a:r>
+              <a:rPr lang="en-US" dirty="0" err="1"/>
+              <a:t>meni</a:t>
             </a:r>
             <a:r>
               <a:rPr lang="en-US" dirty="0"/>
@@ -12385,11 +12691,11 @@
             </a:r>
             <a:r>
               <a:rPr lang="en-US" dirty="0" err="1"/>
-              <a:t>jer</a:t>
-            </a:r>
-            <a:r>
-              <a:rPr lang="en-US" dirty="0"/>
-              <a:t> </a:t>
+              <a:t>svi</a:t>
+            </a:r>
+            <a:r>
+              <a:rPr lang="en-US" dirty="0"/>
+              <a:t> koji </a:t>
             </a:r>
             <a:r>
               <a:rPr lang="en-US" dirty="0" err="1"/>
@@ -12397,99 +12703,11 @@
             </a:r>
             <a:r>
               <a:rPr lang="en-US" dirty="0"/>
-              <a:t> mi </a:t>
-            </a:r>
-            <a:r>
-              <a:rPr lang="en-US" dirty="0" err="1"/>
-              <a:t>jedno</a:t>
-            </a:r>
-            <a:r>
-              <a:rPr lang="en-US" dirty="0"/>
-              <a:t> </a:t>
-            </a:r>
-            <a:r>
-              <a:rPr lang="en-US" dirty="0" err="1"/>
-              <a:t>isto</a:t>
-            </a:r>
-            <a:r>
-              <a:rPr lang="en-US" dirty="0"/>
-              <a:t>. </a:t>
-            </a:r>
-            <a:r>
-              <a:rPr lang="en-US" dirty="0" err="1"/>
-              <a:t>Ovom</a:t>
-            </a:r>
-            <a:r>
-              <a:rPr lang="en-US" dirty="0"/>
-              <a:t> </a:t>
-            </a:r>
-            <a:r>
-              <a:rPr lang="en-US" dirty="0" err="1"/>
-              <a:t>prilikom</a:t>
-            </a:r>
-            <a:r>
-              <a:rPr lang="en-US" dirty="0"/>
-              <a:t> cu se </a:t>
-            </a:r>
-            <a:r>
-              <a:rPr lang="en-US" dirty="0" err="1"/>
-              <a:t>poslednji</a:t>
-            </a:r>
-            <a:r>
-              <a:rPr lang="en-US" dirty="0"/>
-              <a:t> put </a:t>
-            </a:r>
-            <a:r>
-              <a:rPr lang="en-US" dirty="0" err="1"/>
-              <a:t>pomoliti</a:t>
-            </a:r>
-            <a:r>
-              <a:rPr lang="en-US" dirty="0"/>
-              <a:t> za </a:t>
-            </a:r>
-            <a:r>
-              <a:rPr lang="en-US" dirty="0" err="1"/>
-              <a:t>posao</a:t>
-            </a:r>
-            <a:r>
-              <a:rPr lang="en-US" dirty="0"/>
-              <a:t>, </a:t>
-            </a:r>
-            <a:r>
-              <a:rPr lang="en-US" dirty="0" err="1"/>
-              <a:t>molim</a:t>
-            </a:r>
-            <a:r>
-              <a:rPr lang="en-US" dirty="0"/>
-              <a:t> </a:t>
-            </a:r>
-            <a:r>
-              <a:rPr lang="en-US" dirty="0" err="1"/>
-              <a:t>te</a:t>
-            </a:r>
-            <a:r>
-              <a:rPr lang="en-US" dirty="0"/>
-              <a:t> </a:t>
-            </a:r>
-            <a:r>
-              <a:rPr lang="en-US" dirty="0" err="1"/>
-              <a:t>vodi</a:t>
-            </a:r>
-            <a:r>
-              <a:rPr lang="en-US" dirty="0"/>
-              <a:t> </a:t>
-            </a:r>
-            <a:r>
-              <a:rPr lang="en-US" dirty="0" err="1"/>
-              <a:t>moju</a:t>
-            </a:r>
-            <a:r>
-              <a:rPr lang="en-US" dirty="0"/>
-              <a:t> </a:t>
-            </a:r>
-            <a:r>
-              <a:rPr lang="en-US" dirty="0" err="1"/>
-              <a:t>karijeru</a:t>
+              <a:t> </a:t>
+            </a:r>
+            <a:r>
+              <a:rPr lang="en-US" dirty="0" err="1"/>
+              <a:t>umorni</a:t>
             </a:r>
             <a:r>
               <a:rPr lang="en-US" dirty="0"/>
@@ -12497,202 +12715,34 @@
             </a:r>
             <a:r>
               <a:rPr lang="en-US" dirty="0" err="1"/>
-              <a:t>pomozi</a:t>
-            </a:r>
-            <a:r>
-              <a:rPr lang="en-US" dirty="0"/>
-              <a:t> mi da dobro </a:t>
-            </a:r>
-            <a:r>
-              <a:rPr lang="en-US" dirty="0" err="1"/>
-              <a:t>radim</a:t>
-            </a:r>
-            <a:r>
-              <a:rPr lang="en-US" dirty="0"/>
-              <a:t>. </a:t>
-            </a:r>
-            <a:r>
-              <a:rPr lang="en-US" dirty="0" err="1"/>
-              <a:t>Kada</a:t>
-            </a:r>
-            <a:r>
-              <a:rPr lang="en-US" dirty="0"/>
-              <a:t> </a:t>
-            </a:r>
-            <a:r>
-              <a:rPr lang="en-US" dirty="0" err="1"/>
-              <a:t>dodjem</a:t>
-            </a:r>
-            <a:r>
-              <a:rPr lang="en-US" dirty="0"/>
-              <a:t> </a:t>
-            </a:r>
-            <a:r>
-              <a:rPr lang="en-US" dirty="0" err="1"/>
-              <a:t>kuci</a:t>
-            </a:r>
-            <a:r>
-              <a:rPr lang="en-US" dirty="0"/>
-              <a:t>, </a:t>
-            </a:r>
-            <a:r>
-              <a:rPr lang="en-US" dirty="0" err="1"/>
-              <a:t>pocinjem</a:t>
-            </a:r>
-            <a:r>
-              <a:rPr lang="en-US" dirty="0"/>
-              <a:t> da se </a:t>
-            </a:r>
-            <a:r>
-              <a:rPr lang="en-US" dirty="0" err="1"/>
-              <a:t>druzim</a:t>
-            </a:r>
-            <a:r>
-              <a:rPr lang="en-US" dirty="0"/>
-              <a:t> </a:t>
-            </a:r>
-            <a:r>
-              <a:rPr lang="en-US" dirty="0" err="1"/>
-              <a:t>sa</a:t>
-            </a:r>
-            <a:r>
-              <a:rPr lang="en-US" dirty="0"/>
-              <a:t> </a:t>
-            </a:r>
-            <a:r>
-              <a:rPr lang="en-US" dirty="0" err="1"/>
-              <a:t>Tobom</a:t>
-            </a:r>
-            <a:r>
-              <a:rPr lang="en-US" dirty="0"/>
-              <a:t>, I </a:t>
-            </a:r>
-            <a:r>
-              <a:rPr lang="en-US" dirty="0" err="1"/>
-              <a:t>pokusacu</a:t>
-            </a:r>
-            <a:r>
-              <a:rPr lang="en-US" dirty="0"/>
-              <a:t> </a:t>
-            </a:r>
-            <a:r>
-              <a:rPr lang="en-US" dirty="0" err="1"/>
-              <a:t>na</a:t>
-            </a:r>
-            <a:r>
-              <a:rPr lang="en-US" dirty="0"/>
-              <a:t> taj </a:t>
-            </a:r>
-            <a:r>
-              <a:rPr lang="en-US" dirty="0" err="1"/>
-              <a:t>nacin</a:t>
-            </a:r>
-            <a:r>
-              <a:rPr lang="en-US" dirty="0"/>
-              <a:t> da </a:t>
-            </a:r>
-            <a:r>
-              <a:rPr lang="en-US" dirty="0" err="1"/>
-              <a:t>izlecim</a:t>
-            </a:r>
-            <a:r>
-              <a:rPr lang="en-US" dirty="0"/>
-              <a:t> </a:t>
-            </a:r>
-            <a:r>
-              <a:rPr lang="en-US" dirty="0" err="1"/>
-              <a:t>svoj</a:t>
-            </a:r>
-            <a:r>
-              <a:rPr lang="en-US" dirty="0"/>
-              <a:t> </a:t>
-            </a:r>
-            <a:r>
-              <a:rPr lang="en-US" dirty="0" err="1"/>
-              <a:t>iskrivljeni</a:t>
-            </a:r>
-            <a:r>
-              <a:rPr lang="en-US" dirty="0"/>
-              <a:t> </a:t>
-            </a:r>
-            <a:r>
-              <a:rPr lang="en-US" dirty="0" err="1"/>
-              <a:t>pogled</a:t>
-            </a:r>
-            <a:r>
-              <a:rPr lang="en-US" dirty="0"/>
-              <a:t> </a:t>
-            </a:r>
-            <a:r>
-              <a:rPr lang="en-US" dirty="0" err="1"/>
-              <a:t>na</a:t>
-            </a:r>
-            <a:r>
-              <a:rPr lang="en-US" dirty="0"/>
-              <a:t> </a:t>
-            </a:r>
-            <a:r>
-              <a:rPr lang="en-US" dirty="0" err="1"/>
-              <a:t>svet</a:t>
-            </a:r>
-            <a:r>
-              <a:rPr lang="en-US" dirty="0"/>
-              <a:t>. </a:t>
-            </a:r>
-            <a:r>
-              <a:rPr lang="en-US" dirty="0" err="1"/>
-              <a:t>Naravno</a:t>
-            </a:r>
-            <a:r>
-              <a:rPr lang="en-US" dirty="0"/>
-              <a:t>, </a:t>
-            </a:r>
-            <a:r>
-              <a:rPr lang="en-US" dirty="0" err="1"/>
-              <a:t>Gospode</a:t>
-            </a:r>
-            <a:r>
-              <a:rPr lang="en-US" dirty="0"/>
-              <a:t> </a:t>
-            </a:r>
-            <a:r>
-              <a:rPr lang="en-US" dirty="0" err="1"/>
-              <a:t>ti</a:t>
-            </a:r>
-            <a:r>
-              <a:rPr lang="en-US" dirty="0"/>
-              <a:t> </a:t>
-            </a:r>
-            <a:r>
-              <a:rPr lang="en-US" dirty="0" err="1"/>
-              <a:t>si</a:t>
-            </a:r>
-            <a:r>
-              <a:rPr lang="en-US" dirty="0"/>
-              <a:t> </a:t>
-            </a:r>
-            <a:r>
-              <a:rPr lang="en-US" dirty="0" err="1"/>
-              <a:t>uvek</a:t>
-            </a:r>
-            <a:r>
-              <a:rPr lang="en-US" dirty="0"/>
-              <a:t> </a:t>
-            </a:r>
-            <a:r>
-              <a:rPr lang="en-US" dirty="0" err="1"/>
-              <a:t>sa</a:t>
-            </a:r>
-            <a:r>
-              <a:rPr lang="en-US" dirty="0"/>
-              <a:t> </a:t>
-            </a:r>
-            <a:r>
-              <a:rPr lang="en-US" dirty="0" err="1"/>
-              <a:t>mnom</a:t>
-            </a:r>
-            <a:r>
-              <a:rPr lang="en-US"/>
+              <a:t>natovareni</a:t>
+            </a:r>
+            <a:r>
+              <a:rPr lang="en-US" dirty="0"/>
+              <a:t>, I ja cu </a:t>
+            </a:r>
+            <a:r>
+              <a:rPr lang="en-US" dirty="0" err="1"/>
+              <a:t>vam</a:t>
+            </a:r>
+            <a:r>
+              <a:rPr lang="en-US" dirty="0"/>
+              <a:t> </a:t>
+            </a:r>
+            <a:r>
+              <a:rPr lang="en-US" dirty="0" err="1"/>
+              <a:t>dati</a:t>
+            </a:r>
+            <a:r>
+              <a:rPr lang="en-US" dirty="0"/>
+              <a:t> </a:t>
+            </a:r>
+            <a:r>
+              <a:rPr lang="en-US" dirty="0" err="1"/>
+              <a:t>odmor</a:t>
+            </a:r>
+            <a:r>
+              <a:rPr lang="en-US" dirty="0"/>
               <a:t>”</a:t>
             </a:r>
           </a:p>
@@ -12701,7 +12751,7 @@
     </p:spTree>
     <p:extLst>
       <p:ext uri="{BB962C8B-B14F-4D97-AF65-F5344CB8AC3E}">
-        <p14:creationId xmlns:p14="http://schemas.microsoft.com/office/powerpoint/2010/main" val="4224594438"/>
+        <p14:creationId xmlns:p14="http://schemas.microsoft.com/office/powerpoint/2010/main" val="1131456543"/>
       </p:ext>
     </p:extLst>
   </p:cSld>
@@ -12750,12 +12800,40 @@
           <a:lstStyle/>
           <a:p>
             <a:r>
-              <a:rPr lang="en-US" dirty="0" err="1"/>
-              <a:t>Koristi</a:t>
-            </a:r>
-            <a:r>
-              <a:rPr lang="en-US" dirty="0"/>
-              <a:t> pomodoro </a:t>
+              <a:rPr lang="en-US" dirty="0"/>
+              <a:t>“</a:t>
+            </a:r>
+            <a:r>
+              <a:rPr lang="en-US" dirty="0" err="1"/>
+              <a:t>Izbaci</a:t>
+            </a:r>
+            <a:r>
+              <a:rPr lang="en-US" dirty="0"/>
+              <a:t>” Boga </a:t>
+            </a:r>
+            <a:r>
+              <a:rPr lang="en-US" dirty="0" err="1"/>
+              <a:t>iz</a:t>
+            </a:r>
+            <a:r>
+              <a:rPr lang="en-US" dirty="0"/>
+              <a:t> </a:t>
+            </a:r>
+            <a:r>
+              <a:rPr lang="en-US" dirty="0" err="1"/>
+              <a:t>poslovnog</a:t>
+            </a:r>
+            <a:r>
+              <a:rPr lang="en-US" dirty="0"/>
+              <a:t> </a:t>
+            </a:r>
+            <a:r>
+              <a:rPr lang="en-US" dirty="0" err="1"/>
+              <a:t>sveta</a:t>
+            </a:r>
+            <a:r>
+              <a:rPr lang="en-US" dirty="0"/>
+              <a:t>	</a:t>
             </a:r>
           </a:p>
         </p:txBody>
@@ -12782,28 +12860,192 @@
           <a:lstStyle/>
           <a:p>
             <a:r>
-              <a:rPr lang="en-US" dirty="0"/>
-              <a:t>Ne </a:t>
-            </a:r>
-            <a:r>
-              <a:rPr lang="en-US" dirty="0" err="1"/>
-              <a:t>nabijaj</a:t>
-            </a:r>
-            <a:r>
-              <a:rPr lang="en-US" dirty="0"/>
-              <a:t> </a:t>
-            </a:r>
-            <a:r>
-              <a:rPr lang="en-US" dirty="0" err="1"/>
-              <a:t>sebi</a:t>
-            </a:r>
-            <a:r>
-              <a:rPr lang="en-US" dirty="0"/>
-              <a:t> </a:t>
-            </a:r>
-            <a:r>
-              <a:rPr lang="en-US" dirty="0" err="1"/>
-              <a:t>pritisak</a:t>
+              <a:rPr lang="en-US" dirty="0" err="1"/>
+              <a:t>Rekao</a:t>
+            </a:r>
+            <a:r>
+              <a:rPr lang="en-US" dirty="0"/>
+              <a:t> </a:t>
+            </a:r>
+            <a:r>
+              <a:rPr lang="en-US" dirty="0" err="1"/>
+              <a:t>sam</a:t>
+            </a:r>
+            <a:r>
+              <a:rPr lang="en-US" dirty="0"/>
+              <a:t> </a:t>
+            </a:r>
+            <a:r>
+              <a:rPr lang="en-US" dirty="0" err="1"/>
+              <a:t>Bogu</a:t>
+            </a:r>
+            <a:r>
+              <a:rPr lang="en-US" dirty="0"/>
+              <a:t>: “</a:t>
+            </a:r>
+            <a:r>
+              <a:rPr lang="en-US" dirty="0" err="1"/>
+              <a:t>Gospode</a:t>
+            </a:r>
+            <a:r>
+              <a:rPr lang="en-US" dirty="0"/>
+              <a:t>, </a:t>
+            </a:r>
+            <a:r>
+              <a:rPr lang="en-US" dirty="0" err="1"/>
+              <a:t>dalje</a:t>
+            </a:r>
+            <a:r>
+              <a:rPr lang="en-US" dirty="0"/>
+              <a:t> se </a:t>
+            </a:r>
+            <a:r>
+              <a:rPr lang="en-US" dirty="0" err="1"/>
+              <a:t>necu</a:t>
+            </a:r>
+            <a:r>
+              <a:rPr lang="en-US" dirty="0"/>
+              <a:t> vise </a:t>
+            </a:r>
+            <a:r>
+              <a:rPr lang="en-US" dirty="0" err="1"/>
+              <a:t>moliti</a:t>
+            </a:r>
+            <a:r>
+              <a:rPr lang="en-US" dirty="0"/>
+              <a:t> za </a:t>
+            </a:r>
+            <a:r>
+              <a:rPr lang="en-US" dirty="0" err="1"/>
+              <a:t>posao</a:t>
+            </a:r>
+            <a:r>
+              <a:rPr lang="en-US" dirty="0"/>
+              <a:t>, </a:t>
+            </a:r>
+            <a:r>
+              <a:rPr lang="en-US" dirty="0" err="1"/>
+              <a:t>nadam</a:t>
+            </a:r>
+            <a:r>
+              <a:rPr lang="en-US" dirty="0"/>
+              <a:t> se da me </a:t>
+            </a:r>
+            <a:r>
+              <a:rPr lang="en-US" dirty="0" err="1"/>
+              <a:t>razumes</a:t>
+            </a:r>
+            <a:r>
+              <a:rPr lang="en-US" dirty="0"/>
+              <a:t>. Previse </a:t>
+            </a:r>
+            <a:r>
+              <a:rPr lang="en-US" dirty="0" err="1"/>
+              <a:t>te</a:t>
+            </a:r>
+            <a:r>
+              <a:rPr lang="en-US" dirty="0"/>
+              <a:t> </a:t>
+            </a:r>
+            <a:r>
+              <a:rPr lang="en-US" dirty="0" err="1"/>
+              <a:t>uplicem</a:t>
+            </a:r>
+            <a:r>
+              <a:rPr lang="en-US" dirty="0"/>
+              <a:t> u </a:t>
+            </a:r>
+            <a:r>
+              <a:rPr lang="en-US" dirty="0" err="1"/>
+              <a:t>svoj</a:t>
+            </a:r>
+            <a:r>
+              <a:rPr lang="en-US" dirty="0"/>
+              <a:t> </a:t>
+            </a:r>
+            <a:r>
+              <a:rPr lang="en-US" dirty="0" err="1"/>
+              <a:t>poslovni</a:t>
+            </a:r>
+            <a:r>
+              <a:rPr lang="en-US" dirty="0"/>
+              <a:t> </a:t>
+            </a:r>
+            <a:r>
+              <a:rPr lang="en-US" dirty="0" err="1"/>
+              <a:t>zivot</a:t>
+            </a:r>
+            <a:r>
+              <a:rPr lang="en-US" dirty="0"/>
+              <a:t> I ne </a:t>
+            </a:r>
+            <a:r>
+              <a:rPr lang="en-US" dirty="0" err="1"/>
+              <a:t>mogu</a:t>
+            </a:r>
+            <a:r>
+              <a:rPr lang="en-US" dirty="0"/>
+              <a:t> da </a:t>
+            </a:r>
+            <a:r>
+              <a:rPr lang="en-US" dirty="0" err="1"/>
+              <a:t>razdvojim</a:t>
+            </a:r>
+            <a:r>
+              <a:rPr lang="en-US" dirty="0"/>
+              <a:t> </a:t>
+            </a:r>
+            <a:r>
+              <a:rPr lang="en-US" dirty="0" err="1"/>
+              <a:t>prilazak</a:t>
+            </a:r>
+            <a:r>
+              <a:rPr lang="en-US" dirty="0"/>
+              <a:t> </a:t>
+            </a:r>
+            <a:r>
+              <a:rPr lang="en-US" dirty="0" err="1"/>
+              <a:t>tebi</a:t>
+            </a:r>
+            <a:r>
+              <a:rPr lang="en-US" dirty="0"/>
+              <a:t> od </a:t>
+            </a:r>
+            <a:r>
+              <a:rPr lang="en-US" dirty="0" err="1"/>
+              <a:t>posla</a:t>
+            </a:r>
+            <a:r>
+              <a:rPr lang="en-US" dirty="0"/>
+              <a:t>, </a:t>
+            </a:r>
+            <a:r>
+              <a:rPr lang="en-US" dirty="0" err="1"/>
+              <a:t>jer</a:t>
+            </a:r>
+            <a:r>
+              <a:rPr lang="en-US" dirty="0"/>
+              <a:t> </a:t>
+            </a:r>
+            <a:r>
+              <a:rPr lang="en-US" dirty="0" err="1"/>
+              <a:t>ste</a:t>
+            </a:r>
+            <a:r>
+              <a:rPr lang="en-US" dirty="0"/>
+              <a:t> mi </a:t>
+            </a:r>
+            <a:r>
+              <a:rPr lang="en-US" dirty="0" err="1"/>
+              <a:t>jedno</a:t>
+            </a:r>
+            <a:r>
+              <a:rPr lang="en-US" dirty="0"/>
+              <a:t> </a:t>
+            </a:r>
+            <a:r>
+              <a:rPr lang="en-US" dirty="0" err="1"/>
+              <a:t>isto</a:t>
             </a:r>
             <a:r>
               <a:rPr lang="en-US" dirty="0"/>
@@ -12811,15 +13053,79 @@
             </a:r>
             <a:r>
               <a:rPr lang="en-US" dirty="0" err="1"/>
-              <a:t>Postavi</a:t>
-            </a:r>
-            <a:r>
-              <a:rPr lang="en-US" dirty="0"/>
-              <a:t> </a:t>
-            </a:r>
-            <a:r>
-              <a:rPr lang="en-US" dirty="0" err="1"/>
-              <a:t>pomodor</a:t>
+              <a:t>Ovom</a:t>
+            </a:r>
+            <a:r>
+              <a:rPr lang="en-US" dirty="0"/>
+              <a:t> </a:t>
+            </a:r>
+            <a:r>
+              <a:rPr lang="en-US" dirty="0" err="1"/>
+              <a:t>prilikom</a:t>
+            </a:r>
+            <a:r>
+              <a:rPr lang="en-US" dirty="0"/>
+              <a:t> cu se </a:t>
+            </a:r>
+            <a:r>
+              <a:rPr lang="en-US" dirty="0" err="1"/>
+              <a:t>poslednji</a:t>
+            </a:r>
+            <a:r>
+              <a:rPr lang="en-US" dirty="0"/>
+              <a:t> put </a:t>
+            </a:r>
+            <a:r>
+              <a:rPr lang="en-US" dirty="0" err="1"/>
+              <a:t>pomoliti</a:t>
+            </a:r>
+            <a:r>
+              <a:rPr lang="en-US" dirty="0"/>
+              <a:t> za </a:t>
+            </a:r>
+            <a:r>
+              <a:rPr lang="en-US" dirty="0" err="1"/>
+              <a:t>posao</a:t>
+            </a:r>
+            <a:r>
+              <a:rPr lang="en-US" dirty="0"/>
+              <a:t>, </a:t>
+            </a:r>
+            <a:r>
+              <a:rPr lang="en-US" dirty="0" err="1"/>
+              <a:t>molim</a:t>
+            </a:r>
+            <a:r>
+              <a:rPr lang="en-US" dirty="0"/>
+              <a:t> </a:t>
+            </a:r>
+            <a:r>
+              <a:rPr lang="en-US" dirty="0" err="1"/>
+              <a:t>te</a:t>
+            </a:r>
+            <a:r>
+              <a:rPr lang="en-US" dirty="0"/>
+              <a:t> </a:t>
+            </a:r>
+            <a:r>
+              <a:rPr lang="en-US" dirty="0" err="1"/>
+              <a:t>vodi</a:t>
+            </a:r>
+            <a:r>
+              <a:rPr lang="en-US" dirty="0"/>
+              <a:t> </a:t>
+            </a:r>
+            <a:r>
+              <a:rPr lang="en-US" dirty="0" err="1"/>
+              <a:t>moju</a:t>
+            </a:r>
+            <a:r>
+              <a:rPr lang="en-US" dirty="0"/>
+              <a:t> </a:t>
+            </a:r>
+            <a:r>
+              <a:rPr lang="en-US" dirty="0" err="1"/>
+              <a:t>karijeru</a:t>
             </a:r>
             <a:r>
               <a:rPr lang="en-US" dirty="0"/>
@@ -12827,31 +13133,39 @@
             </a:r>
             <a:r>
               <a:rPr lang="en-US" dirty="0" err="1"/>
-              <a:t>reci</a:t>
-            </a:r>
-            <a:r>
-              <a:rPr lang="en-US" dirty="0"/>
-              <a:t> : </a:t>
-            </a:r>
-            <a:r>
-              <a:rPr lang="en-US" dirty="0" err="1"/>
-              <a:t>koliko</a:t>
-            </a:r>
-            <a:r>
-              <a:rPr lang="en-US" dirty="0"/>
-              <a:t> do tad </a:t>
-            </a:r>
-            <a:r>
-              <a:rPr lang="en-US" dirty="0" err="1"/>
-              <a:t>uradim</a:t>
-            </a:r>
-            <a:r>
-              <a:rPr lang="en-US" dirty="0"/>
-              <a:t> </a:t>
-            </a:r>
-            <a:r>
-              <a:rPr lang="en-US" dirty="0" err="1"/>
-              <a:t>uradim</a:t>
+              <a:t>pomozi</a:t>
+            </a:r>
+            <a:r>
+              <a:rPr lang="en-US" dirty="0"/>
+              <a:t> mi da dobro </a:t>
+            </a:r>
+            <a:r>
+              <a:rPr lang="en-US" dirty="0" err="1"/>
+              <a:t>radim</a:t>
+            </a:r>
+            <a:r>
+              <a:rPr lang="en-US" dirty="0"/>
+              <a:t>. </a:t>
+            </a:r>
+            <a:r>
+              <a:rPr lang="en-US" dirty="0" err="1"/>
+              <a:t>Kada</a:t>
+            </a:r>
+            <a:r>
+              <a:rPr lang="en-US" dirty="0"/>
+              <a:t> </a:t>
+            </a:r>
+            <a:r>
+              <a:rPr lang="en-US" dirty="0" err="1"/>
+              <a:t>dodjem</a:t>
+            </a:r>
+            <a:r>
+              <a:rPr lang="en-US" dirty="0"/>
+              <a:t> </a:t>
+            </a:r>
+            <a:r>
+              <a:rPr lang="en-US" dirty="0" err="1"/>
+              <a:t>kuci</a:t>
             </a:r>
             <a:r>
               <a:rPr lang="en-US" dirty="0"/>
@@ -12859,7 +13173,55 @@
             </a:r>
             <a:r>
               <a:rPr lang="en-US" dirty="0" err="1"/>
-              <a:t>necu</a:t>
+              <a:t>pocinjem</a:t>
+            </a:r>
+            <a:r>
+              <a:rPr lang="en-US" dirty="0"/>
+              <a:t> da se </a:t>
+            </a:r>
+            <a:r>
+              <a:rPr lang="en-US" dirty="0" err="1"/>
+              <a:t>druzim</a:t>
+            </a:r>
+            <a:r>
+              <a:rPr lang="en-US" dirty="0"/>
+              <a:t> </a:t>
+            </a:r>
+            <a:r>
+              <a:rPr lang="en-US" dirty="0" err="1"/>
+              <a:t>sa</a:t>
+            </a:r>
+            <a:r>
+              <a:rPr lang="en-US" dirty="0"/>
+              <a:t> </a:t>
+            </a:r>
+            <a:r>
+              <a:rPr lang="en-US" dirty="0" err="1"/>
+              <a:t>Tobom</a:t>
+            </a:r>
+            <a:r>
+              <a:rPr lang="en-US" dirty="0"/>
+              <a:t>, I </a:t>
+            </a:r>
+            <a:r>
+              <a:rPr lang="en-US" dirty="0" err="1"/>
+              <a:t>pokusacu</a:t>
+            </a:r>
+            <a:r>
+              <a:rPr lang="en-US" dirty="0"/>
+              <a:t> </a:t>
+            </a:r>
+            <a:r>
+              <a:rPr lang="en-US" dirty="0" err="1"/>
+              <a:t>na</a:t>
+            </a:r>
+            <a:r>
+              <a:rPr lang="en-US" dirty="0"/>
+              <a:t> taj </a:t>
+            </a:r>
+            <a:r>
+              <a:rPr lang="en-US" dirty="0" err="1"/>
+              <a:t>nacin</a:t>
             </a:r>
             <a:r>
               <a:rPr lang="en-US" dirty="0"/>
@@ -12867,15 +13229,31 @@
             </a:r>
             <a:r>
               <a:rPr lang="en-US" dirty="0" err="1"/>
-              <a:t>vrsim</a:t>
-            </a:r>
-            <a:r>
-              <a:rPr lang="en-US" dirty="0"/>
-              <a:t> </a:t>
-            </a:r>
-            <a:r>
-              <a:rPr lang="en-US" dirty="0" err="1"/>
-              <a:t>pritisak</a:t>
+              <a:t>izlecim</a:t>
+            </a:r>
+            <a:r>
+              <a:rPr lang="en-US" dirty="0"/>
+              <a:t> </a:t>
+            </a:r>
+            <a:r>
+              <a:rPr lang="en-US" dirty="0" err="1"/>
+              <a:t>svoj</a:t>
+            </a:r>
+            <a:r>
+              <a:rPr lang="en-US" dirty="0"/>
+              <a:t> </a:t>
+            </a:r>
+            <a:r>
+              <a:rPr lang="en-US" dirty="0" err="1"/>
+              <a:t>iskrivljeni</a:t>
+            </a:r>
+            <a:r>
+              <a:rPr lang="en-US" dirty="0"/>
+              <a:t> </a:t>
+            </a:r>
+            <a:r>
+              <a:rPr lang="en-US" dirty="0" err="1"/>
+              <a:t>pogled</a:t>
             </a:r>
             <a:r>
               <a:rPr lang="en-US" dirty="0"/>
@@ -12891,7 +13269,7 @@
             </a:r>
             <a:r>
               <a:rPr lang="en-US" dirty="0" err="1"/>
-              <a:t>sebe</a:t>
+              <a:t>svet</a:t>
             </a:r>
             <a:r>
               <a:rPr lang="en-US" dirty="0"/>
@@ -12899,39 +13277,23 @@
             </a:r>
             <a:r>
               <a:rPr lang="en-US" dirty="0" err="1"/>
-              <a:t>Pocni</a:t>
-            </a:r>
-            <a:r>
-              <a:rPr lang="en-US" dirty="0"/>
-              <a:t> da </a:t>
-            </a:r>
-            <a:r>
-              <a:rPr lang="en-US" dirty="0" err="1"/>
-              <a:t>radis</a:t>
-            </a:r>
-            <a:r>
-              <a:rPr lang="en-US" dirty="0"/>
-              <a:t> 10% </a:t>
-            </a:r>
-            <a:r>
-              <a:rPr lang="en-US" dirty="0" err="1"/>
-              <a:t>sporije</a:t>
-            </a:r>
-            <a:r>
-              <a:rPr lang="en-US" dirty="0"/>
-              <a:t> </a:t>
-            </a:r>
-            <a:r>
-              <a:rPr lang="en-US" dirty="0" err="1"/>
-              <a:t>nego</a:t>
-            </a:r>
-            <a:r>
-              <a:rPr lang="en-US" dirty="0"/>
-              <a:t> </a:t>
-            </a:r>
-            <a:r>
-              <a:rPr lang="en-US" dirty="0" err="1"/>
-              <a:t>sto</a:t>
+              <a:t>Naravno</a:t>
+            </a:r>
+            <a:r>
+              <a:rPr lang="en-US" dirty="0"/>
+              <a:t>, </a:t>
+            </a:r>
+            <a:r>
+              <a:rPr lang="en-US" dirty="0" err="1"/>
+              <a:t>Gospode</a:t>
+            </a:r>
+            <a:r>
+              <a:rPr lang="en-US" dirty="0"/>
+              <a:t> </a:t>
+            </a:r>
+            <a:r>
+              <a:rPr lang="en-US" dirty="0" err="1"/>
+              <a:t>ti</a:t>
             </a:r>
             <a:r>
               <a:rPr lang="en-US" dirty="0"/>
@@ -12947,64 +13309,35 @@
             </a:r>
             <a:r>
               <a:rPr lang="en-US" dirty="0" err="1"/>
-              <a:t>inace</a:t>
-            </a:r>
-            <a:r>
-              <a:rPr lang="en-US" dirty="0"/>
-              <a:t> radio. </a:t>
-            </a:r>
-            <a:r>
-              <a:rPr lang="en-US" dirty="0" err="1"/>
-              <a:t>Uspori</a:t>
-            </a:r>
-            <a:r>
-              <a:rPr lang="en-US" dirty="0"/>
-              <a:t> I </a:t>
-            </a:r>
-            <a:r>
-              <a:rPr lang="en-US" dirty="0" err="1"/>
-              <a:t>vidi</a:t>
-            </a:r>
-            <a:r>
-              <a:rPr lang="en-US" dirty="0"/>
-              <a:t> </a:t>
-            </a:r>
-            <a:r>
-              <a:rPr lang="en-US" dirty="0" err="1"/>
-              <a:t>kako</a:t>
-            </a:r>
-            <a:r>
-              <a:rPr lang="en-US" dirty="0"/>
-              <a:t> se da se to </a:t>
-            </a:r>
-            <a:r>
-              <a:rPr lang="en-US" dirty="0" err="1"/>
-              <a:t>odrazi</a:t>
-            </a:r>
-            <a:r>
-              <a:rPr lang="en-US" dirty="0"/>
-              <a:t> </a:t>
-            </a:r>
-            <a:r>
-              <a:rPr lang="en-US" dirty="0" err="1"/>
-              <a:t>na</a:t>
-            </a:r>
-            <a:r>
-              <a:rPr lang="en-US" dirty="0"/>
-              <a:t> </a:t>
+              <a:t>uvek</a:t>
+            </a:r>
+            <a:r>
+              <a:rPr lang="en-US" dirty="0"/>
+              <a:t> </a:t>
+            </a:r>
+            <a:r>
+              <a:rPr lang="en-US" dirty="0" err="1"/>
+              <a:t>sa</a:t>
+            </a:r>
+            <a:r>
+              <a:rPr lang="en-US" dirty="0"/>
+              <a:t> </a:t>
+            </a:r>
+            <a:r>
+              <a:rPr lang="en-US" dirty="0" err="1"/>
+              <a:t>mnom</a:t>
             </a:r>
             <a:r>
               <a:rPr lang="en-US"/>
-              <a:t>sve</a:t>
-            </a:r>
-            <a:endParaRPr lang="en-US" dirty="0"/>
+              <a:t>”</a:t>
+            </a:r>
           </a:p>
         </p:txBody>
       </p:sp>
     </p:spTree>
     <p:extLst>
       <p:ext uri="{BB962C8B-B14F-4D97-AF65-F5344CB8AC3E}">
-        <p14:creationId xmlns:p14="http://schemas.microsoft.com/office/powerpoint/2010/main" val="2985264182"/>
+        <p14:creationId xmlns:p14="http://schemas.microsoft.com/office/powerpoint/2010/main" val="4224594438"/>
       </p:ext>
     </p:extLst>
   </p:cSld>
@@ -13036,7 +13369,7 @@
           <p:cNvPr id="2" name="Title 1">
             <a:extLst>
               <a:ext uri="{FF2B5EF4-FFF2-40B4-BE49-F238E27FC236}">
-                <a16:creationId xmlns:a16="http://schemas.microsoft.com/office/drawing/2014/main" id="{D28167AB-8288-484E-8C0C-2873067886D9}"/>
+                <a16:creationId xmlns:a16="http://schemas.microsoft.com/office/drawing/2014/main" id="{510C0FC4-48B0-4A42-834F-A4DFE9287B03}"/>
               </a:ext>
             </a:extLst>
           </p:cNvPr>
@@ -13053,38 +13386,13 @@
           <a:lstStyle/>
           <a:p>
             <a:r>
-              <a:rPr lang="en-US" dirty="0"/>
-              <a:t>Sta </a:t>
-            </a:r>
-            <a:r>
-              <a:rPr lang="en-US" dirty="0" err="1"/>
-              <a:t>mene</a:t>
-            </a:r>
-            <a:r>
-              <a:rPr lang="en-US" dirty="0"/>
-              <a:t> </a:t>
-            </a:r>
-            <a:r>
-              <a:rPr lang="en-US" dirty="0" err="1"/>
-              <a:t>cini</a:t>
-            </a:r>
-            <a:r>
-              <a:rPr lang="en-US" dirty="0"/>
-              <a:t> </a:t>
-            </a:r>
-            <a:r>
-              <a:rPr lang="en-US" dirty="0" err="1"/>
-              <a:t>srecnim</a:t>
-            </a:r>
-            <a:r>
-              <a:rPr lang="en-US" dirty="0"/>
-              <a:t>/</a:t>
-            </a:r>
-            <a:r>
-              <a:rPr lang="en-US" dirty="0" err="1"/>
-              <a:t>nesrecnim</a:t>
-            </a:r>
-            <a:endParaRPr lang="en-US" dirty="0"/>
+              <a:rPr lang="en-US" dirty="0" err="1"/>
+              <a:t>Koristi</a:t>
+            </a:r>
+            <a:r>
+              <a:rPr lang="en-US" dirty="0"/>
+              <a:t> pomodoro </a:t>
+            </a:r>
           </a:p>
         </p:txBody>
       </p:sp>
@@ -13093,7 +13401,7 @@
           <p:cNvPr id="3" name="Content Placeholder 2">
             <a:extLst>
               <a:ext uri="{FF2B5EF4-FFF2-40B4-BE49-F238E27FC236}">
-                <a16:creationId xmlns:a16="http://schemas.microsoft.com/office/drawing/2014/main" id="{7E188C3D-3BBB-4A5F-B5F6-F5B5765F97B6}"/>
+                <a16:creationId xmlns:a16="http://schemas.microsoft.com/office/drawing/2014/main" id="{370EA88E-2D99-4356-9E6B-9FF4FB717165}"/>
               </a:ext>
             </a:extLst>
           </p:cNvPr>
@@ -13110,16 +13418,220 @@
           <a:lstStyle/>
           <a:p>
             <a:r>
-              <a:rPr lang="en-US" dirty="0" err="1"/>
-              <a:t>Citaj</a:t>
-            </a:r>
-            <a:r>
-              <a:rPr lang="en-US" dirty="0"/>
-              <a:t> dole </a:t>
-            </a:r>
-            <a:r>
-              <a:rPr lang="en-US" dirty="0" err="1"/>
-              <a:t>slajdove</a:t>
+              <a:rPr lang="en-US" dirty="0"/>
+              <a:t>Ne </a:t>
+            </a:r>
+            <a:r>
+              <a:rPr lang="en-US" dirty="0" err="1"/>
+              <a:t>nabijaj</a:t>
+            </a:r>
+            <a:r>
+              <a:rPr lang="en-US" dirty="0"/>
+              <a:t> </a:t>
+            </a:r>
+            <a:r>
+              <a:rPr lang="en-US" dirty="0" err="1"/>
+              <a:t>sebi</a:t>
+            </a:r>
+            <a:r>
+              <a:rPr lang="en-US" dirty="0"/>
+              <a:t> </a:t>
+            </a:r>
+            <a:r>
+              <a:rPr lang="en-US" dirty="0" err="1"/>
+              <a:t>pritisak</a:t>
+            </a:r>
+            <a:r>
+              <a:rPr lang="en-US" dirty="0"/>
+              <a:t>. </a:t>
+            </a:r>
+            <a:r>
+              <a:rPr lang="en-US" dirty="0" err="1"/>
+              <a:t>Postavi</a:t>
+            </a:r>
+            <a:r>
+              <a:rPr lang="en-US" dirty="0"/>
+              <a:t> </a:t>
+            </a:r>
+            <a:r>
+              <a:rPr lang="en-US" dirty="0" err="1"/>
+              <a:t>pomodor</a:t>
+            </a:r>
+            <a:r>
+              <a:rPr lang="en-US" dirty="0"/>
+              <a:t> I </a:t>
+            </a:r>
+            <a:r>
+              <a:rPr lang="en-US" dirty="0" err="1"/>
+              <a:t>reci</a:t>
+            </a:r>
+            <a:r>
+              <a:rPr lang="en-US" dirty="0"/>
+              <a:t> : </a:t>
+            </a:r>
+            <a:r>
+              <a:rPr lang="en-US" dirty="0" err="1"/>
+              <a:t>koliko</a:t>
+            </a:r>
+            <a:r>
+              <a:rPr lang="en-US" dirty="0"/>
+              <a:t> do tad </a:t>
+            </a:r>
+            <a:r>
+              <a:rPr lang="en-US" dirty="0" err="1"/>
+              <a:t>uradim</a:t>
+            </a:r>
+            <a:r>
+              <a:rPr lang="en-US" dirty="0"/>
+              <a:t> </a:t>
+            </a:r>
+            <a:r>
+              <a:rPr lang="en-US" dirty="0" err="1"/>
+              <a:t>uradim</a:t>
+            </a:r>
+            <a:r>
+              <a:rPr lang="en-US" dirty="0"/>
+              <a:t>, </a:t>
+            </a:r>
+            <a:r>
+              <a:rPr lang="en-US" dirty="0" err="1"/>
+              <a:t>necu</a:t>
+            </a:r>
+            <a:r>
+              <a:rPr lang="en-US" dirty="0"/>
+              <a:t> da </a:t>
+            </a:r>
+            <a:r>
+              <a:rPr lang="en-US" dirty="0" err="1"/>
+              <a:t>vrsim</a:t>
+            </a:r>
+            <a:r>
+              <a:rPr lang="en-US" dirty="0"/>
+              <a:t> </a:t>
+            </a:r>
+            <a:r>
+              <a:rPr lang="en-US" dirty="0" err="1"/>
+              <a:t>pritisak</a:t>
+            </a:r>
+            <a:r>
+              <a:rPr lang="en-US" dirty="0"/>
+              <a:t> </a:t>
+            </a:r>
+            <a:r>
+              <a:rPr lang="en-US" dirty="0" err="1"/>
+              <a:t>na</a:t>
+            </a:r>
+            <a:r>
+              <a:rPr lang="en-US" dirty="0"/>
+              <a:t> </a:t>
+            </a:r>
+            <a:r>
+              <a:rPr lang="en-US" dirty="0" err="1"/>
+              <a:t>sebe</a:t>
+            </a:r>
+            <a:r>
+              <a:rPr lang="en-US" dirty="0"/>
+              <a:t>. </a:t>
+            </a:r>
+            <a:r>
+              <a:rPr lang="en-US" dirty="0" err="1"/>
+              <a:t>Pocni</a:t>
+            </a:r>
+            <a:r>
+              <a:rPr lang="en-US" dirty="0"/>
+              <a:t> da </a:t>
+            </a:r>
+            <a:r>
+              <a:rPr lang="en-US" dirty="0" err="1"/>
+              <a:t>radis</a:t>
+            </a:r>
+            <a:r>
+              <a:rPr lang="en-US" dirty="0"/>
+              <a:t> 10% </a:t>
+            </a:r>
+            <a:r>
+              <a:rPr lang="en-US" dirty="0" err="1"/>
+              <a:t>sporije</a:t>
+            </a:r>
+            <a:r>
+              <a:rPr lang="en-US" dirty="0"/>
+              <a:t> </a:t>
+            </a:r>
+            <a:r>
+              <a:rPr lang="en-US" dirty="0" err="1"/>
+              <a:t>nego</a:t>
+            </a:r>
+            <a:r>
+              <a:rPr lang="en-US" dirty="0"/>
+              <a:t> </a:t>
+            </a:r>
+            <a:r>
+              <a:rPr lang="en-US" dirty="0" err="1"/>
+              <a:t>sto</a:t>
+            </a:r>
+            <a:r>
+              <a:rPr lang="en-US" dirty="0"/>
+              <a:t> </a:t>
+            </a:r>
+            <a:r>
+              <a:rPr lang="en-US" dirty="0" err="1"/>
+              <a:t>si</a:t>
+            </a:r>
+            <a:r>
+              <a:rPr lang="en-US" dirty="0"/>
+              <a:t> </a:t>
+            </a:r>
+            <a:r>
+              <a:rPr lang="en-US" dirty="0" err="1"/>
+              <a:t>inace</a:t>
+            </a:r>
+            <a:r>
+              <a:rPr lang="en-US" dirty="0"/>
+              <a:t> radio. </a:t>
+            </a:r>
+            <a:r>
+              <a:rPr lang="en-US" dirty="0" err="1"/>
+              <a:t>Uspori</a:t>
+            </a:r>
+            <a:r>
+              <a:rPr lang="en-US" dirty="0"/>
+              <a:t> I </a:t>
+            </a:r>
+            <a:r>
+              <a:rPr lang="en-US" dirty="0" err="1"/>
+              <a:t>vidi</a:t>
+            </a:r>
+            <a:r>
+              <a:rPr lang="en-US" dirty="0"/>
+              <a:t> </a:t>
+            </a:r>
+            <a:r>
+              <a:rPr lang="en-US" dirty="0" err="1"/>
+              <a:t>kako</a:t>
+            </a:r>
+            <a:r>
+              <a:rPr lang="en-US" dirty="0"/>
+              <a:t> se da se to </a:t>
+            </a:r>
+            <a:r>
+              <a:rPr lang="en-US" dirty="0" err="1"/>
+              <a:t>odrazi</a:t>
+            </a:r>
+            <a:r>
+              <a:rPr lang="en-US" dirty="0"/>
+              <a:t> </a:t>
+            </a:r>
+            <a:r>
+              <a:rPr lang="en-US" dirty="0" err="1"/>
+              <a:t>na</a:t>
+            </a:r>
+            <a:r>
+              <a:rPr lang="en-US" dirty="0"/>
+              <a:t> </a:t>
+            </a:r>
+            <a:r>
+              <a:rPr lang="en-US"/>
+              <a:t>sve</a:t>
             </a:r>
             <a:endParaRPr lang="en-US" dirty="0"/>
           </a:p>
@@ -13128,7 +13640,7 @@
     </p:spTree>
     <p:extLst>
       <p:ext uri="{BB962C8B-B14F-4D97-AF65-F5344CB8AC3E}">
-        <p14:creationId xmlns:p14="http://schemas.microsoft.com/office/powerpoint/2010/main" val="3807096079"/>
+        <p14:creationId xmlns:p14="http://schemas.microsoft.com/office/powerpoint/2010/main" val="2985264182"/>
       </p:ext>
     </p:extLst>
   </p:cSld>
